--- a/libs/materials/ppt/image-support.pptx
+++ b/libs/materials/ppt/image-support.pptx
@@ -7,8 +7,9 @@
   <p:sldIdLst>
     <p:sldId id="256" r:id="rId2"/>
     <p:sldId id="260" r:id="rId3"/>
-    <p:sldId id="261" r:id="rId4"/>
-    <p:sldId id="257" r:id="rId5"/>
+    <p:sldId id="262" r:id="rId4"/>
+    <p:sldId id="261" r:id="rId5"/>
+    <p:sldId id="257" r:id="rId6"/>
   </p:sldIdLst>
   <p:sldSz cx="12192000" cy="6858000"/>
   <p:notesSz cx="6858000" cy="9144000"/>
@@ -3080,434 +3081,1592 @@
           <a:chExt cx="0" cy="0"/>
         </a:xfrm>
       </p:grpSpPr>
-      <p:sp>
-        <p:nvSpPr>
-          <p:cNvPr id="4" name="Rectangle 3"/>
+      <p:grpSp>
+        <p:nvGrpSpPr>
+          <p:cNvPr id="9" name="Group 8"/>
+          <p:cNvGrpSpPr/>
+          <p:nvPr/>
+        </p:nvGrpSpPr>
+        <p:grpSpPr>
+          <a:xfrm>
+            <a:off x="4611407" y="334933"/>
+            <a:ext cx="7188704" cy="3645302"/>
+            <a:chOff x="382681" y="1334988"/>
+            <a:chExt cx="7188704" cy="3645302"/>
+          </a:xfrm>
+        </p:grpSpPr>
+        <p:sp>
+          <p:nvSpPr>
+            <p:cNvPr id="4" name="Rectangle 3"/>
+            <p:cNvSpPr/>
+            <p:nvPr/>
+          </p:nvSpPr>
+          <p:spPr>
+            <a:xfrm>
+              <a:off x="645837" y="1811587"/>
+              <a:ext cx="1073889" cy="871870"/>
+            </a:xfrm>
+            <a:prstGeom prst="rect">
+              <a:avLst/>
+            </a:prstGeom>
+          </p:spPr>
+          <p:style>
+            <a:lnRef idx="2">
+              <a:schemeClr val="dk1"/>
+            </a:lnRef>
+            <a:fillRef idx="1">
+              <a:schemeClr val="lt1"/>
+            </a:fillRef>
+            <a:effectRef idx="0">
+              <a:schemeClr val="dk1"/>
+            </a:effectRef>
+            <a:fontRef idx="minor">
+              <a:schemeClr val="dk1"/>
+            </a:fontRef>
+          </p:style>
+          <p:txBody>
+            <a:bodyPr rtlCol="0" anchor="ctr"/>
+            <a:lstStyle/>
+            <a:p>
+              <a:pPr algn="ctr"/>
+              <a:r>
+                <a:rPr lang="en-US" dirty="0" smtClean="0"/>
+                <a:t>1</a:t>
+              </a:r>
+            </a:p>
+            <a:p>
+              <a:pPr algn="ctr"/>
+              <a:r>
+                <a:rPr lang="en-US" dirty="0" smtClean="0"/>
+                <a:t>No </a:t>
+              </a:r>
+            </a:p>
+            <a:p>
+              <a:pPr algn="ctr"/>
+              <a:r>
+                <a:rPr lang="en-US" dirty="0" smtClean="0"/>
+                <a:t>CI</a:t>
+              </a:r>
+            </a:p>
+          </p:txBody>
+        </p:sp>
+        <p:sp>
+          <p:nvSpPr>
+            <p:cNvPr id="5" name="Rectangle 4"/>
+            <p:cNvSpPr/>
+            <p:nvPr/>
+          </p:nvSpPr>
+          <p:spPr>
+            <a:xfrm>
+              <a:off x="3463465" y="1811587"/>
+              <a:ext cx="1073889" cy="871870"/>
+            </a:xfrm>
+            <a:prstGeom prst="rect">
+              <a:avLst/>
+            </a:prstGeom>
+          </p:spPr>
+          <p:style>
+            <a:lnRef idx="2">
+              <a:schemeClr val="dk1"/>
+            </a:lnRef>
+            <a:fillRef idx="1">
+              <a:schemeClr val="lt1"/>
+            </a:fillRef>
+            <a:effectRef idx="0">
+              <a:schemeClr val="dk1"/>
+            </a:effectRef>
+            <a:fontRef idx="minor">
+              <a:schemeClr val="dk1"/>
+            </a:fontRef>
+          </p:style>
+          <p:txBody>
+            <a:bodyPr rtlCol="0" anchor="ctr"/>
+            <a:lstStyle/>
+            <a:p>
+              <a:pPr algn="ctr"/>
+              <a:r>
+                <a:rPr lang="en-US" dirty="0" smtClean="0"/>
+                <a:t>2</a:t>
+              </a:r>
+            </a:p>
+            <a:p>
+              <a:pPr algn="ctr"/>
+              <a:r>
+                <a:rPr lang="en-US" dirty="0" smtClean="0"/>
+                <a:t>Mild </a:t>
+              </a:r>
+            </a:p>
+            <a:p>
+              <a:pPr algn="ctr"/>
+              <a:r>
+                <a:rPr lang="en-US" dirty="0" smtClean="0"/>
+                <a:t>CI</a:t>
+              </a:r>
+            </a:p>
+          </p:txBody>
+        </p:sp>
+        <p:sp>
+          <p:nvSpPr>
+            <p:cNvPr id="6" name="Rectangle 5"/>
+            <p:cNvSpPr/>
+            <p:nvPr/>
+          </p:nvSpPr>
+          <p:spPr>
+            <a:xfrm>
+              <a:off x="6281094" y="1811587"/>
+              <a:ext cx="1073889" cy="871870"/>
+            </a:xfrm>
+            <a:prstGeom prst="rect">
+              <a:avLst/>
+            </a:prstGeom>
+          </p:spPr>
+          <p:style>
+            <a:lnRef idx="2">
+              <a:schemeClr val="dk1"/>
+            </a:lnRef>
+            <a:fillRef idx="1">
+              <a:schemeClr val="lt1"/>
+            </a:fillRef>
+            <a:effectRef idx="0">
+              <a:schemeClr val="dk1"/>
+            </a:effectRef>
+            <a:fontRef idx="minor">
+              <a:schemeClr val="dk1"/>
+            </a:fontRef>
+          </p:style>
+          <p:txBody>
+            <a:bodyPr rtlCol="0" anchor="ctr"/>
+            <a:lstStyle/>
+            <a:p>
+              <a:pPr algn="ctr"/>
+              <a:r>
+                <a:rPr lang="en-US" dirty="0" smtClean="0"/>
+                <a:t>3</a:t>
+              </a:r>
+            </a:p>
+            <a:p>
+              <a:pPr algn="ctr"/>
+              <a:r>
+                <a:rPr lang="en-US" dirty="0" smtClean="0"/>
+                <a:t>Mod-</a:t>
+              </a:r>
+              <a:r>
+                <a:rPr lang="en-US" dirty="0" err="1" smtClean="0"/>
+                <a:t>Sev</a:t>
+              </a:r>
+              <a:r>
+                <a:rPr lang="en-US" dirty="0" smtClean="0"/>
+                <a:t>   CI</a:t>
+              </a:r>
+            </a:p>
+          </p:txBody>
+        </p:sp>
+        <p:sp>
+          <p:nvSpPr>
+            <p:cNvPr id="7" name="Rectangle 6"/>
+            <p:cNvSpPr/>
+            <p:nvPr/>
+          </p:nvSpPr>
+          <p:spPr>
+            <a:xfrm>
+              <a:off x="3448767" y="4108420"/>
+              <a:ext cx="1073889" cy="871870"/>
+            </a:xfrm>
+            <a:prstGeom prst="rect">
+              <a:avLst/>
+            </a:prstGeom>
+          </p:spPr>
+          <p:style>
+            <a:lnRef idx="2">
+              <a:schemeClr val="dk1"/>
+            </a:lnRef>
+            <a:fillRef idx="1">
+              <a:schemeClr val="lt1"/>
+            </a:fillRef>
+            <a:effectRef idx="0">
+              <a:schemeClr val="dk1"/>
+            </a:effectRef>
+            <a:fontRef idx="minor">
+              <a:schemeClr val="dk1"/>
+            </a:fontRef>
+          </p:style>
+          <p:txBody>
+            <a:bodyPr rtlCol="0" anchor="ctr"/>
+            <a:lstStyle/>
+            <a:p>
+              <a:pPr algn="ctr"/>
+              <a:r>
+                <a:rPr lang="en-US" dirty="0" smtClean="0"/>
+                <a:t>4</a:t>
+              </a:r>
+            </a:p>
+            <a:p>
+              <a:pPr algn="ctr"/>
+              <a:r>
+                <a:rPr lang="en-US" dirty="0" smtClean="0"/>
+                <a:t>Dead</a:t>
+              </a:r>
+            </a:p>
+          </p:txBody>
+        </p:sp>
+        <p:cxnSp>
+          <p:nvCxnSpPr>
+            <p:cNvPr id="11" name="Straight Arrow Connector 10"/>
+            <p:cNvCxnSpPr/>
+            <p:nvPr/>
+          </p:nvCxnSpPr>
+          <p:spPr>
+            <a:xfrm flipH="1">
+              <a:off x="1779456" y="2530849"/>
+              <a:ext cx="1669311" cy="0"/>
+            </a:xfrm>
+            <a:prstGeom prst="straightConnector1">
+              <a:avLst/>
+            </a:prstGeom>
+            <a:ln>
+              <a:tailEnd type="triangle"/>
+            </a:ln>
+          </p:spPr>
+          <p:style>
+            <a:lnRef idx="2">
+              <a:schemeClr val="dk1"/>
+            </a:lnRef>
+            <a:fillRef idx="0">
+              <a:schemeClr val="dk1"/>
+            </a:fillRef>
+            <a:effectRef idx="1">
+              <a:schemeClr val="dk1"/>
+            </a:effectRef>
+            <a:fontRef idx="minor">
+              <a:schemeClr val="tx1"/>
+            </a:fontRef>
+          </p:style>
+        </p:cxnSp>
+        <p:cxnSp>
+          <p:nvCxnSpPr>
+            <p:cNvPr id="14" name="Straight Arrow Connector 13"/>
+            <p:cNvCxnSpPr>
+              <a:stCxn id="4" idx="2"/>
+            </p:cNvCxnSpPr>
+            <p:nvPr/>
+          </p:nvCxnSpPr>
+          <p:spPr>
+            <a:xfrm>
+              <a:off x="1182782" y="2683457"/>
+              <a:ext cx="2414921" cy="1339591"/>
+            </a:xfrm>
+            <a:prstGeom prst="straightConnector1">
+              <a:avLst/>
+            </a:prstGeom>
+            <a:ln>
+              <a:tailEnd type="triangle"/>
+            </a:ln>
+          </p:spPr>
+          <p:style>
+            <a:lnRef idx="2">
+              <a:schemeClr val="dk1"/>
+            </a:lnRef>
+            <a:fillRef idx="0">
+              <a:schemeClr val="dk1"/>
+            </a:fillRef>
+            <a:effectRef idx="1">
+              <a:schemeClr val="dk1"/>
+            </a:effectRef>
+            <a:fontRef idx="minor">
+              <a:schemeClr val="tx1"/>
+            </a:fontRef>
+          </p:style>
+        </p:cxnSp>
+        <p:cxnSp>
+          <p:nvCxnSpPr>
+            <p:cNvPr id="16" name="Straight Arrow Connector 15"/>
+            <p:cNvCxnSpPr>
+              <a:stCxn id="5" idx="2"/>
+            </p:cNvCxnSpPr>
+            <p:nvPr/>
+          </p:nvCxnSpPr>
+          <p:spPr>
+            <a:xfrm flipH="1">
+              <a:off x="4000409" y="2683457"/>
+              <a:ext cx="1" cy="1339591"/>
+            </a:xfrm>
+            <a:prstGeom prst="straightConnector1">
+              <a:avLst/>
+            </a:prstGeom>
+            <a:ln>
+              <a:tailEnd type="triangle"/>
+            </a:ln>
+          </p:spPr>
+          <p:style>
+            <a:lnRef idx="2">
+              <a:schemeClr val="dk1"/>
+            </a:lnRef>
+            <a:fillRef idx="0">
+              <a:schemeClr val="dk1"/>
+            </a:fillRef>
+            <a:effectRef idx="1">
+              <a:schemeClr val="dk1"/>
+            </a:effectRef>
+            <a:fontRef idx="minor">
+              <a:schemeClr val="tx1"/>
+            </a:fontRef>
+          </p:style>
+        </p:cxnSp>
+        <p:cxnSp>
+          <p:nvCxnSpPr>
+            <p:cNvPr id="18" name="Straight Arrow Connector 17"/>
+            <p:cNvCxnSpPr>
+              <a:stCxn id="6" idx="2"/>
+            </p:cNvCxnSpPr>
+            <p:nvPr/>
+          </p:nvCxnSpPr>
+          <p:spPr>
+            <a:xfrm flipH="1">
+              <a:off x="4403116" y="2683457"/>
+              <a:ext cx="2414923" cy="1339591"/>
+            </a:xfrm>
+            <a:prstGeom prst="straightConnector1">
+              <a:avLst/>
+            </a:prstGeom>
+            <a:ln>
+              <a:tailEnd type="triangle"/>
+            </a:ln>
+          </p:spPr>
+          <p:style>
+            <a:lnRef idx="2">
+              <a:schemeClr val="dk1"/>
+            </a:lnRef>
+            <a:fillRef idx="0">
+              <a:schemeClr val="dk1"/>
+            </a:fillRef>
+            <a:effectRef idx="1">
+              <a:schemeClr val="dk1"/>
+            </a:effectRef>
+            <a:fontRef idx="minor">
+              <a:schemeClr val="tx1"/>
+            </a:fontRef>
+          </p:style>
+        </p:cxnSp>
+        <p:cxnSp>
+          <p:nvCxnSpPr>
+            <p:cNvPr id="25" name="Straight Arrow Connector 24"/>
+            <p:cNvCxnSpPr/>
+            <p:nvPr/>
+          </p:nvCxnSpPr>
+          <p:spPr>
+            <a:xfrm>
+              <a:off x="1719726" y="2006413"/>
+              <a:ext cx="1628345" cy="0"/>
+            </a:xfrm>
+            <a:prstGeom prst="straightConnector1">
+              <a:avLst/>
+            </a:prstGeom>
+            <a:ln>
+              <a:tailEnd type="triangle"/>
+            </a:ln>
+          </p:spPr>
+          <p:style>
+            <a:lnRef idx="2">
+              <a:schemeClr val="dk1"/>
+            </a:lnRef>
+            <a:fillRef idx="0">
+              <a:schemeClr val="dk1"/>
+            </a:fillRef>
+            <a:effectRef idx="1">
+              <a:schemeClr val="dk1"/>
+            </a:effectRef>
+            <a:fontRef idx="minor">
+              <a:schemeClr val="tx1"/>
+            </a:fontRef>
+          </p:style>
+        </p:cxnSp>
+        <p:cxnSp>
+          <p:nvCxnSpPr>
+            <p:cNvPr id="27" name="Straight Arrow Connector 26"/>
+            <p:cNvCxnSpPr/>
+            <p:nvPr/>
+          </p:nvCxnSpPr>
+          <p:spPr>
+            <a:xfrm>
+              <a:off x="4537354" y="1992966"/>
+              <a:ext cx="1648046" cy="0"/>
+            </a:xfrm>
+            <a:prstGeom prst="straightConnector1">
+              <a:avLst/>
+            </a:prstGeom>
+            <a:ln>
+              <a:tailEnd type="triangle"/>
+            </a:ln>
+          </p:spPr>
+          <p:style>
+            <a:lnRef idx="2">
+              <a:schemeClr val="dk1"/>
+            </a:lnRef>
+            <a:fillRef idx="0">
+              <a:schemeClr val="dk1"/>
+            </a:fillRef>
+            <a:effectRef idx="1">
+              <a:schemeClr val="dk1"/>
+            </a:effectRef>
+            <a:fontRef idx="minor">
+              <a:schemeClr val="tx1"/>
+            </a:fontRef>
+          </p:style>
+        </p:cxnSp>
+        <p:sp>
+          <p:nvSpPr>
+            <p:cNvPr id="32" name="TextBox 31"/>
+            <p:cNvSpPr txBox="1"/>
+            <p:nvPr/>
+          </p:nvSpPr>
+          <p:spPr>
+            <a:xfrm>
+              <a:off x="382681" y="1342818"/>
+              <a:ext cx="1600200" cy="369332"/>
+            </a:xfrm>
+            <a:prstGeom prst="rect">
+              <a:avLst/>
+            </a:prstGeom>
+            <a:noFill/>
+          </p:spPr>
+          <p:txBody>
+            <a:bodyPr wrap="square" rtlCol="0">
+              <a:spAutoFit/>
+            </a:bodyPr>
+            <a:lstStyle/>
+            <a:p>
+              <a:pPr algn="ctr"/>
+              <a:r>
+                <a:rPr lang="en-US" dirty="0" smtClean="0"/>
+                <a:t>MMSE: 27-30</a:t>
+              </a:r>
+              <a:endParaRPr lang="en-US" dirty="0"/>
+            </a:p>
+          </p:txBody>
+        </p:sp>
+        <p:sp>
+          <p:nvSpPr>
+            <p:cNvPr id="33" name="TextBox 32"/>
+            <p:cNvSpPr txBox="1"/>
+            <p:nvPr/>
+          </p:nvSpPr>
+          <p:spPr>
+            <a:xfrm>
+              <a:off x="3200309" y="1334988"/>
+              <a:ext cx="1600200" cy="369332"/>
+            </a:xfrm>
+            <a:prstGeom prst="rect">
+              <a:avLst/>
+            </a:prstGeom>
+            <a:noFill/>
+          </p:spPr>
+          <p:txBody>
+            <a:bodyPr wrap="square" rtlCol="0">
+              <a:spAutoFit/>
+            </a:bodyPr>
+            <a:lstStyle/>
+            <a:p>
+              <a:pPr algn="ctr"/>
+              <a:r>
+                <a:rPr lang="en-US" dirty="0" smtClean="0"/>
+                <a:t>MMSE: 23-26</a:t>
+              </a:r>
+              <a:endParaRPr lang="en-US" dirty="0"/>
+            </a:p>
+          </p:txBody>
+        </p:sp>
+        <p:sp>
+          <p:nvSpPr>
+            <p:cNvPr id="34" name="TextBox 33"/>
+            <p:cNvSpPr txBox="1"/>
+            <p:nvPr/>
+          </p:nvSpPr>
+          <p:spPr>
+            <a:xfrm>
+              <a:off x="5971185" y="1334988"/>
+              <a:ext cx="1600200" cy="369332"/>
+            </a:xfrm>
+            <a:prstGeom prst="rect">
+              <a:avLst/>
+            </a:prstGeom>
+            <a:noFill/>
+          </p:spPr>
+          <p:txBody>
+            <a:bodyPr wrap="square" rtlCol="0">
+              <a:spAutoFit/>
+            </a:bodyPr>
+            <a:lstStyle/>
+            <a:p>
+              <a:pPr algn="ctr"/>
+              <a:r>
+                <a:rPr lang="en-US" dirty="0" smtClean="0"/>
+                <a:t>MMSE: 0-22</a:t>
+              </a:r>
+              <a:endParaRPr lang="en-US" dirty="0"/>
+            </a:p>
+          </p:txBody>
+        </p:sp>
+      </p:grpSp>
+      <p:sp>
+        <p:nvSpPr>
+          <p:cNvPr id="36" name="Rectangle 35"/>
           <p:cNvSpPr/>
           <p:nvPr/>
         </p:nvSpPr>
         <p:spPr>
           <a:xfrm>
-            <a:off x="2446062" y="2830762"/>
-            <a:ext cx="1073889" cy="871870"/>
+            <a:off x="1179956" y="913961"/>
+            <a:ext cx="2486025" cy="769441"/>
           </a:xfrm>
           <a:prstGeom prst="rect">
             <a:avLst/>
           </a:prstGeom>
         </p:spPr>
-        <p:style>
-          <a:lnRef idx="2">
-            <a:schemeClr val="dk1"/>
-          </a:lnRef>
-          <a:fillRef idx="1">
-            <a:schemeClr val="lt1"/>
-          </a:fillRef>
-          <a:effectRef idx="0">
-            <a:schemeClr val="dk1"/>
-          </a:effectRef>
-          <a:fontRef idx="minor">
-            <a:schemeClr val="dk1"/>
-          </a:fontRef>
-        </p:style>
-        <p:txBody>
-          <a:bodyPr rtlCol="0" anchor="ctr"/>
+        <p:txBody>
+          <a:bodyPr wrap="square">
+            <a:spAutoFit/>
+          </a:bodyPr>
           <a:lstStyle/>
           <a:p>
             <a:pPr algn="ctr"/>
             <a:r>
-              <a:rPr lang="en-US" dirty="0" smtClean="0"/>
-              <a:t>1</a:t>
-            </a:r>
-          </a:p>
-          <a:p>
-            <a:pPr algn="ctr"/>
-            <a:r>
-              <a:rPr lang="en-US" dirty="0" smtClean="0"/>
-              <a:t>No </a:t>
-            </a:r>
-          </a:p>
-          <a:p>
-            <a:pPr algn="ctr"/>
-            <a:r>
-              <a:rPr lang="en-US" dirty="0" smtClean="0"/>
-              <a:t>CI</a:t>
-            </a:r>
-          </a:p>
-        </p:txBody>
-      </p:sp>
-      <p:sp>
-        <p:nvSpPr>
-          <p:cNvPr id="5" name="Rectangle 4"/>
-          <p:cNvSpPr/>
+              <a:rPr lang="en-US" sz="4400" dirty="0" smtClean="0"/>
+              <a:t>Model </a:t>
+            </a:r>
+            <a:r>
+              <a:rPr lang="en-US" sz="4400" dirty="0" smtClean="0"/>
+              <a:t>A</a:t>
+            </a:r>
+            <a:endParaRPr lang="en-US" sz="4400" dirty="0"/>
+          </a:p>
+        </p:txBody>
+      </p:sp>
+      <p:grpSp>
+        <p:nvGrpSpPr>
+          <p:cNvPr id="8" name="Group 7"/>
+          <p:cNvGrpSpPr/>
+          <p:nvPr/>
+        </p:nvGrpSpPr>
+        <p:grpSpPr>
+          <a:xfrm>
+            <a:off x="311719" y="2319896"/>
+            <a:ext cx="5342715" cy="3211619"/>
+            <a:chOff x="6119980" y="3187699"/>
+            <a:chExt cx="5471944" cy="3289301"/>
+          </a:xfrm>
+        </p:grpSpPr>
+        <p:grpSp>
+          <p:nvGrpSpPr>
+            <p:cNvPr id="2" name="Group 1"/>
+            <p:cNvGrpSpPr/>
+            <p:nvPr/>
+          </p:nvGrpSpPr>
+          <p:grpSpPr>
+            <a:xfrm>
+              <a:off x="8201073" y="3353252"/>
+              <a:ext cx="3390851" cy="3123748"/>
+              <a:chOff x="7839124" y="2683457"/>
+              <a:chExt cx="3664632" cy="3657600"/>
+            </a:xfrm>
+            <a:solidFill>
+              <a:schemeClr val="bg1"/>
+            </a:solidFill>
+          </p:grpSpPr>
+          <p:sp>
+            <p:nvSpPr>
+              <p:cNvPr id="17" name="Rectangle 16"/>
+              <p:cNvSpPr/>
+              <p:nvPr/>
+            </p:nvSpPr>
+            <p:spPr>
+              <a:xfrm>
+                <a:off x="7839318" y="2683457"/>
+                <a:ext cx="916538" cy="914400"/>
+              </a:xfrm>
+              <a:prstGeom prst="rect">
+                <a:avLst/>
+              </a:prstGeom>
+              <a:grpFill/>
+            </p:spPr>
+            <p:style>
+              <a:lnRef idx="2">
+                <a:schemeClr val="dk1"/>
+              </a:lnRef>
+              <a:fillRef idx="1">
+                <a:schemeClr val="lt1"/>
+              </a:fillRef>
+              <a:effectRef idx="0">
+                <a:schemeClr val="dk1"/>
+              </a:effectRef>
+              <a:fontRef idx="minor">
+                <a:schemeClr val="dk1"/>
+              </a:fontRef>
+            </p:style>
+            <p:txBody>
+              <a:bodyPr rtlCol="0" anchor="ctr"/>
+              <a:lstStyle/>
+              <a:p>
+                <a:pPr algn="ctr"/>
+                <a:r>
+                  <a:rPr lang="en-US" dirty="0" smtClean="0">
+                    <a:solidFill>
+                      <a:schemeClr val="tx1"/>
+                    </a:solidFill>
+                  </a:rPr>
+                  <a:t>1,1</a:t>
+                </a:r>
+                <a:endParaRPr lang="en-US" dirty="0">
+                  <a:solidFill>
+                    <a:schemeClr val="tx1"/>
+                  </a:solidFill>
+                </a:endParaRPr>
+              </a:p>
+            </p:txBody>
+          </p:sp>
+          <p:sp>
+            <p:nvSpPr>
+              <p:cNvPr id="19" name="Rectangle 18"/>
+              <p:cNvSpPr/>
+              <p:nvPr/>
+            </p:nvSpPr>
+            <p:spPr>
+              <a:xfrm>
+                <a:off x="8752949" y="2683457"/>
+                <a:ext cx="913631" cy="914400"/>
+              </a:xfrm>
+              <a:prstGeom prst="rect">
+                <a:avLst/>
+              </a:prstGeom>
+              <a:solidFill>
+                <a:schemeClr val="tx1"/>
+              </a:solidFill>
+            </p:spPr>
+            <p:style>
+              <a:lnRef idx="2">
+                <a:schemeClr val="dk1"/>
+              </a:lnRef>
+              <a:fillRef idx="1">
+                <a:schemeClr val="lt1"/>
+              </a:fillRef>
+              <a:effectRef idx="0">
+                <a:schemeClr val="dk1"/>
+              </a:effectRef>
+              <a:fontRef idx="minor">
+                <a:schemeClr val="dk1"/>
+              </a:fontRef>
+            </p:style>
+            <p:txBody>
+              <a:bodyPr rtlCol="0" anchor="ctr"/>
+              <a:lstStyle/>
+              <a:p>
+                <a:pPr algn="ctr"/>
+                <a:r>
+                  <a:rPr lang="en-US" dirty="0" smtClean="0">
+                    <a:solidFill>
+                      <a:schemeClr val="bg1"/>
+                    </a:solidFill>
+                  </a:rPr>
+                  <a:t>1,2</a:t>
+                </a:r>
+                <a:endParaRPr lang="en-US" dirty="0">
+                  <a:solidFill>
+                    <a:schemeClr val="bg1"/>
+                  </a:solidFill>
+                </a:endParaRPr>
+              </a:p>
+            </p:txBody>
+          </p:sp>
+          <p:sp>
+            <p:nvSpPr>
+              <p:cNvPr id="20" name="Rectangle 19"/>
+              <p:cNvSpPr/>
+              <p:nvPr/>
+            </p:nvSpPr>
+            <p:spPr>
+              <a:xfrm>
+                <a:off x="9666580" y="2683457"/>
+                <a:ext cx="913631" cy="914400"/>
+              </a:xfrm>
+              <a:prstGeom prst="rect">
+                <a:avLst/>
+              </a:prstGeom>
+              <a:grpFill/>
+            </p:spPr>
+            <p:style>
+              <a:lnRef idx="2">
+                <a:schemeClr val="dk1"/>
+              </a:lnRef>
+              <a:fillRef idx="1">
+                <a:schemeClr val="lt1"/>
+              </a:fillRef>
+              <a:effectRef idx="0">
+                <a:schemeClr val="dk1"/>
+              </a:effectRef>
+              <a:fontRef idx="minor">
+                <a:schemeClr val="dk1"/>
+              </a:fontRef>
+            </p:style>
+            <p:txBody>
+              <a:bodyPr rtlCol="0" anchor="ctr"/>
+              <a:lstStyle/>
+              <a:p>
+                <a:pPr algn="ctr"/>
+                <a:r>
+                  <a:rPr lang="en-US" dirty="0" smtClean="0">
+                    <a:solidFill>
+                      <a:schemeClr val="tx1"/>
+                    </a:solidFill>
+                  </a:rPr>
+                  <a:t>1,3</a:t>
+                </a:r>
+                <a:endParaRPr lang="en-US" dirty="0">
+                  <a:solidFill>
+                    <a:schemeClr val="tx1"/>
+                  </a:solidFill>
+                </a:endParaRPr>
+              </a:p>
+            </p:txBody>
+          </p:sp>
+          <p:sp>
+            <p:nvSpPr>
+              <p:cNvPr id="21" name="Rectangle 20"/>
+              <p:cNvSpPr/>
+              <p:nvPr/>
+            </p:nvSpPr>
+            <p:spPr>
+              <a:xfrm>
+                <a:off x="10580212" y="2683457"/>
+                <a:ext cx="923544" cy="914400"/>
+              </a:xfrm>
+              <a:prstGeom prst="rect">
+                <a:avLst/>
+              </a:prstGeom>
+              <a:solidFill>
+                <a:schemeClr val="tx1"/>
+              </a:solidFill>
+            </p:spPr>
+            <p:style>
+              <a:lnRef idx="2">
+                <a:schemeClr val="dk1"/>
+              </a:lnRef>
+              <a:fillRef idx="1">
+                <a:schemeClr val="lt1"/>
+              </a:fillRef>
+              <a:effectRef idx="0">
+                <a:schemeClr val="dk1"/>
+              </a:effectRef>
+              <a:fontRef idx="minor">
+                <a:schemeClr val="dk1"/>
+              </a:fontRef>
+            </p:style>
+            <p:txBody>
+              <a:bodyPr rtlCol="0" anchor="ctr"/>
+              <a:lstStyle/>
+              <a:p>
+                <a:pPr algn="ctr"/>
+                <a:r>
+                  <a:rPr lang="en-US" dirty="0" smtClean="0">
+                    <a:solidFill>
+                      <a:schemeClr val="bg1"/>
+                    </a:solidFill>
+                  </a:rPr>
+                  <a:t>1,4</a:t>
+                </a:r>
+                <a:endParaRPr lang="en-US" dirty="0">
+                  <a:solidFill>
+                    <a:schemeClr val="bg1"/>
+                  </a:solidFill>
+                </a:endParaRPr>
+              </a:p>
+            </p:txBody>
+          </p:sp>
+          <p:sp>
+            <p:nvSpPr>
+              <p:cNvPr id="22" name="Rectangle 21"/>
+              <p:cNvSpPr/>
+              <p:nvPr/>
+            </p:nvSpPr>
+            <p:spPr>
+              <a:xfrm>
+                <a:off x="7839124" y="3597857"/>
+                <a:ext cx="916538" cy="914400"/>
+              </a:xfrm>
+              <a:prstGeom prst="rect">
+                <a:avLst/>
+              </a:prstGeom>
+              <a:solidFill>
+                <a:schemeClr val="tx1"/>
+              </a:solidFill>
+            </p:spPr>
+            <p:style>
+              <a:lnRef idx="2">
+                <a:schemeClr val="dk1"/>
+              </a:lnRef>
+              <a:fillRef idx="1">
+                <a:schemeClr val="lt1"/>
+              </a:fillRef>
+              <a:effectRef idx="0">
+                <a:schemeClr val="dk1"/>
+              </a:effectRef>
+              <a:fontRef idx="minor">
+                <a:schemeClr val="dk1"/>
+              </a:fontRef>
+            </p:style>
+            <p:txBody>
+              <a:bodyPr rtlCol="0" anchor="ctr"/>
+              <a:lstStyle/>
+              <a:p>
+                <a:pPr algn="ctr"/>
+                <a:r>
+                  <a:rPr lang="en-US" dirty="0" smtClean="0">
+                    <a:solidFill>
+                      <a:schemeClr val="bg1"/>
+                    </a:solidFill>
+                  </a:rPr>
+                  <a:t>2,1</a:t>
+                </a:r>
+                <a:endParaRPr lang="en-US" dirty="0">
+                  <a:solidFill>
+                    <a:schemeClr val="bg1"/>
+                  </a:solidFill>
+                </a:endParaRPr>
+              </a:p>
+            </p:txBody>
+          </p:sp>
+          <p:sp>
+            <p:nvSpPr>
+              <p:cNvPr id="23" name="Rectangle 22"/>
+              <p:cNvSpPr/>
+              <p:nvPr/>
+            </p:nvSpPr>
+            <p:spPr>
+              <a:xfrm>
+                <a:off x="8752755" y="3597857"/>
+                <a:ext cx="913631" cy="914400"/>
+              </a:xfrm>
+              <a:prstGeom prst="rect">
+                <a:avLst/>
+              </a:prstGeom>
+              <a:grpFill/>
+            </p:spPr>
+            <p:style>
+              <a:lnRef idx="2">
+                <a:schemeClr val="dk1"/>
+              </a:lnRef>
+              <a:fillRef idx="1">
+                <a:schemeClr val="lt1"/>
+              </a:fillRef>
+              <a:effectRef idx="0">
+                <a:schemeClr val="dk1"/>
+              </a:effectRef>
+              <a:fontRef idx="minor">
+                <a:schemeClr val="dk1"/>
+              </a:fontRef>
+            </p:style>
+            <p:txBody>
+              <a:bodyPr rtlCol="0" anchor="ctr"/>
+              <a:lstStyle/>
+              <a:p>
+                <a:pPr algn="ctr"/>
+                <a:r>
+                  <a:rPr lang="en-US" dirty="0" smtClean="0">
+                    <a:solidFill>
+                      <a:schemeClr val="tx1"/>
+                    </a:solidFill>
+                  </a:rPr>
+                  <a:t>2,2</a:t>
+                </a:r>
+                <a:endParaRPr lang="en-US" dirty="0">
+                  <a:solidFill>
+                    <a:schemeClr val="tx1"/>
+                  </a:solidFill>
+                </a:endParaRPr>
+              </a:p>
+            </p:txBody>
+          </p:sp>
+          <p:sp>
+            <p:nvSpPr>
+              <p:cNvPr id="24" name="Rectangle 23"/>
+              <p:cNvSpPr/>
+              <p:nvPr/>
+            </p:nvSpPr>
+            <p:spPr>
+              <a:xfrm>
+                <a:off x="9666386" y="3597857"/>
+                <a:ext cx="913631" cy="914400"/>
+              </a:xfrm>
+              <a:prstGeom prst="rect">
+                <a:avLst/>
+              </a:prstGeom>
+              <a:solidFill>
+                <a:schemeClr val="tx1"/>
+              </a:solidFill>
+            </p:spPr>
+            <p:style>
+              <a:lnRef idx="2">
+                <a:schemeClr val="dk1"/>
+              </a:lnRef>
+              <a:fillRef idx="1">
+                <a:schemeClr val="lt1"/>
+              </a:fillRef>
+              <a:effectRef idx="0">
+                <a:schemeClr val="dk1"/>
+              </a:effectRef>
+              <a:fontRef idx="minor">
+                <a:schemeClr val="dk1"/>
+              </a:fontRef>
+            </p:style>
+            <p:txBody>
+              <a:bodyPr rtlCol="0" anchor="ctr"/>
+              <a:lstStyle/>
+              <a:p>
+                <a:pPr algn="ctr"/>
+                <a:r>
+                  <a:rPr lang="en-US" dirty="0" smtClean="0">
+                    <a:solidFill>
+                      <a:schemeClr val="bg1"/>
+                    </a:solidFill>
+                  </a:rPr>
+                  <a:t>2,3</a:t>
+                </a:r>
+                <a:endParaRPr lang="en-US" dirty="0">
+                  <a:solidFill>
+                    <a:schemeClr val="bg1"/>
+                  </a:solidFill>
+                </a:endParaRPr>
+              </a:p>
+            </p:txBody>
+          </p:sp>
+          <p:sp>
+            <p:nvSpPr>
+              <p:cNvPr id="26" name="Rectangle 25"/>
+              <p:cNvSpPr/>
+              <p:nvPr/>
+            </p:nvSpPr>
+            <p:spPr>
+              <a:xfrm>
+                <a:off x="10580018" y="3597857"/>
+                <a:ext cx="923544" cy="914400"/>
+              </a:xfrm>
+              <a:prstGeom prst="rect">
+                <a:avLst/>
+              </a:prstGeom>
+              <a:solidFill>
+                <a:schemeClr val="tx1"/>
+              </a:solidFill>
+            </p:spPr>
+            <p:style>
+              <a:lnRef idx="2">
+                <a:schemeClr val="dk1"/>
+              </a:lnRef>
+              <a:fillRef idx="1">
+                <a:schemeClr val="lt1"/>
+              </a:fillRef>
+              <a:effectRef idx="0">
+                <a:schemeClr val="dk1"/>
+              </a:effectRef>
+              <a:fontRef idx="minor">
+                <a:schemeClr val="dk1"/>
+              </a:fontRef>
+            </p:style>
+            <p:txBody>
+              <a:bodyPr rtlCol="0" anchor="ctr"/>
+              <a:lstStyle/>
+              <a:p>
+                <a:pPr algn="ctr"/>
+                <a:r>
+                  <a:rPr lang="en-US" dirty="0" smtClean="0">
+                    <a:solidFill>
+                      <a:schemeClr val="bg1"/>
+                    </a:solidFill>
+                  </a:rPr>
+                  <a:t>2,4</a:t>
+                </a:r>
+                <a:endParaRPr lang="en-US" dirty="0">
+                  <a:solidFill>
+                    <a:schemeClr val="bg1"/>
+                  </a:solidFill>
+                </a:endParaRPr>
+              </a:p>
+            </p:txBody>
+          </p:sp>
+          <p:sp>
+            <p:nvSpPr>
+              <p:cNvPr id="28" name="Rectangle 27"/>
+              <p:cNvSpPr/>
+              <p:nvPr/>
+            </p:nvSpPr>
+            <p:spPr>
+              <a:xfrm>
+                <a:off x="7839124" y="4512257"/>
+                <a:ext cx="916538" cy="914400"/>
+              </a:xfrm>
+              <a:prstGeom prst="rect">
+                <a:avLst/>
+              </a:prstGeom>
+              <a:grpFill/>
+            </p:spPr>
+            <p:style>
+              <a:lnRef idx="2">
+                <a:schemeClr val="dk1"/>
+              </a:lnRef>
+              <a:fillRef idx="1">
+                <a:schemeClr val="lt1"/>
+              </a:fillRef>
+              <a:effectRef idx="0">
+                <a:schemeClr val="dk1"/>
+              </a:effectRef>
+              <a:fontRef idx="minor">
+                <a:schemeClr val="dk1"/>
+              </a:fontRef>
+            </p:style>
+            <p:txBody>
+              <a:bodyPr rtlCol="0" anchor="ctr"/>
+              <a:lstStyle/>
+              <a:p>
+                <a:pPr algn="ctr"/>
+                <a:r>
+                  <a:rPr lang="en-US" dirty="0" smtClean="0">
+                    <a:solidFill>
+                      <a:schemeClr val="tx1"/>
+                    </a:solidFill>
+                  </a:rPr>
+                  <a:t>3,1</a:t>
+                </a:r>
+                <a:endParaRPr lang="en-US" dirty="0">
+                  <a:solidFill>
+                    <a:schemeClr val="tx1"/>
+                  </a:solidFill>
+                </a:endParaRPr>
+              </a:p>
+            </p:txBody>
+          </p:sp>
+          <p:sp>
+            <p:nvSpPr>
+              <p:cNvPr id="29" name="Rectangle 28"/>
+              <p:cNvSpPr/>
+              <p:nvPr/>
+            </p:nvSpPr>
+            <p:spPr>
+              <a:xfrm>
+                <a:off x="8752755" y="4512257"/>
+                <a:ext cx="913631" cy="914400"/>
+              </a:xfrm>
+              <a:prstGeom prst="rect">
+                <a:avLst/>
+              </a:prstGeom>
+              <a:grpFill/>
+            </p:spPr>
+            <p:style>
+              <a:lnRef idx="2">
+                <a:schemeClr val="dk1"/>
+              </a:lnRef>
+              <a:fillRef idx="1">
+                <a:schemeClr val="lt1"/>
+              </a:fillRef>
+              <a:effectRef idx="0">
+                <a:schemeClr val="dk1"/>
+              </a:effectRef>
+              <a:fontRef idx="minor">
+                <a:schemeClr val="dk1"/>
+              </a:fontRef>
+            </p:style>
+            <p:txBody>
+              <a:bodyPr rtlCol="0" anchor="ctr"/>
+              <a:lstStyle/>
+              <a:p>
+                <a:pPr algn="ctr"/>
+                <a:r>
+                  <a:rPr lang="en-US" dirty="0" smtClean="0">
+                    <a:solidFill>
+                      <a:schemeClr val="tx1"/>
+                    </a:solidFill>
+                  </a:rPr>
+                  <a:t>3,2</a:t>
+                </a:r>
+                <a:endParaRPr lang="en-US" dirty="0">
+                  <a:solidFill>
+                    <a:schemeClr val="tx1"/>
+                  </a:solidFill>
+                </a:endParaRPr>
+              </a:p>
+            </p:txBody>
+          </p:sp>
+          <p:sp>
+            <p:nvSpPr>
+              <p:cNvPr id="30" name="Rectangle 29"/>
+              <p:cNvSpPr/>
+              <p:nvPr/>
+            </p:nvSpPr>
+            <p:spPr>
+              <a:xfrm>
+                <a:off x="9666386" y="4512257"/>
+                <a:ext cx="913631" cy="914400"/>
+              </a:xfrm>
+              <a:prstGeom prst="rect">
+                <a:avLst/>
+              </a:prstGeom>
+              <a:grpFill/>
+            </p:spPr>
+            <p:style>
+              <a:lnRef idx="2">
+                <a:schemeClr val="dk1"/>
+              </a:lnRef>
+              <a:fillRef idx="1">
+                <a:schemeClr val="lt1"/>
+              </a:fillRef>
+              <a:effectRef idx="0">
+                <a:schemeClr val="dk1"/>
+              </a:effectRef>
+              <a:fontRef idx="minor">
+                <a:schemeClr val="dk1"/>
+              </a:fontRef>
+            </p:style>
+            <p:txBody>
+              <a:bodyPr rtlCol="0" anchor="ctr"/>
+              <a:lstStyle/>
+              <a:p>
+                <a:pPr algn="ctr"/>
+                <a:r>
+                  <a:rPr lang="en-US" dirty="0" smtClean="0">
+                    <a:solidFill>
+                      <a:schemeClr val="tx1"/>
+                    </a:solidFill>
+                  </a:rPr>
+                  <a:t>3,3</a:t>
+                </a:r>
+                <a:endParaRPr lang="en-US" dirty="0">
+                  <a:solidFill>
+                    <a:schemeClr val="tx1"/>
+                  </a:solidFill>
+                </a:endParaRPr>
+              </a:p>
+            </p:txBody>
+          </p:sp>
+          <p:sp>
+            <p:nvSpPr>
+              <p:cNvPr id="31" name="Rectangle 30"/>
+              <p:cNvSpPr/>
+              <p:nvPr/>
+            </p:nvSpPr>
+            <p:spPr>
+              <a:xfrm>
+                <a:off x="10580018" y="4512257"/>
+                <a:ext cx="923544" cy="914400"/>
+              </a:xfrm>
+              <a:prstGeom prst="rect">
+                <a:avLst/>
+              </a:prstGeom>
+              <a:solidFill>
+                <a:schemeClr val="tx1"/>
+              </a:solidFill>
+            </p:spPr>
+            <p:style>
+              <a:lnRef idx="2">
+                <a:schemeClr val="dk1"/>
+              </a:lnRef>
+              <a:fillRef idx="1">
+                <a:schemeClr val="lt1"/>
+              </a:fillRef>
+              <a:effectRef idx="0">
+                <a:schemeClr val="dk1"/>
+              </a:effectRef>
+              <a:fontRef idx="minor">
+                <a:schemeClr val="dk1"/>
+              </a:fontRef>
+            </p:style>
+            <p:txBody>
+              <a:bodyPr rtlCol="0" anchor="ctr"/>
+              <a:lstStyle/>
+              <a:p>
+                <a:pPr algn="ctr"/>
+                <a:r>
+                  <a:rPr lang="en-US" dirty="0" smtClean="0">
+                    <a:solidFill>
+                      <a:schemeClr val="bg1"/>
+                    </a:solidFill>
+                  </a:rPr>
+                  <a:t>3,4</a:t>
+                </a:r>
+                <a:endParaRPr lang="en-US" dirty="0">
+                  <a:solidFill>
+                    <a:schemeClr val="bg1"/>
+                  </a:solidFill>
+                </a:endParaRPr>
+              </a:p>
+            </p:txBody>
+          </p:sp>
+          <p:sp>
+            <p:nvSpPr>
+              <p:cNvPr id="35" name="Rectangle 34"/>
+              <p:cNvSpPr/>
+              <p:nvPr/>
+            </p:nvSpPr>
+            <p:spPr>
+              <a:xfrm>
+                <a:off x="7839124" y="5426657"/>
+                <a:ext cx="916538" cy="914400"/>
+              </a:xfrm>
+              <a:prstGeom prst="rect">
+                <a:avLst/>
+              </a:prstGeom>
+              <a:grpFill/>
+            </p:spPr>
+            <p:style>
+              <a:lnRef idx="2">
+                <a:schemeClr val="dk1"/>
+              </a:lnRef>
+              <a:fillRef idx="1">
+                <a:schemeClr val="lt1"/>
+              </a:fillRef>
+              <a:effectRef idx="0">
+                <a:schemeClr val="dk1"/>
+              </a:effectRef>
+              <a:fontRef idx="minor">
+                <a:schemeClr val="dk1"/>
+              </a:fontRef>
+            </p:style>
+            <p:txBody>
+              <a:bodyPr rtlCol="0" anchor="ctr"/>
+              <a:lstStyle/>
+              <a:p>
+                <a:pPr algn="ctr"/>
+                <a:r>
+                  <a:rPr lang="en-US" dirty="0" smtClean="0">
+                    <a:solidFill>
+                      <a:schemeClr val="tx1"/>
+                    </a:solidFill>
+                  </a:rPr>
+                  <a:t>4,1</a:t>
+                </a:r>
+                <a:endParaRPr lang="en-US" dirty="0">
+                  <a:solidFill>
+                    <a:schemeClr val="tx1"/>
+                  </a:solidFill>
+                </a:endParaRPr>
+              </a:p>
+            </p:txBody>
+          </p:sp>
+          <p:sp>
+            <p:nvSpPr>
+              <p:cNvPr id="37" name="Rectangle 36"/>
+              <p:cNvSpPr/>
+              <p:nvPr/>
+            </p:nvSpPr>
+            <p:spPr>
+              <a:xfrm>
+                <a:off x="8752755" y="5426657"/>
+                <a:ext cx="913631" cy="914400"/>
+              </a:xfrm>
+              <a:prstGeom prst="rect">
+                <a:avLst/>
+              </a:prstGeom>
+              <a:grpFill/>
+            </p:spPr>
+            <p:style>
+              <a:lnRef idx="2">
+                <a:schemeClr val="dk1"/>
+              </a:lnRef>
+              <a:fillRef idx="1">
+                <a:schemeClr val="lt1"/>
+              </a:fillRef>
+              <a:effectRef idx="0">
+                <a:schemeClr val="dk1"/>
+              </a:effectRef>
+              <a:fontRef idx="minor">
+                <a:schemeClr val="dk1"/>
+              </a:fontRef>
+            </p:style>
+            <p:txBody>
+              <a:bodyPr rtlCol="0" anchor="ctr"/>
+              <a:lstStyle/>
+              <a:p>
+                <a:pPr algn="ctr"/>
+                <a:r>
+                  <a:rPr lang="en-US" dirty="0" smtClean="0">
+                    <a:solidFill>
+                      <a:schemeClr val="tx1"/>
+                    </a:solidFill>
+                  </a:rPr>
+                  <a:t>4,2</a:t>
+                </a:r>
+                <a:endParaRPr lang="en-US" dirty="0">
+                  <a:solidFill>
+                    <a:schemeClr val="tx1"/>
+                  </a:solidFill>
+                </a:endParaRPr>
+              </a:p>
+            </p:txBody>
+          </p:sp>
+          <p:sp>
+            <p:nvSpPr>
+              <p:cNvPr id="38" name="Rectangle 37"/>
+              <p:cNvSpPr/>
+              <p:nvPr/>
+            </p:nvSpPr>
+            <p:spPr>
+              <a:xfrm>
+                <a:off x="9666386" y="5426657"/>
+                <a:ext cx="913631" cy="914400"/>
+              </a:xfrm>
+              <a:prstGeom prst="rect">
+                <a:avLst/>
+              </a:prstGeom>
+              <a:grpFill/>
+            </p:spPr>
+            <p:style>
+              <a:lnRef idx="2">
+                <a:schemeClr val="dk1"/>
+              </a:lnRef>
+              <a:fillRef idx="1">
+                <a:schemeClr val="lt1"/>
+              </a:fillRef>
+              <a:effectRef idx="0">
+                <a:schemeClr val="dk1"/>
+              </a:effectRef>
+              <a:fontRef idx="minor">
+                <a:schemeClr val="dk1"/>
+              </a:fontRef>
+            </p:style>
+            <p:txBody>
+              <a:bodyPr rtlCol="0" anchor="ctr"/>
+              <a:lstStyle/>
+              <a:p>
+                <a:pPr algn="ctr"/>
+                <a:r>
+                  <a:rPr lang="en-US" dirty="0" smtClean="0">
+                    <a:solidFill>
+                      <a:schemeClr val="tx1"/>
+                    </a:solidFill>
+                  </a:rPr>
+                  <a:t>4,3</a:t>
+                </a:r>
+                <a:endParaRPr lang="en-US" dirty="0">
+                  <a:solidFill>
+                    <a:schemeClr val="tx1"/>
+                  </a:solidFill>
+                </a:endParaRPr>
+              </a:p>
+            </p:txBody>
+          </p:sp>
+          <p:sp>
+            <p:nvSpPr>
+              <p:cNvPr id="39" name="Rectangle 38"/>
+              <p:cNvSpPr/>
+              <p:nvPr/>
+            </p:nvSpPr>
+            <p:spPr>
+              <a:xfrm>
+                <a:off x="10580018" y="5426657"/>
+                <a:ext cx="923544" cy="914400"/>
+              </a:xfrm>
+              <a:prstGeom prst="rect">
+                <a:avLst/>
+              </a:prstGeom>
+              <a:grpFill/>
+            </p:spPr>
+            <p:style>
+              <a:lnRef idx="2">
+                <a:schemeClr val="dk1"/>
+              </a:lnRef>
+              <a:fillRef idx="1">
+                <a:schemeClr val="lt1"/>
+              </a:fillRef>
+              <a:effectRef idx="0">
+                <a:schemeClr val="dk1"/>
+              </a:effectRef>
+              <a:fontRef idx="minor">
+                <a:schemeClr val="dk1"/>
+              </a:fontRef>
+            </p:style>
+            <p:txBody>
+              <a:bodyPr rtlCol="0" anchor="ctr"/>
+              <a:lstStyle/>
+              <a:p>
+                <a:pPr algn="ctr"/>
+                <a:r>
+                  <a:rPr lang="en-US" dirty="0" smtClean="0">
+                    <a:solidFill>
+                      <a:schemeClr val="tx1"/>
+                    </a:solidFill>
+                  </a:rPr>
+                  <a:t>4,4</a:t>
+                </a:r>
+                <a:endParaRPr lang="en-US" dirty="0">
+                  <a:solidFill>
+                    <a:schemeClr val="tx1"/>
+                  </a:solidFill>
+                </a:endParaRPr>
+              </a:p>
+            </p:txBody>
+          </p:sp>
+        </p:grpSp>
+        <p:sp>
+          <p:nvSpPr>
+            <p:cNvPr id="43" name="TextBox 42"/>
+            <p:cNvSpPr txBox="1"/>
+            <p:nvPr/>
+          </p:nvSpPr>
+          <p:spPr>
+            <a:xfrm rot="16200000">
+              <a:off x="5029841" y="4277838"/>
+              <a:ext cx="2580387" cy="400110"/>
+            </a:xfrm>
+            <a:prstGeom prst="rect">
+              <a:avLst/>
+            </a:prstGeom>
+            <a:noFill/>
+          </p:spPr>
+          <p:txBody>
+            <a:bodyPr wrap="square" rtlCol="0">
+              <a:spAutoFit/>
+            </a:bodyPr>
+            <a:lstStyle/>
+            <a:p>
+              <a:pPr algn="ctr"/>
+              <a:r>
+                <a:rPr lang="en-US" sz="2000" dirty="0" smtClean="0"/>
+                <a:t>Cognitive Impairment </a:t>
+              </a:r>
+              <a:endParaRPr lang="en-US" sz="2000" dirty="0"/>
+            </a:p>
+          </p:txBody>
+        </p:sp>
+        <p:sp>
+          <p:nvSpPr>
+            <p:cNvPr id="44" name="TextBox 43"/>
+            <p:cNvSpPr txBox="1"/>
+            <p:nvPr/>
+          </p:nvSpPr>
+          <p:spPr>
+            <a:xfrm>
+              <a:off x="7363183" y="3586762"/>
+              <a:ext cx="828898" cy="307777"/>
+            </a:xfrm>
+            <a:prstGeom prst="rect">
+              <a:avLst/>
+            </a:prstGeom>
+            <a:noFill/>
+          </p:spPr>
+          <p:txBody>
+            <a:bodyPr wrap="square" rtlCol="0">
+              <a:spAutoFit/>
+            </a:bodyPr>
+            <a:lstStyle/>
+            <a:p>
+              <a:pPr algn="r"/>
+              <a:r>
+                <a:rPr lang="en-US" sz="1400" dirty="0" smtClean="0"/>
+                <a:t>None</a:t>
+              </a:r>
+              <a:endParaRPr lang="en-US" sz="1400" dirty="0"/>
+            </a:p>
+          </p:txBody>
+        </p:sp>
+        <p:sp>
+          <p:nvSpPr>
+            <p:cNvPr id="45" name="TextBox 44"/>
+            <p:cNvSpPr txBox="1"/>
+            <p:nvPr/>
+          </p:nvSpPr>
+          <p:spPr>
+            <a:xfrm>
+              <a:off x="7289412" y="4370768"/>
+              <a:ext cx="845375" cy="307777"/>
+            </a:xfrm>
+            <a:prstGeom prst="rect">
+              <a:avLst/>
+            </a:prstGeom>
+            <a:noFill/>
+          </p:spPr>
+          <p:txBody>
+            <a:bodyPr wrap="square" rtlCol="0">
+              <a:spAutoFit/>
+            </a:bodyPr>
+            <a:lstStyle/>
+            <a:p>
+              <a:pPr algn="r"/>
+              <a:r>
+                <a:rPr lang="en-US" sz="1400" dirty="0" smtClean="0"/>
+                <a:t>Mild</a:t>
+              </a:r>
+              <a:endParaRPr lang="en-US" sz="1400" dirty="0"/>
+            </a:p>
+          </p:txBody>
+        </p:sp>
+        <p:sp>
+          <p:nvSpPr>
+            <p:cNvPr id="46" name="TextBox 45"/>
+            <p:cNvSpPr txBox="1"/>
+            <p:nvPr/>
+          </p:nvSpPr>
+          <p:spPr>
+            <a:xfrm>
+              <a:off x="6508750" y="5151705"/>
+              <a:ext cx="1683329" cy="307777"/>
+            </a:xfrm>
+            <a:prstGeom prst="rect">
+              <a:avLst/>
+            </a:prstGeom>
+            <a:noFill/>
+          </p:spPr>
+          <p:txBody>
+            <a:bodyPr wrap="square" rtlCol="0">
+              <a:spAutoFit/>
+            </a:bodyPr>
+            <a:lstStyle/>
+            <a:p>
+              <a:pPr algn="r"/>
+              <a:r>
+                <a:rPr lang="en-US" sz="1400" dirty="0" smtClean="0"/>
+                <a:t>Moderate to Severe</a:t>
+              </a:r>
+              <a:endParaRPr lang="en-US" sz="1400" dirty="0"/>
+            </a:p>
+          </p:txBody>
+        </p:sp>
+        <p:sp>
+          <p:nvSpPr>
+            <p:cNvPr id="47" name="TextBox 46"/>
+            <p:cNvSpPr txBox="1"/>
+            <p:nvPr/>
+          </p:nvSpPr>
+          <p:spPr>
+            <a:xfrm>
+              <a:off x="7358388" y="5932642"/>
+              <a:ext cx="845375" cy="307777"/>
+            </a:xfrm>
+            <a:prstGeom prst="rect">
+              <a:avLst/>
+            </a:prstGeom>
+            <a:noFill/>
+          </p:spPr>
+          <p:txBody>
+            <a:bodyPr wrap="square" rtlCol="0">
+              <a:spAutoFit/>
+            </a:bodyPr>
+            <a:lstStyle/>
+            <a:p>
+              <a:pPr algn="r"/>
+              <a:r>
+                <a:rPr lang="en-US" sz="1400" dirty="0" smtClean="0"/>
+                <a:t>Dead</a:t>
+              </a:r>
+              <a:endParaRPr lang="en-US" sz="1400" dirty="0"/>
+            </a:p>
+          </p:txBody>
+        </p:sp>
+      </p:grpSp>
+      <p:sp>
+        <p:nvSpPr>
+          <p:cNvPr id="10" name="TextBox 9"/>
+          <p:cNvSpPr txBox="1"/>
           <p:nvPr/>
         </p:nvSpPr>
         <p:spPr>
           <a:xfrm>
-            <a:off x="5263690" y="2830762"/>
-            <a:ext cx="1073889" cy="871870"/>
-          </a:xfrm>
-          <a:prstGeom prst="rect">
-            <a:avLst/>
-          </a:prstGeom>
-        </p:spPr>
-        <p:style>
-          <a:lnRef idx="2">
-            <a:schemeClr val="dk1"/>
-          </a:lnRef>
-          <a:fillRef idx="1">
-            <a:schemeClr val="lt1"/>
-          </a:fillRef>
-          <a:effectRef idx="0">
-            <a:schemeClr val="dk1"/>
-          </a:effectRef>
-          <a:fontRef idx="minor">
-            <a:schemeClr val="dk1"/>
-          </a:fontRef>
-        </p:style>
-        <p:txBody>
-          <a:bodyPr rtlCol="0" anchor="ctr"/>
-          <a:lstStyle/>
-          <a:p>
-            <a:pPr algn="ctr"/>
-            <a:r>
-              <a:rPr lang="en-US" dirty="0" smtClean="0"/>
-              <a:t>2</a:t>
-            </a:r>
-          </a:p>
-          <a:p>
-            <a:pPr algn="ctr"/>
-            <a:r>
-              <a:rPr lang="en-US" dirty="0" smtClean="0"/>
-              <a:t>Mild </a:t>
-            </a:r>
-          </a:p>
-          <a:p>
-            <a:pPr algn="ctr"/>
-            <a:r>
-              <a:rPr lang="en-US" dirty="0" smtClean="0"/>
-              <a:t>CI</a:t>
-            </a:r>
-          </a:p>
-        </p:txBody>
-      </p:sp>
-      <p:sp>
-        <p:nvSpPr>
-          <p:cNvPr id="6" name="Rectangle 5"/>
-          <p:cNvSpPr/>
-          <p:nvPr/>
-        </p:nvSpPr>
-        <p:spPr>
-          <a:xfrm>
-            <a:off x="8081319" y="2830762"/>
-            <a:ext cx="1073889" cy="871870"/>
-          </a:xfrm>
-          <a:prstGeom prst="rect">
-            <a:avLst/>
-          </a:prstGeom>
-        </p:spPr>
-        <p:style>
-          <a:lnRef idx="2">
-            <a:schemeClr val="dk1"/>
-          </a:lnRef>
-          <a:fillRef idx="1">
-            <a:schemeClr val="lt1"/>
-          </a:fillRef>
-          <a:effectRef idx="0">
-            <a:schemeClr val="dk1"/>
-          </a:effectRef>
-          <a:fontRef idx="minor">
-            <a:schemeClr val="dk1"/>
-          </a:fontRef>
-        </p:style>
-        <p:txBody>
-          <a:bodyPr rtlCol="0" anchor="ctr"/>
-          <a:lstStyle/>
-          <a:p>
-            <a:pPr algn="ctr"/>
-            <a:r>
-              <a:rPr lang="en-US" dirty="0" smtClean="0"/>
-              <a:t>3</a:t>
-            </a:r>
-          </a:p>
-          <a:p>
-            <a:pPr algn="ctr"/>
-            <a:r>
-              <a:rPr lang="en-US" dirty="0" smtClean="0"/>
-              <a:t>Mod-</a:t>
-            </a:r>
-            <a:r>
-              <a:rPr lang="en-US" dirty="0" err="1" smtClean="0"/>
-              <a:t>Sev</a:t>
-            </a:r>
-            <a:r>
-              <a:rPr lang="en-US" dirty="0" smtClean="0"/>
-              <a:t>   CI</a:t>
-            </a:r>
-          </a:p>
-        </p:txBody>
-      </p:sp>
-      <p:sp>
-        <p:nvSpPr>
-          <p:cNvPr id="7" name="Rectangle 6"/>
-          <p:cNvSpPr/>
-          <p:nvPr/>
-        </p:nvSpPr>
-        <p:spPr>
-          <a:xfrm>
-            <a:off x="5248992" y="5127595"/>
-            <a:ext cx="1073889" cy="871870"/>
-          </a:xfrm>
-          <a:prstGeom prst="rect">
-            <a:avLst/>
-          </a:prstGeom>
-        </p:spPr>
-        <p:style>
-          <a:lnRef idx="2">
-            <a:schemeClr val="dk1"/>
-          </a:lnRef>
-          <a:fillRef idx="1">
-            <a:schemeClr val="lt1"/>
-          </a:fillRef>
-          <a:effectRef idx="0">
-            <a:schemeClr val="dk1"/>
-          </a:effectRef>
-          <a:fontRef idx="minor">
-            <a:schemeClr val="dk1"/>
-          </a:fontRef>
-        </p:style>
-        <p:txBody>
-          <a:bodyPr rtlCol="0" anchor="ctr"/>
-          <a:lstStyle/>
-          <a:p>
-            <a:pPr algn="ctr"/>
-            <a:r>
-              <a:rPr lang="en-US" dirty="0" smtClean="0"/>
-              <a:t>4</a:t>
-            </a:r>
-          </a:p>
-          <a:p>
-            <a:pPr algn="ctr"/>
-            <a:r>
-              <a:rPr lang="en-US" dirty="0" smtClean="0"/>
-              <a:t>Dead</a:t>
-            </a:r>
-          </a:p>
-        </p:txBody>
-      </p:sp>
-      <p:cxnSp>
-        <p:nvCxnSpPr>
-          <p:cNvPr id="11" name="Straight Arrow Connector 10"/>
-          <p:cNvCxnSpPr/>
-          <p:nvPr/>
-        </p:nvCxnSpPr>
-        <p:spPr>
-          <a:xfrm flipH="1">
-            <a:off x="3579681" y="3550024"/>
-            <a:ext cx="1669311" cy="0"/>
-          </a:xfrm>
-          <a:prstGeom prst="straightConnector1">
-            <a:avLst/>
-          </a:prstGeom>
-          <a:ln>
-            <a:tailEnd type="triangle"/>
-          </a:ln>
-        </p:spPr>
-        <p:style>
-          <a:lnRef idx="2">
-            <a:schemeClr val="dk1"/>
-          </a:lnRef>
-          <a:fillRef idx="0">
-            <a:schemeClr val="dk1"/>
-          </a:fillRef>
-          <a:effectRef idx="1">
-            <a:schemeClr val="dk1"/>
-          </a:effectRef>
-          <a:fontRef idx="minor">
-            <a:schemeClr val="tx1"/>
-          </a:fontRef>
-        </p:style>
-      </p:cxnSp>
-      <p:cxnSp>
-        <p:nvCxnSpPr>
-          <p:cNvPr id="14" name="Straight Arrow Connector 13"/>
-          <p:cNvCxnSpPr>
-            <a:stCxn id="4" idx="2"/>
-          </p:cNvCxnSpPr>
-          <p:nvPr/>
-        </p:nvCxnSpPr>
-        <p:spPr>
-          <a:xfrm>
-            <a:off x="2983007" y="3702632"/>
-            <a:ext cx="2414921" cy="1339591"/>
-          </a:xfrm>
-          <a:prstGeom prst="straightConnector1">
-            <a:avLst/>
-          </a:prstGeom>
-          <a:ln>
-            <a:tailEnd type="triangle"/>
-          </a:ln>
-        </p:spPr>
-        <p:style>
-          <a:lnRef idx="2">
-            <a:schemeClr val="dk1"/>
-          </a:lnRef>
-          <a:fillRef idx="0">
-            <a:schemeClr val="dk1"/>
-          </a:fillRef>
-          <a:effectRef idx="1">
-            <a:schemeClr val="dk1"/>
-          </a:effectRef>
-          <a:fontRef idx="minor">
-            <a:schemeClr val="tx1"/>
-          </a:fontRef>
-        </p:style>
-      </p:cxnSp>
-      <p:cxnSp>
-        <p:nvCxnSpPr>
-          <p:cNvPr id="16" name="Straight Arrow Connector 15"/>
-          <p:cNvCxnSpPr>
-            <a:stCxn id="5" idx="2"/>
-          </p:cNvCxnSpPr>
-          <p:nvPr/>
-        </p:nvCxnSpPr>
-        <p:spPr>
-          <a:xfrm flipH="1">
-            <a:off x="5800634" y="3702632"/>
-            <a:ext cx="1" cy="1339591"/>
-          </a:xfrm>
-          <a:prstGeom prst="straightConnector1">
-            <a:avLst/>
-          </a:prstGeom>
-          <a:ln>
-            <a:tailEnd type="triangle"/>
-          </a:ln>
-        </p:spPr>
-        <p:style>
-          <a:lnRef idx="2">
-            <a:schemeClr val="dk1"/>
-          </a:lnRef>
-          <a:fillRef idx="0">
-            <a:schemeClr val="dk1"/>
-          </a:fillRef>
-          <a:effectRef idx="1">
-            <a:schemeClr val="dk1"/>
-          </a:effectRef>
-          <a:fontRef idx="minor">
-            <a:schemeClr val="tx1"/>
-          </a:fontRef>
-        </p:style>
-      </p:cxnSp>
-      <p:cxnSp>
-        <p:nvCxnSpPr>
-          <p:cNvPr id="18" name="Straight Arrow Connector 17"/>
-          <p:cNvCxnSpPr>
-            <a:stCxn id="6" idx="2"/>
-          </p:cNvCxnSpPr>
-          <p:nvPr/>
-        </p:nvCxnSpPr>
-        <p:spPr>
-          <a:xfrm flipH="1">
-            <a:off x="6203341" y="3702632"/>
-            <a:ext cx="2414923" cy="1339591"/>
-          </a:xfrm>
-          <a:prstGeom prst="straightConnector1">
-            <a:avLst/>
-          </a:prstGeom>
-          <a:ln>
-            <a:tailEnd type="triangle"/>
-          </a:ln>
-        </p:spPr>
-        <p:style>
-          <a:lnRef idx="2">
-            <a:schemeClr val="dk1"/>
-          </a:lnRef>
-          <a:fillRef idx="0">
-            <a:schemeClr val="dk1"/>
-          </a:fillRef>
-          <a:effectRef idx="1">
-            <a:schemeClr val="dk1"/>
-          </a:effectRef>
-          <a:fontRef idx="minor">
-            <a:schemeClr val="tx1"/>
-          </a:fontRef>
-        </p:style>
-      </p:cxnSp>
-      <p:cxnSp>
-        <p:nvCxnSpPr>
-          <p:cNvPr id="25" name="Straight Arrow Connector 24"/>
-          <p:cNvCxnSpPr/>
-          <p:nvPr/>
-        </p:nvCxnSpPr>
-        <p:spPr>
-          <a:xfrm>
-            <a:off x="3519951" y="3025588"/>
-            <a:ext cx="1628345" cy="0"/>
-          </a:xfrm>
-          <a:prstGeom prst="straightConnector1">
-            <a:avLst/>
-          </a:prstGeom>
-          <a:ln>
-            <a:tailEnd type="triangle"/>
-          </a:ln>
-        </p:spPr>
-        <p:style>
-          <a:lnRef idx="2">
-            <a:schemeClr val="dk1"/>
-          </a:lnRef>
-          <a:fillRef idx="0">
-            <a:schemeClr val="dk1"/>
-          </a:fillRef>
-          <a:effectRef idx="1">
-            <a:schemeClr val="dk1"/>
-          </a:effectRef>
-          <a:fontRef idx="minor">
-            <a:schemeClr val="tx1"/>
-          </a:fontRef>
-        </p:style>
-      </p:cxnSp>
-      <p:cxnSp>
-        <p:nvCxnSpPr>
-          <p:cNvPr id="27" name="Straight Arrow Connector 26"/>
-          <p:cNvCxnSpPr/>
-          <p:nvPr/>
-        </p:nvCxnSpPr>
-        <p:spPr>
-          <a:xfrm>
-            <a:off x="6337579" y="3012141"/>
-            <a:ext cx="1648046" cy="0"/>
-          </a:xfrm>
-          <a:prstGeom prst="straightConnector1">
-            <a:avLst/>
-          </a:prstGeom>
-          <a:ln>
-            <a:tailEnd type="triangle"/>
-          </a:ln>
-        </p:spPr>
-        <p:style>
-          <a:lnRef idx="2">
-            <a:schemeClr val="dk1"/>
-          </a:lnRef>
-          <a:fillRef idx="0">
-            <a:schemeClr val="dk1"/>
-          </a:fillRef>
-          <a:effectRef idx="1">
-            <a:schemeClr val="dk1"/>
-          </a:effectRef>
-          <a:fontRef idx="minor">
-            <a:schemeClr val="tx1"/>
-          </a:fontRef>
-        </p:style>
-      </p:cxnSp>
-      <p:sp>
-        <p:nvSpPr>
-          <p:cNvPr id="32" name="TextBox 31"/>
-          <p:cNvSpPr txBox="1"/>
-          <p:nvPr/>
-        </p:nvSpPr>
-        <p:spPr>
-          <a:xfrm>
-            <a:off x="2182906" y="2361993"/>
-            <a:ext cx="1600200" cy="369332"/>
+            <a:off x="6989743" y="5177049"/>
+            <a:ext cx="3399329" cy="400110"/>
           </a:xfrm>
           <a:prstGeom prst="rect">
             <a:avLst/>
@@ -3515,30 +4674,29 @@
           <a:noFill/>
         </p:spPr>
         <p:txBody>
-          <a:bodyPr wrap="square" rtlCol="0">
+          <a:bodyPr wrap="none" rtlCol="0">
             <a:spAutoFit/>
           </a:bodyPr>
           <a:lstStyle/>
           <a:p>
-            <a:pPr algn="ctr"/>
-            <a:r>
-              <a:rPr lang="en-US" dirty="0" smtClean="0"/>
-              <a:t>MMSE: 27-30</a:t>
-            </a:r>
-            <a:endParaRPr lang="en-US" dirty="0"/>
-          </a:p>
-        </p:txBody>
-      </p:sp>
-      <p:sp>
-        <p:nvSpPr>
-          <p:cNvPr id="33" name="TextBox 32"/>
+            <a:r>
+              <a:rPr lang="en-US" sz="2000" b="1" dirty="0" smtClean="0"/>
+              <a:t>with covariates on transitions:</a:t>
+            </a:r>
+            <a:endParaRPr lang="en-US" sz="2000" b="1" dirty="0"/>
+          </a:p>
+        </p:txBody>
+      </p:sp>
+      <p:sp>
+        <p:nvSpPr>
+          <p:cNvPr id="48" name="TextBox 47"/>
           <p:cNvSpPr txBox="1"/>
           <p:nvPr/>
         </p:nvSpPr>
         <p:spPr>
           <a:xfrm>
-            <a:off x="5000534" y="2354163"/>
-            <a:ext cx="1600200" cy="369332"/>
+            <a:off x="5558413" y="5726156"/>
+            <a:ext cx="6516528" cy="1477328"/>
           </a:xfrm>
           <a:prstGeom prst="rect">
             <a:avLst/>
@@ -3546,81 +4704,157 @@
           <a:noFill/>
         </p:spPr>
         <p:txBody>
-          <a:bodyPr wrap="square" rtlCol="0">
+          <a:bodyPr wrap="none" rtlCol="0">
             <a:spAutoFit/>
           </a:bodyPr>
           <a:lstStyle/>
           <a:p>
-            <a:pPr algn="ctr"/>
-            <a:r>
-              <a:rPr lang="en-US" dirty="0" smtClean="0"/>
-              <a:t>MMSE: 23-26</a:t>
-            </a:r>
-            <a:endParaRPr lang="en-US" dirty="0"/>
-          </a:p>
-        </p:txBody>
-      </p:sp>
-      <p:sp>
-        <p:nvSpPr>
-          <p:cNvPr id="34" name="TextBox 33"/>
-          <p:cNvSpPr txBox="1"/>
-          <p:nvPr/>
-        </p:nvSpPr>
-        <p:spPr>
-          <a:xfrm>
-            <a:off x="7771410" y="2354163"/>
-            <a:ext cx="1600200" cy="369332"/>
-          </a:xfrm>
-          <a:prstGeom prst="rect">
-            <a:avLst/>
-          </a:prstGeom>
-          <a:noFill/>
-        </p:spPr>
-        <p:txBody>
-          <a:bodyPr wrap="square" rtlCol="0">
-            <a:spAutoFit/>
-          </a:bodyPr>
-          <a:lstStyle/>
-          <a:p>
-            <a:pPr algn="ctr"/>
-            <a:r>
-              <a:rPr lang="en-US" dirty="0" smtClean="0"/>
-              <a:t>MMSE: 0-22</a:t>
-            </a:r>
-            <a:endParaRPr lang="en-US" dirty="0"/>
-          </a:p>
-        </p:txBody>
-      </p:sp>
-      <p:sp>
-        <p:nvSpPr>
-          <p:cNvPr id="36" name="Rectangle 35"/>
-          <p:cNvSpPr/>
-          <p:nvPr/>
-        </p:nvSpPr>
-        <p:spPr>
-          <a:xfrm>
-            <a:off x="4900116" y="1157208"/>
-            <a:ext cx="1771639" cy="646331"/>
-          </a:xfrm>
-          <a:prstGeom prst="rect">
-            <a:avLst/>
-          </a:prstGeom>
-        </p:spPr>
-        <p:txBody>
-          <a:bodyPr wrap="none">
-            <a:spAutoFit/>
-          </a:bodyPr>
-          <a:lstStyle/>
-          <a:p>
-            <a:r>
-              <a:rPr lang="en-US" sz="3600" dirty="0" smtClean="0"/>
-              <a:t>Model </a:t>
-            </a:r>
-            <a:r>
-              <a:rPr lang="en-US" sz="3600" dirty="0" smtClean="0"/>
-              <a:t>A</a:t>
-            </a:r>
-            <a:endParaRPr lang="en-US" sz="3600" dirty="0"/>
+            <a:r>
+              <a:rPr lang="en-US" dirty="0" smtClean="0">
+                <a:latin typeface="Consolas" panose="020B0609020204030204" pitchFamily="49" charset="0"/>
+              </a:rPr>
+              <a:t>forward  ~ age + male + </a:t>
+            </a:r>
+            <a:r>
+              <a:rPr lang="en-US" dirty="0" err="1" smtClean="0">
+                <a:latin typeface="Consolas" panose="020B0609020204030204" pitchFamily="49" charset="0"/>
+              </a:rPr>
+              <a:t>edu</a:t>
+            </a:r>
+            <a:r>
+              <a:rPr lang="en-US" dirty="0" smtClean="0">
+                <a:latin typeface="Consolas" panose="020B0609020204030204" pitchFamily="49" charset="0"/>
+              </a:rPr>
+              <a:t> + height + </a:t>
+            </a:r>
+            <a:r>
+              <a:rPr lang="en-US" dirty="0" err="1" smtClean="0">
+                <a:latin typeface="Consolas" panose="020B0609020204030204" pitchFamily="49" charset="0"/>
+              </a:rPr>
+              <a:t>bmi</a:t>
+            </a:r>
+            <a:r>
+              <a:rPr lang="en-US" dirty="0" smtClean="0">
+                <a:latin typeface="Consolas" panose="020B0609020204030204" pitchFamily="49" charset="0"/>
+              </a:rPr>
+              <a:t> + gait </a:t>
+            </a:r>
+          </a:p>
+          <a:p>
+            <a:r>
+              <a:rPr lang="en-US" dirty="0" smtClean="0">
+                <a:latin typeface="Consolas" panose="020B0609020204030204" pitchFamily="49" charset="0"/>
+              </a:rPr>
+              <a:t>backward </a:t>
+            </a:r>
+            <a:r>
+              <a:rPr lang="en-US" dirty="0">
+                <a:latin typeface="Consolas" panose="020B0609020204030204" pitchFamily="49" charset="0"/>
+              </a:rPr>
+              <a:t>~ age + male + </a:t>
+            </a:r>
+            <a:r>
+              <a:rPr lang="en-US" dirty="0" err="1">
+                <a:latin typeface="Consolas" panose="020B0609020204030204" pitchFamily="49" charset="0"/>
+              </a:rPr>
+              <a:t>edu</a:t>
+            </a:r>
+            <a:r>
+              <a:rPr lang="en-US" dirty="0">
+                <a:latin typeface="Consolas" panose="020B0609020204030204" pitchFamily="49" charset="0"/>
+              </a:rPr>
+              <a:t> + </a:t>
+            </a:r>
+            <a:r>
+              <a:rPr lang="en-US" dirty="0" smtClean="0">
+                <a:latin typeface="Consolas" panose="020B0609020204030204" pitchFamily="49" charset="0"/>
+              </a:rPr>
+              <a:t>height </a:t>
+            </a:r>
+            <a:r>
+              <a:rPr lang="en-US" dirty="0">
+                <a:latin typeface="Consolas" panose="020B0609020204030204" pitchFamily="49" charset="0"/>
+              </a:rPr>
+              <a:t>+ </a:t>
+            </a:r>
+            <a:r>
+              <a:rPr lang="en-US" dirty="0" err="1" smtClean="0">
+                <a:latin typeface="Consolas" panose="020B0609020204030204" pitchFamily="49" charset="0"/>
+              </a:rPr>
+              <a:t>bmi</a:t>
+            </a:r>
+            <a:r>
+              <a:rPr lang="en-US" dirty="0" smtClean="0">
+                <a:latin typeface="Consolas" panose="020B0609020204030204" pitchFamily="49" charset="0"/>
+              </a:rPr>
+              <a:t> + gait</a:t>
+            </a:r>
+            <a:endParaRPr lang="en-US" dirty="0">
+              <a:latin typeface="Consolas" panose="020B0609020204030204" pitchFamily="49" charset="0"/>
+            </a:endParaRPr>
+          </a:p>
+          <a:p>
+            <a:r>
+              <a:rPr lang="en-US" dirty="0" smtClean="0">
+                <a:latin typeface="Consolas" panose="020B0609020204030204" pitchFamily="49" charset="0"/>
+              </a:rPr>
+              <a:t>dead     </a:t>
+            </a:r>
+            <a:r>
+              <a:rPr lang="en-US" dirty="0">
+                <a:latin typeface="Consolas" panose="020B0609020204030204" pitchFamily="49" charset="0"/>
+              </a:rPr>
+              <a:t>~ age + male + </a:t>
+            </a:r>
+            <a:r>
+              <a:rPr lang="en-US" dirty="0" err="1">
+                <a:latin typeface="Consolas" panose="020B0609020204030204" pitchFamily="49" charset="0"/>
+              </a:rPr>
+              <a:t>edu</a:t>
+            </a:r>
+            <a:r>
+              <a:rPr lang="en-US" dirty="0">
+                <a:latin typeface="Consolas" panose="020B0609020204030204" pitchFamily="49" charset="0"/>
+              </a:rPr>
+              <a:t> + </a:t>
+            </a:r>
+            <a:r>
+              <a:rPr lang="en-US" dirty="0" smtClean="0">
+                <a:latin typeface="Consolas" panose="020B0609020204030204" pitchFamily="49" charset="0"/>
+              </a:rPr>
+              <a:t>height </a:t>
+            </a:r>
+            <a:r>
+              <a:rPr lang="en-US" dirty="0">
+                <a:latin typeface="Consolas" panose="020B0609020204030204" pitchFamily="49" charset="0"/>
+              </a:rPr>
+              <a:t>+ </a:t>
+            </a:r>
+            <a:r>
+              <a:rPr lang="en-US" dirty="0" err="1" smtClean="0">
+                <a:latin typeface="Consolas" panose="020B0609020204030204" pitchFamily="49" charset="0"/>
+              </a:rPr>
+              <a:t>bmi</a:t>
+            </a:r>
+            <a:r>
+              <a:rPr lang="en-US" dirty="0" smtClean="0">
+                <a:latin typeface="Consolas" panose="020B0609020204030204" pitchFamily="49" charset="0"/>
+              </a:rPr>
+              <a:t> + gait</a:t>
+            </a:r>
+            <a:endParaRPr lang="en-US" dirty="0">
+              <a:latin typeface="Consolas" panose="020B0609020204030204" pitchFamily="49" charset="0"/>
+            </a:endParaRPr>
+          </a:p>
+          <a:p>
+            <a:endParaRPr lang="en-US" dirty="0" smtClean="0">
+              <a:latin typeface="Consolas" panose="020B0609020204030204" pitchFamily="49" charset="0"/>
+            </a:endParaRPr>
+          </a:p>
+          <a:p>
+            <a:endParaRPr lang="en-US" dirty="0">
+              <a:latin typeface="Consolas" panose="020B0609020204030204" pitchFamily="49" charset="0"/>
+            </a:endParaRPr>
           </a:p>
         </p:txBody>
       </p:sp>
@@ -3634,6 +4868,13 @@
   <p:clrMapOvr>
     <a:masterClrMapping/>
   </p:clrMapOvr>
+  <p:timing>
+    <p:tnLst>
+      <p:par>
+        <p:cTn id="1" dur="indefinite" restart="never" nodeType="tmRoot"/>
+      </p:par>
+    </p:tnLst>
+  </p:timing>
 </p:sld>
 </file>
 
@@ -3654,6 +4895,996 @@
           <a:chExt cx="0" cy="0"/>
         </a:xfrm>
       </p:grpSpPr>
+      <p:grpSp>
+        <p:nvGrpSpPr>
+          <p:cNvPr id="19" name="Group 18"/>
+          <p:cNvGrpSpPr/>
+          <p:nvPr/>
+        </p:nvGrpSpPr>
+        <p:grpSpPr>
+          <a:xfrm>
+            <a:off x="532415" y="148787"/>
+            <a:ext cx="1296813" cy="1318063"/>
+            <a:chOff x="1513490" y="672662"/>
+            <a:chExt cx="3668110" cy="3668110"/>
+          </a:xfrm>
+        </p:grpSpPr>
+        <p:sp>
+          <p:nvSpPr>
+            <p:cNvPr id="6" name="Rectangle 5"/>
+            <p:cNvSpPr/>
+            <p:nvPr/>
+          </p:nvSpPr>
+          <p:spPr>
+            <a:xfrm>
+              <a:off x="1513490" y="672662"/>
+              <a:ext cx="3668110" cy="3668110"/>
+            </a:xfrm>
+            <a:prstGeom prst="rect">
+              <a:avLst/>
+            </a:prstGeom>
+            <a:noFill/>
+            <a:ln>
+              <a:solidFill>
+                <a:schemeClr val="tx1"/>
+              </a:solidFill>
+            </a:ln>
+          </p:spPr>
+          <p:style>
+            <a:lnRef idx="2">
+              <a:schemeClr val="accent1">
+                <a:shade val="50000"/>
+              </a:schemeClr>
+            </a:lnRef>
+            <a:fillRef idx="1">
+              <a:schemeClr val="accent1"/>
+            </a:fillRef>
+            <a:effectRef idx="0">
+              <a:schemeClr val="accent1"/>
+            </a:effectRef>
+            <a:fontRef idx="minor">
+              <a:schemeClr val="lt1"/>
+            </a:fontRef>
+          </p:style>
+          <p:txBody>
+            <a:bodyPr rtlCol="0" anchor="ctr"/>
+            <a:lstStyle/>
+            <a:p>
+              <a:pPr algn="ctr"/>
+              <a:endParaRPr lang="en-US"/>
+            </a:p>
+          </p:txBody>
+        </p:sp>
+        <p:cxnSp>
+          <p:nvCxnSpPr>
+            <p:cNvPr id="8" name="Straight Connector 7"/>
+            <p:cNvCxnSpPr/>
+            <p:nvPr/>
+          </p:nvCxnSpPr>
+          <p:spPr>
+            <a:xfrm>
+              <a:off x="2447636" y="672662"/>
+              <a:ext cx="0" cy="3668110"/>
+            </a:xfrm>
+            <a:prstGeom prst="line">
+              <a:avLst/>
+            </a:prstGeom>
+            <a:ln>
+              <a:tailEnd type="none" w="lg" len="lg"/>
+            </a:ln>
+          </p:spPr>
+          <p:style>
+            <a:lnRef idx="2">
+              <a:schemeClr val="dk1"/>
+            </a:lnRef>
+            <a:fillRef idx="0">
+              <a:schemeClr val="dk1"/>
+            </a:fillRef>
+            <a:effectRef idx="1">
+              <a:schemeClr val="dk1"/>
+            </a:effectRef>
+            <a:fontRef idx="minor">
+              <a:schemeClr val="tx1"/>
+            </a:fontRef>
+          </p:style>
+        </p:cxnSp>
+        <p:cxnSp>
+          <p:nvCxnSpPr>
+            <p:cNvPr id="10" name="Straight Connector 9"/>
+            <p:cNvCxnSpPr>
+              <a:stCxn id="6" idx="0"/>
+              <a:endCxn id="6" idx="2"/>
+            </p:cNvCxnSpPr>
+            <p:nvPr/>
+          </p:nvCxnSpPr>
+          <p:spPr>
+            <a:xfrm>
+              <a:off x="3347545" y="672662"/>
+              <a:ext cx="0" cy="3668110"/>
+            </a:xfrm>
+            <a:prstGeom prst="line">
+              <a:avLst/>
+            </a:prstGeom>
+            <a:ln>
+              <a:tailEnd type="none" w="lg" len="lg"/>
+            </a:ln>
+          </p:spPr>
+          <p:style>
+            <a:lnRef idx="2">
+              <a:schemeClr val="dk1"/>
+            </a:lnRef>
+            <a:fillRef idx="0">
+              <a:schemeClr val="dk1"/>
+            </a:fillRef>
+            <a:effectRef idx="1">
+              <a:schemeClr val="dk1"/>
+            </a:effectRef>
+            <a:fontRef idx="minor">
+              <a:schemeClr val="tx1"/>
+            </a:fontRef>
+          </p:style>
+        </p:cxnSp>
+        <p:cxnSp>
+          <p:nvCxnSpPr>
+            <p:cNvPr id="12" name="Straight Connector 11"/>
+            <p:cNvCxnSpPr>
+              <a:stCxn id="6" idx="3"/>
+              <a:endCxn id="6" idx="1"/>
+            </p:cNvCxnSpPr>
+            <p:nvPr/>
+          </p:nvCxnSpPr>
+          <p:spPr>
+            <a:xfrm flipH="1">
+              <a:off x="1513490" y="2506717"/>
+              <a:ext cx="3668110" cy="0"/>
+            </a:xfrm>
+            <a:prstGeom prst="line">
+              <a:avLst/>
+            </a:prstGeom>
+            <a:ln>
+              <a:tailEnd type="none" w="lg" len="lg"/>
+            </a:ln>
+          </p:spPr>
+          <p:style>
+            <a:lnRef idx="2">
+              <a:schemeClr val="dk1"/>
+            </a:lnRef>
+            <a:fillRef idx="0">
+              <a:schemeClr val="dk1"/>
+            </a:fillRef>
+            <a:effectRef idx="1">
+              <a:schemeClr val="dk1"/>
+            </a:effectRef>
+            <a:fontRef idx="minor">
+              <a:schemeClr val="tx1"/>
+            </a:fontRef>
+          </p:style>
+        </p:cxnSp>
+        <p:cxnSp>
+          <p:nvCxnSpPr>
+            <p:cNvPr id="14" name="Straight Connector 13"/>
+            <p:cNvCxnSpPr/>
+            <p:nvPr/>
+          </p:nvCxnSpPr>
+          <p:spPr>
+            <a:xfrm>
+              <a:off x="4267200" y="672662"/>
+              <a:ext cx="0" cy="3668110"/>
+            </a:xfrm>
+            <a:prstGeom prst="line">
+              <a:avLst/>
+            </a:prstGeom>
+            <a:ln>
+              <a:tailEnd type="none" w="lg" len="lg"/>
+            </a:ln>
+          </p:spPr>
+          <p:style>
+            <a:lnRef idx="2">
+              <a:schemeClr val="dk1"/>
+            </a:lnRef>
+            <a:fillRef idx="0">
+              <a:schemeClr val="dk1"/>
+            </a:fillRef>
+            <a:effectRef idx="1">
+              <a:schemeClr val="dk1"/>
+            </a:effectRef>
+            <a:fontRef idx="minor">
+              <a:schemeClr val="tx1"/>
+            </a:fontRef>
+          </p:style>
+        </p:cxnSp>
+        <p:cxnSp>
+          <p:nvCxnSpPr>
+            <p:cNvPr id="16" name="Straight Connector 15"/>
+            <p:cNvCxnSpPr/>
+            <p:nvPr/>
+          </p:nvCxnSpPr>
+          <p:spPr>
+            <a:xfrm>
+              <a:off x="1513490" y="1597891"/>
+              <a:ext cx="3668110" cy="0"/>
+            </a:xfrm>
+            <a:prstGeom prst="line">
+              <a:avLst/>
+            </a:prstGeom>
+            <a:ln>
+              <a:tailEnd type="none" w="lg" len="lg"/>
+            </a:ln>
+          </p:spPr>
+          <p:style>
+            <a:lnRef idx="2">
+              <a:schemeClr val="dk1"/>
+            </a:lnRef>
+            <a:fillRef idx="0">
+              <a:schemeClr val="dk1"/>
+            </a:fillRef>
+            <a:effectRef idx="1">
+              <a:schemeClr val="dk1"/>
+            </a:effectRef>
+            <a:fontRef idx="minor">
+              <a:schemeClr val="tx1"/>
+            </a:fontRef>
+          </p:style>
+        </p:cxnSp>
+        <p:cxnSp>
+          <p:nvCxnSpPr>
+            <p:cNvPr id="18" name="Straight Connector 17"/>
+            <p:cNvCxnSpPr/>
+            <p:nvPr/>
+          </p:nvCxnSpPr>
+          <p:spPr>
+            <a:xfrm>
+              <a:off x="1513490" y="3417455"/>
+              <a:ext cx="3668110" cy="0"/>
+            </a:xfrm>
+            <a:prstGeom prst="line">
+              <a:avLst/>
+            </a:prstGeom>
+            <a:ln>
+              <a:tailEnd type="none" w="lg" len="lg"/>
+            </a:ln>
+          </p:spPr>
+          <p:style>
+            <a:lnRef idx="2">
+              <a:schemeClr val="dk1"/>
+            </a:lnRef>
+            <a:fillRef idx="0">
+              <a:schemeClr val="dk1"/>
+            </a:fillRef>
+            <a:effectRef idx="1">
+              <a:schemeClr val="dk1"/>
+            </a:effectRef>
+            <a:fontRef idx="minor">
+              <a:schemeClr val="tx1"/>
+            </a:fontRef>
+          </p:style>
+        </p:cxnSp>
+      </p:grpSp>
+      <p:sp>
+        <p:nvSpPr>
+          <p:cNvPr id="29" name="Rectangle 28"/>
+          <p:cNvSpPr/>
+          <p:nvPr/>
+        </p:nvSpPr>
+        <p:spPr>
+          <a:xfrm>
+            <a:off x="3353043" y="681039"/>
+            <a:ext cx="916538" cy="914400"/>
+          </a:xfrm>
+          <a:prstGeom prst="rect">
+            <a:avLst/>
+          </a:prstGeom>
+          <a:noFill/>
+        </p:spPr>
+        <p:style>
+          <a:lnRef idx="2">
+            <a:schemeClr val="dk1"/>
+          </a:lnRef>
+          <a:fillRef idx="1">
+            <a:schemeClr val="lt1"/>
+          </a:fillRef>
+          <a:effectRef idx="0">
+            <a:schemeClr val="dk1"/>
+          </a:effectRef>
+          <a:fontRef idx="minor">
+            <a:schemeClr val="dk1"/>
+          </a:fontRef>
+        </p:style>
+        <p:txBody>
+          <a:bodyPr rtlCol="0" anchor="ctr"/>
+          <a:lstStyle/>
+          <a:p>
+            <a:pPr algn="ctr"/>
+            <a:r>
+              <a:rPr lang="en-US" dirty="0" smtClean="0"/>
+              <a:t>1,1</a:t>
+            </a:r>
+            <a:endParaRPr lang="en-US" dirty="0"/>
+          </a:p>
+        </p:txBody>
+      </p:sp>
+      <p:sp>
+        <p:nvSpPr>
+          <p:cNvPr id="30" name="Rectangle 29"/>
+          <p:cNvSpPr/>
+          <p:nvPr/>
+        </p:nvSpPr>
+        <p:spPr>
+          <a:xfrm>
+            <a:off x="4266674" y="681039"/>
+            <a:ext cx="913631" cy="914400"/>
+          </a:xfrm>
+          <a:prstGeom prst="rect">
+            <a:avLst/>
+          </a:prstGeom>
+          <a:noFill/>
+        </p:spPr>
+        <p:style>
+          <a:lnRef idx="2">
+            <a:schemeClr val="dk1"/>
+          </a:lnRef>
+          <a:fillRef idx="1">
+            <a:schemeClr val="lt1"/>
+          </a:fillRef>
+          <a:effectRef idx="0">
+            <a:schemeClr val="dk1"/>
+          </a:effectRef>
+          <a:fontRef idx="minor">
+            <a:schemeClr val="dk1"/>
+          </a:fontRef>
+        </p:style>
+        <p:txBody>
+          <a:bodyPr rtlCol="0" anchor="ctr"/>
+          <a:lstStyle/>
+          <a:p>
+            <a:pPr algn="ctr"/>
+            <a:r>
+              <a:rPr lang="en-US" dirty="0" smtClean="0"/>
+              <a:t>1,2</a:t>
+            </a:r>
+            <a:endParaRPr lang="en-US" dirty="0"/>
+          </a:p>
+        </p:txBody>
+      </p:sp>
+      <p:sp>
+        <p:nvSpPr>
+          <p:cNvPr id="31" name="Rectangle 30"/>
+          <p:cNvSpPr/>
+          <p:nvPr/>
+        </p:nvSpPr>
+        <p:spPr>
+          <a:xfrm>
+            <a:off x="5180305" y="681039"/>
+            <a:ext cx="913631" cy="914400"/>
+          </a:xfrm>
+          <a:prstGeom prst="rect">
+            <a:avLst/>
+          </a:prstGeom>
+          <a:noFill/>
+        </p:spPr>
+        <p:style>
+          <a:lnRef idx="2">
+            <a:schemeClr val="dk1"/>
+          </a:lnRef>
+          <a:fillRef idx="1">
+            <a:schemeClr val="lt1"/>
+          </a:fillRef>
+          <a:effectRef idx="0">
+            <a:schemeClr val="dk1"/>
+          </a:effectRef>
+          <a:fontRef idx="minor">
+            <a:schemeClr val="dk1"/>
+          </a:fontRef>
+        </p:style>
+        <p:txBody>
+          <a:bodyPr rtlCol="0" anchor="ctr"/>
+          <a:lstStyle/>
+          <a:p>
+            <a:pPr algn="ctr"/>
+            <a:r>
+              <a:rPr lang="en-US" dirty="0" smtClean="0"/>
+              <a:t>1,3</a:t>
+            </a:r>
+            <a:endParaRPr lang="en-US" dirty="0"/>
+          </a:p>
+        </p:txBody>
+      </p:sp>
+      <p:sp>
+        <p:nvSpPr>
+          <p:cNvPr id="32" name="Rectangle 31"/>
+          <p:cNvSpPr/>
+          <p:nvPr/>
+        </p:nvSpPr>
+        <p:spPr>
+          <a:xfrm>
+            <a:off x="6093937" y="681039"/>
+            <a:ext cx="923544" cy="914400"/>
+          </a:xfrm>
+          <a:prstGeom prst="rect">
+            <a:avLst/>
+          </a:prstGeom>
+          <a:noFill/>
+        </p:spPr>
+        <p:style>
+          <a:lnRef idx="2">
+            <a:schemeClr val="dk1"/>
+          </a:lnRef>
+          <a:fillRef idx="1">
+            <a:schemeClr val="lt1"/>
+          </a:fillRef>
+          <a:effectRef idx="0">
+            <a:schemeClr val="dk1"/>
+          </a:effectRef>
+          <a:fontRef idx="minor">
+            <a:schemeClr val="dk1"/>
+          </a:fontRef>
+        </p:style>
+        <p:txBody>
+          <a:bodyPr rtlCol="0" anchor="ctr"/>
+          <a:lstStyle/>
+          <a:p>
+            <a:pPr algn="ctr"/>
+            <a:r>
+              <a:rPr lang="en-US" dirty="0" smtClean="0"/>
+              <a:t>1,4</a:t>
+            </a:r>
+            <a:endParaRPr lang="en-US" dirty="0"/>
+          </a:p>
+        </p:txBody>
+      </p:sp>
+      <p:sp>
+        <p:nvSpPr>
+          <p:cNvPr id="33" name="Rectangle 32"/>
+          <p:cNvSpPr/>
+          <p:nvPr/>
+        </p:nvSpPr>
+        <p:spPr>
+          <a:xfrm>
+            <a:off x="3352849" y="1595439"/>
+            <a:ext cx="916538" cy="914400"/>
+          </a:xfrm>
+          <a:prstGeom prst="rect">
+            <a:avLst/>
+          </a:prstGeom>
+          <a:noFill/>
+        </p:spPr>
+        <p:style>
+          <a:lnRef idx="2">
+            <a:schemeClr val="dk1"/>
+          </a:lnRef>
+          <a:fillRef idx="1">
+            <a:schemeClr val="lt1"/>
+          </a:fillRef>
+          <a:effectRef idx="0">
+            <a:schemeClr val="dk1"/>
+          </a:effectRef>
+          <a:fontRef idx="minor">
+            <a:schemeClr val="dk1"/>
+          </a:fontRef>
+        </p:style>
+        <p:txBody>
+          <a:bodyPr rtlCol="0" anchor="ctr"/>
+          <a:lstStyle/>
+          <a:p>
+            <a:pPr algn="ctr"/>
+            <a:r>
+              <a:rPr lang="en-US" dirty="0" smtClean="0"/>
+              <a:t>2,1</a:t>
+            </a:r>
+            <a:endParaRPr lang="en-US" dirty="0"/>
+          </a:p>
+        </p:txBody>
+      </p:sp>
+      <p:sp>
+        <p:nvSpPr>
+          <p:cNvPr id="34" name="Rectangle 33"/>
+          <p:cNvSpPr/>
+          <p:nvPr/>
+        </p:nvSpPr>
+        <p:spPr>
+          <a:xfrm>
+            <a:off x="4266480" y="1595439"/>
+            <a:ext cx="913631" cy="914400"/>
+          </a:xfrm>
+          <a:prstGeom prst="rect">
+            <a:avLst/>
+          </a:prstGeom>
+          <a:noFill/>
+        </p:spPr>
+        <p:style>
+          <a:lnRef idx="2">
+            <a:schemeClr val="dk1"/>
+          </a:lnRef>
+          <a:fillRef idx="1">
+            <a:schemeClr val="lt1"/>
+          </a:fillRef>
+          <a:effectRef idx="0">
+            <a:schemeClr val="dk1"/>
+          </a:effectRef>
+          <a:fontRef idx="minor">
+            <a:schemeClr val="dk1"/>
+          </a:fontRef>
+        </p:style>
+        <p:txBody>
+          <a:bodyPr rtlCol="0" anchor="ctr"/>
+          <a:lstStyle/>
+          <a:p>
+            <a:pPr algn="ctr"/>
+            <a:r>
+              <a:rPr lang="en-US" dirty="0" smtClean="0"/>
+              <a:t>2,2</a:t>
+            </a:r>
+            <a:endParaRPr lang="en-US" dirty="0"/>
+          </a:p>
+        </p:txBody>
+      </p:sp>
+      <p:sp>
+        <p:nvSpPr>
+          <p:cNvPr id="35" name="Rectangle 34"/>
+          <p:cNvSpPr/>
+          <p:nvPr/>
+        </p:nvSpPr>
+        <p:spPr>
+          <a:xfrm>
+            <a:off x="5180111" y="1595439"/>
+            <a:ext cx="913631" cy="914400"/>
+          </a:xfrm>
+          <a:prstGeom prst="rect">
+            <a:avLst/>
+          </a:prstGeom>
+          <a:noFill/>
+        </p:spPr>
+        <p:style>
+          <a:lnRef idx="2">
+            <a:schemeClr val="dk1"/>
+          </a:lnRef>
+          <a:fillRef idx="1">
+            <a:schemeClr val="lt1"/>
+          </a:fillRef>
+          <a:effectRef idx="0">
+            <a:schemeClr val="dk1"/>
+          </a:effectRef>
+          <a:fontRef idx="minor">
+            <a:schemeClr val="dk1"/>
+          </a:fontRef>
+        </p:style>
+        <p:txBody>
+          <a:bodyPr rtlCol="0" anchor="ctr"/>
+          <a:lstStyle/>
+          <a:p>
+            <a:pPr algn="ctr"/>
+            <a:r>
+              <a:rPr lang="en-US" dirty="0" smtClean="0"/>
+              <a:t>2,3</a:t>
+            </a:r>
+            <a:endParaRPr lang="en-US" dirty="0"/>
+          </a:p>
+        </p:txBody>
+      </p:sp>
+      <p:sp>
+        <p:nvSpPr>
+          <p:cNvPr id="36" name="Rectangle 35"/>
+          <p:cNvSpPr/>
+          <p:nvPr/>
+        </p:nvSpPr>
+        <p:spPr>
+          <a:xfrm>
+            <a:off x="6093743" y="1595439"/>
+            <a:ext cx="923544" cy="914400"/>
+          </a:xfrm>
+          <a:prstGeom prst="rect">
+            <a:avLst/>
+          </a:prstGeom>
+          <a:noFill/>
+        </p:spPr>
+        <p:style>
+          <a:lnRef idx="2">
+            <a:schemeClr val="dk1"/>
+          </a:lnRef>
+          <a:fillRef idx="1">
+            <a:schemeClr val="lt1"/>
+          </a:fillRef>
+          <a:effectRef idx="0">
+            <a:schemeClr val="dk1"/>
+          </a:effectRef>
+          <a:fontRef idx="minor">
+            <a:schemeClr val="dk1"/>
+          </a:fontRef>
+        </p:style>
+        <p:txBody>
+          <a:bodyPr rtlCol="0" anchor="ctr"/>
+          <a:lstStyle/>
+          <a:p>
+            <a:pPr algn="ctr"/>
+            <a:r>
+              <a:rPr lang="en-US" dirty="0" smtClean="0"/>
+              <a:t>2,4</a:t>
+            </a:r>
+            <a:endParaRPr lang="en-US" dirty="0"/>
+          </a:p>
+        </p:txBody>
+      </p:sp>
+      <p:sp>
+        <p:nvSpPr>
+          <p:cNvPr id="37" name="Rectangle 36"/>
+          <p:cNvSpPr/>
+          <p:nvPr/>
+        </p:nvSpPr>
+        <p:spPr>
+          <a:xfrm>
+            <a:off x="3352849" y="2509839"/>
+            <a:ext cx="916538" cy="914400"/>
+          </a:xfrm>
+          <a:prstGeom prst="rect">
+            <a:avLst/>
+          </a:prstGeom>
+          <a:noFill/>
+        </p:spPr>
+        <p:style>
+          <a:lnRef idx="2">
+            <a:schemeClr val="dk1"/>
+          </a:lnRef>
+          <a:fillRef idx="1">
+            <a:schemeClr val="lt1"/>
+          </a:fillRef>
+          <a:effectRef idx="0">
+            <a:schemeClr val="dk1"/>
+          </a:effectRef>
+          <a:fontRef idx="minor">
+            <a:schemeClr val="dk1"/>
+          </a:fontRef>
+        </p:style>
+        <p:txBody>
+          <a:bodyPr rtlCol="0" anchor="ctr"/>
+          <a:lstStyle/>
+          <a:p>
+            <a:pPr algn="ctr"/>
+            <a:r>
+              <a:rPr lang="en-US" dirty="0" smtClean="0"/>
+              <a:t>3,1</a:t>
+            </a:r>
+            <a:endParaRPr lang="en-US" dirty="0"/>
+          </a:p>
+        </p:txBody>
+      </p:sp>
+      <p:sp>
+        <p:nvSpPr>
+          <p:cNvPr id="38" name="Rectangle 37"/>
+          <p:cNvSpPr/>
+          <p:nvPr/>
+        </p:nvSpPr>
+        <p:spPr>
+          <a:xfrm>
+            <a:off x="4266480" y="2509839"/>
+            <a:ext cx="913631" cy="914400"/>
+          </a:xfrm>
+          <a:prstGeom prst="rect">
+            <a:avLst/>
+          </a:prstGeom>
+          <a:noFill/>
+        </p:spPr>
+        <p:style>
+          <a:lnRef idx="2">
+            <a:schemeClr val="dk1"/>
+          </a:lnRef>
+          <a:fillRef idx="1">
+            <a:schemeClr val="lt1"/>
+          </a:fillRef>
+          <a:effectRef idx="0">
+            <a:schemeClr val="dk1"/>
+          </a:effectRef>
+          <a:fontRef idx="minor">
+            <a:schemeClr val="dk1"/>
+          </a:fontRef>
+        </p:style>
+        <p:txBody>
+          <a:bodyPr rtlCol="0" anchor="ctr"/>
+          <a:lstStyle/>
+          <a:p>
+            <a:pPr algn="ctr"/>
+            <a:r>
+              <a:rPr lang="en-US" dirty="0" smtClean="0"/>
+              <a:t>3,2</a:t>
+            </a:r>
+            <a:endParaRPr lang="en-US" dirty="0"/>
+          </a:p>
+        </p:txBody>
+      </p:sp>
+      <p:sp>
+        <p:nvSpPr>
+          <p:cNvPr id="39" name="Rectangle 38"/>
+          <p:cNvSpPr/>
+          <p:nvPr/>
+        </p:nvSpPr>
+        <p:spPr>
+          <a:xfrm>
+            <a:off x="5180111" y="2509839"/>
+            <a:ext cx="913631" cy="914400"/>
+          </a:xfrm>
+          <a:prstGeom prst="rect">
+            <a:avLst/>
+          </a:prstGeom>
+          <a:noFill/>
+        </p:spPr>
+        <p:style>
+          <a:lnRef idx="2">
+            <a:schemeClr val="dk1"/>
+          </a:lnRef>
+          <a:fillRef idx="1">
+            <a:schemeClr val="lt1"/>
+          </a:fillRef>
+          <a:effectRef idx="0">
+            <a:schemeClr val="dk1"/>
+          </a:effectRef>
+          <a:fontRef idx="minor">
+            <a:schemeClr val="dk1"/>
+          </a:fontRef>
+        </p:style>
+        <p:txBody>
+          <a:bodyPr rtlCol="0" anchor="ctr"/>
+          <a:lstStyle/>
+          <a:p>
+            <a:pPr algn="ctr"/>
+            <a:r>
+              <a:rPr lang="en-US" dirty="0" smtClean="0"/>
+              <a:t>3,3</a:t>
+            </a:r>
+            <a:endParaRPr lang="en-US" dirty="0"/>
+          </a:p>
+        </p:txBody>
+      </p:sp>
+      <p:sp>
+        <p:nvSpPr>
+          <p:cNvPr id="40" name="Rectangle 39"/>
+          <p:cNvSpPr/>
+          <p:nvPr/>
+        </p:nvSpPr>
+        <p:spPr>
+          <a:xfrm>
+            <a:off x="6093743" y="2509839"/>
+            <a:ext cx="923544" cy="914400"/>
+          </a:xfrm>
+          <a:prstGeom prst="rect">
+            <a:avLst/>
+          </a:prstGeom>
+          <a:noFill/>
+        </p:spPr>
+        <p:style>
+          <a:lnRef idx="2">
+            <a:schemeClr val="dk1"/>
+          </a:lnRef>
+          <a:fillRef idx="1">
+            <a:schemeClr val="lt1"/>
+          </a:fillRef>
+          <a:effectRef idx="0">
+            <a:schemeClr val="dk1"/>
+          </a:effectRef>
+          <a:fontRef idx="minor">
+            <a:schemeClr val="dk1"/>
+          </a:fontRef>
+        </p:style>
+        <p:txBody>
+          <a:bodyPr rtlCol="0" anchor="ctr"/>
+          <a:lstStyle/>
+          <a:p>
+            <a:pPr algn="ctr"/>
+            <a:r>
+              <a:rPr lang="en-US" dirty="0" smtClean="0"/>
+              <a:t>3,4</a:t>
+            </a:r>
+            <a:endParaRPr lang="en-US" dirty="0"/>
+          </a:p>
+        </p:txBody>
+      </p:sp>
+      <p:sp>
+        <p:nvSpPr>
+          <p:cNvPr id="41" name="Rectangle 40"/>
+          <p:cNvSpPr/>
+          <p:nvPr/>
+        </p:nvSpPr>
+        <p:spPr>
+          <a:xfrm>
+            <a:off x="3352849" y="3424239"/>
+            <a:ext cx="916538" cy="914400"/>
+          </a:xfrm>
+          <a:prstGeom prst="rect">
+            <a:avLst/>
+          </a:prstGeom>
+          <a:noFill/>
+        </p:spPr>
+        <p:style>
+          <a:lnRef idx="2">
+            <a:schemeClr val="dk1"/>
+          </a:lnRef>
+          <a:fillRef idx="1">
+            <a:schemeClr val="lt1"/>
+          </a:fillRef>
+          <a:effectRef idx="0">
+            <a:schemeClr val="dk1"/>
+          </a:effectRef>
+          <a:fontRef idx="minor">
+            <a:schemeClr val="dk1"/>
+          </a:fontRef>
+        </p:style>
+        <p:txBody>
+          <a:bodyPr rtlCol="0" anchor="ctr"/>
+          <a:lstStyle/>
+          <a:p>
+            <a:pPr algn="ctr"/>
+            <a:r>
+              <a:rPr lang="en-US" dirty="0" smtClean="0"/>
+              <a:t>4,1</a:t>
+            </a:r>
+            <a:endParaRPr lang="en-US" dirty="0"/>
+          </a:p>
+        </p:txBody>
+      </p:sp>
+      <p:sp>
+        <p:nvSpPr>
+          <p:cNvPr id="42" name="Rectangle 41"/>
+          <p:cNvSpPr/>
+          <p:nvPr/>
+        </p:nvSpPr>
+        <p:spPr>
+          <a:xfrm>
+            <a:off x="4266480" y="3424239"/>
+            <a:ext cx="913631" cy="914400"/>
+          </a:xfrm>
+          <a:prstGeom prst="rect">
+            <a:avLst/>
+          </a:prstGeom>
+          <a:noFill/>
+        </p:spPr>
+        <p:style>
+          <a:lnRef idx="2">
+            <a:schemeClr val="dk1"/>
+          </a:lnRef>
+          <a:fillRef idx="1">
+            <a:schemeClr val="lt1"/>
+          </a:fillRef>
+          <a:effectRef idx="0">
+            <a:schemeClr val="dk1"/>
+          </a:effectRef>
+          <a:fontRef idx="minor">
+            <a:schemeClr val="dk1"/>
+          </a:fontRef>
+        </p:style>
+        <p:txBody>
+          <a:bodyPr rtlCol="0" anchor="ctr"/>
+          <a:lstStyle/>
+          <a:p>
+            <a:pPr algn="ctr"/>
+            <a:r>
+              <a:rPr lang="en-US" dirty="0" smtClean="0"/>
+              <a:t>4,2</a:t>
+            </a:r>
+            <a:endParaRPr lang="en-US" dirty="0"/>
+          </a:p>
+        </p:txBody>
+      </p:sp>
+      <p:sp>
+        <p:nvSpPr>
+          <p:cNvPr id="43" name="Rectangle 42"/>
+          <p:cNvSpPr/>
+          <p:nvPr/>
+        </p:nvSpPr>
+        <p:spPr>
+          <a:xfrm>
+            <a:off x="5180111" y="3424239"/>
+            <a:ext cx="913631" cy="914400"/>
+          </a:xfrm>
+          <a:prstGeom prst="rect">
+            <a:avLst/>
+          </a:prstGeom>
+          <a:noFill/>
+        </p:spPr>
+        <p:style>
+          <a:lnRef idx="2">
+            <a:schemeClr val="dk1"/>
+          </a:lnRef>
+          <a:fillRef idx="1">
+            <a:schemeClr val="lt1"/>
+          </a:fillRef>
+          <a:effectRef idx="0">
+            <a:schemeClr val="dk1"/>
+          </a:effectRef>
+          <a:fontRef idx="minor">
+            <a:schemeClr val="dk1"/>
+          </a:fontRef>
+        </p:style>
+        <p:txBody>
+          <a:bodyPr rtlCol="0" anchor="ctr"/>
+          <a:lstStyle/>
+          <a:p>
+            <a:pPr algn="ctr"/>
+            <a:r>
+              <a:rPr lang="en-US" dirty="0" smtClean="0"/>
+              <a:t>4,3</a:t>
+            </a:r>
+            <a:endParaRPr lang="en-US" dirty="0"/>
+          </a:p>
+        </p:txBody>
+      </p:sp>
+      <p:sp>
+        <p:nvSpPr>
+          <p:cNvPr id="44" name="Rectangle 43"/>
+          <p:cNvSpPr/>
+          <p:nvPr/>
+        </p:nvSpPr>
+        <p:spPr>
+          <a:xfrm>
+            <a:off x="6093743" y="3424239"/>
+            <a:ext cx="923544" cy="914400"/>
+          </a:xfrm>
+          <a:prstGeom prst="rect">
+            <a:avLst/>
+          </a:prstGeom>
+          <a:noFill/>
+        </p:spPr>
+        <p:style>
+          <a:lnRef idx="2">
+            <a:schemeClr val="dk1"/>
+          </a:lnRef>
+          <a:fillRef idx="1">
+            <a:schemeClr val="lt1"/>
+          </a:fillRef>
+          <a:effectRef idx="0">
+            <a:schemeClr val="dk1"/>
+          </a:effectRef>
+          <a:fontRef idx="minor">
+            <a:schemeClr val="dk1"/>
+          </a:fontRef>
+        </p:style>
+        <p:txBody>
+          <a:bodyPr rtlCol="0" anchor="ctr"/>
+          <a:lstStyle/>
+          <a:p>
+            <a:pPr algn="ctr"/>
+            <a:r>
+              <a:rPr lang="en-US" dirty="0" smtClean="0"/>
+              <a:t>4,4</a:t>
+            </a:r>
+            <a:endParaRPr lang="en-US" dirty="0"/>
+          </a:p>
+        </p:txBody>
+      </p:sp>
+    </p:spTree>
+    <p:extLst>
+      <p:ext uri="{BB962C8B-B14F-4D97-AF65-F5344CB8AC3E}">
+        <p14:creationId xmlns:p14="http://schemas.microsoft.com/office/powerpoint/2010/main" val="3399379186"/>
+      </p:ext>
+    </p:extLst>
+  </p:cSld>
+  <p:clrMapOvr>
+    <a:masterClrMapping/>
+  </p:clrMapOvr>
+  <p:timing>
+    <p:tnLst>
+      <p:par>
+        <p:cTn id="1" dur="indefinite" restart="never" nodeType="tmRoot"/>
+      </p:par>
+    </p:tnLst>
+  </p:timing>
+</p:sld>
+</file>
+
+<file path=ppt/slides/slide4.xml><?xml version="1.0" encoding="utf-8"?>
+<p:sld xmlns:a="http://schemas.openxmlformats.org/drawingml/2006/main" xmlns:r="http://schemas.openxmlformats.org/officeDocument/2006/relationships" xmlns:p="http://schemas.openxmlformats.org/presentationml/2006/main">
+  <p:cSld>
+    <p:spTree>
+      <p:nvGrpSpPr>
+        <p:cNvPr id="1" name=""/>
+        <p:cNvGrpSpPr/>
+        <p:nvPr/>
+      </p:nvGrpSpPr>
+      <p:grpSpPr>
+        <a:xfrm>
+          <a:off x="0" y="0"/>
+          <a:ext cx="0" cy="0"/>
+          <a:chOff x="0" y="0"/>
+          <a:chExt cx="0" cy="0"/>
+        </a:xfrm>
+      </p:grpSpPr>
       <p:sp>
         <p:nvSpPr>
           <p:cNvPr id="2" name="Title 1"/>
@@ -3705,7 +5936,7 @@
 </p:sld>
 </file>
 
-<file path=ppt/slides/slide4.xml><?xml version="1.0" encoding="utf-8"?>
+<file path=ppt/slides/slide5.xml><?xml version="1.0" encoding="utf-8"?>
 <p:sld xmlns:a="http://schemas.openxmlformats.org/drawingml/2006/main" xmlns:r="http://schemas.openxmlformats.org/officeDocument/2006/relationships" xmlns:p="http://schemas.openxmlformats.org/presentationml/2006/main">
   <p:cSld>
     <p:spTree>
@@ -4080,7 +6311,7 @@
     <a:lnDef>
       <a:spPr>
         <a:ln>
-          <a:tailEnd type="triangle" w="lg" len="lg"/>
+          <a:tailEnd type="none" w="lg" len="lg"/>
         </a:ln>
       </a:spPr>
       <a:bodyPr/>

--- a/libs/materials/ppt/image-support.pptx
+++ b/libs/materials/ppt/image-support.pptx
@@ -3089,10 +3089,10 @@
         </p:nvGrpSpPr>
         <p:grpSpPr>
           <a:xfrm>
-            <a:off x="4611407" y="334933"/>
-            <a:ext cx="7188704" cy="3645302"/>
-            <a:chOff x="382681" y="1334988"/>
-            <a:chExt cx="7188704" cy="3645302"/>
+            <a:off x="6020520" y="1327947"/>
+            <a:ext cx="5986524" cy="2864333"/>
+            <a:chOff x="140238" y="1334988"/>
+            <a:chExt cx="7618767" cy="3645302"/>
           </a:xfrm>
         </p:grpSpPr>
         <p:sp>
@@ -3130,21 +3130,21 @@
             <a:p>
               <a:pPr algn="ctr"/>
               <a:r>
-                <a:rPr lang="en-US" dirty="0" smtClean="0"/>
+                <a:rPr lang="en-US" sz="1400" dirty="0" smtClean="0"/>
                 <a:t>1</a:t>
               </a:r>
             </a:p>
             <a:p>
               <a:pPr algn="ctr"/>
               <a:r>
-                <a:rPr lang="en-US" dirty="0" smtClean="0"/>
+                <a:rPr lang="en-US" sz="1400" dirty="0" smtClean="0"/>
                 <a:t>No </a:t>
               </a:r>
             </a:p>
             <a:p>
               <a:pPr algn="ctr"/>
               <a:r>
-                <a:rPr lang="en-US" dirty="0" smtClean="0"/>
+                <a:rPr lang="en-US" sz="1400" dirty="0" smtClean="0"/>
                 <a:t>CI</a:t>
               </a:r>
             </a:p>
@@ -3185,21 +3185,21 @@
             <a:p>
               <a:pPr algn="ctr"/>
               <a:r>
-                <a:rPr lang="en-US" dirty="0" smtClean="0"/>
+                <a:rPr lang="en-US" sz="1400" dirty="0" smtClean="0"/>
                 <a:t>2</a:t>
               </a:r>
             </a:p>
             <a:p>
               <a:pPr algn="ctr"/>
               <a:r>
-                <a:rPr lang="en-US" dirty="0" smtClean="0"/>
+                <a:rPr lang="en-US" sz="1400" dirty="0" smtClean="0"/>
                 <a:t>Mild </a:t>
               </a:r>
             </a:p>
             <a:p>
               <a:pPr algn="ctr"/>
               <a:r>
-                <a:rPr lang="en-US" dirty="0" smtClean="0"/>
+                <a:rPr lang="en-US" sz="1400" dirty="0" smtClean="0"/>
                 <a:t>CI</a:t>
               </a:r>
             </a:p>
@@ -3240,22 +3240,22 @@
             <a:p>
               <a:pPr algn="ctr"/>
               <a:r>
-                <a:rPr lang="en-US" dirty="0" smtClean="0"/>
+                <a:rPr lang="en-US" sz="1400" dirty="0" smtClean="0"/>
                 <a:t>3</a:t>
               </a:r>
             </a:p>
             <a:p>
               <a:pPr algn="ctr"/>
               <a:r>
-                <a:rPr lang="en-US" dirty="0" smtClean="0"/>
+                <a:rPr lang="en-US" sz="1400" dirty="0" smtClean="0"/>
                 <a:t>Mod-</a:t>
               </a:r>
               <a:r>
-                <a:rPr lang="en-US" dirty="0" err="1" smtClean="0"/>
+                <a:rPr lang="en-US" sz="1400" dirty="0" err="1" smtClean="0"/>
                 <a:t>Sev</a:t>
               </a:r>
               <a:r>
-                <a:rPr lang="en-US" dirty="0" smtClean="0"/>
+                <a:rPr lang="en-US" sz="1400" dirty="0" smtClean="0"/>
                 <a:t>   CI</a:t>
               </a:r>
             </a:p>
@@ -3521,8 +3521,8 @@
           </p:nvSpPr>
           <p:spPr>
             <a:xfrm>
-              <a:off x="382681" y="1342818"/>
-              <a:ext cx="1600200" cy="369332"/>
+              <a:off x="140238" y="1342819"/>
+              <a:ext cx="2030263" cy="470031"/>
             </a:xfrm>
             <a:prstGeom prst="rect">
               <a:avLst/>
@@ -3552,8 +3552,8 @@
           </p:nvSpPr>
           <p:spPr>
             <a:xfrm>
-              <a:off x="3200309" y="1334988"/>
-              <a:ext cx="1600200" cy="369332"/>
+              <a:off x="2957867" y="1334988"/>
+              <a:ext cx="2030263" cy="470031"/>
             </a:xfrm>
             <a:prstGeom prst="rect">
               <a:avLst/>
@@ -3583,8 +3583,8 @@
           </p:nvSpPr>
           <p:spPr>
             <a:xfrm>
-              <a:off x="5971185" y="1334988"/>
-              <a:ext cx="1600200" cy="369332"/>
+              <a:off x="5728742" y="1334988"/>
+              <a:ext cx="2030263" cy="470031"/>
             </a:xfrm>
             <a:prstGeom prst="rect">
               <a:avLst/>
@@ -3615,8 +3615,8 @@
         </p:nvSpPr>
         <p:spPr>
           <a:xfrm>
-            <a:off x="1179956" y="913961"/>
-            <a:ext cx="2486025" cy="769441"/>
+            <a:off x="4281305" y="153001"/>
+            <a:ext cx="3099928" cy="707886"/>
           </a:xfrm>
           <a:prstGeom prst="rect">
             <a:avLst/>
@@ -3630,887 +3630,1264 @@
           <a:p>
             <a:pPr algn="ctr"/>
             <a:r>
-              <a:rPr lang="en-US" sz="4400" dirty="0" smtClean="0"/>
+              <a:rPr lang="en-US" sz="4000" dirty="0" smtClean="0"/>
               <a:t>Model </a:t>
             </a:r>
             <a:r>
-              <a:rPr lang="en-US" sz="4400" dirty="0" smtClean="0"/>
+              <a:rPr lang="en-US" sz="4000" dirty="0" smtClean="0"/>
               <a:t>A</a:t>
             </a:r>
-            <a:endParaRPr lang="en-US" sz="4400" dirty="0"/>
+            <a:endParaRPr lang="en-US" sz="4000" dirty="0"/>
+          </a:p>
+        </p:txBody>
+      </p:sp>
+      <p:sp>
+        <p:nvSpPr>
+          <p:cNvPr id="10" name="TextBox 9"/>
+          <p:cNvSpPr txBox="1"/>
+          <p:nvPr/>
+        </p:nvSpPr>
+        <p:spPr>
+          <a:xfrm>
+            <a:off x="56073" y="4635998"/>
+            <a:ext cx="5689058" cy="400110"/>
+          </a:xfrm>
+          <a:prstGeom prst="rect">
+            <a:avLst/>
+          </a:prstGeom>
+          <a:noFill/>
+        </p:spPr>
+        <p:txBody>
+          <a:bodyPr wrap="none" rtlCol="0">
+            <a:spAutoFit/>
+          </a:bodyPr>
+          <a:lstStyle/>
+          <a:p>
+            <a:r>
+              <a:rPr lang="en-US" sz="2000" dirty="0" err="1" smtClean="0"/>
+              <a:t>Submodels</a:t>
+            </a:r>
+            <a:r>
+              <a:rPr lang="en-US" sz="2000" dirty="0" smtClean="0"/>
+              <a:t> are defined by covariates on transitions</a:t>
+            </a:r>
+            <a:endParaRPr lang="en-US" sz="2000" dirty="0"/>
+          </a:p>
+        </p:txBody>
+      </p:sp>
+      <p:sp>
+        <p:nvSpPr>
+          <p:cNvPr id="48" name="TextBox 47"/>
+          <p:cNvSpPr txBox="1"/>
+          <p:nvPr/>
+        </p:nvSpPr>
+        <p:spPr>
+          <a:xfrm>
+            <a:off x="2010471" y="5097175"/>
+            <a:ext cx="6516528" cy="1477328"/>
+          </a:xfrm>
+          <a:prstGeom prst="rect">
+            <a:avLst/>
+          </a:prstGeom>
+          <a:noFill/>
+        </p:spPr>
+        <p:txBody>
+          <a:bodyPr wrap="none" rtlCol="0">
+            <a:spAutoFit/>
+          </a:bodyPr>
+          <a:lstStyle/>
+          <a:p>
+            <a:r>
+              <a:rPr lang="en-US" dirty="0" smtClean="0">
+                <a:latin typeface="Consolas" panose="020B0609020204030204" pitchFamily="49" charset="0"/>
+              </a:rPr>
+              <a:t>forward  ~ age + male + </a:t>
+            </a:r>
+            <a:r>
+              <a:rPr lang="en-US" dirty="0" err="1" smtClean="0">
+                <a:latin typeface="Consolas" panose="020B0609020204030204" pitchFamily="49" charset="0"/>
+              </a:rPr>
+              <a:t>edu</a:t>
+            </a:r>
+            <a:r>
+              <a:rPr lang="en-US" dirty="0" smtClean="0">
+                <a:latin typeface="Consolas" panose="020B0609020204030204" pitchFamily="49" charset="0"/>
+              </a:rPr>
+              <a:t> + height + </a:t>
+            </a:r>
+            <a:r>
+              <a:rPr lang="en-US" dirty="0" err="1" smtClean="0">
+                <a:latin typeface="Consolas" panose="020B0609020204030204" pitchFamily="49" charset="0"/>
+              </a:rPr>
+              <a:t>bmi</a:t>
+            </a:r>
+            <a:r>
+              <a:rPr lang="en-US" dirty="0" smtClean="0">
+                <a:latin typeface="Consolas" panose="020B0609020204030204" pitchFamily="49" charset="0"/>
+              </a:rPr>
+              <a:t> + gait </a:t>
+            </a:r>
+          </a:p>
+          <a:p>
+            <a:r>
+              <a:rPr lang="en-US" dirty="0" smtClean="0">
+                <a:latin typeface="Consolas" panose="020B0609020204030204" pitchFamily="49" charset="0"/>
+              </a:rPr>
+              <a:t>backward </a:t>
+            </a:r>
+            <a:r>
+              <a:rPr lang="en-US" dirty="0">
+                <a:latin typeface="Consolas" panose="020B0609020204030204" pitchFamily="49" charset="0"/>
+              </a:rPr>
+              <a:t>~ age + male + </a:t>
+            </a:r>
+            <a:r>
+              <a:rPr lang="en-US" dirty="0" err="1">
+                <a:latin typeface="Consolas" panose="020B0609020204030204" pitchFamily="49" charset="0"/>
+              </a:rPr>
+              <a:t>edu</a:t>
+            </a:r>
+            <a:r>
+              <a:rPr lang="en-US" dirty="0">
+                <a:latin typeface="Consolas" panose="020B0609020204030204" pitchFamily="49" charset="0"/>
+              </a:rPr>
+              <a:t> + </a:t>
+            </a:r>
+            <a:r>
+              <a:rPr lang="en-US" dirty="0" smtClean="0">
+                <a:latin typeface="Consolas" panose="020B0609020204030204" pitchFamily="49" charset="0"/>
+              </a:rPr>
+              <a:t>height </a:t>
+            </a:r>
+            <a:r>
+              <a:rPr lang="en-US" dirty="0">
+                <a:latin typeface="Consolas" panose="020B0609020204030204" pitchFamily="49" charset="0"/>
+              </a:rPr>
+              <a:t>+ </a:t>
+            </a:r>
+            <a:r>
+              <a:rPr lang="en-US" dirty="0" err="1" smtClean="0">
+                <a:latin typeface="Consolas" panose="020B0609020204030204" pitchFamily="49" charset="0"/>
+              </a:rPr>
+              <a:t>bmi</a:t>
+            </a:r>
+            <a:r>
+              <a:rPr lang="en-US" dirty="0" smtClean="0">
+                <a:latin typeface="Consolas" panose="020B0609020204030204" pitchFamily="49" charset="0"/>
+              </a:rPr>
+              <a:t> + gait</a:t>
+            </a:r>
+            <a:endParaRPr lang="en-US" dirty="0">
+              <a:latin typeface="Consolas" panose="020B0609020204030204" pitchFamily="49" charset="0"/>
+            </a:endParaRPr>
+          </a:p>
+          <a:p>
+            <a:r>
+              <a:rPr lang="en-US" dirty="0" smtClean="0">
+                <a:latin typeface="Consolas" panose="020B0609020204030204" pitchFamily="49" charset="0"/>
+              </a:rPr>
+              <a:t>dead     </a:t>
+            </a:r>
+            <a:r>
+              <a:rPr lang="en-US" dirty="0">
+                <a:latin typeface="Consolas" panose="020B0609020204030204" pitchFamily="49" charset="0"/>
+              </a:rPr>
+              <a:t>~ age + male + </a:t>
+            </a:r>
+            <a:r>
+              <a:rPr lang="en-US" dirty="0" err="1">
+                <a:latin typeface="Consolas" panose="020B0609020204030204" pitchFamily="49" charset="0"/>
+              </a:rPr>
+              <a:t>edu</a:t>
+            </a:r>
+            <a:r>
+              <a:rPr lang="en-US" dirty="0">
+                <a:latin typeface="Consolas" panose="020B0609020204030204" pitchFamily="49" charset="0"/>
+              </a:rPr>
+              <a:t> + </a:t>
+            </a:r>
+            <a:r>
+              <a:rPr lang="en-US" dirty="0" smtClean="0">
+                <a:latin typeface="Consolas" panose="020B0609020204030204" pitchFamily="49" charset="0"/>
+              </a:rPr>
+              <a:t>height </a:t>
+            </a:r>
+            <a:r>
+              <a:rPr lang="en-US" dirty="0">
+                <a:latin typeface="Consolas" panose="020B0609020204030204" pitchFamily="49" charset="0"/>
+              </a:rPr>
+              <a:t>+ </a:t>
+            </a:r>
+            <a:r>
+              <a:rPr lang="en-US" dirty="0" err="1" smtClean="0">
+                <a:latin typeface="Consolas" panose="020B0609020204030204" pitchFamily="49" charset="0"/>
+              </a:rPr>
+              <a:t>bmi</a:t>
+            </a:r>
+            <a:r>
+              <a:rPr lang="en-US" dirty="0" smtClean="0">
+                <a:latin typeface="Consolas" panose="020B0609020204030204" pitchFamily="49" charset="0"/>
+              </a:rPr>
+              <a:t> + gait</a:t>
+            </a:r>
+            <a:endParaRPr lang="en-US" dirty="0">
+              <a:latin typeface="Consolas" panose="020B0609020204030204" pitchFamily="49" charset="0"/>
+            </a:endParaRPr>
+          </a:p>
+          <a:p>
+            <a:endParaRPr lang="en-US" dirty="0" smtClean="0">
+              <a:latin typeface="Consolas" panose="020B0609020204030204" pitchFamily="49" charset="0"/>
+            </a:endParaRPr>
+          </a:p>
+          <a:p>
+            <a:endParaRPr lang="en-US" dirty="0">
+              <a:latin typeface="Consolas" panose="020B0609020204030204" pitchFamily="49" charset="0"/>
+            </a:endParaRPr>
           </a:p>
         </p:txBody>
       </p:sp>
       <p:grpSp>
         <p:nvGrpSpPr>
-          <p:cNvPr id="8" name="Group 7"/>
+          <p:cNvPr id="12" name="Group 11"/>
           <p:cNvGrpSpPr/>
           <p:nvPr/>
         </p:nvGrpSpPr>
         <p:grpSpPr>
           <a:xfrm>
-            <a:off x="311719" y="2319896"/>
-            <a:ext cx="5342715" cy="3211619"/>
-            <a:chOff x="6119980" y="3187699"/>
-            <a:chExt cx="5471944" cy="3289301"/>
+            <a:off x="43247" y="871926"/>
+            <a:ext cx="5788022" cy="3551348"/>
+            <a:chOff x="311719" y="1980167"/>
+            <a:chExt cx="5788022" cy="3551348"/>
           </a:xfrm>
         </p:grpSpPr>
         <p:grpSp>
           <p:nvGrpSpPr>
-            <p:cNvPr id="2" name="Group 1"/>
+            <p:cNvPr id="8" name="Group 7"/>
             <p:cNvGrpSpPr/>
             <p:nvPr/>
           </p:nvGrpSpPr>
           <p:grpSpPr>
             <a:xfrm>
-              <a:off x="8201073" y="3353252"/>
-              <a:ext cx="3390851" cy="3123748"/>
-              <a:chOff x="7839124" y="2683457"/>
-              <a:chExt cx="3664632" cy="3657600"/>
+              <a:off x="311719" y="2319896"/>
+              <a:ext cx="5342715" cy="3211619"/>
+              <a:chOff x="6119980" y="3187699"/>
+              <a:chExt cx="5471944" cy="3289301"/>
             </a:xfrm>
-            <a:solidFill>
-              <a:schemeClr val="bg1"/>
-            </a:solidFill>
           </p:grpSpPr>
+          <p:grpSp>
+            <p:nvGrpSpPr>
+              <p:cNvPr id="2" name="Group 1"/>
+              <p:cNvGrpSpPr/>
+              <p:nvPr/>
+            </p:nvGrpSpPr>
+            <p:grpSpPr>
+              <a:xfrm>
+                <a:off x="8201073" y="3353252"/>
+                <a:ext cx="3390851" cy="3123748"/>
+                <a:chOff x="7839124" y="2683457"/>
+                <a:chExt cx="3664632" cy="3657600"/>
+              </a:xfrm>
+              <a:solidFill>
+                <a:schemeClr val="bg1"/>
+              </a:solidFill>
+            </p:grpSpPr>
+            <p:sp>
+              <p:nvSpPr>
+                <p:cNvPr id="17" name="Rectangle 16"/>
+                <p:cNvSpPr/>
+                <p:nvPr/>
+              </p:nvSpPr>
+              <p:spPr>
+                <a:xfrm>
+                  <a:off x="7839318" y="2683457"/>
+                  <a:ext cx="916538" cy="914400"/>
+                </a:xfrm>
+                <a:prstGeom prst="rect">
+                  <a:avLst/>
+                </a:prstGeom>
+                <a:grpFill/>
+              </p:spPr>
+              <p:style>
+                <a:lnRef idx="2">
+                  <a:schemeClr val="dk1"/>
+                </a:lnRef>
+                <a:fillRef idx="1">
+                  <a:schemeClr val="lt1"/>
+                </a:fillRef>
+                <a:effectRef idx="0">
+                  <a:schemeClr val="dk1"/>
+                </a:effectRef>
+                <a:fontRef idx="minor">
+                  <a:schemeClr val="dk1"/>
+                </a:fontRef>
+              </p:style>
+              <p:txBody>
+                <a:bodyPr rtlCol="0" anchor="ctr"/>
+                <a:lstStyle/>
+                <a:p>
+                  <a:pPr algn="ctr"/>
+                  <a:r>
+                    <a:rPr lang="en-US" dirty="0" smtClean="0">
+                      <a:solidFill>
+                        <a:schemeClr val="tx1"/>
+                      </a:solidFill>
+                    </a:rPr>
+                    <a:t>1,1</a:t>
+                  </a:r>
+                  <a:endParaRPr lang="en-US" dirty="0">
+                    <a:solidFill>
+                      <a:schemeClr val="tx1"/>
+                    </a:solidFill>
+                  </a:endParaRPr>
+                </a:p>
+              </p:txBody>
+            </p:sp>
+            <p:sp>
+              <p:nvSpPr>
+                <p:cNvPr id="19" name="Rectangle 18"/>
+                <p:cNvSpPr/>
+                <p:nvPr/>
+              </p:nvSpPr>
+              <p:spPr>
+                <a:xfrm>
+                  <a:off x="8752949" y="2683457"/>
+                  <a:ext cx="913631" cy="914400"/>
+                </a:xfrm>
+                <a:prstGeom prst="rect">
+                  <a:avLst/>
+                </a:prstGeom>
+                <a:solidFill>
+                  <a:schemeClr val="tx1"/>
+                </a:solidFill>
+              </p:spPr>
+              <p:style>
+                <a:lnRef idx="2">
+                  <a:schemeClr val="dk1"/>
+                </a:lnRef>
+                <a:fillRef idx="1">
+                  <a:schemeClr val="lt1"/>
+                </a:fillRef>
+                <a:effectRef idx="0">
+                  <a:schemeClr val="dk1"/>
+                </a:effectRef>
+                <a:fontRef idx="minor">
+                  <a:schemeClr val="dk1"/>
+                </a:fontRef>
+              </p:style>
+              <p:txBody>
+                <a:bodyPr rtlCol="0" anchor="ctr"/>
+                <a:lstStyle/>
+                <a:p>
+                  <a:pPr algn="ctr"/>
+                  <a:r>
+                    <a:rPr lang="en-US" dirty="0" smtClean="0">
+                      <a:solidFill>
+                        <a:schemeClr val="bg1"/>
+                      </a:solidFill>
+                    </a:rPr>
+                    <a:t>1,2</a:t>
+                  </a:r>
+                  <a:endParaRPr lang="en-US" dirty="0">
+                    <a:solidFill>
+                      <a:schemeClr val="bg1"/>
+                    </a:solidFill>
+                  </a:endParaRPr>
+                </a:p>
+              </p:txBody>
+            </p:sp>
+            <p:sp>
+              <p:nvSpPr>
+                <p:cNvPr id="20" name="Rectangle 19"/>
+                <p:cNvSpPr/>
+                <p:nvPr/>
+              </p:nvSpPr>
+              <p:spPr>
+                <a:xfrm>
+                  <a:off x="9666580" y="2683457"/>
+                  <a:ext cx="913631" cy="914400"/>
+                </a:xfrm>
+                <a:prstGeom prst="rect">
+                  <a:avLst/>
+                </a:prstGeom>
+                <a:grpFill/>
+              </p:spPr>
+              <p:style>
+                <a:lnRef idx="2">
+                  <a:schemeClr val="dk1"/>
+                </a:lnRef>
+                <a:fillRef idx="1">
+                  <a:schemeClr val="lt1"/>
+                </a:fillRef>
+                <a:effectRef idx="0">
+                  <a:schemeClr val="dk1"/>
+                </a:effectRef>
+                <a:fontRef idx="minor">
+                  <a:schemeClr val="dk1"/>
+                </a:fontRef>
+              </p:style>
+              <p:txBody>
+                <a:bodyPr rtlCol="0" anchor="ctr"/>
+                <a:lstStyle/>
+                <a:p>
+                  <a:pPr algn="ctr"/>
+                  <a:r>
+                    <a:rPr lang="en-US" dirty="0" smtClean="0">
+                      <a:solidFill>
+                        <a:schemeClr val="tx1"/>
+                      </a:solidFill>
+                    </a:rPr>
+                    <a:t>1,3</a:t>
+                  </a:r>
+                  <a:endParaRPr lang="en-US" dirty="0">
+                    <a:solidFill>
+                      <a:schemeClr val="tx1"/>
+                    </a:solidFill>
+                  </a:endParaRPr>
+                </a:p>
+              </p:txBody>
+            </p:sp>
+            <p:sp>
+              <p:nvSpPr>
+                <p:cNvPr id="21" name="Rectangle 20"/>
+                <p:cNvSpPr/>
+                <p:nvPr/>
+              </p:nvSpPr>
+              <p:spPr>
+                <a:xfrm>
+                  <a:off x="10580212" y="2683457"/>
+                  <a:ext cx="923544" cy="914400"/>
+                </a:xfrm>
+                <a:prstGeom prst="rect">
+                  <a:avLst/>
+                </a:prstGeom>
+                <a:solidFill>
+                  <a:schemeClr val="tx1"/>
+                </a:solidFill>
+              </p:spPr>
+              <p:style>
+                <a:lnRef idx="2">
+                  <a:schemeClr val="dk1"/>
+                </a:lnRef>
+                <a:fillRef idx="1">
+                  <a:schemeClr val="lt1"/>
+                </a:fillRef>
+                <a:effectRef idx="0">
+                  <a:schemeClr val="dk1"/>
+                </a:effectRef>
+                <a:fontRef idx="minor">
+                  <a:schemeClr val="dk1"/>
+                </a:fontRef>
+              </p:style>
+              <p:txBody>
+                <a:bodyPr rtlCol="0" anchor="ctr"/>
+                <a:lstStyle/>
+                <a:p>
+                  <a:pPr algn="ctr"/>
+                  <a:r>
+                    <a:rPr lang="en-US" dirty="0" smtClean="0">
+                      <a:solidFill>
+                        <a:schemeClr val="bg1"/>
+                      </a:solidFill>
+                    </a:rPr>
+                    <a:t>1,4</a:t>
+                  </a:r>
+                  <a:endParaRPr lang="en-US" dirty="0">
+                    <a:solidFill>
+                      <a:schemeClr val="bg1"/>
+                    </a:solidFill>
+                  </a:endParaRPr>
+                </a:p>
+              </p:txBody>
+            </p:sp>
+            <p:sp>
+              <p:nvSpPr>
+                <p:cNvPr id="22" name="Rectangle 21"/>
+                <p:cNvSpPr/>
+                <p:nvPr/>
+              </p:nvSpPr>
+              <p:spPr>
+                <a:xfrm>
+                  <a:off x="7839124" y="3597857"/>
+                  <a:ext cx="916538" cy="914400"/>
+                </a:xfrm>
+                <a:prstGeom prst="rect">
+                  <a:avLst/>
+                </a:prstGeom>
+                <a:solidFill>
+                  <a:schemeClr val="tx1"/>
+                </a:solidFill>
+              </p:spPr>
+              <p:style>
+                <a:lnRef idx="2">
+                  <a:schemeClr val="dk1"/>
+                </a:lnRef>
+                <a:fillRef idx="1">
+                  <a:schemeClr val="lt1"/>
+                </a:fillRef>
+                <a:effectRef idx="0">
+                  <a:schemeClr val="dk1"/>
+                </a:effectRef>
+                <a:fontRef idx="minor">
+                  <a:schemeClr val="dk1"/>
+                </a:fontRef>
+              </p:style>
+              <p:txBody>
+                <a:bodyPr rtlCol="0" anchor="ctr"/>
+                <a:lstStyle/>
+                <a:p>
+                  <a:pPr algn="ctr"/>
+                  <a:r>
+                    <a:rPr lang="en-US" dirty="0" smtClean="0">
+                      <a:solidFill>
+                        <a:schemeClr val="bg1"/>
+                      </a:solidFill>
+                    </a:rPr>
+                    <a:t>2,1</a:t>
+                  </a:r>
+                  <a:endParaRPr lang="en-US" dirty="0">
+                    <a:solidFill>
+                      <a:schemeClr val="bg1"/>
+                    </a:solidFill>
+                  </a:endParaRPr>
+                </a:p>
+              </p:txBody>
+            </p:sp>
+            <p:sp>
+              <p:nvSpPr>
+                <p:cNvPr id="23" name="Rectangle 22"/>
+                <p:cNvSpPr/>
+                <p:nvPr/>
+              </p:nvSpPr>
+              <p:spPr>
+                <a:xfrm>
+                  <a:off x="8752755" y="3597857"/>
+                  <a:ext cx="913631" cy="914400"/>
+                </a:xfrm>
+                <a:prstGeom prst="rect">
+                  <a:avLst/>
+                </a:prstGeom>
+                <a:grpFill/>
+              </p:spPr>
+              <p:style>
+                <a:lnRef idx="2">
+                  <a:schemeClr val="dk1"/>
+                </a:lnRef>
+                <a:fillRef idx="1">
+                  <a:schemeClr val="lt1"/>
+                </a:fillRef>
+                <a:effectRef idx="0">
+                  <a:schemeClr val="dk1"/>
+                </a:effectRef>
+                <a:fontRef idx="minor">
+                  <a:schemeClr val="dk1"/>
+                </a:fontRef>
+              </p:style>
+              <p:txBody>
+                <a:bodyPr rtlCol="0" anchor="ctr"/>
+                <a:lstStyle/>
+                <a:p>
+                  <a:pPr algn="ctr"/>
+                  <a:r>
+                    <a:rPr lang="en-US" dirty="0" smtClean="0">
+                      <a:solidFill>
+                        <a:schemeClr val="tx1"/>
+                      </a:solidFill>
+                    </a:rPr>
+                    <a:t>2,2</a:t>
+                  </a:r>
+                  <a:endParaRPr lang="en-US" dirty="0">
+                    <a:solidFill>
+                      <a:schemeClr val="tx1"/>
+                    </a:solidFill>
+                  </a:endParaRPr>
+                </a:p>
+              </p:txBody>
+            </p:sp>
+            <p:sp>
+              <p:nvSpPr>
+                <p:cNvPr id="24" name="Rectangle 23"/>
+                <p:cNvSpPr/>
+                <p:nvPr/>
+              </p:nvSpPr>
+              <p:spPr>
+                <a:xfrm>
+                  <a:off x="9666386" y="3597857"/>
+                  <a:ext cx="913631" cy="914400"/>
+                </a:xfrm>
+                <a:prstGeom prst="rect">
+                  <a:avLst/>
+                </a:prstGeom>
+                <a:solidFill>
+                  <a:schemeClr val="bg2">
+                    <a:lumMod val="50000"/>
+                  </a:schemeClr>
+                </a:solidFill>
+              </p:spPr>
+              <p:style>
+                <a:lnRef idx="2">
+                  <a:schemeClr val="dk1"/>
+                </a:lnRef>
+                <a:fillRef idx="1">
+                  <a:schemeClr val="lt1"/>
+                </a:fillRef>
+                <a:effectRef idx="0">
+                  <a:schemeClr val="dk1"/>
+                </a:effectRef>
+                <a:fontRef idx="minor">
+                  <a:schemeClr val="dk1"/>
+                </a:fontRef>
+              </p:style>
+              <p:txBody>
+                <a:bodyPr rtlCol="0" anchor="ctr"/>
+                <a:lstStyle/>
+                <a:p>
+                  <a:pPr algn="ctr"/>
+                  <a:r>
+                    <a:rPr lang="en-US" dirty="0" smtClean="0">
+                      <a:solidFill>
+                        <a:schemeClr val="bg1"/>
+                      </a:solidFill>
+                    </a:rPr>
+                    <a:t>2,3</a:t>
+                  </a:r>
+                  <a:endParaRPr lang="en-US" dirty="0">
+                    <a:solidFill>
+                      <a:schemeClr val="bg1"/>
+                    </a:solidFill>
+                  </a:endParaRPr>
+                </a:p>
+              </p:txBody>
+            </p:sp>
+            <p:sp>
+              <p:nvSpPr>
+                <p:cNvPr id="26" name="Rectangle 25"/>
+                <p:cNvSpPr/>
+                <p:nvPr/>
+              </p:nvSpPr>
+              <p:spPr>
+                <a:xfrm>
+                  <a:off x="10580018" y="3597857"/>
+                  <a:ext cx="923544" cy="914400"/>
+                </a:xfrm>
+                <a:prstGeom prst="rect">
+                  <a:avLst/>
+                </a:prstGeom>
+                <a:solidFill>
+                  <a:schemeClr val="tx1"/>
+                </a:solidFill>
+              </p:spPr>
+              <p:style>
+                <a:lnRef idx="2">
+                  <a:schemeClr val="dk1"/>
+                </a:lnRef>
+                <a:fillRef idx="1">
+                  <a:schemeClr val="lt1"/>
+                </a:fillRef>
+                <a:effectRef idx="0">
+                  <a:schemeClr val="dk1"/>
+                </a:effectRef>
+                <a:fontRef idx="minor">
+                  <a:schemeClr val="dk1"/>
+                </a:fontRef>
+              </p:style>
+              <p:txBody>
+                <a:bodyPr rtlCol="0" anchor="ctr"/>
+                <a:lstStyle/>
+                <a:p>
+                  <a:pPr algn="ctr"/>
+                  <a:r>
+                    <a:rPr lang="en-US" dirty="0" smtClean="0">
+                      <a:solidFill>
+                        <a:schemeClr val="bg1"/>
+                      </a:solidFill>
+                    </a:rPr>
+                    <a:t>2,4</a:t>
+                  </a:r>
+                  <a:endParaRPr lang="en-US" dirty="0">
+                    <a:solidFill>
+                      <a:schemeClr val="bg1"/>
+                    </a:solidFill>
+                  </a:endParaRPr>
+                </a:p>
+              </p:txBody>
+            </p:sp>
+            <p:sp>
+              <p:nvSpPr>
+                <p:cNvPr id="28" name="Rectangle 27"/>
+                <p:cNvSpPr/>
+                <p:nvPr/>
+              </p:nvSpPr>
+              <p:spPr>
+                <a:xfrm>
+                  <a:off x="7839124" y="4512257"/>
+                  <a:ext cx="916538" cy="914400"/>
+                </a:xfrm>
+                <a:prstGeom prst="rect">
+                  <a:avLst/>
+                </a:prstGeom>
+                <a:grpFill/>
+              </p:spPr>
+              <p:style>
+                <a:lnRef idx="2">
+                  <a:schemeClr val="dk1"/>
+                </a:lnRef>
+                <a:fillRef idx="1">
+                  <a:schemeClr val="lt1"/>
+                </a:fillRef>
+                <a:effectRef idx="0">
+                  <a:schemeClr val="dk1"/>
+                </a:effectRef>
+                <a:fontRef idx="minor">
+                  <a:schemeClr val="dk1"/>
+                </a:fontRef>
+              </p:style>
+              <p:txBody>
+                <a:bodyPr rtlCol="0" anchor="ctr"/>
+                <a:lstStyle/>
+                <a:p>
+                  <a:pPr algn="ctr"/>
+                  <a:r>
+                    <a:rPr lang="en-US" dirty="0" smtClean="0">
+                      <a:solidFill>
+                        <a:schemeClr val="tx1"/>
+                      </a:solidFill>
+                    </a:rPr>
+                    <a:t>3,1</a:t>
+                  </a:r>
+                  <a:endParaRPr lang="en-US" dirty="0">
+                    <a:solidFill>
+                      <a:schemeClr val="tx1"/>
+                    </a:solidFill>
+                  </a:endParaRPr>
+                </a:p>
+              </p:txBody>
+            </p:sp>
+            <p:sp>
+              <p:nvSpPr>
+                <p:cNvPr id="29" name="Rectangle 28"/>
+                <p:cNvSpPr/>
+                <p:nvPr/>
+              </p:nvSpPr>
+              <p:spPr>
+                <a:xfrm>
+                  <a:off x="8752755" y="4512257"/>
+                  <a:ext cx="913631" cy="914400"/>
+                </a:xfrm>
+                <a:prstGeom prst="rect">
+                  <a:avLst/>
+                </a:prstGeom>
+                <a:grpFill/>
+              </p:spPr>
+              <p:style>
+                <a:lnRef idx="2">
+                  <a:schemeClr val="dk1"/>
+                </a:lnRef>
+                <a:fillRef idx="1">
+                  <a:schemeClr val="lt1"/>
+                </a:fillRef>
+                <a:effectRef idx="0">
+                  <a:schemeClr val="dk1"/>
+                </a:effectRef>
+                <a:fontRef idx="minor">
+                  <a:schemeClr val="dk1"/>
+                </a:fontRef>
+              </p:style>
+              <p:txBody>
+                <a:bodyPr rtlCol="0" anchor="ctr"/>
+                <a:lstStyle/>
+                <a:p>
+                  <a:pPr algn="ctr"/>
+                  <a:r>
+                    <a:rPr lang="en-US" dirty="0" smtClean="0">
+                      <a:solidFill>
+                        <a:schemeClr val="tx1"/>
+                      </a:solidFill>
+                    </a:rPr>
+                    <a:t>3,2</a:t>
+                  </a:r>
+                  <a:endParaRPr lang="en-US" dirty="0">
+                    <a:solidFill>
+                      <a:schemeClr val="tx1"/>
+                    </a:solidFill>
+                  </a:endParaRPr>
+                </a:p>
+              </p:txBody>
+            </p:sp>
+            <p:sp>
+              <p:nvSpPr>
+                <p:cNvPr id="30" name="Rectangle 29"/>
+                <p:cNvSpPr/>
+                <p:nvPr/>
+              </p:nvSpPr>
+              <p:spPr>
+                <a:xfrm>
+                  <a:off x="9666386" y="4512257"/>
+                  <a:ext cx="913631" cy="914400"/>
+                </a:xfrm>
+                <a:prstGeom prst="rect">
+                  <a:avLst/>
+                </a:prstGeom>
+                <a:grpFill/>
+              </p:spPr>
+              <p:style>
+                <a:lnRef idx="2">
+                  <a:schemeClr val="dk1"/>
+                </a:lnRef>
+                <a:fillRef idx="1">
+                  <a:schemeClr val="lt1"/>
+                </a:fillRef>
+                <a:effectRef idx="0">
+                  <a:schemeClr val="dk1"/>
+                </a:effectRef>
+                <a:fontRef idx="minor">
+                  <a:schemeClr val="dk1"/>
+                </a:fontRef>
+              </p:style>
+              <p:txBody>
+                <a:bodyPr rtlCol="0" anchor="ctr"/>
+                <a:lstStyle/>
+                <a:p>
+                  <a:pPr algn="ctr"/>
+                  <a:r>
+                    <a:rPr lang="en-US" dirty="0" smtClean="0">
+                      <a:solidFill>
+                        <a:schemeClr val="tx1"/>
+                      </a:solidFill>
+                    </a:rPr>
+                    <a:t>3,3</a:t>
+                  </a:r>
+                  <a:endParaRPr lang="en-US" dirty="0">
+                    <a:solidFill>
+                      <a:schemeClr val="tx1"/>
+                    </a:solidFill>
+                  </a:endParaRPr>
+                </a:p>
+              </p:txBody>
+            </p:sp>
+            <p:sp>
+              <p:nvSpPr>
+                <p:cNvPr id="31" name="Rectangle 30"/>
+                <p:cNvSpPr/>
+                <p:nvPr/>
+              </p:nvSpPr>
+              <p:spPr>
+                <a:xfrm>
+                  <a:off x="10580018" y="4512257"/>
+                  <a:ext cx="923544" cy="914400"/>
+                </a:xfrm>
+                <a:prstGeom prst="rect">
+                  <a:avLst/>
+                </a:prstGeom>
+                <a:solidFill>
+                  <a:schemeClr val="tx1"/>
+                </a:solidFill>
+              </p:spPr>
+              <p:style>
+                <a:lnRef idx="2">
+                  <a:schemeClr val="dk1"/>
+                </a:lnRef>
+                <a:fillRef idx="1">
+                  <a:schemeClr val="lt1"/>
+                </a:fillRef>
+                <a:effectRef idx="0">
+                  <a:schemeClr val="dk1"/>
+                </a:effectRef>
+                <a:fontRef idx="minor">
+                  <a:schemeClr val="dk1"/>
+                </a:fontRef>
+              </p:style>
+              <p:txBody>
+                <a:bodyPr rtlCol="0" anchor="ctr"/>
+                <a:lstStyle/>
+                <a:p>
+                  <a:pPr algn="ctr"/>
+                  <a:r>
+                    <a:rPr lang="en-US" dirty="0" smtClean="0">
+                      <a:solidFill>
+                        <a:schemeClr val="bg1"/>
+                      </a:solidFill>
+                    </a:rPr>
+                    <a:t>3,4</a:t>
+                  </a:r>
+                  <a:endParaRPr lang="en-US" dirty="0">
+                    <a:solidFill>
+                      <a:schemeClr val="bg1"/>
+                    </a:solidFill>
+                  </a:endParaRPr>
+                </a:p>
+              </p:txBody>
+            </p:sp>
+            <p:sp>
+              <p:nvSpPr>
+                <p:cNvPr id="35" name="Rectangle 34"/>
+                <p:cNvSpPr/>
+                <p:nvPr/>
+              </p:nvSpPr>
+              <p:spPr>
+                <a:xfrm>
+                  <a:off x="7839124" y="5426657"/>
+                  <a:ext cx="916538" cy="914400"/>
+                </a:xfrm>
+                <a:prstGeom prst="rect">
+                  <a:avLst/>
+                </a:prstGeom>
+                <a:grpFill/>
+              </p:spPr>
+              <p:style>
+                <a:lnRef idx="2">
+                  <a:schemeClr val="dk1"/>
+                </a:lnRef>
+                <a:fillRef idx="1">
+                  <a:schemeClr val="lt1"/>
+                </a:fillRef>
+                <a:effectRef idx="0">
+                  <a:schemeClr val="dk1"/>
+                </a:effectRef>
+                <a:fontRef idx="minor">
+                  <a:schemeClr val="dk1"/>
+                </a:fontRef>
+              </p:style>
+              <p:txBody>
+                <a:bodyPr rtlCol="0" anchor="ctr"/>
+                <a:lstStyle/>
+                <a:p>
+                  <a:pPr algn="ctr"/>
+                  <a:r>
+                    <a:rPr lang="en-US" dirty="0" smtClean="0">
+                      <a:solidFill>
+                        <a:schemeClr val="tx1"/>
+                      </a:solidFill>
+                    </a:rPr>
+                    <a:t>4,1</a:t>
+                  </a:r>
+                  <a:endParaRPr lang="en-US" dirty="0">
+                    <a:solidFill>
+                      <a:schemeClr val="tx1"/>
+                    </a:solidFill>
+                  </a:endParaRPr>
+                </a:p>
+              </p:txBody>
+            </p:sp>
+            <p:sp>
+              <p:nvSpPr>
+                <p:cNvPr id="37" name="Rectangle 36"/>
+                <p:cNvSpPr/>
+                <p:nvPr/>
+              </p:nvSpPr>
+              <p:spPr>
+                <a:xfrm>
+                  <a:off x="8752755" y="5426657"/>
+                  <a:ext cx="913631" cy="914400"/>
+                </a:xfrm>
+                <a:prstGeom prst="rect">
+                  <a:avLst/>
+                </a:prstGeom>
+                <a:grpFill/>
+              </p:spPr>
+              <p:style>
+                <a:lnRef idx="2">
+                  <a:schemeClr val="dk1"/>
+                </a:lnRef>
+                <a:fillRef idx="1">
+                  <a:schemeClr val="lt1"/>
+                </a:fillRef>
+                <a:effectRef idx="0">
+                  <a:schemeClr val="dk1"/>
+                </a:effectRef>
+                <a:fontRef idx="minor">
+                  <a:schemeClr val="dk1"/>
+                </a:fontRef>
+              </p:style>
+              <p:txBody>
+                <a:bodyPr rtlCol="0" anchor="ctr"/>
+                <a:lstStyle/>
+                <a:p>
+                  <a:pPr algn="ctr"/>
+                  <a:r>
+                    <a:rPr lang="en-US" dirty="0" smtClean="0">
+                      <a:solidFill>
+                        <a:schemeClr val="tx1"/>
+                      </a:solidFill>
+                    </a:rPr>
+                    <a:t>4,2</a:t>
+                  </a:r>
+                  <a:endParaRPr lang="en-US" dirty="0">
+                    <a:solidFill>
+                      <a:schemeClr val="tx1"/>
+                    </a:solidFill>
+                  </a:endParaRPr>
+                </a:p>
+              </p:txBody>
+            </p:sp>
+            <p:sp>
+              <p:nvSpPr>
+                <p:cNvPr id="38" name="Rectangle 37"/>
+                <p:cNvSpPr/>
+                <p:nvPr/>
+              </p:nvSpPr>
+              <p:spPr>
+                <a:xfrm>
+                  <a:off x="9666386" y="5426657"/>
+                  <a:ext cx="913631" cy="914400"/>
+                </a:xfrm>
+                <a:prstGeom prst="rect">
+                  <a:avLst/>
+                </a:prstGeom>
+                <a:grpFill/>
+              </p:spPr>
+              <p:style>
+                <a:lnRef idx="2">
+                  <a:schemeClr val="dk1"/>
+                </a:lnRef>
+                <a:fillRef idx="1">
+                  <a:schemeClr val="lt1"/>
+                </a:fillRef>
+                <a:effectRef idx="0">
+                  <a:schemeClr val="dk1"/>
+                </a:effectRef>
+                <a:fontRef idx="minor">
+                  <a:schemeClr val="dk1"/>
+                </a:fontRef>
+              </p:style>
+              <p:txBody>
+                <a:bodyPr rtlCol="0" anchor="ctr"/>
+                <a:lstStyle/>
+                <a:p>
+                  <a:pPr algn="ctr"/>
+                  <a:r>
+                    <a:rPr lang="en-US" dirty="0" smtClean="0">
+                      <a:solidFill>
+                        <a:schemeClr val="tx1"/>
+                      </a:solidFill>
+                    </a:rPr>
+                    <a:t>4,3</a:t>
+                  </a:r>
+                  <a:endParaRPr lang="en-US" dirty="0">
+                    <a:solidFill>
+                      <a:schemeClr val="tx1"/>
+                    </a:solidFill>
+                  </a:endParaRPr>
+                </a:p>
+              </p:txBody>
+            </p:sp>
+            <p:sp>
+              <p:nvSpPr>
+                <p:cNvPr id="39" name="Rectangle 38"/>
+                <p:cNvSpPr/>
+                <p:nvPr/>
+              </p:nvSpPr>
+              <p:spPr>
+                <a:xfrm>
+                  <a:off x="10580018" y="5426657"/>
+                  <a:ext cx="923544" cy="914400"/>
+                </a:xfrm>
+                <a:prstGeom prst="rect">
+                  <a:avLst/>
+                </a:prstGeom>
+                <a:grpFill/>
+              </p:spPr>
+              <p:style>
+                <a:lnRef idx="2">
+                  <a:schemeClr val="dk1"/>
+                </a:lnRef>
+                <a:fillRef idx="1">
+                  <a:schemeClr val="lt1"/>
+                </a:fillRef>
+                <a:effectRef idx="0">
+                  <a:schemeClr val="dk1"/>
+                </a:effectRef>
+                <a:fontRef idx="minor">
+                  <a:schemeClr val="dk1"/>
+                </a:fontRef>
+              </p:style>
+              <p:txBody>
+                <a:bodyPr rtlCol="0" anchor="ctr"/>
+                <a:lstStyle/>
+                <a:p>
+                  <a:pPr algn="ctr"/>
+                  <a:r>
+                    <a:rPr lang="en-US" dirty="0" smtClean="0">
+                      <a:solidFill>
+                        <a:schemeClr val="tx1"/>
+                      </a:solidFill>
+                    </a:rPr>
+                    <a:t>4,4</a:t>
+                  </a:r>
+                  <a:endParaRPr lang="en-US" dirty="0">
+                    <a:solidFill>
+                      <a:schemeClr val="tx1"/>
+                    </a:solidFill>
+                  </a:endParaRPr>
+                </a:p>
+              </p:txBody>
+            </p:sp>
+          </p:grpSp>
           <p:sp>
             <p:nvSpPr>
-              <p:cNvPr id="17" name="Rectangle 16"/>
-              <p:cNvSpPr/>
+              <p:cNvPr id="43" name="TextBox 42"/>
+              <p:cNvSpPr txBox="1"/>
               <p:nvPr/>
             </p:nvSpPr>
             <p:spPr>
-              <a:xfrm>
-                <a:off x="7839318" y="2683457"/>
-                <a:ext cx="916538" cy="914400"/>
+              <a:xfrm rot="16200000">
+                <a:off x="5029841" y="4277838"/>
+                <a:ext cx="2580387" cy="400110"/>
               </a:xfrm>
               <a:prstGeom prst="rect">
                 <a:avLst/>
               </a:prstGeom>
-              <a:grpFill/>
+              <a:noFill/>
             </p:spPr>
-            <p:style>
-              <a:lnRef idx="2">
-                <a:schemeClr val="dk1"/>
-              </a:lnRef>
-              <a:fillRef idx="1">
-                <a:schemeClr val="lt1"/>
-              </a:fillRef>
-              <a:effectRef idx="0">
-                <a:schemeClr val="dk1"/>
-              </a:effectRef>
-              <a:fontRef idx="minor">
-                <a:schemeClr val="dk1"/>
-              </a:fontRef>
-            </p:style>
             <p:txBody>
-              <a:bodyPr rtlCol="0" anchor="ctr"/>
+              <a:bodyPr wrap="square" rtlCol="0">
+                <a:spAutoFit/>
+              </a:bodyPr>
               <a:lstStyle/>
               <a:p>
                 <a:pPr algn="ctr"/>
                 <a:r>
-                  <a:rPr lang="en-US" dirty="0" smtClean="0">
-                    <a:solidFill>
-                      <a:schemeClr val="tx1"/>
-                    </a:solidFill>
-                  </a:rPr>
-                  <a:t>1,1</a:t>
+                  <a:rPr lang="en-US" sz="2000" dirty="0" smtClean="0"/>
+                  <a:t>Cognitive Impairment </a:t>
                 </a:r>
-                <a:endParaRPr lang="en-US" dirty="0">
-                  <a:solidFill>
-                    <a:schemeClr val="tx1"/>
-                  </a:solidFill>
-                </a:endParaRPr>
+                <a:endParaRPr lang="en-US" sz="2000" dirty="0"/>
               </a:p>
             </p:txBody>
           </p:sp>
           <p:sp>
             <p:nvSpPr>
-              <p:cNvPr id="19" name="Rectangle 18"/>
-              <p:cNvSpPr/>
+              <p:cNvPr id="44" name="TextBox 43"/>
+              <p:cNvSpPr txBox="1"/>
               <p:nvPr/>
             </p:nvSpPr>
             <p:spPr>
               <a:xfrm>
-                <a:off x="8752949" y="2683457"/>
-                <a:ext cx="913631" cy="914400"/>
+                <a:off x="7363183" y="3586762"/>
+                <a:ext cx="828898" cy="307777"/>
               </a:xfrm>
               <a:prstGeom prst="rect">
                 <a:avLst/>
               </a:prstGeom>
-              <a:solidFill>
-                <a:schemeClr val="tx1"/>
-              </a:solidFill>
+              <a:noFill/>
             </p:spPr>
-            <p:style>
-              <a:lnRef idx="2">
-                <a:schemeClr val="dk1"/>
-              </a:lnRef>
-              <a:fillRef idx="1">
-                <a:schemeClr val="lt1"/>
-              </a:fillRef>
-              <a:effectRef idx="0">
-                <a:schemeClr val="dk1"/>
-              </a:effectRef>
-              <a:fontRef idx="minor">
-                <a:schemeClr val="dk1"/>
-              </a:fontRef>
-            </p:style>
             <p:txBody>
-              <a:bodyPr rtlCol="0" anchor="ctr"/>
+              <a:bodyPr wrap="square" rtlCol="0">
+                <a:spAutoFit/>
+              </a:bodyPr>
               <a:lstStyle/>
               <a:p>
-                <a:pPr algn="ctr"/>
+                <a:pPr algn="r"/>
                 <a:r>
-                  <a:rPr lang="en-US" dirty="0" smtClean="0">
-                    <a:solidFill>
-                      <a:schemeClr val="bg1"/>
-                    </a:solidFill>
-                  </a:rPr>
-                  <a:t>1,2</a:t>
+                  <a:rPr lang="en-US" sz="1400" dirty="0" smtClean="0"/>
+                  <a:t>None</a:t>
                 </a:r>
-                <a:endParaRPr lang="en-US" dirty="0">
-                  <a:solidFill>
-                    <a:schemeClr val="bg1"/>
-                  </a:solidFill>
-                </a:endParaRPr>
+                <a:endParaRPr lang="en-US" sz="1400" dirty="0"/>
               </a:p>
             </p:txBody>
           </p:sp>
           <p:sp>
             <p:nvSpPr>
-              <p:cNvPr id="20" name="Rectangle 19"/>
-              <p:cNvSpPr/>
+              <p:cNvPr id="45" name="TextBox 44"/>
+              <p:cNvSpPr txBox="1"/>
               <p:nvPr/>
             </p:nvSpPr>
             <p:spPr>
               <a:xfrm>
-                <a:off x="9666580" y="2683457"/>
-                <a:ext cx="913631" cy="914400"/>
+                <a:off x="7289412" y="4370768"/>
+                <a:ext cx="845375" cy="307777"/>
               </a:xfrm>
               <a:prstGeom prst="rect">
                 <a:avLst/>
               </a:prstGeom>
-              <a:grpFill/>
+              <a:noFill/>
             </p:spPr>
-            <p:style>
-              <a:lnRef idx="2">
-                <a:schemeClr val="dk1"/>
-              </a:lnRef>
-              <a:fillRef idx="1">
-                <a:schemeClr val="lt1"/>
-              </a:fillRef>
-              <a:effectRef idx="0">
-                <a:schemeClr val="dk1"/>
-              </a:effectRef>
-              <a:fontRef idx="minor">
-                <a:schemeClr val="dk1"/>
-              </a:fontRef>
-            </p:style>
             <p:txBody>
-              <a:bodyPr rtlCol="0" anchor="ctr"/>
+              <a:bodyPr wrap="square" rtlCol="0">
+                <a:spAutoFit/>
+              </a:bodyPr>
               <a:lstStyle/>
               <a:p>
-                <a:pPr algn="ctr"/>
+                <a:pPr algn="r"/>
                 <a:r>
-                  <a:rPr lang="en-US" dirty="0" smtClean="0">
-                    <a:solidFill>
-                      <a:schemeClr val="tx1"/>
-                    </a:solidFill>
-                  </a:rPr>
-                  <a:t>1,3</a:t>
+                  <a:rPr lang="en-US" sz="1400" dirty="0" smtClean="0"/>
+                  <a:t>Mild</a:t>
                 </a:r>
-                <a:endParaRPr lang="en-US" dirty="0">
-                  <a:solidFill>
-                    <a:schemeClr val="tx1"/>
-                  </a:solidFill>
-                </a:endParaRPr>
+                <a:endParaRPr lang="en-US" sz="1400" dirty="0"/>
               </a:p>
             </p:txBody>
           </p:sp>
           <p:sp>
             <p:nvSpPr>
-              <p:cNvPr id="21" name="Rectangle 20"/>
-              <p:cNvSpPr/>
+              <p:cNvPr id="46" name="TextBox 45"/>
+              <p:cNvSpPr txBox="1"/>
               <p:nvPr/>
             </p:nvSpPr>
             <p:spPr>
               <a:xfrm>
-                <a:off x="10580212" y="2683457"/>
-                <a:ext cx="923544" cy="914400"/>
+                <a:off x="6508750" y="5151705"/>
+                <a:ext cx="1683329" cy="307777"/>
               </a:xfrm>
               <a:prstGeom prst="rect">
                 <a:avLst/>
               </a:prstGeom>
-              <a:solidFill>
-                <a:schemeClr val="tx1"/>
-              </a:solidFill>
+              <a:noFill/>
             </p:spPr>
-            <p:style>
-              <a:lnRef idx="2">
-                <a:schemeClr val="dk1"/>
-              </a:lnRef>
-              <a:fillRef idx="1">
-                <a:schemeClr val="lt1"/>
-              </a:fillRef>
-              <a:effectRef idx="0">
-                <a:schemeClr val="dk1"/>
-              </a:effectRef>
-              <a:fontRef idx="minor">
-                <a:schemeClr val="dk1"/>
-              </a:fontRef>
-            </p:style>
             <p:txBody>
-              <a:bodyPr rtlCol="0" anchor="ctr"/>
+              <a:bodyPr wrap="square" rtlCol="0">
+                <a:spAutoFit/>
+              </a:bodyPr>
               <a:lstStyle/>
               <a:p>
-                <a:pPr algn="ctr"/>
+                <a:pPr algn="r"/>
                 <a:r>
-                  <a:rPr lang="en-US" dirty="0" smtClean="0">
-                    <a:solidFill>
-                      <a:schemeClr val="bg1"/>
-                    </a:solidFill>
-                  </a:rPr>
-                  <a:t>1,4</a:t>
+                  <a:rPr lang="en-US" sz="1400" dirty="0" smtClean="0"/>
+                  <a:t>Moderate to Severe</a:t>
                 </a:r>
-                <a:endParaRPr lang="en-US" dirty="0">
-                  <a:solidFill>
-                    <a:schemeClr val="bg1"/>
-                  </a:solidFill>
-                </a:endParaRPr>
+                <a:endParaRPr lang="en-US" sz="1400" dirty="0"/>
               </a:p>
             </p:txBody>
           </p:sp>
           <p:sp>
             <p:nvSpPr>
-              <p:cNvPr id="22" name="Rectangle 21"/>
-              <p:cNvSpPr/>
+              <p:cNvPr id="47" name="TextBox 46"/>
+              <p:cNvSpPr txBox="1"/>
               <p:nvPr/>
             </p:nvSpPr>
             <p:spPr>
               <a:xfrm>
-                <a:off x="7839124" y="3597857"/>
-                <a:ext cx="916538" cy="914400"/>
+                <a:off x="7358388" y="5932642"/>
+                <a:ext cx="845375" cy="307777"/>
               </a:xfrm>
               <a:prstGeom prst="rect">
                 <a:avLst/>
               </a:prstGeom>
-              <a:solidFill>
-                <a:schemeClr val="tx1"/>
-              </a:solidFill>
+              <a:noFill/>
             </p:spPr>
-            <p:style>
-              <a:lnRef idx="2">
-                <a:schemeClr val="dk1"/>
-              </a:lnRef>
-              <a:fillRef idx="1">
-                <a:schemeClr val="lt1"/>
-              </a:fillRef>
-              <a:effectRef idx="0">
-                <a:schemeClr val="dk1"/>
-              </a:effectRef>
-              <a:fontRef idx="minor">
-                <a:schemeClr val="dk1"/>
-              </a:fontRef>
-            </p:style>
             <p:txBody>
-              <a:bodyPr rtlCol="0" anchor="ctr"/>
+              <a:bodyPr wrap="square" rtlCol="0">
+                <a:spAutoFit/>
+              </a:bodyPr>
               <a:lstStyle/>
               <a:p>
-                <a:pPr algn="ctr"/>
+                <a:pPr algn="r"/>
                 <a:r>
-                  <a:rPr lang="en-US" dirty="0" smtClean="0">
-                    <a:solidFill>
-                      <a:schemeClr val="bg1"/>
-                    </a:solidFill>
-                  </a:rPr>
-                  <a:t>2,1</a:t>
+                  <a:rPr lang="en-US" sz="1400" dirty="0" smtClean="0"/>
+                  <a:t>Dead</a:t>
                 </a:r>
-                <a:endParaRPr lang="en-US" dirty="0">
-                  <a:solidFill>
-                    <a:schemeClr val="bg1"/>
-                  </a:solidFill>
-                </a:endParaRPr>
-              </a:p>
-            </p:txBody>
-          </p:sp>
-          <p:sp>
-            <p:nvSpPr>
-              <p:cNvPr id="23" name="Rectangle 22"/>
-              <p:cNvSpPr/>
-              <p:nvPr/>
-            </p:nvSpPr>
-            <p:spPr>
-              <a:xfrm>
-                <a:off x="8752755" y="3597857"/>
-                <a:ext cx="913631" cy="914400"/>
-              </a:xfrm>
-              <a:prstGeom prst="rect">
-                <a:avLst/>
-              </a:prstGeom>
-              <a:grpFill/>
-            </p:spPr>
-            <p:style>
-              <a:lnRef idx="2">
-                <a:schemeClr val="dk1"/>
-              </a:lnRef>
-              <a:fillRef idx="1">
-                <a:schemeClr val="lt1"/>
-              </a:fillRef>
-              <a:effectRef idx="0">
-                <a:schemeClr val="dk1"/>
-              </a:effectRef>
-              <a:fontRef idx="minor">
-                <a:schemeClr val="dk1"/>
-              </a:fontRef>
-            </p:style>
-            <p:txBody>
-              <a:bodyPr rtlCol="0" anchor="ctr"/>
-              <a:lstStyle/>
-              <a:p>
-                <a:pPr algn="ctr"/>
-                <a:r>
-                  <a:rPr lang="en-US" dirty="0" smtClean="0">
-                    <a:solidFill>
-                      <a:schemeClr val="tx1"/>
-                    </a:solidFill>
-                  </a:rPr>
-                  <a:t>2,2</a:t>
-                </a:r>
-                <a:endParaRPr lang="en-US" dirty="0">
-                  <a:solidFill>
-                    <a:schemeClr val="tx1"/>
-                  </a:solidFill>
-                </a:endParaRPr>
-              </a:p>
-            </p:txBody>
-          </p:sp>
-          <p:sp>
-            <p:nvSpPr>
-              <p:cNvPr id="24" name="Rectangle 23"/>
-              <p:cNvSpPr/>
-              <p:nvPr/>
-            </p:nvSpPr>
-            <p:spPr>
-              <a:xfrm>
-                <a:off x="9666386" y="3597857"/>
-                <a:ext cx="913631" cy="914400"/>
-              </a:xfrm>
-              <a:prstGeom prst="rect">
-                <a:avLst/>
-              </a:prstGeom>
-              <a:solidFill>
-                <a:schemeClr val="tx1"/>
-              </a:solidFill>
-            </p:spPr>
-            <p:style>
-              <a:lnRef idx="2">
-                <a:schemeClr val="dk1"/>
-              </a:lnRef>
-              <a:fillRef idx="1">
-                <a:schemeClr val="lt1"/>
-              </a:fillRef>
-              <a:effectRef idx="0">
-                <a:schemeClr val="dk1"/>
-              </a:effectRef>
-              <a:fontRef idx="minor">
-                <a:schemeClr val="dk1"/>
-              </a:fontRef>
-            </p:style>
-            <p:txBody>
-              <a:bodyPr rtlCol="0" anchor="ctr"/>
-              <a:lstStyle/>
-              <a:p>
-                <a:pPr algn="ctr"/>
-                <a:r>
-                  <a:rPr lang="en-US" dirty="0" smtClean="0">
-                    <a:solidFill>
-                      <a:schemeClr val="bg1"/>
-                    </a:solidFill>
-                  </a:rPr>
-                  <a:t>2,3</a:t>
-                </a:r>
-                <a:endParaRPr lang="en-US" dirty="0">
-                  <a:solidFill>
-                    <a:schemeClr val="bg1"/>
-                  </a:solidFill>
-                </a:endParaRPr>
-              </a:p>
-            </p:txBody>
-          </p:sp>
-          <p:sp>
-            <p:nvSpPr>
-              <p:cNvPr id="26" name="Rectangle 25"/>
-              <p:cNvSpPr/>
-              <p:nvPr/>
-            </p:nvSpPr>
-            <p:spPr>
-              <a:xfrm>
-                <a:off x="10580018" y="3597857"/>
-                <a:ext cx="923544" cy="914400"/>
-              </a:xfrm>
-              <a:prstGeom prst="rect">
-                <a:avLst/>
-              </a:prstGeom>
-              <a:solidFill>
-                <a:schemeClr val="tx1"/>
-              </a:solidFill>
-            </p:spPr>
-            <p:style>
-              <a:lnRef idx="2">
-                <a:schemeClr val="dk1"/>
-              </a:lnRef>
-              <a:fillRef idx="1">
-                <a:schemeClr val="lt1"/>
-              </a:fillRef>
-              <a:effectRef idx="0">
-                <a:schemeClr val="dk1"/>
-              </a:effectRef>
-              <a:fontRef idx="minor">
-                <a:schemeClr val="dk1"/>
-              </a:fontRef>
-            </p:style>
-            <p:txBody>
-              <a:bodyPr rtlCol="0" anchor="ctr"/>
-              <a:lstStyle/>
-              <a:p>
-                <a:pPr algn="ctr"/>
-                <a:r>
-                  <a:rPr lang="en-US" dirty="0" smtClean="0">
-                    <a:solidFill>
-                      <a:schemeClr val="bg1"/>
-                    </a:solidFill>
-                  </a:rPr>
-                  <a:t>2,4</a:t>
-                </a:r>
-                <a:endParaRPr lang="en-US" dirty="0">
-                  <a:solidFill>
-                    <a:schemeClr val="bg1"/>
-                  </a:solidFill>
-                </a:endParaRPr>
-              </a:p>
-            </p:txBody>
-          </p:sp>
-          <p:sp>
-            <p:nvSpPr>
-              <p:cNvPr id="28" name="Rectangle 27"/>
-              <p:cNvSpPr/>
-              <p:nvPr/>
-            </p:nvSpPr>
-            <p:spPr>
-              <a:xfrm>
-                <a:off x="7839124" y="4512257"/>
-                <a:ext cx="916538" cy="914400"/>
-              </a:xfrm>
-              <a:prstGeom prst="rect">
-                <a:avLst/>
-              </a:prstGeom>
-              <a:grpFill/>
-            </p:spPr>
-            <p:style>
-              <a:lnRef idx="2">
-                <a:schemeClr val="dk1"/>
-              </a:lnRef>
-              <a:fillRef idx="1">
-                <a:schemeClr val="lt1"/>
-              </a:fillRef>
-              <a:effectRef idx="0">
-                <a:schemeClr val="dk1"/>
-              </a:effectRef>
-              <a:fontRef idx="minor">
-                <a:schemeClr val="dk1"/>
-              </a:fontRef>
-            </p:style>
-            <p:txBody>
-              <a:bodyPr rtlCol="0" anchor="ctr"/>
-              <a:lstStyle/>
-              <a:p>
-                <a:pPr algn="ctr"/>
-                <a:r>
-                  <a:rPr lang="en-US" dirty="0" smtClean="0">
-                    <a:solidFill>
-                      <a:schemeClr val="tx1"/>
-                    </a:solidFill>
-                  </a:rPr>
-                  <a:t>3,1</a:t>
-                </a:r>
-                <a:endParaRPr lang="en-US" dirty="0">
-                  <a:solidFill>
-                    <a:schemeClr val="tx1"/>
-                  </a:solidFill>
-                </a:endParaRPr>
-              </a:p>
-            </p:txBody>
-          </p:sp>
-          <p:sp>
-            <p:nvSpPr>
-              <p:cNvPr id="29" name="Rectangle 28"/>
-              <p:cNvSpPr/>
-              <p:nvPr/>
-            </p:nvSpPr>
-            <p:spPr>
-              <a:xfrm>
-                <a:off x="8752755" y="4512257"/>
-                <a:ext cx="913631" cy="914400"/>
-              </a:xfrm>
-              <a:prstGeom prst="rect">
-                <a:avLst/>
-              </a:prstGeom>
-              <a:grpFill/>
-            </p:spPr>
-            <p:style>
-              <a:lnRef idx="2">
-                <a:schemeClr val="dk1"/>
-              </a:lnRef>
-              <a:fillRef idx="1">
-                <a:schemeClr val="lt1"/>
-              </a:fillRef>
-              <a:effectRef idx="0">
-                <a:schemeClr val="dk1"/>
-              </a:effectRef>
-              <a:fontRef idx="minor">
-                <a:schemeClr val="dk1"/>
-              </a:fontRef>
-            </p:style>
-            <p:txBody>
-              <a:bodyPr rtlCol="0" anchor="ctr"/>
-              <a:lstStyle/>
-              <a:p>
-                <a:pPr algn="ctr"/>
-                <a:r>
-                  <a:rPr lang="en-US" dirty="0" smtClean="0">
-                    <a:solidFill>
-                      <a:schemeClr val="tx1"/>
-                    </a:solidFill>
-                  </a:rPr>
-                  <a:t>3,2</a:t>
-                </a:r>
-                <a:endParaRPr lang="en-US" dirty="0">
-                  <a:solidFill>
-                    <a:schemeClr val="tx1"/>
-                  </a:solidFill>
-                </a:endParaRPr>
-              </a:p>
-            </p:txBody>
-          </p:sp>
-          <p:sp>
-            <p:nvSpPr>
-              <p:cNvPr id="30" name="Rectangle 29"/>
-              <p:cNvSpPr/>
-              <p:nvPr/>
-            </p:nvSpPr>
-            <p:spPr>
-              <a:xfrm>
-                <a:off x="9666386" y="4512257"/>
-                <a:ext cx="913631" cy="914400"/>
-              </a:xfrm>
-              <a:prstGeom prst="rect">
-                <a:avLst/>
-              </a:prstGeom>
-              <a:grpFill/>
-            </p:spPr>
-            <p:style>
-              <a:lnRef idx="2">
-                <a:schemeClr val="dk1"/>
-              </a:lnRef>
-              <a:fillRef idx="1">
-                <a:schemeClr val="lt1"/>
-              </a:fillRef>
-              <a:effectRef idx="0">
-                <a:schemeClr val="dk1"/>
-              </a:effectRef>
-              <a:fontRef idx="minor">
-                <a:schemeClr val="dk1"/>
-              </a:fontRef>
-            </p:style>
-            <p:txBody>
-              <a:bodyPr rtlCol="0" anchor="ctr"/>
-              <a:lstStyle/>
-              <a:p>
-                <a:pPr algn="ctr"/>
-                <a:r>
-                  <a:rPr lang="en-US" dirty="0" smtClean="0">
-                    <a:solidFill>
-                      <a:schemeClr val="tx1"/>
-                    </a:solidFill>
-                  </a:rPr>
-                  <a:t>3,3</a:t>
-                </a:r>
-                <a:endParaRPr lang="en-US" dirty="0">
-                  <a:solidFill>
-                    <a:schemeClr val="tx1"/>
-                  </a:solidFill>
-                </a:endParaRPr>
-              </a:p>
-            </p:txBody>
-          </p:sp>
-          <p:sp>
-            <p:nvSpPr>
-              <p:cNvPr id="31" name="Rectangle 30"/>
-              <p:cNvSpPr/>
-              <p:nvPr/>
-            </p:nvSpPr>
-            <p:spPr>
-              <a:xfrm>
-                <a:off x="10580018" y="4512257"/>
-                <a:ext cx="923544" cy="914400"/>
-              </a:xfrm>
-              <a:prstGeom prst="rect">
-                <a:avLst/>
-              </a:prstGeom>
-              <a:solidFill>
-                <a:schemeClr val="tx1"/>
-              </a:solidFill>
-            </p:spPr>
-            <p:style>
-              <a:lnRef idx="2">
-                <a:schemeClr val="dk1"/>
-              </a:lnRef>
-              <a:fillRef idx="1">
-                <a:schemeClr val="lt1"/>
-              </a:fillRef>
-              <a:effectRef idx="0">
-                <a:schemeClr val="dk1"/>
-              </a:effectRef>
-              <a:fontRef idx="minor">
-                <a:schemeClr val="dk1"/>
-              </a:fontRef>
-            </p:style>
-            <p:txBody>
-              <a:bodyPr rtlCol="0" anchor="ctr"/>
-              <a:lstStyle/>
-              <a:p>
-                <a:pPr algn="ctr"/>
-                <a:r>
-                  <a:rPr lang="en-US" dirty="0" smtClean="0">
-                    <a:solidFill>
-                      <a:schemeClr val="bg1"/>
-                    </a:solidFill>
-                  </a:rPr>
-                  <a:t>3,4</a:t>
-                </a:r>
-                <a:endParaRPr lang="en-US" dirty="0">
-                  <a:solidFill>
-                    <a:schemeClr val="bg1"/>
-                  </a:solidFill>
-                </a:endParaRPr>
-              </a:p>
-            </p:txBody>
-          </p:sp>
-          <p:sp>
-            <p:nvSpPr>
-              <p:cNvPr id="35" name="Rectangle 34"/>
-              <p:cNvSpPr/>
-              <p:nvPr/>
-            </p:nvSpPr>
-            <p:spPr>
-              <a:xfrm>
-                <a:off x="7839124" y="5426657"/>
-                <a:ext cx="916538" cy="914400"/>
-              </a:xfrm>
-              <a:prstGeom prst="rect">
-                <a:avLst/>
-              </a:prstGeom>
-              <a:grpFill/>
-            </p:spPr>
-            <p:style>
-              <a:lnRef idx="2">
-                <a:schemeClr val="dk1"/>
-              </a:lnRef>
-              <a:fillRef idx="1">
-                <a:schemeClr val="lt1"/>
-              </a:fillRef>
-              <a:effectRef idx="0">
-                <a:schemeClr val="dk1"/>
-              </a:effectRef>
-              <a:fontRef idx="minor">
-                <a:schemeClr val="dk1"/>
-              </a:fontRef>
-            </p:style>
-            <p:txBody>
-              <a:bodyPr rtlCol="0" anchor="ctr"/>
-              <a:lstStyle/>
-              <a:p>
-                <a:pPr algn="ctr"/>
-                <a:r>
-                  <a:rPr lang="en-US" dirty="0" smtClean="0">
-                    <a:solidFill>
-                      <a:schemeClr val="tx1"/>
-                    </a:solidFill>
-                  </a:rPr>
-                  <a:t>4,1</a:t>
-                </a:r>
-                <a:endParaRPr lang="en-US" dirty="0">
-                  <a:solidFill>
-                    <a:schemeClr val="tx1"/>
-                  </a:solidFill>
-                </a:endParaRPr>
-              </a:p>
-            </p:txBody>
-          </p:sp>
-          <p:sp>
-            <p:nvSpPr>
-              <p:cNvPr id="37" name="Rectangle 36"/>
-              <p:cNvSpPr/>
-              <p:nvPr/>
-            </p:nvSpPr>
-            <p:spPr>
-              <a:xfrm>
-                <a:off x="8752755" y="5426657"/>
-                <a:ext cx="913631" cy="914400"/>
-              </a:xfrm>
-              <a:prstGeom prst="rect">
-                <a:avLst/>
-              </a:prstGeom>
-              <a:grpFill/>
-            </p:spPr>
-            <p:style>
-              <a:lnRef idx="2">
-                <a:schemeClr val="dk1"/>
-              </a:lnRef>
-              <a:fillRef idx="1">
-                <a:schemeClr val="lt1"/>
-              </a:fillRef>
-              <a:effectRef idx="0">
-                <a:schemeClr val="dk1"/>
-              </a:effectRef>
-              <a:fontRef idx="minor">
-                <a:schemeClr val="dk1"/>
-              </a:fontRef>
-            </p:style>
-            <p:txBody>
-              <a:bodyPr rtlCol="0" anchor="ctr"/>
-              <a:lstStyle/>
-              <a:p>
-                <a:pPr algn="ctr"/>
-                <a:r>
-                  <a:rPr lang="en-US" dirty="0" smtClean="0">
-                    <a:solidFill>
-                      <a:schemeClr val="tx1"/>
-                    </a:solidFill>
-                  </a:rPr>
-                  <a:t>4,2</a:t>
-                </a:r>
-                <a:endParaRPr lang="en-US" dirty="0">
-                  <a:solidFill>
-                    <a:schemeClr val="tx1"/>
-                  </a:solidFill>
-                </a:endParaRPr>
-              </a:p>
-            </p:txBody>
-          </p:sp>
-          <p:sp>
-            <p:nvSpPr>
-              <p:cNvPr id="38" name="Rectangle 37"/>
-              <p:cNvSpPr/>
-              <p:nvPr/>
-            </p:nvSpPr>
-            <p:spPr>
-              <a:xfrm>
-                <a:off x="9666386" y="5426657"/>
-                <a:ext cx="913631" cy="914400"/>
-              </a:xfrm>
-              <a:prstGeom prst="rect">
-                <a:avLst/>
-              </a:prstGeom>
-              <a:grpFill/>
-            </p:spPr>
-            <p:style>
-              <a:lnRef idx="2">
-                <a:schemeClr val="dk1"/>
-              </a:lnRef>
-              <a:fillRef idx="1">
-                <a:schemeClr val="lt1"/>
-              </a:fillRef>
-              <a:effectRef idx="0">
-                <a:schemeClr val="dk1"/>
-              </a:effectRef>
-              <a:fontRef idx="minor">
-                <a:schemeClr val="dk1"/>
-              </a:fontRef>
-            </p:style>
-            <p:txBody>
-              <a:bodyPr rtlCol="0" anchor="ctr"/>
-              <a:lstStyle/>
-              <a:p>
-                <a:pPr algn="ctr"/>
-                <a:r>
-                  <a:rPr lang="en-US" dirty="0" smtClean="0">
-                    <a:solidFill>
-                      <a:schemeClr val="tx1"/>
-                    </a:solidFill>
-                  </a:rPr>
-                  <a:t>4,3</a:t>
-                </a:r>
-                <a:endParaRPr lang="en-US" dirty="0">
-                  <a:solidFill>
-                    <a:schemeClr val="tx1"/>
-                  </a:solidFill>
-                </a:endParaRPr>
-              </a:p>
-            </p:txBody>
-          </p:sp>
-          <p:sp>
-            <p:nvSpPr>
-              <p:cNvPr id="39" name="Rectangle 38"/>
-              <p:cNvSpPr/>
-              <p:nvPr/>
-            </p:nvSpPr>
-            <p:spPr>
-              <a:xfrm>
-                <a:off x="10580018" y="5426657"/>
-                <a:ext cx="923544" cy="914400"/>
-              </a:xfrm>
-              <a:prstGeom prst="rect">
-                <a:avLst/>
-              </a:prstGeom>
-              <a:grpFill/>
-            </p:spPr>
-            <p:style>
-              <a:lnRef idx="2">
-                <a:schemeClr val="dk1"/>
-              </a:lnRef>
-              <a:fillRef idx="1">
-                <a:schemeClr val="lt1"/>
-              </a:fillRef>
-              <a:effectRef idx="0">
-                <a:schemeClr val="dk1"/>
-              </a:effectRef>
-              <a:fontRef idx="minor">
-                <a:schemeClr val="dk1"/>
-              </a:fontRef>
-            </p:style>
-            <p:txBody>
-              <a:bodyPr rtlCol="0" anchor="ctr"/>
-              <a:lstStyle/>
-              <a:p>
-                <a:pPr algn="ctr"/>
-                <a:r>
-                  <a:rPr lang="en-US" dirty="0" smtClean="0">
-                    <a:solidFill>
-                      <a:schemeClr val="tx1"/>
-                    </a:solidFill>
-                  </a:rPr>
-                  <a:t>4,4</a:t>
-                </a:r>
-                <a:endParaRPr lang="en-US" dirty="0">
-                  <a:solidFill>
-                    <a:schemeClr val="tx1"/>
-                  </a:solidFill>
-                </a:endParaRPr>
+                <a:endParaRPr lang="en-US" sz="1400" dirty="0"/>
               </a:p>
             </p:txBody>
           </p:sp>
         </p:grpSp>
         <p:sp>
           <p:nvSpPr>
-            <p:cNvPr id="43" name="TextBox 42"/>
+            <p:cNvPr id="50" name="TextBox 49"/>
             <p:cNvSpPr txBox="1"/>
             <p:nvPr/>
           </p:nvSpPr>
           <p:spPr>
-            <a:xfrm rot="16200000">
-              <a:off x="5029841" y="4277838"/>
-              <a:ext cx="2580387" cy="400110"/>
+            <a:xfrm>
+              <a:off x="1850213" y="1980167"/>
+              <a:ext cx="4249528" cy="400110"/>
             </a:xfrm>
             <a:prstGeom prst="rect">
               <a:avLst/>
@@ -4526,335 +4903,40 @@
               <a:pPr algn="ctr"/>
               <a:r>
                 <a:rPr lang="en-US" sz="2000" dirty="0" smtClean="0"/>
-                <a:t>Cognitive Impairment </a:t>
+                <a:t>Matrix of states and transitions</a:t>
               </a:r>
               <a:endParaRPr lang="en-US" sz="2000" dirty="0"/>
             </a:p>
           </p:txBody>
         </p:sp>
-        <p:sp>
-          <p:nvSpPr>
-            <p:cNvPr id="44" name="TextBox 43"/>
-            <p:cNvSpPr txBox="1"/>
-            <p:nvPr/>
-          </p:nvSpPr>
-          <p:spPr>
-            <a:xfrm>
-              <a:off x="7363183" y="3586762"/>
-              <a:ext cx="828898" cy="307777"/>
-            </a:xfrm>
-            <a:prstGeom prst="rect">
-              <a:avLst/>
-            </a:prstGeom>
-            <a:noFill/>
-          </p:spPr>
-          <p:txBody>
-            <a:bodyPr wrap="square" rtlCol="0">
-              <a:spAutoFit/>
-            </a:bodyPr>
-            <a:lstStyle/>
-            <a:p>
-              <a:pPr algn="r"/>
-              <a:r>
-                <a:rPr lang="en-US" sz="1400" dirty="0" smtClean="0"/>
-                <a:t>None</a:t>
-              </a:r>
-              <a:endParaRPr lang="en-US" sz="1400" dirty="0"/>
-            </a:p>
-          </p:txBody>
-        </p:sp>
-        <p:sp>
-          <p:nvSpPr>
-            <p:cNvPr id="45" name="TextBox 44"/>
-            <p:cNvSpPr txBox="1"/>
-            <p:nvPr/>
-          </p:nvSpPr>
-          <p:spPr>
-            <a:xfrm>
-              <a:off x="7289412" y="4370768"/>
-              <a:ext cx="845375" cy="307777"/>
-            </a:xfrm>
-            <a:prstGeom prst="rect">
-              <a:avLst/>
-            </a:prstGeom>
-            <a:noFill/>
-          </p:spPr>
-          <p:txBody>
-            <a:bodyPr wrap="square" rtlCol="0">
-              <a:spAutoFit/>
-            </a:bodyPr>
-            <a:lstStyle/>
-            <a:p>
-              <a:pPr algn="r"/>
-              <a:r>
-                <a:rPr lang="en-US" sz="1400" dirty="0" smtClean="0"/>
-                <a:t>Mild</a:t>
-              </a:r>
-              <a:endParaRPr lang="en-US" sz="1400" dirty="0"/>
-            </a:p>
-          </p:txBody>
-        </p:sp>
-        <p:sp>
-          <p:nvSpPr>
-            <p:cNvPr id="46" name="TextBox 45"/>
-            <p:cNvSpPr txBox="1"/>
-            <p:nvPr/>
-          </p:nvSpPr>
-          <p:spPr>
-            <a:xfrm>
-              <a:off x="6508750" y="5151705"/>
-              <a:ext cx="1683329" cy="307777"/>
-            </a:xfrm>
-            <a:prstGeom prst="rect">
-              <a:avLst/>
-            </a:prstGeom>
-            <a:noFill/>
-          </p:spPr>
-          <p:txBody>
-            <a:bodyPr wrap="square" rtlCol="0">
-              <a:spAutoFit/>
-            </a:bodyPr>
-            <a:lstStyle/>
-            <a:p>
-              <a:pPr algn="r"/>
-              <a:r>
-                <a:rPr lang="en-US" sz="1400" dirty="0" smtClean="0"/>
-                <a:t>Moderate to Severe</a:t>
-              </a:r>
-              <a:endParaRPr lang="en-US" sz="1400" dirty="0"/>
-            </a:p>
-          </p:txBody>
-        </p:sp>
-        <p:sp>
-          <p:nvSpPr>
-            <p:cNvPr id="47" name="TextBox 46"/>
-            <p:cNvSpPr txBox="1"/>
-            <p:nvPr/>
-          </p:nvSpPr>
-          <p:spPr>
-            <a:xfrm>
-              <a:off x="7358388" y="5932642"/>
-              <a:ext cx="845375" cy="307777"/>
-            </a:xfrm>
-            <a:prstGeom prst="rect">
-              <a:avLst/>
-            </a:prstGeom>
-            <a:noFill/>
-          </p:spPr>
-          <p:txBody>
-            <a:bodyPr wrap="square" rtlCol="0">
-              <a:spAutoFit/>
-            </a:bodyPr>
-            <a:lstStyle/>
-            <a:p>
-              <a:pPr algn="r"/>
-              <a:r>
-                <a:rPr lang="en-US" sz="1400" dirty="0" smtClean="0"/>
-                <a:t>Dead</a:t>
-              </a:r>
-              <a:endParaRPr lang="en-US" sz="1400" dirty="0"/>
-            </a:p>
-          </p:txBody>
-        </p:sp>
       </p:grpSp>
       <p:sp>
         <p:nvSpPr>
-          <p:cNvPr id="10" name="TextBox 9"/>
-          <p:cNvSpPr txBox="1"/>
+          <p:cNvPr id="51" name="Rectangle 50"/>
+          <p:cNvSpPr/>
           <p:nvPr/>
         </p:nvSpPr>
         <p:spPr>
           <a:xfrm>
-            <a:off x="6989743" y="5177049"/>
-            <a:ext cx="3399329" cy="400110"/>
+            <a:off x="745306" y="5167498"/>
+            <a:ext cx="1265165" cy="707886"/>
           </a:xfrm>
           <a:prstGeom prst="rect">
             <a:avLst/>
           </a:prstGeom>
-          <a:noFill/>
         </p:spPr>
         <p:txBody>
-          <a:bodyPr wrap="none" rtlCol="0">
+          <a:bodyPr wrap="square">
             <a:spAutoFit/>
           </a:bodyPr>
           <a:lstStyle/>
           <a:p>
-            <a:r>
-              <a:rPr lang="en-US" sz="2000" b="1" dirty="0" smtClean="0"/>
-              <a:t>with covariates on transitions:</a:t>
-            </a:r>
-            <a:endParaRPr lang="en-US" sz="2000" b="1" dirty="0"/>
-          </a:p>
-        </p:txBody>
-      </p:sp>
-      <p:sp>
-        <p:nvSpPr>
-          <p:cNvPr id="48" name="TextBox 47"/>
-          <p:cNvSpPr txBox="1"/>
-          <p:nvPr/>
-        </p:nvSpPr>
-        <p:spPr>
-          <a:xfrm>
-            <a:off x="5558413" y="5726156"/>
-            <a:ext cx="6516528" cy="1477328"/>
-          </a:xfrm>
-          <a:prstGeom prst="rect">
-            <a:avLst/>
-          </a:prstGeom>
-          <a:noFill/>
-        </p:spPr>
-        <p:txBody>
-          <a:bodyPr wrap="none" rtlCol="0">
-            <a:spAutoFit/>
-          </a:bodyPr>
-          <a:lstStyle/>
-          <a:p>
-            <a:r>
-              <a:rPr lang="en-US" dirty="0" smtClean="0">
-                <a:latin typeface="Consolas" panose="020B0609020204030204" pitchFamily="49" charset="0"/>
-              </a:rPr>
-              <a:t>forward  ~ age + male + </a:t>
-            </a:r>
-            <a:r>
-              <a:rPr lang="en-US" dirty="0" err="1" smtClean="0">
-                <a:latin typeface="Consolas" panose="020B0609020204030204" pitchFamily="49" charset="0"/>
-              </a:rPr>
-              <a:t>edu</a:t>
-            </a:r>
-            <a:r>
-              <a:rPr lang="en-US" dirty="0" smtClean="0">
-                <a:latin typeface="Consolas" panose="020B0609020204030204" pitchFamily="49" charset="0"/>
-              </a:rPr>
-              <a:t> + height + </a:t>
-            </a:r>
-            <a:r>
-              <a:rPr lang="en-US" dirty="0" err="1" smtClean="0">
-                <a:latin typeface="Consolas" panose="020B0609020204030204" pitchFamily="49" charset="0"/>
-              </a:rPr>
-              <a:t>bmi</a:t>
-            </a:r>
-            <a:r>
-              <a:rPr lang="en-US" dirty="0" smtClean="0">
-                <a:latin typeface="Consolas" panose="020B0609020204030204" pitchFamily="49" charset="0"/>
-              </a:rPr>
-              <a:t> + gait </a:t>
-            </a:r>
-          </a:p>
-          <a:p>
-            <a:r>
-              <a:rPr lang="en-US" dirty="0" smtClean="0">
-                <a:latin typeface="Consolas" panose="020B0609020204030204" pitchFamily="49" charset="0"/>
-              </a:rPr>
-              <a:t>backward </a:t>
-            </a:r>
-            <a:r>
-              <a:rPr lang="en-US" dirty="0">
-                <a:latin typeface="Consolas" panose="020B0609020204030204" pitchFamily="49" charset="0"/>
-              </a:rPr>
-              <a:t>~ age + male + </a:t>
-            </a:r>
-            <a:r>
-              <a:rPr lang="en-US" dirty="0" err="1">
-                <a:latin typeface="Consolas" panose="020B0609020204030204" pitchFamily="49" charset="0"/>
-              </a:rPr>
-              <a:t>edu</a:t>
-            </a:r>
-            <a:r>
-              <a:rPr lang="en-US" dirty="0">
-                <a:latin typeface="Consolas" panose="020B0609020204030204" pitchFamily="49" charset="0"/>
-              </a:rPr>
-              <a:t> + </a:t>
-            </a:r>
-            <a:r>
-              <a:rPr lang="en-US" dirty="0" smtClean="0">
-                <a:latin typeface="Consolas" panose="020B0609020204030204" pitchFamily="49" charset="0"/>
-              </a:rPr>
-              <a:t>height </a:t>
-            </a:r>
-            <a:r>
-              <a:rPr lang="en-US" dirty="0">
-                <a:latin typeface="Consolas" panose="020B0609020204030204" pitchFamily="49" charset="0"/>
-              </a:rPr>
-              <a:t>+ </a:t>
-            </a:r>
-            <a:r>
-              <a:rPr lang="en-US" dirty="0" err="1" smtClean="0">
-                <a:latin typeface="Consolas" panose="020B0609020204030204" pitchFamily="49" charset="0"/>
-              </a:rPr>
-              <a:t>bmi</a:t>
-            </a:r>
-            <a:r>
-              <a:rPr lang="en-US" dirty="0" smtClean="0">
-                <a:latin typeface="Consolas" panose="020B0609020204030204" pitchFamily="49" charset="0"/>
-              </a:rPr>
-              <a:t> + gait</a:t>
-            </a:r>
-            <a:endParaRPr lang="en-US" dirty="0">
-              <a:latin typeface="Consolas" panose="020B0609020204030204" pitchFamily="49" charset="0"/>
-            </a:endParaRPr>
-          </a:p>
-          <a:p>
-            <a:r>
-              <a:rPr lang="en-US" dirty="0" smtClean="0">
-                <a:latin typeface="Consolas" panose="020B0609020204030204" pitchFamily="49" charset="0"/>
-              </a:rPr>
-              <a:t>dead     </a:t>
-            </a:r>
-            <a:r>
-              <a:rPr lang="en-US" dirty="0">
-                <a:latin typeface="Consolas" panose="020B0609020204030204" pitchFamily="49" charset="0"/>
-              </a:rPr>
-              <a:t>~ age + male + </a:t>
-            </a:r>
-            <a:r>
-              <a:rPr lang="en-US" dirty="0" err="1">
-                <a:latin typeface="Consolas" panose="020B0609020204030204" pitchFamily="49" charset="0"/>
-              </a:rPr>
-              <a:t>edu</a:t>
-            </a:r>
-            <a:r>
-              <a:rPr lang="en-US" dirty="0">
-                <a:latin typeface="Consolas" panose="020B0609020204030204" pitchFamily="49" charset="0"/>
-              </a:rPr>
-              <a:t> + </a:t>
-            </a:r>
-            <a:r>
-              <a:rPr lang="en-US" dirty="0" smtClean="0">
-                <a:latin typeface="Consolas" panose="020B0609020204030204" pitchFamily="49" charset="0"/>
-              </a:rPr>
-              <a:t>height </a:t>
-            </a:r>
-            <a:r>
-              <a:rPr lang="en-US" dirty="0">
-                <a:latin typeface="Consolas" panose="020B0609020204030204" pitchFamily="49" charset="0"/>
-              </a:rPr>
-              <a:t>+ </a:t>
-            </a:r>
-            <a:r>
-              <a:rPr lang="en-US" dirty="0" err="1" smtClean="0">
-                <a:latin typeface="Consolas" panose="020B0609020204030204" pitchFamily="49" charset="0"/>
-              </a:rPr>
-              <a:t>bmi</a:t>
-            </a:r>
-            <a:r>
-              <a:rPr lang="en-US" dirty="0" smtClean="0">
-                <a:latin typeface="Consolas" panose="020B0609020204030204" pitchFamily="49" charset="0"/>
-              </a:rPr>
-              <a:t> + gait</a:t>
-            </a:r>
-            <a:endParaRPr lang="en-US" dirty="0">
-              <a:latin typeface="Consolas" panose="020B0609020204030204" pitchFamily="49" charset="0"/>
-            </a:endParaRPr>
-          </a:p>
-          <a:p>
-            <a:endParaRPr lang="en-US" dirty="0" smtClean="0">
-              <a:latin typeface="Consolas" panose="020B0609020204030204" pitchFamily="49" charset="0"/>
-            </a:endParaRPr>
-          </a:p>
-          <a:p>
-            <a:endParaRPr lang="en-US" dirty="0">
-              <a:latin typeface="Consolas" panose="020B0609020204030204" pitchFamily="49" charset="0"/>
-            </a:endParaRPr>
+            <a:pPr algn="ctr"/>
+            <a:r>
+              <a:rPr lang="en-US" sz="4000" dirty="0" smtClean="0"/>
+              <a:t>A1:</a:t>
+            </a:r>
+            <a:endParaRPr lang="en-US" sz="4000" dirty="0"/>
           </a:p>
         </p:txBody>
       </p:sp>

--- a/libs/materials/ppt/image-support.pptx
+++ b/libs/materials/ppt/image-support.pptx
@@ -7,9 +7,10 @@
   <p:sldIdLst>
     <p:sldId id="256" r:id="rId2"/>
     <p:sldId id="260" r:id="rId3"/>
-    <p:sldId id="262" r:id="rId4"/>
-    <p:sldId id="261" r:id="rId5"/>
-    <p:sldId id="257" r:id="rId6"/>
+    <p:sldId id="263" r:id="rId4"/>
+    <p:sldId id="262" r:id="rId5"/>
+    <p:sldId id="261" r:id="rId6"/>
+    <p:sldId id="257" r:id="rId7"/>
   </p:sldIdLst>
   <p:sldSz cx="12192000" cy="6858000"/>
   <p:notesSz cx="6858000" cy="9144000"/>
@@ -247,7 +248,7 @@
           <a:p>
             <a:fld id="{C921C1EE-CA7B-434D-94EA-DB504A39658D}" type="datetimeFigureOut">
               <a:rPr lang="en-US" smtClean="0"/>
-              <a:t>2017-11-19</a:t>
+              <a:t>2017-12-28</a:t>
             </a:fld>
             <a:endParaRPr lang="en-US"/>
           </a:p>
@@ -417,7 +418,7 @@
           <a:p>
             <a:fld id="{C921C1EE-CA7B-434D-94EA-DB504A39658D}" type="datetimeFigureOut">
               <a:rPr lang="en-US" smtClean="0"/>
-              <a:t>2017-11-19</a:t>
+              <a:t>2017-12-28</a:t>
             </a:fld>
             <a:endParaRPr lang="en-US"/>
           </a:p>
@@ -597,7 +598,7 @@
           <a:p>
             <a:fld id="{C921C1EE-CA7B-434D-94EA-DB504A39658D}" type="datetimeFigureOut">
               <a:rPr lang="en-US" smtClean="0"/>
-              <a:t>2017-11-19</a:t>
+              <a:t>2017-12-28</a:t>
             </a:fld>
             <a:endParaRPr lang="en-US"/>
           </a:p>
@@ -767,7 +768,7 @@
           <a:p>
             <a:fld id="{C921C1EE-CA7B-434D-94EA-DB504A39658D}" type="datetimeFigureOut">
               <a:rPr lang="en-US" smtClean="0"/>
-              <a:t>2017-11-19</a:t>
+              <a:t>2017-12-28</a:t>
             </a:fld>
             <a:endParaRPr lang="en-US"/>
           </a:p>
@@ -1013,7 +1014,7 @@
           <a:p>
             <a:fld id="{C921C1EE-CA7B-434D-94EA-DB504A39658D}" type="datetimeFigureOut">
               <a:rPr lang="en-US" smtClean="0"/>
-              <a:t>2017-11-19</a:t>
+              <a:t>2017-12-28</a:t>
             </a:fld>
             <a:endParaRPr lang="en-US"/>
           </a:p>
@@ -1245,7 +1246,7 @@
           <a:p>
             <a:fld id="{C921C1EE-CA7B-434D-94EA-DB504A39658D}" type="datetimeFigureOut">
               <a:rPr lang="en-US" smtClean="0"/>
-              <a:t>2017-11-19</a:t>
+              <a:t>2017-12-28</a:t>
             </a:fld>
             <a:endParaRPr lang="en-US"/>
           </a:p>
@@ -1612,7 +1613,7 @@
           <a:p>
             <a:fld id="{C921C1EE-CA7B-434D-94EA-DB504A39658D}" type="datetimeFigureOut">
               <a:rPr lang="en-US" smtClean="0"/>
-              <a:t>2017-11-19</a:t>
+              <a:t>2017-12-28</a:t>
             </a:fld>
             <a:endParaRPr lang="en-US"/>
           </a:p>
@@ -1730,7 +1731,7 @@
           <a:p>
             <a:fld id="{C921C1EE-CA7B-434D-94EA-DB504A39658D}" type="datetimeFigureOut">
               <a:rPr lang="en-US" smtClean="0"/>
-              <a:t>2017-11-19</a:t>
+              <a:t>2017-12-28</a:t>
             </a:fld>
             <a:endParaRPr lang="en-US"/>
           </a:p>
@@ -1825,7 +1826,7 @@
           <a:p>
             <a:fld id="{C921C1EE-CA7B-434D-94EA-DB504A39658D}" type="datetimeFigureOut">
               <a:rPr lang="en-US" smtClean="0"/>
-              <a:t>2017-11-19</a:t>
+              <a:t>2017-12-28</a:t>
             </a:fld>
             <a:endParaRPr lang="en-US"/>
           </a:p>
@@ -2102,7 +2103,7 @@
           <a:p>
             <a:fld id="{C921C1EE-CA7B-434D-94EA-DB504A39658D}" type="datetimeFigureOut">
               <a:rPr lang="en-US" smtClean="0"/>
-              <a:t>2017-11-19</a:t>
+              <a:t>2017-12-28</a:t>
             </a:fld>
             <a:endParaRPr lang="en-US"/>
           </a:p>
@@ -2355,7 +2356,7 @@
           <a:p>
             <a:fld id="{C921C1EE-CA7B-434D-94EA-DB504A39658D}" type="datetimeFigureOut">
               <a:rPr lang="en-US" smtClean="0"/>
-              <a:t>2017-11-19</a:t>
+              <a:t>2017-12-28</a:t>
             </a:fld>
             <a:endParaRPr lang="en-US"/>
           </a:p>
@@ -2568,7 +2569,7 @@
           <a:p>
             <a:fld id="{C921C1EE-CA7B-434D-94EA-DB504A39658D}" type="datetimeFigureOut">
               <a:rPr lang="en-US" smtClean="0"/>
-              <a:t>2017-11-19</a:t>
+              <a:t>2017-12-28</a:t>
             </a:fld>
             <a:endParaRPr lang="en-US"/>
           </a:p>
@@ -3631,11 +3632,7 @@
             <a:pPr algn="ctr"/>
             <a:r>
               <a:rPr lang="en-US" sz="4000" dirty="0" smtClean="0"/>
-              <a:t>Model </a:t>
-            </a:r>
-            <a:r>
-              <a:rPr lang="en-US" sz="4000" dirty="0" smtClean="0"/>
-              <a:t>A</a:t>
+              <a:t>Model A</a:t>
             </a:r>
             <a:endParaRPr lang="en-US" sz="4000" dirty="0"/>
           </a:p>
@@ -4961,6 +4958,1918 @@
 </file>
 
 <file path=ppt/slides/slide3.xml><?xml version="1.0" encoding="utf-8"?>
+<p:sld xmlns:a="http://schemas.openxmlformats.org/drawingml/2006/main" xmlns:r="http://schemas.openxmlformats.org/officeDocument/2006/relationships" xmlns:p="http://schemas.openxmlformats.org/presentationml/2006/main">
+  <p:cSld>
+    <p:spTree>
+      <p:nvGrpSpPr>
+        <p:cNvPr id="1" name=""/>
+        <p:cNvGrpSpPr/>
+        <p:nvPr/>
+      </p:nvGrpSpPr>
+      <p:grpSpPr>
+        <a:xfrm>
+          <a:off x="0" y="0"/>
+          <a:ext cx="0" cy="0"/>
+          <a:chOff x="0" y="0"/>
+          <a:chExt cx="0" cy="0"/>
+        </a:xfrm>
+      </p:grpSpPr>
+      <p:grpSp>
+        <p:nvGrpSpPr>
+          <p:cNvPr id="9" name="Group 8"/>
+          <p:cNvGrpSpPr/>
+          <p:nvPr/>
+        </p:nvGrpSpPr>
+        <p:grpSpPr>
+          <a:xfrm>
+            <a:off x="6020520" y="1327947"/>
+            <a:ext cx="5986524" cy="2864333"/>
+            <a:chOff x="140238" y="1334988"/>
+            <a:chExt cx="7618767" cy="3645302"/>
+          </a:xfrm>
+        </p:grpSpPr>
+        <p:sp>
+          <p:nvSpPr>
+            <p:cNvPr id="4" name="Rectangle 3"/>
+            <p:cNvSpPr/>
+            <p:nvPr/>
+          </p:nvSpPr>
+          <p:spPr>
+            <a:xfrm>
+              <a:off x="645837" y="1811587"/>
+              <a:ext cx="1073889" cy="871870"/>
+            </a:xfrm>
+            <a:prstGeom prst="rect">
+              <a:avLst/>
+            </a:prstGeom>
+          </p:spPr>
+          <p:style>
+            <a:lnRef idx="2">
+              <a:schemeClr val="dk1"/>
+            </a:lnRef>
+            <a:fillRef idx="1">
+              <a:schemeClr val="lt1"/>
+            </a:fillRef>
+            <a:effectRef idx="0">
+              <a:schemeClr val="dk1"/>
+            </a:effectRef>
+            <a:fontRef idx="minor">
+              <a:schemeClr val="dk1"/>
+            </a:fontRef>
+          </p:style>
+          <p:txBody>
+            <a:bodyPr rtlCol="0" anchor="ctr"/>
+            <a:lstStyle/>
+            <a:p>
+              <a:pPr algn="ctr"/>
+              <a:r>
+                <a:rPr lang="en-US" sz="1400" dirty="0" smtClean="0"/>
+                <a:t>1</a:t>
+              </a:r>
+            </a:p>
+            <a:p>
+              <a:pPr algn="ctr"/>
+              <a:r>
+                <a:rPr lang="en-US" sz="1400" dirty="0" smtClean="0"/>
+                <a:t>No </a:t>
+              </a:r>
+            </a:p>
+            <a:p>
+              <a:pPr algn="ctr"/>
+              <a:r>
+                <a:rPr lang="en-US" sz="1400" dirty="0" smtClean="0"/>
+                <a:t>CI</a:t>
+              </a:r>
+            </a:p>
+          </p:txBody>
+        </p:sp>
+        <p:sp>
+          <p:nvSpPr>
+            <p:cNvPr id="5" name="Rectangle 4"/>
+            <p:cNvSpPr/>
+            <p:nvPr/>
+          </p:nvSpPr>
+          <p:spPr>
+            <a:xfrm>
+              <a:off x="3463465" y="1811587"/>
+              <a:ext cx="1073889" cy="871870"/>
+            </a:xfrm>
+            <a:prstGeom prst="rect">
+              <a:avLst/>
+            </a:prstGeom>
+          </p:spPr>
+          <p:style>
+            <a:lnRef idx="2">
+              <a:schemeClr val="dk1"/>
+            </a:lnRef>
+            <a:fillRef idx="1">
+              <a:schemeClr val="lt1"/>
+            </a:fillRef>
+            <a:effectRef idx="0">
+              <a:schemeClr val="dk1"/>
+            </a:effectRef>
+            <a:fontRef idx="minor">
+              <a:schemeClr val="dk1"/>
+            </a:fontRef>
+          </p:style>
+          <p:txBody>
+            <a:bodyPr rtlCol="0" anchor="ctr"/>
+            <a:lstStyle/>
+            <a:p>
+              <a:pPr algn="ctr"/>
+              <a:r>
+                <a:rPr lang="en-US" sz="1400" dirty="0" smtClean="0"/>
+                <a:t>2</a:t>
+              </a:r>
+            </a:p>
+            <a:p>
+              <a:pPr algn="ctr"/>
+              <a:r>
+                <a:rPr lang="en-US" sz="1400" dirty="0" smtClean="0"/>
+                <a:t>Mild </a:t>
+              </a:r>
+            </a:p>
+            <a:p>
+              <a:pPr algn="ctr"/>
+              <a:r>
+                <a:rPr lang="en-US" sz="1400" dirty="0" smtClean="0"/>
+                <a:t>CI</a:t>
+              </a:r>
+            </a:p>
+          </p:txBody>
+        </p:sp>
+        <p:sp>
+          <p:nvSpPr>
+            <p:cNvPr id="6" name="Rectangle 5"/>
+            <p:cNvSpPr/>
+            <p:nvPr/>
+          </p:nvSpPr>
+          <p:spPr>
+            <a:xfrm>
+              <a:off x="6281094" y="1811587"/>
+              <a:ext cx="1073889" cy="871870"/>
+            </a:xfrm>
+            <a:prstGeom prst="rect">
+              <a:avLst/>
+            </a:prstGeom>
+          </p:spPr>
+          <p:style>
+            <a:lnRef idx="2">
+              <a:schemeClr val="dk1"/>
+            </a:lnRef>
+            <a:fillRef idx="1">
+              <a:schemeClr val="lt1"/>
+            </a:fillRef>
+            <a:effectRef idx="0">
+              <a:schemeClr val="dk1"/>
+            </a:effectRef>
+            <a:fontRef idx="minor">
+              <a:schemeClr val="dk1"/>
+            </a:fontRef>
+          </p:style>
+          <p:txBody>
+            <a:bodyPr rtlCol="0" anchor="ctr"/>
+            <a:lstStyle/>
+            <a:p>
+              <a:pPr algn="ctr"/>
+              <a:r>
+                <a:rPr lang="en-US" sz="1400" dirty="0" smtClean="0"/>
+                <a:t>3</a:t>
+              </a:r>
+            </a:p>
+            <a:p>
+              <a:pPr algn="ctr"/>
+              <a:r>
+                <a:rPr lang="en-US" sz="1400" dirty="0" smtClean="0"/>
+                <a:t>Mod-</a:t>
+              </a:r>
+              <a:r>
+                <a:rPr lang="en-US" sz="1400" dirty="0" err="1" smtClean="0"/>
+                <a:t>Sev</a:t>
+              </a:r>
+              <a:r>
+                <a:rPr lang="en-US" sz="1400" dirty="0" smtClean="0"/>
+                <a:t>   CI</a:t>
+              </a:r>
+            </a:p>
+          </p:txBody>
+        </p:sp>
+        <p:sp>
+          <p:nvSpPr>
+            <p:cNvPr id="7" name="Rectangle 6"/>
+            <p:cNvSpPr/>
+            <p:nvPr/>
+          </p:nvSpPr>
+          <p:spPr>
+            <a:xfrm>
+              <a:off x="3448767" y="4108420"/>
+              <a:ext cx="1073889" cy="871870"/>
+            </a:xfrm>
+            <a:prstGeom prst="rect">
+              <a:avLst/>
+            </a:prstGeom>
+          </p:spPr>
+          <p:style>
+            <a:lnRef idx="2">
+              <a:schemeClr val="dk1"/>
+            </a:lnRef>
+            <a:fillRef idx="1">
+              <a:schemeClr val="lt1"/>
+            </a:fillRef>
+            <a:effectRef idx="0">
+              <a:schemeClr val="dk1"/>
+            </a:effectRef>
+            <a:fontRef idx="minor">
+              <a:schemeClr val="dk1"/>
+            </a:fontRef>
+          </p:style>
+          <p:txBody>
+            <a:bodyPr rtlCol="0" anchor="ctr"/>
+            <a:lstStyle/>
+            <a:p>
+              <a:pPr algn="ctr"/>
+              <a:r>
+                <a:rPr lang="en-US" dirty="0" smtClean="0"/>
+                <a:t>4</a:t>
+              </a:r>
+            </a:p>
+            <a:p>
+              <a:pPr algn="ctr"/>
+              <a:r>
+                <a:rPr lang="en-US" dirty="0" smtClean="0"/>
+                <a:t>Dead</a:t>
+              </a:r>
+            </a:p>
+          </p:txBody>
+        </p:sp>
+        <p:cxnSp>
+          <p:nvCxnSpPr>
+            <p:cNvPr id="11" name="Straight Arrow Connector 10"/>
+            <p:cNvCxnSpPr/>
+            <p:nvPr/>
+          </p:nvCxnSpPr>
+          <p:spPr>
+            <a:xfrm flipH="1">
+              <a:off x="1779456" y="2530849"/>
+              <a:ext cx="1669311" cy="0"/>
+            </a:xfrm>
+            <a:prstGeom prst="straightConnector1">
+              <a:avLst/>
+            </a:prstGeom>
+            <a:ln>
+              <a:tailEnd type="triangle"/>
+            </a:ln>
+          </p:spPr>
+          <p:style>
+            <a:lnRef idx="2">
+              <a:schemeClr val="dk1"/>
+            </a:lnRef>
+            <a:fillRef idx="0">
+              <a:schemeClr val="dk1"/>
+            </a:fillRef>
+            <a:effectRef idx="1">
+              <a:schemeClr val="dk1"/>
+            </a:effectRef>
+            <a:fontRef idx="minor">
+              <a:schemeClr val="tx1"/>
+            </a:fontRef>
+          </p:style>
+        </p:cxnSp>
+        <p:cxnSp>
+          <p:nvCxnSpPr>
+            <p:cNvPr id="14" name="Straight Arrow Connector 13"/>
+            <p:cNvCxnSpPr>
+              <a:stCxn id="4" idx="2"/>
+            </p:cNvCxnSpPr>
+            <p:nvPr/>
+          </p:nvCxnSpPr>
+          <p:spPr>
+            <a:xfrm>
+              <a:off x="1182782" y="2683457"/>
+              <a:ext cx="2414921" cy="1339591"/>
+            </a:xfrm>
+            <a:prstGeom prst="straightConnector1">
+              <a:avLst/>
+            </a:prstGeom>
+            <a:ln>
+              <a:tailEnd type="triangle"/>
+            </a:ln>
+          </p:spPr>
+          <p:style>
+            <a:lnRef idx="2">
+              <a:schemeClr val="dk1"/>
+            </a:lnRef>
+            <a:fillRef idx="0">
+              <a:schemeClr val="dk1"/>
+            </a:fillRef>
+            <a:effectRef idx="1">
+              <a:schemeClr val="dk1"/>
+            </a:effectRef>
+            <a:fontRef idx="minor">
+              <a:schemeClr val="tx1"/>
+            </a:fontRef>
+          </p:style>
+        </p:cxnSp>
+        <p:cxnSp>
+          <p:nvCxnSpPr>
+            <p:cNvPr id="16" name="Straight Arrow Connector 15"/>
+            <p:cNvCxnSpPr>
+              <a:stCxn id="5" idx="2"/>
+            </p:cNvCxnSpPr>
+            <p:nvPr/>
+          </p:nvCxnSpPr>
+          <p:spPr>
+            <a:xfrm flipH="1">
+              <a:off x="4000409" y="2683457"/>
+              <a:ext cx="1" cy="1339591"/>
+            </a:xfrm>
+            <a:prstGeom prst="straightConnector1">
+              <a:avLst/>
+            </a:prstGeom>
+            <a:ln>
+              <a:tailEnd type="triangle"/>
+            </a:ln>
+          </p:spPr>
+          <p:style>
+            <a:lnRef idx="2">
+              <a:schemeClr val="dk1"/>
+            </a:lnRef>
+            <a:fillRef idx="0">
+              <a:schemeClr val="dk1"/>
+            </a:fillRef>
+            <a:effectRef idx="1">
+              <a:schemeClr val="dk1"/>
+            </a:effectRef>
+            <a:fontRef idx="minor">
+              <a:schemeClr val="tx1"/>
+            </a:fontRef>
+          </p:style>
+        </p:cxnSp>
+        <p:cxnSp>
+          <p:nvCxnSpPr>
+            <p:cNvPr id="18" name="Straight Arrow Connector 17"/>
+            <p:cNvCxnSpPr>
+              <a:stCxn id="6" idx="2"/>
+            </p:cNvCxnSpPr>
+            <p:nvPr/>
+          </p:nvCxnSpPr>
+          <p:spPr>
+            <a:xfrm flipH="1">
+              <a:off x="4403116" y="2683457"/>
+              <a:ext cx="2414923" cy="1339591"/>
+            </a:xfrm>
+            <a:prstGeom prst="straightConnector1">
+              <a:avLst/>
+            </a:prstGeom>
+            <a:ln>
+              <a:tailEnd type="triangle"/>
+            </a:ln>
+          </p:spPr>
+          <p:style>
+            <a:lnRef idx="2">
+              <a:schemeClr val="dk1"/>
+            </a:lnRef>
+            <a:fillRef idx="0">
+              <a:schemeClr val="dk1"/>
+            </a:fillRef>
+            <a:effectRef idx="1">
+              <a:schemeClr val="dk1"/>
+            </a:effectRef>
+            <a:fontRef idx="minor">
+              <a:schemeClr val="tx1"/>
+            </a:fontRef>
+          </p:style>
+        </p:cxnSp>
+        <p:cxnSp>
+          <p:nvCxnSpPr>
+            <p:cNvPr id="25" name="Straight Arrow Connector 24"/>
+            <p:cNvCxnSpPr/>
+            <p:nvPr/>
+          </p:nvCxnSpPr>
+          <p:spPr>
+            <a:xfrm>
+              <a:off x="1719726" y="2006413"/>
+              <a:ext cx="1628345" cy="0"/>
+            </a:xfrm>
+            <a:prstGeom prst="straightConnector1">
+              <a:avLst/>
+            </a:prstGeom>
+            <a:ln>
+              <a:tailEnd type="triangle"/>
+            </a:ln>
+          </p:spPr>
+          <p:style>
+            <a:lnRef idx="2">
+              <a:schemeClr val="dk1"/>
+            </a:lnRef>
+            <a:fillRef idx="0">
+              <a:schemeClr val="dk1"/>
+            </a:fillRef>
+            <a:effectRef idx="1">
+              <a:schemeClr val="dk1"/>
+            </a:effectRef>
+            <a:fontRef idx="minor">
+              <a:schemeClr val="tx1"/>
+            </a:fontRef>
+          </p:style>
+        </p:cxnSp>
+        <p:cxnSp>
+          <p:nvCxnSpPr>
+            <p:cNvPr id="27" name="Straight Arrow Connector 26"/>
+            <p:cNvCxnSpPr/>
+            <p:nvPr/>
+          </p:nvCxnSpPr>
+          <p:spPr>
+            <a:xfrm>
+              <a:off x="4537354" y="1992966"/>
+              <a:ext cx="1648046" cy="0"/>
+            </a:xfrm>
+            <a:prstGeom prst="straightConnector1">
+              <a:avLst/>
+            </a:prstGeom>
+            <a:ln>
+              <a:tailEnd type="triangle"/>
+            </a:ln>
+          </p:spPr>
+          <p:style>
+            <a:lnRef idx="2">
+              <a:schemeClr val="dk1"/>
+            </a:lnRef>
+            <a:fillRef idx="0">
+              <a:schemeClr val="dk1"/>
+            </a:fillRef>
+            <a:effectRef idx="1">
+              <a:schemeClr val="dk1"/>
+            </a:effectRef>
+            <a:fontRef idx="minor">
+              <a:schemeClr val="tx1"/>
+            </a:fontRef>
+          </p:style>
+        </p:cxnSp>
+        <p:sp>
+          <p:nvSpPr>
+            <p:cNvPr id="32" name="TextBox 31"/>
+            <p:cNvSpPr txBox="1"/>
+            <p:nvPr/>
+          </p:nvSpPr>
+          <p:spPr>
+            <a:xfrm>
+              <a:off x="140238" y="1342819"/>
+              <a:ext cx="2030263" cy="470031"/>
+            </a:xfrm>
+            <a:prstGeom prst="rect">
+              <a:avLst/>
+            </a:prstGeom>
+            <a:noFill/>
+          </p:spPr>
+          <p:txBody>
+            <a:bodyPr wrap="square" rtlCol="0">
+              <a:spAutoFit/>
+            </a:bodyPr>
+            <a:lstStyle/>
+            <a:p>
+              <a:pPr algn="ctr"/>
+              <a:r>
+                <a:rPr lang="en-US" dirty="0" smtClean="0"/>
+                <a:t>MMSE: </a:t>
+              </a:r>
+              <a:r>
+                <a:rPr lang="en-US" dirty="0" smtClean="0"/>
+                <a:t>27-30</a:t>
+              </a:r>
+              <a:endParaRPr lang="en-US" dirty="0"/>
+            </a:p>
+          </p:txBody>
+        </p:sp>
+        <p:sp>
+          <p:nvSpPr>
+            <p:cNvPr id="33" name="TextBox 32"/>
+            <p:cNvSpPr txBox="1"/>
+            <p:nvPr/>
+          </p:nvSpPr>
+          <p:spPr>
+            <a:xfrm>
+              <a:off x="2957867" y="1334988"/>
+              <a:ext cx="2030263" cy="470031"/>
+            </a:xfrm>
+            <a:prstGeom prst="rect">
+              <a:avLst/>
+            </a:prstGeom>
+            <a:noFill/>
+          </p:spPr>
+          <p:txBody>
+            <a:bodyPr wrap="square" rtlCol="0">
+              <a:spAutoFit/>
+            </a:bodyPr>
+            <a:lstStyle/>
+            <a:p>
+              <a:pPr algn="ctr"/>
+              <a:r>
+                <a:rPr lang="en-US" dirty="0" smtClean="0"/>
+                <a:t>MMSE: 23-26</a:t>
+              </a:r>
+              <a:endParaRPr lang="en-US" dirty="0"/>
+            </a:p>
+          </p:txBody>
+        </p:sp>
+        <p:sp>
+          <p:nvSpPr>
+            <p:cNvPr id="34" name="TextBox 33"/>
+            <p:cNvSpPr txBox="1"/>
+            <p:nvPr/>
+          </p:nvSpPr>
+          <p:spPr>
+            <a:xfrm>
+              <a:off x="5728742" y="1334988"/>
+              <a:ext cx="2030263" cy="470031"/>
+            </a:xfrm>
+            <a:prstGeom prst="rect">
+              <a:avLst/>
+            </a:prstGeom>
+            <a:noFill/>
+          </p:spPr>
+          <p:txBody>
+            <a:bodyPr wrap="square" rtlCol="0">
+              <a:spAutoFit/>
+            </a:bodyPr>
+            <a:lstStyle/>
+            <a:p>
+              <a:pPr algn="ctr"/>
+              <a:r>
+                <a:rPr lang="en-US" dirty="0" smtClean="0"/>
+                <a:t>MMSE: 0-22</a:t>
+              </a:r>
+              <a:endParaRPr lang="en-US" dirty="0"/>
+            </a:p>
+          </p:txBody>
+        </p:sp>
+      </p:grpSp>
+      <p:sp>
+        <p:nvSpPr>
+          <p:cNvPr id="36" name="Rectangle 35"/>
+          <p:cNvSpPr/>
+          <p:nvPr/>
+        </p:nvSpPr>
+        <p:spPr>
+          <a:xfrm>
+            <a:off x="4281305" y="153001"/>
+            <a:ext cx="3099928" cy="707886"/>
+          </a:xfrm>
+          <a:prstGeom prst="rect">
+            <a:avLst/>
+          </a:prstGeom>
+        </p:spPr>
+        <p:txBody>
+          <a:bodyPr wrap="square">
+            <a:spAutoFit/>
+          </a:bodyPr>
+          <a:lstStyle/>
+          <a:p>
+            <a:pPr algn="ctr"/>
+            <a:r>
+              <a:rPr lang="en-US" sz="4000" dirty="0" smtClean="0"/>
+              <a:t>Model A</a:t>
+            </a:r>
+            <a:endParaRPr lang="en-US" sz="4000" dirty="0"/>
+          </a:p>
+        </p:txBody>
+      </p:sp>
+      <p:sp>
+        <p:nvSpPr>
+          <p:cNvPr id="10" name="TextBox 9"/>
+          <p:cNvSpPr txBox="1"/>
+          <p:nvPr/>
+        </p:nvSpPr>
+        <p:spPr>
+          <a:xfrm>
+            <a:off x="1436776" y="4618731"/>
+            <a:ext cx="5689058" cy="400110"/>
+          </a:xfrm>
+          <a:prstGeom prst="rect">
+            <a:avLst/>
+          </a:prstGeom>
+          <a:noFill/>
+        </p:spPr>
+        <p:txBody>
+          <a:bodyPr wrap="none" rtlCol="0">
+            <a:spAutoFit/>
+          </a:bodyPr>
+          <a:lstStyle/>
+          <a:p>
+            <a:r>
+              <a:rPr lang="en-US" sz="2000" dirty="0" smtClean="0"/>
+              <a:t>Sub-models </a:t>
+            </a:r>
+            <a:r>
+              <a:rPr lang="en-US" sz="2000" dirty="0" smtClean="0"/>
+              <a:t>are defined by covariates on transitions</a:t>
+            </a:r>
+            <a:endParaRPr lang="en-US" sz="2000" dirty="0"/>
+          </a:p>
+        </p:txBody>
+      </p:sp>
+      <p:sp>
+        <p:nvSpPr>
+          <p:cNvPr id="48" name="TextBox 47"/>
+          <p:cNvSpPr txBox="1"/>
+          <p:nvPr/>
+        </p:nvSpPr>
+        <p:spPr>
+          <a:xfrm>
+            <a:off x="2010471" y="5097175"/>
+            <a:ext cx="6516528" cy="923330"/>
+          </a:xfrm>
+          <a:prstGeom prst="rect">
+            <a:avLst/>
+          </a:prstGeom>
+          <a:noFill/>
+        </p:spPr>
+        <p:txBody>
+          <a:bodyPr wrap="none" rtlCol="0">
+            <a:spAutoFit/>
+          </a:bodyPr>
+          <a:lstStyle/>
+          <a:p>
+            <a:r>
+              <a:rPr lang="en-US" dirty="0" smtClean="0">
+                <a:latin typeface="Consolas" panose="020B0609020204030204" pitchFamily="49" charset="0"/>
+              </a:rPr>
+              <a:t>forward  ~ age + male + </a:t>
+            </a:r>
+            <a:r>
+              <a:rPr lang="en-US" dirty="0" err="1" smtClean="0">
+                <a:latin typeface="Consolas" panose="020B0609020204030204" pitchFamily="49" charset="0"/>
+              </a:rPr>
+              <a:t>edu</a:t>
+            </a:r>
+            <a:r>
+              <a:rPr lang="en-US" dirty="0" smtClean="0">
+                <a:latin typeface="Consolas" panose="020B0609020204030204" pitchFamily="49" charset="0"/>
+              </a:rPr>
+              <a:t> + height + </a:t>
+            </a:r>
+            <a:r>
+              <a:rPr lang="en-US" dirty="0" err="1" smtClean="0">
+                <a:latin typeface="Consolas" panose="020B0609020204030204" pitchFamily="49" charset="0"/>
+              </a:rPr>
+              <a:t>bmi</a:t>
+            </a:r>
+            <a:r>
+              <a:rPr lang="en-US" dirty="0" smtClean="0">
+                <a:latin typeface="Consolas" panose="020B0609020204030204" pitchFamily="49" charset="0"/>
+              </a:rPr>
+              <a:t> + gait </a:t>
+            </a:r>
+          </a:p>
+          <a:p>
+            <a:r>
+              <a:rPr lang="en-US" dirty="0" smtClean="0">
+                <a:latin typeface="Consolas" panose="020B0609020204030204" pitchFamily="49" charset="0"/>
+              </a:rPr>
+              <a:t>backward </a:t>
+            </a:r>
+            <a:r>
+              <a:rPr lang="en-US" dirty="0">
+                <a:latin typeface="Consolas" panose="020B0609020204030204" pitchFamily="49" charset="0"/>
+              </a:rPr>
+              <a:t>~ age + male + </a:t>
+            </a:r>
+            <a:r>
+              <a:rPr lang="en-US" dirty="0" err="1">
+                <a:latin typeface="Consolas" panose="020B0609020204030204" pitchFamily="49" charset="0"/>
+              </a:rPr>
+              <a:t>edu</a:t>
+            </a:r>
+            <a:r>
+              <a:rPr lang="en-US" dirty="0">
+                <a:latin typeface="Consolas" panose="020B0609020204030204" pitchFamily="49" charset="0"/>
+              </a:rPr>
+              <a:t> + </a:t>
+            </a:r>
+            <a:r>
+              <a:rPr lang="en-US" dirty="0" smtClean="0">
+                <a:latin typeface="Consolas" panose="020B0609020204030204" pitchFamily="49" charset="0"/>
+              </a:rPr>
+              <a:t>height </a:t>
+            </a:r>
+            <a:r>
+              <a:rPr lang="en-US" dirty="0">
+                <a:latin typeface="Consolas" panose="020B0609020204030204" pitchFamily="49" charset="0"/>
+              </a:rPr>
+              <a:t>+ </a:t>
+            </a:r>
+            <a:r>
+              <a:rPr lang="en-US" dirty="0" err="1" smtClean="0">
+                <a:latin typeface="Consolas" panose="020B0609020204030204" pitchFamily="49" charset="0"/>
+              </a:rPr>
+              <a:t>bmi</a:t>
+            </a:r>
+            <a:r>
+              <a:rPr lang="en-US" dirty="0" smtClean="0">
+                <a:latin typeface="Consolas" panose="020B0609020204030204" pitchFamily="49" charset="0"/>
+              </a:rPr>
+              <a:t> + gait</a:t>
+            </a:r>
+            <a:endParaRPr lang="en-US" dirty="0">
+              <a:latin typeface="Consolas" panose="020B0609020204030204" pitchFamily="49" charset="0"/>
+            </a:endParaRPr>
+          </a:p>
+          <a:p>
+            <a:r>
+              <a:rPr lang="en-US" dirty="0" smtClean="0">
+                <a:latin typeface="Consolas" panose="020B0609020204030204" pitchFamily="49" charset="0"/>
+              </a:rPr>
+              <a:t>dead     </a:t>
+            </a:r>
+            <a:r>
+              <a:rPr lang="en-US" dirty="0">
+                <a:latin typeface="Consolas" panose="020B0609020204030204" pitchFamily="49" charset="0"/>
+              </a:rPr>
+              <a:t>~ age + male + </a:t>
+            </a:r>
+            <a:r>
+              <a:rPr lang="en-US" dirty="0" err="1">
+                <a:latin typeface="Consolas" panose="020B0609020204030204" pitchFamily="49" charset="0"/>
+              </a:rPr>
+              <a:t>edu</a:t>
+            </a:r>
+            <a:r>
+              <a:rPr lang="en-US" dirty="0">
+                <a:latin typeface="Consolas" panose="020B0609020204030204" pitchFamily="49" charset="0"/>
+              </a:rPr>
+              <a:t> + </a:t>
+            </a:r>
+            <a:r>
+              <a:rPr lang="en-US" dirty="0" smtClean="0">
+                <a:latin typeface="Consolas" panose="020B0609020204030204" pitchFamily="49" charset="0"/>
+              </a:rPr>
+              <a:t>height </a:t>
+            </a:r>
+            <a:r>
+              <a:rPr lang="en-US" dirty="0">
+                <a:latin typeface="Consolas" panose="020B0609020204030204" pitchFamily="49" charset="0"/>
+              </a:rPr>
+              <a:t>+ </a:t>
+            </a:r>
+            <a:r>
+              <a:rPr lang="en-US" dirty="0" err="1" smtClean="0">
+                <a:latin typeface="Consolas" panose="020B0609020204030204" pitchFamily="49" charset="0"/>
+              </a:rPr>
+              <a:t>bmi</a:t>
+            </a:r>
+            <a:r>
+              <a:rPr lang="en-US" dirty="0" smtClean="0">
+                <a:latin typeface="Consolas" panose="020B0609020204030204" pitchFamily="49" charset="0"/>
+              </a:rPr>
+              <a:t> + </a:t>
+            </a:r>
+            <a:r>
+              <a:rPr lang="en-US" dirty="0" smtClean="0">
+                <a:latin typeface="Consolas" panose="020B0609020204030204" pitchFamily="49" charset="0"/>
+              </a:rPr>
+              <a:t>gait</a:t>
+            </a:r>
+            <a:endParaRPr lang="en-US" dirty="0">
+              <a:latin typeface="Consolas" panose="020B0609020204030204" pitchFamily="49" charset="0"/>
+            </a:endParaRPr>
+          </a:p>
+        </p:txBody>
+      </p:sp>
+      <p:grpSp>
+        <p:nvGrpSpPr>
+          <p:cNvPr id="12" name="Group 11"/>
+          <p:cNvGrpSpPr/>
+          <p:nvPr/>
+        </p:nvGrpSpPr>
+        <p:grpSpPr>
+          <a:xfrm>
+            <a:off x="-100054" y="871926"/>
+            <a:ext cx="5931323" cy="3551354"/>
+            <a:chOff x="168418" y="1980167"/>
+            <a:chExt cx="5931323" cy="3551354"/>
+          </a:xfrm>
+        </p:grpSpPr>
+        <p:grpSp>
+          <p:nvGrpSpPr>
+            <p:cNvPr id="8" name="Group 7"/>
+            <p:cNvGrpSpPr/>
+            <p:nvPr/>
+          </p:nvGrpSpPr>
+          <p:grpSpPr>
+            <a:xfrm>
+              <a:off x="168418" y="2386807"/>
+              <a:ext cx="5486001" cy="3144714"/>
+              <a:chOff x="5973224" y="3256224"/>
+              <a:chExt cx="5618700" cy="3220776"/>
+            </a:xfrm>
+          </p:grpSpPr>
+          <p:grpSp>
+            <p:nvGrpSpPr>
+              <p:cNvPr id="2" name="Group 1"/>
+              <p:cNvGrpSpPr/>
+              <p:nvPr/>
+            </p:nvGrpSpPr>
+            <p:grpSpPr>
+              <a:xfrm>
+                <a:off x="8201073" y="3353252"/>
+                <a:ext cx="3390851" cy="3123748"/>
+                <a:chOff x="7839124" y="2683457"/>
+                <a:chExt cx="3664632" cy="3657600"/>
+              </a:xfrm>
+              <a:solidFill>
+                <a:schemeClr val="bg1"/>
+              </a:solidFill>
+            </p:grpSpPr>
+            <p:sp>
+              <p:nvSpPr>
+                <p:cNvPr id="31" name="Rectangle 30"/>
+                <p:cNvSpPr/>
+                <p:nvPr/>
+              </p:nvSpPr>
+              <p:spPr>
+                <a:xfrm>
+                  <a:off x="10580018" y="4512257"/>
+                  <a:ext cx="923544" cy="914400"/>
+                </a:xfrm>
+                <a:prstGeom prst="rect">
+                  <a:avLst/>
+                </a:prstGeom>
+                <a:solidFill>
+                  <a:schemeClr val="tx1"/>
+                </a:solidFill>
+              </p:spPr>
+              <p:style>
+                <a:lnRef idx="2">
+                  <a:schemeClr val="dk1"/>
+                </a:lnRef>
+                <a:fillRef idx="1">
+                  <a:schemeClr val="lt1"/>
+                </a:fillRef>
+                <a:effectRef idx="0">
+                  <a:schemeClr val="dk1"/>
+                </a:effectRef>
+                <a:fontRef idx="minor">
+                  <a:schemeClr val="dk1"/>
+                </a:fontRef>
+              </p:style>
+              <p:txBody>
+                <a:bodyPr rtlCol="0" anchor="ctr"/>
+                <a:lstStyle/>
+                <a:p>
+                  <a:pPr algn="ctr"/>
+                  <a:r>
+                    <a:rPr lang="en-US" dirty="0" smtClean="0">
+                      <a:solidFill>
+                        <a:schemeClr val="bg1"/>
+                      </a:solidFill>
+                    </a:rPr>
+                    <a:t>3,4</a:t>
+                  </a:r>
+                  <a:endParaRPr lang="en-US" dirty="0">
+                    <a:solidFill>
+                      <a:schemeClr val="bg1"/>
+                    </a:solidFill>
+                  </a:endParaRPr>
+                </a:p>
+              </p:txBody>
+            </p:sp>
+            <p:sp>
+              <p:nvSpPr>
+                <p:cNvPr id="17" name="Rectangle 16"/>
+                <p:cNvSpPr/>
+                <p:nvPr/>
+              </p:nvSpPr>
+              <p:spPr>
+                <a:xfrm>
+                  <a:off x="7839318" y="2683457"/>
+                  <a:ext cx="916538" cy="914400"/>
+                </a:xfrm>
+                <a:prstGeom prst="rect">
+                  <a:avLst/>
+                </a:prstGeom>
+                <a:grpFill/>
+              </p:spPr>
+              <p:style>
+                <a:lnRef idx="2">
+                  <a:schemeClr val="dk1"/>
+                </a:lnRef>
+                <a:fillRef idx="1">
+                  <a:schemeClr val="lt1"/>
+                </a:fillRef>
+                <a:effectRef idx="0">
+                  <a:schemeClr val="dk1"/>
+                </a:effectRef>
+                <a:fontRef idx="minor">
+                  <a:schemeClr val="dk1"/>
+                </a:fontRef>
+              </p:style>
+              <p:txBody>
+                <a:bodyPr rtlCol="0" anchor="ctr"/>
+                <a:lstStyle/>
+                <a:p>
+                  <a:pPr algn="ctr"/>
+                  <a:r>
+                    <a:rPr lang="en-US" dirty="0" smtClean="0">
+                      <a:solidFill>
+                        <a:schemeClr val="tx1"/>
+                      </a:solidFill>
+                    </a:rPr>
+                    <a:t>1,1</a:t>
+                  </a:r>
+                  <a:endParaRPr lang="en-US" dirty="0">
+                    <a:solidFill>
+                      <a:schemeClr val="tx1"/>
+                    </a:solidFill>
+                  </a:endParaRPr>
+                </a:p>
+              </p:txBody>
+            </p:sp>
+            <p:sp>
+              <p:nvSpPr>
+                <p:cNvPr id="19" name="Rectangle 18"/>
+                <p:cNvSpPr/>
+                <p:nvPr/>
+              </p:nvSpPr>
+              <p:spPr>
+                <a:xfrm>
+                  <a:off x="8752949" y="2683457"/>
+                  <a:ext cx="913631" cy="914400"/>
+                </a:xfrm>
+                <a:prstGeom prst="rect">
+                  <a:avLst/>
+                </a:prstGeom>
+                <a:solidFill>
+                  <a:schemeClr val="tx1"/>
+                </a:solidFill>
+              </p:spPr>
+              <p:style>
+                <a:lnRef idx="2">
+                  <a:schemeClr val="dk1"/>
+                </a:lnRef>
+                <a:fillRef idx="1">
+                  <a:schemeClr val="lt1"/>
+                </a:fillRef>
+                <a:effectRef idx="0">
+                  <a:schemeClr val="dk1"/>
+                </a:effectRef>
+                <a:fontRef idx="minor">
+                  <a:schemeClr val="dk1"/>
+                </a:fontRef>
+              </p:style>
+              <p:txBody>
+                <a:bodyPr rtlCol="0" anchor="ctr"/>
+                <a:lstStyle/>
+                <a:p>
+                  <a:pPr algn="ctr"/>
+                  <a:r>
+                    <a:rPr lang="en-US" dirty="0" smtClean="0">
+                      <a:solidFill>
+                        <a:schemeClr val="bg1"/>
+                      </a:solidFill>
+                    </a:rPr>
+                    <a:t>1,2</a:t>
+                  </a:r>
+                  <a:endParaRPr lang="en-US" dirty="0">
+                    <a:solidFill>
+                      <a:schemeClr val="bg1"/>
+                    </a:solidFill>
+                  </a:endParaRPr>
+                </a:p>
+              </p:txBody>
+            </p:sp>
+            <p:sp>
+              <p:nvSpPr>
+                <p:cNvPr id="20" name="Rectangle 19"/>
+                <p:cNvSpPr/>
+                <p:nvPr/>
+              </p:nvSpPr>
+              <p:spPr>
+                <a:xfrm>
+                  <a:off x="9666580" y="2683457"/>
+                  <a:ext cx="913631" cy="914400"/>
+                </a:xfrm>
+                <a:prstGeom prst="rect">
+                  <a:avLst/>
+                </a:prstGeom>
+                <a:grpFill/>
+              </p:spPr>
+              <p:style>
+                <a:lnRef idx="2">
+                  <a:schemeClr val="dk1"/>
+                </a:lnRef>
+                <a:fillRef idx="1">
+                  <a:schemeClr val="lt1"/>
+                </a:fillRef>
+                <a:effectRef idx="0">
+                  <a:schemeClr val="dk1"/>
+                </a:effectRef>
+                <a:fontRef idx="minor">
+                  <a:schemeClr val="dk1"/>
+                </a:fontRef>
+              </p:style>
+              <p:txBody>
+                <a:bodyPr rtlCol="0" anchor="ctr"/>
+                <a:lstStyle/>
+                <a:p>
+                  <a:pPr algn="ctr"/>
+                  <a:r>
+                    <a:rPr lang="en-US" dirty="0" smtClean="0">
+                      <a:solidFill>
+                        <a:schemeClr val="tx1"/>
+                      </a:solidFill>
+                    </a:rPr>
+                    <a:t>1,3</a:t>
+                  </a:r>
+                  <a:endParaRPr lang="en-US" dirty="0">
+                    <a:solidFill>
+                      <a:schemeClr val="tx1"/>
+                    </a:solidFill>
+                  </a:endParaRPr>
+                </a:p>
+              </p:txBody>
+            </p:sp>
+            <p:sp>
+              <p:nvSpPr>
+                <p:cNvPr id="21" name="Rectangle 20"/>
+                <p:cNvSpPr/>
+                <p:nvPr/>
+              </p:nvSpPr>
+              <p:spPr>
+                <a:xfrm>
+                  <a:off x="10580212" y="2683457"/>
+                  <a:ext cx="923544" cy="914400"/>
+                </a:xfrm>
+                <a:prstGeom prst="rect">
+                  <a:avLst/>
+                </a:prstGeom>
+                <a:solidFill>
+                  <a:schemeClr val="tx1"/>
+                </a:solidFill>
+              </p:spPr>
+              <p:style>
+                <a:lnRef idx="2">
+                  <a:schemeClr val="dk1"/>
+                </a:lnRef>
+                <a:fillRef idx="1">
+                  <a:schemeClr val="lt1"/>
+                </a:fillRef>
+                <a:effectRef idx="0">
+                  <a:schemeClr val="dk1"/>
+                </a:effectRef>
+                <a:fontRef idx="minor">
+                  <a:schemeClr val="dk1"/>
+                </a:fontRef>
+              </p:style>
+              <p:txBody>
+                <a:bodyPr rtlCol="0" anchor="ctr"/>
+                <a:lstStyle/>
+                <a:p>
+                  <a:pPr algn="ctr"/>
+                  <a:r>
+                    <a:rPr lang="en-US" dirty="0" smtClean="0">
+                      <a:solidFill>
+                        <a:schemeClr val="bg1"/>
+                      </a:solidFill>
+                    </a:rPr>
+                    <a:t>1,4</a:t>
+                  </a:r>
+                  <a:endParaRPr lang="en-US" dirty="0">
+                    <a:solidFill>
+                      <a:schemeClr val="bg1"/>
+                    </a:solidFill>
+                  </a:endParaRPr>
+                </a:p>
+              </p:txBody>
+            </p:sp>
+            <p:sp>
+              <p:nvSpPr>
+                <p:cNvPr id="22" name="Rectangle 21"/>
+                <p:cNvSpPr/>
+                <p:nvPr/>
+              </p:nvSpPr>
+              <p:spPr>
+                <a:xfrm>
+                  <a:off x="7839124" y="3597857"/>
+                  <a:ext cx="916538" cy="914400"/>
+                </a:xfrm>
+                <a:prstGeom prst="rect">
+                  <a:avLst/>
+                </a:prstGeom>
+                <a:solidFill>
+                  <a:schemeClr val="tx1"/>
+                </a:solidFill>
+              </p:spPr>
+              <p:style>
+                <a:lnRef idx="2">
+                  <a:schemeClr val="dk1"/>
+                </a:lnRef>
+                <a:fillRef idx="1">
+                  <a:schemeClr val="lt1"/>
+                </a:fillRef>
+                <a:effectRef idx="0">
+                  <a:schemeClr val="dk1"/>
+                </a:effectRef>
+                <a:fontRef idx="minor">
+                  <a:schemeClr val="dk1"/>
+                </a:fontRef>
+              </p:style>
+              <p:txBody>
+                <a:bodyPr rtlCol="0" anchor="ctr"/>
+                <a:lstStyle/>
+                <a:p>
+                  <a:pPr algn="ctr"/>
+                  <a:r>
+                    <a:rPr lang="en-US" dirty="0" smtClean="0">
+                      <a:solidFill>
+                        <a:schemeClr val="bg1"/>
+                      </a:solidFill>
+                    </a:rPr>
+                    <a:t>2,1</a:t>
+                  </a:r>
+                  <a:endParaRPr lang="en-US" dirty="0">
+                    <a:solidFill>
+                      <a:schemeClr val="bg1"/>
+                    </a:solidFill>
+                  </a:endParaRPr>
+                </a:p>
+              </p:txBody>
+            </p:sp>
+            <p:sp>
+              <p:nvSpPr>
+                <p:cNvPr id="23" name="Rectangle 22"/>
+                <p:cNvSpPr/>
+                <p:nvPr/>
+              </p:nvSpPr>
+              <p:spPr>
+                <a:xfrm>
+                  <a:off x="8752755" y="3597857"/>
+                  <a:ext cx="913631" cy="914400"/>
+                </a:xfrm>
+                <a:prstGeom prst="rect">
+                  <a:avLst/>
+                </a:prstGeom>
+                <a:grpFill/>
+              </p:spPr>
+              <p:style>
+                <a:lnRef idx="2">
+                  <a:schemeClr val="dk1"/>
+                </a:lnRef>
+                <a:fillRef idx="1">
+                  <a:schemeClr val="lt1"/>
+                </a:fillRef>
+                <a:effectRef idx="0">
+                  <a:schemeClr val="dk1"/>
+                </a:effectRef>
+                <a:fontRef idx="minor">
+                  <a:schemeClr val="dk1"/>
+                </a:fontRef>
+              </p:style>
+              <p:txBody>
+                <a:bodyPr rtlCol="0" anchor="ctr"/>
+                <a:lstStyle/>
+                <a:p>
+                  <a:pPr algn="ctr"/>
+                  <a:r>
+                    <a:rPr lang="en-US" dirty="0" smtClean="0">
+                      <a:solidFill>
+                        <a:schemeClr val="tx1"/>
+                      </a:solidFill>
+                    </a:rPr>
+                    <a:t>2,2</a:t>
+                  </a:r>
+                  <a:endParaRPr lang="en-US" dirty="0">
+                    <a:solidFill>
+                      <a:schemeClr val="tx1"/>
+                    </a:solidFill>
+                  </a:endParaRPr>
+                </a:p>
+              </p:txBody>
+            </p:sp>
+            <p:sp>
+              <p:nvSpPr>
+                <p:cNvPr id="24" name="Rectangle 23"/>
+                <p:cNvSpPr/>
+                <p:nvPr/>
+              </p:nvSpPr>
+              <p:spPr>
+                <a:xfrm>
+                  <a:off x="9666386" y="3597857"/>
+                  <a:ext cx="913631" cy="914400"/>
+                </a:xfrm>
+                <a:prstGeom prst="rect">
+                  <a:avLst/>
+                </a:prstGeom>
+                <a:solidFill>
+                  <a:schemeClr val="bg2">
+                    <a:lumMod val="50000"/>
+                  </a:schemeClr>
+                </a:solidFill>
+              </p:spPr>
+              <p:style>
+                <a:lnRef idx="2">
+                  <a:schemeClr val="dk1"/>
+                </a:lnRef>
+                <a:fillRef idx="1">
+                  <a:schemeClr val="lt1"/>
+                </a:fillRef>
+                <a:effectRef idx="0">
+                  <a:schemeClr val="dk1"/>
+                </a:effectRef>
+                <a:fontRef idx="minor">
+                  <a:schemeClr val="dk1"/>
+                </a:fontRef>
+              </p:style>
+              <p:txBody>
+                <a:bodyPr rtlCol="0" anchor="ctr"/>
+                <a:lstStyle/>
+                <a:p>
+                  <a:pPr algn="ctr"/>
+                  <a:r>
+                    <a:rPr lang="en-US" dirty="0" smtClean="0">
+                      <a:solidFill>
+                        <a:schemeClr val="bg1"/>
+                      </a:solidFill>
+                    </a:rPr>
+                    <a:t>2,3</a:t>
+                  </a:r>
+                  <a:endParaRPr lang="en-US" dirty="0">
+                    <a:solidFill>
+                      <a:schemeClr val="bg1"/>
+                    </a:solidFill>
+                  </a:endParaRPr>
+                </a:p>
+              </p:txBody>
+            </p:sp>
+            <p:sp>
+              <p:nvSpPr>
+                <p:cNvPr id="26" name="Rectangle 25"/>
+                <p:cNvSpPr/>
+                <p:nvPr/>
+              </p:nvSpPr>
+              <p:spPr>
+                <a:xfrm>
+                  <a:off x="10580018" y="3597857"/>
+                  <a:ext cx="923544" cy="914400"/>
+                </a:xfrm>
+                <a:prstGeom prst="rect">
+                  <a:avLst/>
+                </a:prstGeom>
+                <a:solidFill>
+                  <a:schemeClr val="tx1"/>
+                </a:solidFill>
+                <a:ln>
+                  <a:solidFill>
+                    <a:schemeClr val="bg1"/>
+                  </a:solidFill>
+                </a:ln>
+              </p:spPr>
+              <p:style>
+                <a:lnRef idx="2">
+                  <a:schemeClr val="dk1"/>
+                </a:lnRef>
+                <a:fillRef idx="1">
+                  <a:schemeClr val="lt1"/>
+                </a:fillRef>
+                <a:effectRef idx="0">
+                  <a:schemeClr val="dk1"/>
+                </a:effectRef>
+                <a:fontRef idx="minor">
+                  <a:schemeClr val="dk1"/>
+                </a:fontRef>
+              </p:style>
+              <p:txBody>
+                <a:bodyPr rtlCol="0" anchor="ctr"/>
+                <a:lstStyle/>
+                <a:p>
+                  <a:pPr algn="ctr"/>
+                  <a:r>
+                    <a:rPr lang="en-US" dirty="0" smtClean="0">
+                      <a:solidFill>
+                        <a:schemeClr val="bg1"/>
+                      </a:solidFill>
+                    </a:rPr>
+                    <a:t>2,4</a:t>
+                  </a:r>
+                  <a:endParaRPr lang="en-US" dirty="0">
+                    <a:solidFill>
+                      <a:schemeClr val="bg1"/>
+                    </a:solidFill>
+                  </a:endParaRPr>
+                </a:p>
+              </p:txBody>
+            </p:sp>
+            <p:sp>
+              <p:nvSpPr>
+                <p:cNvPr id="28" name="Rectangle 27"/>
+                <p:cNvSpPr/>
+                <p:nvPr/>
+              </p:nvSpPr>
+              <p:spPr>
+                <a:xfrm>
+                  <a:off x="7839124" y="4512257"/>
+                  <a:ext cx="916538" cy="914400"/>
+                </a:xfrm>
+                <a:prstGeom prst="rect">
+                  <a:avLst/>
+                </a:prstGeom>
+                <a:grpFill/>
+              </p:spPr>
+              <p:style>
+                <a:lnRef idx="2">
+                  <a:schemeClr val="dk1"/>
+                </a:lnRef>
+                <a:fillRef idx="1">
+                  <a:schemeClr val="lt1"/>
+                </a:fillRef>
+                <a:effectRef idx="0">
+                  <a:schemeClr val="dk1"/>
+                </a:effectRef>
+                <a:fontRef idx="minor">
+                  <a:schemeClr val="dk1"/>
+                </a:fontRef>
+              </p:style>
+              <p:txBody>
+                <a:bodyPr rtlCol="0" anchor="ctr"/>
+                <a:lstStyle/>
+                <a:p>
+                  <a:pPr algn="ctr"/>
+                  <a:r>
+                    <a:rPr lang="en-US" dirty="0" smtClean="0">
+                      <a:solidFill>
+                        <a:schemeClr val="tx1"/>
+                      </a:solidFill>
+                    </a:rPr>
+                    <a:t>3,1</a:t>
+                  </a:r>
+                  <a:endParaRPr lang="en-US" dirty="0">
+                    <a:solidFill>
+                      <a:schemeClr val="tx1"/>
+                    </a:solidFill>
+                  </a:endParaRPr>
+                </a:p>
+              </p:txBody>
+            </p:sp>
+            <p:sp>
+              <p:nvSpPr>
+                <p:cNvPr id="29" name="Rectangle 28"/>
+                <p:cNvSpPr/>
+                <p:nvPr/>
+              </p:nvSpPr>
+              <p:spPr>
+                <a:xfrm>
+                  <a:off x="8752755" y="4512257"/>
+                  <a:ext cx="913631" cy="914400"/>
+                </a:xfrm>
+                <a:prstGeom prst="rect">
+                  <a:avLst/>
+                </a:prstGeom>
+                <a:grpFill/>
+              </p:spPr>
+              <p:style>
+                <a:lnRef idx="2">
+                  <a:schemeClr val="dk1"/>
+                </a:lnRef>
+                <a:fillRef idx="1">
+                  <a:schemeClr val="lt1"/>
+                </a:fillRef>
+                <a:effectRef idx="0">
+                  <a:schemeClr val="dk1"/>
+                </a:effectRef>
+                <a:fontRef idx="minor">
+                  <a:schemeClr val="dk1"/>
+                </a:fontRef>
+              </p:style>
+              <p:txBody>
+                <a:bodyPr rtlCol="0" anchor="ctr"/>
+                <a:lstStyle/>
+                <a:p>
+                  <a:pPr algn="ctr"/>
+                  <a:r>
+                    <a:rPr lang="en-US" dirty="0" smtClean="0">
+                      <a:solidFill>
+                        <a:schemeClr val="tx1"/>
+                      </a:solidFill>
+                    </a:rPr>
+                    <a:t>3,2</a:t>
+                  </a:r>
+                  <a:endParaRPr lang="en-US" dirty="0">
+                    <a:solidFill>
+                      <a:schemeClr val="tx1"/>
+                    </a:solidFill>
+                  </a:endParaRPr>
+                </a:p>
+              </p:txBody>
+            </p:sp>
+            <p:sp>
+              <p:nvSpPr>
+                <p:cNvPr id="30" name="Rectangle 29"/>
+                <p:cNvSpPr/>
+                <p:nvPr/>
+              </p:nvSpPr>
+              <p:spPr>
+                <a:xfrm>
+                  <a:off x="9666386" y="4512257"/>
+                  <a:ext cx="913631" cy="914400"/>
+                </a:xfrm>
+                <a:prstGeom prst="rect">
+                  <a:avLst/>
+                </a:prstGeom>
+                <a:grpFill/>
+              </p:spPr>
+              <p:style>
+                <a:lnRef idx="2">
+                  <a:schemeClr val="dk1"/>
+                </a:lnRef>
+                <a:fillRef idx="1">
+                  <a:schemeClr val="lt1"/>
+                </a:fillRef>
+                <a:effectRef idx="0">
+                  <a:schemeClr val="dk1"/>
+                </a:effectRef>
+                <a:fontRef idx="minor">
+                  <a:schemeClr val="dk1"/>
+                </a:fontRef>
+              </p:style>
+              <p:txBody>
+                <a:bodyPr rtlCol="0" anchor="ctr"/>
+                <a:lstStyle/>
+                <a:p>
+                  <a:pPr algn="ctr"/>
+                  <a:r>
+                    <a:rPr lang="en-US" dirty="0" smtClean="0">
+                      <a:solidFill>
+                        <a:schemeClr val="tx1"/>
+                      </a:solidFill>
+                    </a:rPr>
+                    <a:t>3,3</a:t>
+                  </a:r>
+                  <a:endParaRPr lang="en-US" dirty="0">
+                    <a:solidFill>
+                      <a:schemeClr val="tx1"/>
+                    </a:solidFill>
+                  </a:endParaRPr>
+                </a:p>
+              </p:txBody>
+            </p:sp>
+            <p:sp>
+              <p:nvSpPr>
+                <p:cNvPr id="35" name="Rectangle 34"/>
+                <p:cNvSpPr/>
+                <p:nvPr/>
+              </p:nvSpPr>
+              <p:spPr>
+                <a:xfrm>
+                  <a:off x="7839124" y="5426657"/>
+                  <a:ext cx="916538" cy="914400"/>
+                </a:xfrm>
+                <a:prstGeom prst="rect">
+                  <a:avLst/>
+                </a:prstGeom>
+                <a:grpFill/>
+              </p:spPr>
+              <p:style>
+                <a:lnRef idx="2">
+                  <a:schemeClr val="dk1"/>
+                </a:lnRef>
+                <a:fillRef idx="1">
+                  <a:schemeClr val="lt1"/>
+                </a:fillRef>
+                <a:effectRef idx="0">
+                  <a:schemeClr val="dk1"/>
+                </a:effectRef>
+                <a:fontRef idx="minor">
+                  <a:schemeClr val="dk1"/>
+                </a:fontRef>
+              </p:style>
+              <p:txBody>
+                <a:bodyPr rtlCol="0" anchor="ctr"/>
+                <a:lstStyle/>
+                <a:p>
+                  <a:pPr algn="ctr"/>
+                  <a:r>
+                    <a:rPr lang="en-US" dirty="0" smtClean="0">
+                      <a:solidFill>
+                        <a:schemeClr val="tx1"/>
+                      </a:solidFill>
+                    </a:rPr>
+                    <a:t>4,1</a:t>
+                  </a:r>
+                  <a:endParaRPr lang="en-US" dirty="0">
+                    <a:solidFill>
+                      <a:schemeClr val="tx1"/>
+                    </a:solidFill>
+                  </a:endParaRPr>
+                </a:p>
+              </p:txBody>
+            </p:sp>
+            <p:sp>
+              <p:nvSpPr>
+                <p:cNvPr id="37" name="Rectangle 36"/>
+                <p:cNvSpPr/>
+                <p:nvPr/>
+              </p:nvSpPr>
+              <p:spPr>
+                <a:xfrm>
+                  <a:off x="8752755" y="5426657"/>
+                  <a:ext cx="913631" cy="914400"/>
+                </a:xfrm>
+                <a:prstGeom prst="rect">
+                  <a:avLst/>
+                </a:prstGeom>
+                <a:grpFill/>
+              </p:spPr>
+              <p:style>
+                <a:lnRef idx="2">
+                  <a:schemeClr val="dk1"/>
+                </a:lnRef>
+                <a:fillRef idx="1">
+                  <a:schemeClr val="lt1"/>
+                </a:fillRef>
+                <a:effectRef idx="0">
+                  <a:schemeClr val="dk1"/>
+                </a:effectRef>
+                <a:fontRef idx="minor">
+                  <a:schemeClr val="dk1"/>
+                </a:fontRef>
+              </p:style>
+              <p:txBody>
+                <a:bodyPr rtlCol="0" anchor="ctr"/>
+                <a:lstStyle/>
+                <a:p>
+                  <a:pPr algn="ctr"/>
+                  <a:r>
+                    <a:rPr lang="en-US" dirty="0" smtClean="0">
+                      <a:solidFill>
+                        <a:schemeClr val="tx1"/>
+                      </a:solidFill>
+                    </a:rPr>
+                    <a:t>4,2</a:t>
+                  </a:r>
+                  <a:endParaRPr lang="en-US" dirty="0">
+                    <a:solidFill>
+                      <a:schemeClr val="tx1"/>
+                    </a:solidFill>
+                  </a:endParaRPr>
+                </a:p>
+              </p:txBody>
+            </p:sp>
+            <p:sp>
+              <p:nvSpPr>
+                <p:cNvPr id="38" name="Rectangle 37"/>
+                <p:cNvSpPr/>
+                <p:nvPr/>
+              </p:nvSpPr>
+              <p:spPr>
+                <a:xfrm>
+                  <a:off x="9666386" y="5426657"/>
+                  <a:ext cx="913631" cy="914400"/>
+                </a:xfrm>
+                <a:prstGeom prst="rect">
+                  <a:avLst/>
+                </a:prstGeom>
+                <a:grpFill/>
+              </p:spPr>
+              <p:style>
+                <a:lnRef idx="2">
+                  <a:schemeClr val="dk1"/>
+                </a:lnRef>
+                <a:fillRef idx="1">
+                  <a:schemeClr val="lt1"/>
+                </a:fillRef>
+                <a:effectRef idx="0">
+                  <a:schemeClr val="dk1"/>
+                </a:effectRef>
+                <a:fontRef idx="minor">
+                  <a:schemeClr val="dk1"/>
+                </a:fontRef>
+              </p:style>
+              <p:txBody>
+                <a:bodyPr rtlCol="0" anchor="ctr"/>
+                <a:lstStyle/>
+                <a:p>
+                  <a:pPr algn="ctr"/>
+                  <a:r>
+                    <a:rPr lang="en-US" dirty="0" smtClean="0">
+                      <a:solidFill>
+                        <a:schemeClr val="tx1"/>
+                      </a:solidFill>
+                    </a:rPr>
+                    <a:t>4,3</a:t>
+                  </a:r>
+                  <a:endParaRPr lang="en-US" dirty="0">
+                    <a:solidFill>
+                      <a:schemeClr val="tx1"/>
+                    </a:solidFill>
+                  </a:endParaRPr>
+                </a:p>
+              </p:txBody>
+            </p:sp>
+            <p:sp>
+              <p:nvSpPr>
+                <p:cNvPr id="39" name="Rectangle 38"/>
+                <p:cNvSpPr/>
+                <p:nvPr/>
+              </p:nvSpPr>
+              <p:spPr>
+                <a:xfrm>
+                  <a:off x="10580018" y="5426657"/>
+                  <a:ext cx="923544" cy="914400"/>
+                </a:xfrm>
+                <a:prstGeom prst="rect">
+                  <a:avLst/>
+                </a:prstGeom>
+                <a:grpFill/>
+              </p:spPr>
+              <p:style>
+                <a:lnRef idx="2">
+                  <a:schemeClr val="dk1"/>
+                </a:lnRef>
+                <a:fillRef idx="1">
+                  <a:schemeClr val="lt1"/>
+                </a:fillRef>
+                <a:effectRef idx="0">
+                  <a:schemeClr val="dk1"/>
+                </a:effectRef>
+                <a:fontRef idx="minor">
+                  <a:schemeClr val="dk1"/>
+                </a:fontRef>
+              </p:style>
+              <p:txBody>
+                <a:bodyPr rtlCol="0" anchor="ctr"/>
+                <a:lstStyle/>
+                <a:p>
+                  <a:pPr algn="ctr"/>
+                  <a:r>
+                    <a:rPr lang="en-US" dirty="0" smtClean="0">
+                      <a:solidFill>
+                        <a:schemeClr val="tx1"/>
+                      </a:solidFill>
+                    </a:rPr>
+                    <a:t>4,4</a:t>
+                  </a:r>
+                  <a:endParaRPr lang="en-US" dirty="0">
+                    <a:solidFill>
+                      <a:schemeClr val="tx1"/>
+                    </a:solidFill>
+                  </a:endParaRPr>
+                </a:p>
+              </p:txBody>
+            </p:sp>
+          </p:grpSp>
+          <p:sp>
+            <p:nvSpPr>
+              <p:cNvPr id="43" name="TextBox 42"/>
+              <p:cNvSpPr txBox="1"/>
+              <p:nvPr/>
+            </p:nvSpPr>
+            <p:spPr>
+              <a:xfrm rot="16200000">
+                <a:off x="6571675" y="4346363"/>
+                <a:ext cx="2580387" cy="400110"/>
+              </a:xfrm>
+              <a:prstGeom prst="rect">
+                <a:avLst/>
+              </a:prstGeom>
+              <a:noFill/>
+            </p:spPr>
+            <p:txBody>
+              <a:bodyPr wrap="square" rtlCol="0">
+                <a:spAutoFit/>
+              </a:bodyPr>
+              <a:lstStyle/>
+              <a:p>
+                <a:pPr algn="ctr"/>
+                <a:r>
+                  <a:rPr lang="en-US" sz="2000" dirty="0" smtClean="0"/>
+                  <a:t>Cognitive Impairment </a:t>
+                </a:r>
+                <a:endParaRPr lang="en-US" sz="2000" dirty="0"/>
+              </a:p>
+            </p:txBody>
+          </p:sp>
+          <p:sp>
+            <p:nvSpPr>
+              <p:cNvPr id="44" name="TextBox 43"/>
+              <p:cNvSpPr txBox="1"/>
+              <p:nvPr/>
+            </p:nvSpPr>
+            <p:spPr>
+              <a:xfrm>
+                <a:off x="6814980" y="3586763"/>
+                <a:ext cx="828898" cy="315221"/>
+              </a:xfrm>
+              <a:prstGeom prst="rect">
+                <a:avLst/>
+              </a:prstGeom>
+              <a:noFill/>
+            </p:spPr>
+            <p:txBody>
+              <a:bodyPr wrap="square" rtlCol="0">
+                <a:spAutoFit/>
+              </a:bodyPr>
+              <a:lstStyle/>
+              <a:p>
+                <a:pPr algn="r"/>
+                <a:r>
+                  <a:rPr lang="en-US" sz="1400" dirty="0" smtClean="0"/>
+                  <a:t>No</a:t>
+                </a:r>
+                <a:endParaRPr lang="en-US" sz="1400" dirty="0"/>
+              </a:p>
+            </p:txBody>
+          </p:sp>
+          <p:sp>
+            <p:nvSpPr>
+              <p:cNvPr id="45" name="TextBox 44"/>
+              <p:cNvSpPr txBox="1"/>
+              <p:nvPr/>
+            </p:nvSpPr>
+            <p:spPr>
+              <a:xfrm>
+                <a:off x="6786894" y="4359347"/>
+                <a:ext cx="845375" cy="307777"/>
+              </a:xfrm>
+              <a:prstGeom prst="rect">
+                <a:avLst/>
+              </a:prstGeom>
+              <a:noFill/>
+            </p:spPr>
+            <p:txBody>
+              <a:bodyPr wrap="square" rtlCol="0">
+                <a:spAutoFit/>
+              </a:bodyPr>
+              <a:lstStyle/>
+              <a:p>
+                <a:pPr algn="r"/>
+                <a:r>
+                  <a:rPr lang="en-US" sz="1400" dirty="0" smtClean="0"/>
+                  <a:t>Mild</a:t>
+                </a:r>
+                <a:endParaRPr lang="en-US" sz="1400" dirty="0"/>
+              </a:p>
+            </p:txBody>
+          </p:sp>
+          <p:sp>
+            <p:nvSpPr>
+              <p:cNvPr id="46" name="TextBox 45"/>
+              <p:cNvSpPr txBox="1"/>
+              <p:nvPr/>
+            </p:nvSpPr>
+            <p:spPr>
+              <a:xfrm>
+                <a:off x="5973224" y="4997916"/>
+                <a:ext cx="1683328" cy="756530"/>
+              </a:xfrm>
+              <a:prstGeom prst="rect">
+                <a:avLst/>
+              </a:prstGeom>
+              <a:noFill/>
+            </p:spPr>
+            <p:txBody>
+              <a:bodyPr wrap="square" rtlCol="0">
+                <a:spAutoFit/>
+              </a:bodyPr>
+              <a:lstStyle/>
+              <a:p>
+                <a:pPr algn="r"/>
+                <a:r>
+                  <a:rPr lang="en-US" sz="1400" dirty="0" smtClean="0"/>
+                  <a:t>Moderate </a:t>
+                </a:r>
+                <a:endParaRPr lang="en-US" sz="1400" dirty="0" smtClean="0"/>
+              </a:p>
+              <a:p>
+                <a:pPr algn="r"/>
+                <a:r>
+                  <a:rPr lang="en-US" sz="1400" dirty="0" smtClean="0"/>
+                  <a:t>to</a:t>
+                </a:r>
+              </a:p>
+              <a:p>
+                <a:pPr algn="r"/>
+                <a:r>
+                  <a:rPr lang="en-US" sz="1400" dirty="0" smtClean="0"/>
+                  <a:t>Severe</a:t>
+                </a:r>
+                <a:endParaRPr lang="en-US" sz="1400" dirty="0"/>
+              </a:p>
+            </p:txBody>
+          </p:sp>
+          <p:sp>
+            <p:nvSpPr>
+              <p:cNvPr id="47" name="TextBox 46"/>
+              <p:cNvSpPr txBox="1"/>
+              <p:nvPr/>
+            </p:nvSpPr>
+            <p:spPr>
+              <a:xfrm>
+                <a:off x="7358388" y="5932642"/>
+                <a:ext cx="845375" cy="307777"/>
+              </a:xfrm>
+              <a:prstGeom prst="rect">
+                <a:avLst/>
+              </a:prstGeom>
+              <a:noFill/>
+            </p:spPr>
+            <p:txBody>
+              <a:bodyPr wrap="square" rtlCol="0">
+                <a:spAutoFit/>
+              </a:bodyPr>
+              <a:lstStyle/>
+              <a:p>
+                <a:pPr algn="r"/>
+                <a:r>
+                  <a:rPr lang="en-US" sz="1400" dirty="0" smtClean="0"/>
+                  <a:t>Dead</a:t>
+                </a:r>
+                <a:endParaRPr lang="en-US" sz="1400" dirty="0"/>
+              </a:p>
+            </p:txBody>
+          </p:sp>
+        </p:grpSp>
+        <p:sp>
+          <p:nvSpPr>
+            <p:cNvPr id="50" name="TextBox 49"/>
+            <p:cNvSpPr txBox="1"/>
+            <p:nvPr/>
+          </p:nvSpPr>
+          <p:spPr>
+            <a:xfrm>
+              <a:off x="1850213" y="1980167"/>
+              <a:ext cx="4249528" cy="400110"/>
+            </a:xfrm>
+            <a:prstGeom prst="rect">
+              <a:avLst/>
+            </a:prstGeom>
+            <a:noFill/>
+          </p:spPr>
+          <p:txBody>
+            <a:bodyPr wrap="square" rtlCol="0">
+              <a:spAutoFit/>
+            </a:bodyPr>
+            <a:lstStyle/>
+            <a:p>
+              <a:pPr algn="ctr"/>
+              <a:r>
+                <a:rPr lang="en-US" sz="2000" dirty="0" smtClean="0"/>
+                <a:t>Matrix of states and transitions</a:t>
+              </a:r>
+              <a:endParaRPr lang="en-US" sz="2000" dirty="0"/>
+            </a:p>
+          </p:txBody>
+        </p:sp>
+      </p:grpSp>
+      <p:sp>
+        <p:nvSpPr>
+          <p:cNvPr id="51" name="Rectangle 50"/>
+          <p:cNvSpPr/>
+          <p:nvPr/>
+        </p:nvSpPr>
+        <p:spPr>
+          <a:xfrm>
+            <a:off x="745306" y="5167498"/>
+            <a:ext cx="1265165" cy="707886"/>
+          </a:xfrm>
+          <a:prstGeom prst="rect">
+            <a:avLst/>
+          </a:prstGeom>
+        </p:spPr>
+        <p:txBody>
+          <a:bodyPr wrap="square">
+            <a:spAutoFit/>
+          </a:bodyPr>
+          <a:lstStyle/>
+          <a:p>
+            <a:pPr algn="ctr"/>
+            <a:r>
+              <a:rPr lang="en-US" sz="4000" dirty="0" smtClean="0"/>
+              <a:t>A1:</a:t>
+            </a:r>
+            <a:endParaRPr lang="en-US" sz="4000" dirty="0"/>
+          </a:p>
+        </p:txBody>
+      </p:sp>
+    </p:spTree>
+    <p:extLst>
+      <p:ext uri="{BB962C8B-B14F-4D97-AF65-F5344CB8AC3E}">
+        <p14:creationId xmlns:p14="http://schemas.microsoft.com/office/powerpoint/2010/main" val="3075147072"/>
+      </p:ext>
+    </p:extLst>
+  </p:cSld>
+  <p:clrMapOvr>
+    <a:masterClrMapping/>
+  </p:clrMapOvr>
+  <p:timing>
+    <p:tnLst>
+      <p:par>
+        <p:cTn id="1" dur="indefinite" restart="never" nodeType="tmRoot"/>
+      </p:par>
+    </p:tnLst>
+  </p:timing>
+</p:sld>
+</file>
+
+<file path=ppt/slides/slide4.xml><?xml version="1.0" encoding="utf-8"?>
 <p:sld xmlns:a="http://schemas.openxmlformats.org/drawingml/2006/main" xmlns:r="http://schemas.openxmlformats.org/officeDocument/2006/relationships" xmlns:p="http://schemas.openxmlformats.org/presentationml/2006/main">
   <p:cSld>
     <p:spTree>
@@ -5950,7 +7859,7 @@
 </p:sld>
 </file>
 
-<file path=ppt/slides/slide4.xml><?xml version="1.0" encoding="utf-8"?>
+<file path=ppt/slides/slide5.xml><?xml version="1.0" encoding="utf-8"?>
 <p:sld xmlns:a="http://schemas.openxmlformats.org/drawingml/2006/main" xmlns:r="http://schemas.openxmlformats.org/officeDocument/2006/relationships" xmlns:p="http://schemas.openxmlformats.org/presentationml/2006/main">
   <p:cSld>
     <p:spTree>
@@ -6018,7 +7927,7 @@
 </p:sld>
 </file>
 
-<file path=ppt/slides/slide5.xml><?xml version="1.0" encoding="utf-8"?>
+<file path=ppt/slides/slide6.xml><?xml version="1.0" encoding="utf-8"?>
 <p:sld xmlns:a="http://schemas.openxmlformats.org/drawingml/2006/main" xmlns:r="http://schemas.openxmlformats.org/officeDocument/2006/relationships" xmlns:p="http://schemas.openxmlformats.org/presentationml/2006/main">
   <p:cSld>
     <p:spTree>

--- a/libs/materials/ppt/image-support.pptx
+++ b/libs/materials/ppt/image-support.pptx
@@ -11,6 +11,9 @@
     <p:sldId id="262" r:id="rId5"/>
     <p:sldId id="261" r:id="rId6"/>
     <p:sldId id="257" r:id="rId7"/>
+    <p:sldId id="264" r:id="rId8"/>
+    <p:sldId id="265" r:id="rId9"/>
+    <p:sldId id="267" r:id="rId10"/>
   </p:sldIdLst>
   <p:sldSz cx="12192000" cy="6858000"/>
   <p:notesSz cx="6858000" cy="9144000"/>
@@ -110,11 +113,4710 @@
     </a:lvl9pPr>
   </p:defaultTextStyle>
   <p:extLst>
+    <p:ext uri="{521415D9-36F7-43E2-AB2F-B90AF26B5E84}">
+      <p14:sectionLst xmlns:p14="http://schemas.microsoft.com/office/powerpoint/2010/main">
+        <p14:section name="Default Section" id="{5D3790E9-747F-4B1F-89B6-8EBC1DA70880}">
+          <p14:sldIdLst>
+            <p14:sldId id="256"/>
+            <p14:sldId id="260"/>
+            <p14:sldId id="263"/>
+            <p14:sldId id="262"/>
+            <p14:sldId id="261"/>
+            <p14:sldId id="257"/>
+          </p14:sldIdLst>
+        </p14:section>
+        <p14:section name="Project Plan" id="{9DF662AC-3840-4ADC-8711-FD790F2DE1F7}">
+          <p14:sldIdLst>
+            <p14:sldId id="264"/>
+            <p14:sldId id="265"/>
+            <p14:sldId id="267"/>
+          </p14:sldIdLst>
+        </p14:section>
+      </p14:sectionLst>
+    </p:ext>
     <p:ext uri="{EFAFB233-063F-42B5-8137-9DF3F51BA10A}">
       <p15:sldGuideLst xmlns:p15="http://schemas.microsoft.com/office/powerpoint/2012/main"/>
     </p:ext>
   </p:extLst>
 </p:presentation>
+</file>
+
+<file path=ppt/diagrams/colors1.xml><?xml version="1.0" encoding="utf-8"?>
+<dgm:colorsDef xmlns:dgm="http://schemas.openxmlformats.org/drawingml/2006/diagram" xmlns:a="http://schemas.openxmlformats.org/drawingml/2006/main" uniqueId="urn:microsoft.com/office/officeart/2005/8/colors/accent1_2">
+  <dgm:title val=""/>
+  <dgm:desc val=""/>
+  <dgm:catLst>
+    <dgm:cat type="accent1" pri="11200"/>
+  </dgm:catLst>
+  <dgm:styleLbl name="node0">
+    <dgm:fillClrLst meth="repeat">
+      <a:schemeClr val="accent1"/>
+    </dgm:fillClrLst>
+    <dgm:linClrLst meth="repeat">
+      <a:schemeClr val="lt1"/>
+    </dgm:linClrLst>
+    <dgm:effectClrLst/>
+    <dgm:txLinClrLst/>
+    <dgm:txFillClrLst/>
+    <dgm:txEffectClrLst/>
+  </dgm:styleLbl>
+  <dgm:styleLbl name="alignNode1">
+    <dgm:fillClrLst meth="repeat">
+      <a:schemeClr val="accent1"/>
+    </dgm:fillClrLst>
+    <dgm:linClrLst meth="repeat">
+      <a:schemeClr val="accent1"/>
+    </dgm:linClrLst>
+    <dgm:effectClrLst/>
+    <dgm:txLinClrLst/>
+    <dgm:txFillClrLst/>
+    <dgm:txEffectClrLst/>
+  </dgm:styleLbl>
+  <dgm:styleLbl name="node1">
+    <dgm:fillClrLst meth="repeat">
+      <a:schemeClr val="accent1"/>
+    </dgm:fillClrLst>
+    <dgm:linClrLst meth="repeat">
+      <a:schemeClr val="lt1"/>
+    </dgm:linClrLst>
+    <dgm:effectClrLst/>
+    <dgm:txLinClrLst/>
+    <dgm:txFillClrLst/>
+    <dgm:txEffectClrLst/>
+  </dgm:styleLbl>
+  <dgm:styleLbl name="lnNode1">
+    <dgm:fillClrLst meth="repeat">
+      <a:schemeClr val="accent1"/>
+    </dgm:fillClrLst>
+    <dgm:linClrLst meth="repeat">
+      <a:schemeClr val="lt1"/>
+    </dgm:linClrLst>
+    <dgm:effectClrLst/>
+    <dgm:txLinClrLst/>
+    <dgm:txFillClrLst/>
+    <dgm:txEffectClrLst/>
+  </dgm:styleLbl>
+  <dgm:styleLbl name="vennNode1">
+    <dgm:fillClrLst meth="repeat">
+      <a:schemeClr val="accent1">
+        <a:alpha val="50000"/>
+      </a:schemeClr>
+    </dgm:fillClrLst>
+    <dgm:linClrLst meth="repeat">
+      <a:schemeClr val="lt1"/>
+    </dgm:linClrLst>
+    <dgm:effectClrLst/>
+    <dgm:txLinClrLst/>
+    <dgm:txFillClrLst/>
+    <dgm:txEffectClrLst/>
+  </dgm:styleLbl>
+  <dgm:styleLbl name="node2">
+    <dgm:fillClrLst meth="repeat">
+      <a:schemeClr val="accent1"/>
+    </dgm:fillClrLst>
+    <dgm:linClrLst meth="repeat">
+      <a:schemeClr val="lt1"/>
+    </dgm:linClrLst>
+    <dgm:effectClrLst/>
+    <dgm:txLinClrLst/>
+    <dgm:txFillClrLst/>
+    <dgm:txEffectClrLst/>
+  </dgm:styleLbl>
+  <dgm:styleLbl name="node3">
+    <dgm:fillClrLst meth="repeat">
+      <a:schemeClr val="accent1"/>
+    </dgm:fillClrLst>
+    <dgm:linClrLst meth="repeat">
+      <a:schemeClr val="lt1"/>
+    </dgm:linClrLst>
+    <dgm:effectClrLst/>
+    <dgm:txLinClrLst/>
+    <dgm:txFillClrLst/>
+    <dgm:txEffectClrLst/>
+  </dgm:styleLbl>
+  <dgm:styleLbl name="node4">
+    <dgm:fillClrLst meth="repeat">
+      <a:schemeClr val="accent1"/>
+    </dgm:fillClrLst>
+    <dgm:linClrLst meth="repeat">
+      <a:schemeClr val="lt1"/>
+    </dgm:linClrLst>
+    <dgm:effectClrLst/>
+    <dgm:txLinClrLst/>
+    <dgm:txFillClrLst/>
+    <dgm:txEffectClrLst/>
+  </dgm:styleLbl>
+  <dgm:styleLbl name="fgImgPlace1">
+    <dgm:fillClrLst meth="repeat">
+      <a:schemeClr val="accent1">
+        <a:tint val="50000"/>
+      </a:schemeClr>
+    </dgm:fillClrLst>
+    <dgm:linClrLst meth="repeat">
+      <a:schemeClr val="lt1"/>
+    </dgm:linClrLst>
+    <dgm:effectClrLst/>
+    <dgm:txLinClrLst/>
+    <dgm:txFillClrLst meth="repeat">
+      <a:schemeClr val="lt1"/>
+    </dgm:txFillClrLst>
+    <dgm:txEffectClrLst/>
+  </dgm:styleLbl>
+  <dgm:styleLbl name="alignImgPlace1">
+    <dgm:fillClrLst meth="repeat">
+      <a:schemeClr val="accent1">
+        <a:tint val="50000"/>
+      </a:schemeClr>
+    </dgm:fillClrLst>
+    <dgm:linClrLst meth="repeat">
+      <a:schemeClr val="lt1"/>
+    </dgm:linClrLst>
+    <dgm:effectClrLst/>
+    <dgm:txLinClrLst/>
+    <dgm:txFillClrLst meth="repeat">
+      <a:schemeClr val="lt1"/>
+    </dgm:txFillClrLst>
+    <dgm:txEffectClrLst/>
+  </dgm:styleLbl>
+  <dgm:styleLbl name="bgImgPlace1">
+    <dgm:fillClrLst meth="repeat">
+      <a:schemeClr val="accent1">
+        <a:tint val="50000"/>
+      </a:schemeClr>
+    </dgm:fillClrLst>
+    <dgm:linClrLst meth="repeat">
+      <a:schemeClr val="lt1"/>
+    </dgm:linClrLst>
+    <dgm:effectClrLst/>
+    <dgm:txLinClrLst/>
+    <dgm:txFillClrLst meth="repeat">
+      <a:schemeClr val="lt1"/>
+    </dgm:txFillClrLst>
+    <dgm:txEffectClrLst/>
+  </dgm:styleLbl>
+  <dgm:styleLbl name="sibTrans2D1">
+    <dgm:fillClrLst meth="repeat">
+      <a:schemeClr val="accent1">
+        <a:tint val="60000"/>
+      </a:schemeClr>
+    </dgm:fillClrLst>
+    <dgm:linClrLst meth="repeat">
+      <a:schemeClr val="accent1">
+        <a:tint val="60000"/>
+      </a:schemeClr>
+    </dgm:linClrLst>
+    <dgm:effectClrLst/>
+    <dgm:txLinClrLst/>
+    <dgm:txFillClrLst/>
+    <dgm:txEffectClrLst/>
+  </dgm:styleLbl>
+  <dgm:styleLbl name="fgSibTrans2D1">
+    <dgm:fillClrLst meth="repeat">
+      <a:schemeClr val="accent1">
+        <a:tint val="60000"/>
+      </a:schemeClr>
+    </dgm:fillClrLst>
+    <dgm:linClrLst meth="repeat">
+      <a:schemeClr val="accent1">
+        <a:tint val="60000"/>
+      </a:schemeClr>
+    </dgm:linClrLst>
+    <dgm:effectClrLst/>
+    <dgm:txLinClrLst/>
+    <dgm:txFillClrLst/>
+    <dgm:txEffectClrLst/>
+  </dgm:styleLbl>
+  <dgm:styleLbl name="bgSibTrans2D1">
+    <dgm:fillClrLst meth="repeat">
+      <a:schemeClr val="accent1">
+        <a:tint val="60000"/>
+      </a:schemeClr>
+    </dgm:fillClrLst>
+    <dgm:linClrLst meth="repeat">
+      <a:schemeClr val="accent1">
+        <a:tint val="60000"/>
+      </a:schemeClr>
+    </dgm:linClrLst>
+    <dgm:effectClrLst/>
+    <dgm:txLinClrLst/>
+    <dgm:txFillClrLst/>
+    <dgm:txEffectClrLst/>
+  </dgm:styleLbl>
+  <dgm:styleLbl name="sibTrans1D1">
+    <dgm:fillClrLst meth="repeat">
+      <a:schemeClr val="accent1"/>
+    </dgm:fillClrLst>
+    <dgm:linClrLst meth="repeat">
+      <a:schemeClr val="accent1"/>
+    </dgm:linClrLst>
+    <dgm:effectClrLst/>
+    <dgm:txLinClrLst/>
+    <dgm:txFillClrLst meth="repeat">
+      <a:schemeClr val="tx1"/>
+    </dgm:txFillClrLst>
+    <dgm:txEffectClrLst/>
+  </dgm:styleLbl>
+  <dgm:styleLbl name="callout">
+    <dgm:fillClrLst meth="repeat">
+      <a:schemeClr val="accent1"/>
+    </dgm:fillClrLst>
+    <dgm:linClrLst meth="repeat">
+      <a:schemeClr val="accent1">
+        <a:tint val="50000"/>
+      </a:schemeClr>
+    </dgm:linClrLst>
+    <dgm:effectClrLst/>
+    <dgm:txLinClrLst/>
+    <dgm:txFillClrLst meth="repeat">
+      <a:schemeClr val="tx1"/>
+    </dgm:txFillClrLst>
+    <dgm:txEffectClrLst/>
+  </dgm:styleLbl>
+  <dgm:styleLbl name="asst0">
+    <dgm:fillClrLst meth="repeat">
+      <a:schemeClr val="accent1"/>
+    </dgm:fillClrLst>
+    <dgm:linClrLst meth="repeat">
+      <a:schemeClr val="lt1"/>
+    </dgm:linClrLst>
+    <dgm:effectClrLst/>
+    <dgm:txLinClrLst/>
+    <dgm:txFillClrLst/>
+    <dgm:txEffectClrLst/>
+  </dgm:styleLbl>
+  <dgm:styleLbl name="asst1">
+    <dgm:fillClrLst meth="repeat">
+      <a:schemeClr val="accent1"/>
+    </dgm:fillClrLst>
+    <dgm:linClrLst meth="repeat">
+      <a:schemeClr val="lt1"/>
+    </dgm:linClrLst>
+    <dgm:effectClrLst/>
+    <dgm:txLinClrLst/>
+    <dgm:txFillClrLst/>
+    <dgm:txEffectClrLst/>
+  </dgm:styleLbl>
+  <dgm:styleLbl name="asst2">
+    <dgm:fillClrLst meth="repeat">
+      <a:schemeClr val="accent1"/>
+    </dgm:fillClrLst>
+    <dgm:linClrLst meth="repeat">
+      <a:schemeClr val="lt1"/>
+    </dgm:linClrLst>
+    <dgm:effectClrLst/>
+    <dgm:txLinClrLst/>
+    <dgm:txFillClrLst/>
+    <dgm:txEffectClrLst/>
+  </dgm:styleLbl>
+  <dgm:styleLbl name="asst3">
+    <dgm:fillClrLst meth="repeat">
+      <a:schemeClr val="accent1"/>
+    </dgm:fillClrLst>
+    <dgm:linClrLst meth="repeat">
+      <a:schemeClr val="lt1"/>
+    </dgm:linClrLst>
+    <dgm:effectClrLst/>
+    <dgm:txLinClrLst/>
+    <dgm:txFillClrLst/>
+    <dgm:txEffectClrLst/>
+  </dgm:styleLbl>
+  <dgm:styleLbl name="asst4">
+    <dgm:fillClrLst meth="repeat">
+      <a:schemeClr val="accent1"/>
+    </dgm:fillClrLst>
+    <dgm:linClrLst meth="repeat">
+      <a:schemeClr val="lt1"/>
+    </dgm:linClrLst>
+    <dgm:effectClrLst/>
+    <dgm:txLinClrLst/>
+    <dgm:txFillClrLst/>
+    <dgm:txEffectClrLst/>
+  </dgm:styleLbl>
+  <dgm:styleLbl name="parChTrans2D1">
+    <dgm:fillClrLst meth="repeat">
+      <a:schemeClr val="accent1">
+        <a:tint val="60000"/>
+      </a:schemeClr>
+    </dgm:fillClrLst>
+    <dgm:linClrLst meth="repeat">
+      <a:schemeClr val="accent1">
+        <a:tint val="60000"/>
+      </a:schemeClr>
+    </dgm:linClrLst>
+    <dgm:effectClrLst/>
+    <dgm:txLinClrLst/>
+    <dgm:txFillClrLst meth="repeat">
+      <a:schemeClr val="lt1"/>
+    </dgm:txFillClrLst>
+    <dgm:txEffectClrLst/>
+  </dgm:styleLbl>
+  <dgm:styleLbl name="parChTrans2D2">
+    <dgm:fillClrLst meth="repeat">
+      <a:schemeClr val="accent1"/>
+    </dgm:fillClrLst>
+    <dgm:linClrLst meth="repeat">
+      <a:schemeClr val="accent1"/>
+    </dgm:linClrLst>
+    <dgm:effectClrLst/>
+    <dgm:txLinClrLst/>
+    <dgm:txFillClrLst meth="repeat">
+      <a:schemeClr val="lt1"/>
+    </dgm:txFillClrLst>
+    <dgm:txEffectClrLst/>
+  </dgm:styleLbl>
+  <dgm:styleLbl name="parChTrans2D3">
+    <dgm:fillClrLst meth="repeat">
+      <a:schemeClr val="accent1"/>
+    </dgm:fillClrLst>
+    <dgm:linClrLst meth="repeat">
+      <a:schemeClr val="accent1"/>
+    </dgm:linClrLst>
+    <dgm:effectClrLst/>
+    <dgm:txLinClrLst/>
+    <dgm:txFillClrLst meth="repeat">
+      <a:schemeClr val="lt1"/>
+    </dgm:txFillClrLst>
+    <dgm:txEffectClrLst/>
+  </dgm:styleLbl>
+  <dgm:styleLbl name="parChTrans2D4">
+    <dgm:fillClrLst meth="repeat">
+      <a:schemeClr val="accent1"/>
+    </dgm:fillClrLst>
+    <dgm:linClrLst meth="repeat">
+      <a:schemeClr val="accent1"/>
+    </dgm:linClrLst>
+    <dgm:effectClrLst/>
+    <dgm:txLinClrLst/>
+    <dgm:txFillClrLst meth="repeat">
+      <a:schemeClr val="lt1"/>
+    </dgm:txFillClrLst>
+    <dgm:txEffectClrLst/>
+  </dgm:styleLbl>
+  <dgm:styleLbl name="parChTrans1D1">
+    <dgm:fillClrLst meth="repeat">
+      <a:schemeClr val="accent1"/>
+    </dgm:fillClrLst>
+    <dgm:linClrLst meth="repeat">
+      <a:schemeClr val="accent1">
+        <a:shade val="60000"/>
+      </a:schemeClr>
+    </dgm:linClrLst>
+    <dgm:effectClrLst/>
+    <dgm:txLinClrLst/>
+    <dgm:txFillClrLst meth="repeat">
+      <a:schemeClr val="tx1"/>
+    </dgm:txFillClrLst>
+    <dgm:txEffectClrLst/>
+  </dgm:styleLbl>
+  <dgm:styleLbl name="parChTrans1D2">
+    <dgm:fillClrLst meth="repeat">
+      <a:schemeClr val="accent1"/>
+    </dgm:fillClrLst>
+    <dgm:linClrLst meth="repeat">
+      <a:schemeClr val="accent1">
+        <a:shade val="60000"/>
+      </a:schemeClr>
+    </dgm:linClrLst>
+    <dgm:effectClrLst/>
+    <dgm:txLinClrLst/>
+    <dgm:txFillClrLst meth="repeat">
+      <a:schemeClr val="tx1"/>
+    </dgm:txFillClrLst>
+    <dgm:txEffectClrLst/>
+  </dgm:styleLbl>
+  <dgm:styleLbl name="parChTrans1D3">
+    <dgm:fillClrLst meth="repeat">
+      <a:schemeClr val="accent1"/>
+    </dgm:fillClrLst>
+    <dgm:linClrLst meth="repeat">
+      <a:schemeClr val="accent1">
+        <a:shade val="80000"/>
+      </a:schemeClr>
+    </dgm:linClrLst>
+    <dgm:effectClrLst/>
+    <dgm:txLinClrLst/>
+    <dgm:txFillClrLst meth="repeat">
+      <a:schemeClr val="tx1"/>
+    </dgm:txFillClrLst>
+    <dgm:txEffectClrLst/>
+  </dgm:styleLbl>
+  <dgm:styleLbl name="parChTrans1D4">
+    <dgm:fillClrLst meth="repeat">
+      <a:schemeClr val="accent1"/>
+    </dgm:fillClrLst>
+    <dgm:linClrLst meth="repeat">
+      <a:schemeClr val="accent1">
+        <a:shade val="80000"/>
+      </a:schemeClr>
+    </dgm:linClrLst>
+    <dgm:effectClrLst/>
+    <dgm:txLinClrLst/>
+    <dgm:txFillClrLst meth="repeat">
+      <a:schemeClr val="tx1"/>
+    </dgm:txFillClrLst>
+    <dgm:txEffectClrLst/>
+  </dgm:styleLbl>
+  <dgm:styleLbl name="fgAcc1">
+    <dgm:fillClrLst meth="repeat">
+      <a:schemeClr val="lt1">
+        <a:alpha val="90000"/>
+      </a:schemeClr>
+    </dgm:fillClrLst>
+    <dgm:linClrLst meth="repeat">
+      <a:schemeClr val="accent1"/>
+    </dgm:linClrLst>
+    <dgm:effectClrLst/>
+    <dgm:txLinClrLst/>
+    <dgm:txFillClrLst meth="repeat">
+      <a:schemeClr val="dk1"/>
+    </dgm:txFillClrLst>
+    <dgm:txEffectClrLst/>
+  </dgm:styleLbl>
+  <dgm:styleLbl name="conFgAcc1">
+    <dgm:fillClrLst meth="repeat">
+      <a:schemeClr val="lt1">
+        <a:alpha val="90000"/>
+      </a:schemeClr>
+    </dgm:fillClrLst>
+    <dgm:linClrLst meth="repeat">
+      <a:schemeClr val="accent1"/>
+    </dgm:linClrLst>
+    <dgm:effectClrLst/>
+    <dgm:txLinClrLst/>
+    <dgm:txFillClrLst meth="repeat">
+      <a:schemeClr val="dk1"/>
+    </dgm:txFillClrLst>
+    <dgm:txEffectClrLst/>
+  </dgm:styleLbl>
+  <dgm:styleLbl name="alignAcc1">
+    <dgm:fillClrLst meth="repeat">
+      <a:schemeClr val="lt1">
+        <a:alpha val="90000"/>
+      </a:schemeClr>
+    </dgm:fillClrLst>
+    <dgm:linClrLst meth="repeat">
+      <a:schemeClr val="accent1"/>
+    </dgm:linClrLst>
+    <dgm:effectClrLst/>
+    <dgm:txLinClrLst/>
+    <dgm:txFillClrLst meth="repeat">
+      <a:schemeClr val="dk1"/>
+    </dgm:txFillClrLst>
+    <dgm:txEffectClrLst/>
+  </dgm:styleLbl>
+  <dgm:styleLbl name="trAlignAcc1">
+    <dgm:fillClrLst meth="repeat">
+      <a:schemeClr val="lt1">
+        <a:alpha val="40000"/>
+      </a:schemeClr>
+    </dgm:fillClrLst>
+    <dgm:linClrLst meth="repeat">
+      <a:schemeClr val="accent1"/>
+    </dgm:linClrLst>
+    <dgm:effectClrLst/>
+    <dgm:txLinClrLst/>
+    <dgm:txFillClrLst meth="repeat">
+      <a:schemeClr val="dk1"/>
+    </dgm:txFillClrLst>
+    <dgm:txEffectClrLst/>
+  </dgm:styleLbl>
+  <dgm:styleLbl name="bgAcc1">
+    <dgm:fillClrLst meth="repeat">
+      <a:schemeClr val="lt1">
+        <a:alpha val="90000"/>
+      </a:schemeClr>
+    </dgm:fillClrLst>
+    <dgm:linClrLst meth="repeat">
+      <a:schemeClr val="accent1"/>
+    </dgm:linClrLst>
+    <dgm:effectClrLst/>
+    <dgm:txLinClrLst/>
+    <dgm:txFillClrLst meth="repeat">
+      <a:schemeClr val="dk1"/>
+    </dgm:txFillClrLst>
+    <dgm:txEffectClrLst/>
+  </dgm:styleLbl>
+  <dgm:styleLbl name="solidFgAcc1">
+    <dgm:fillClrLst meth="repeat">
+      <a:schemeClr val="lt1"/>
+    </dgm:fillClrLst>
+    <dgm:linClrLst meth="repeat">
+      <a:schemeClr val="accent1"/>
+    </dgm:linClrLst>
+    <dgm:effectClrLst/>
+    <dgm:txLinClrLst/>
+    <dgm:txFillClrLst meth="repeat">
+      <a:schemeClr val="dk1"/>
+    </dgm:txFillClrLst>
+    <dgm:txEffectClrLst/>
+  </dgm:styleLbl>
+  <dgm:styleLbl name="solidAlignAcc1">
+    <dgm:fillClrLst meth="repeat">
+      <a:schemeClr val="lt1"/>
+    </dgm:fillClrLst>
+    <dgm:linClrLst meth="repeat">
+      <a:schemeClr val="accent1"/>
+    </dgm:linClrLst>
+    <dgm:effectClrLst/>
+    <dgm:txLinClrLst/>
+    <dgm:txFillClrLst meth="repeat">
+      <a:schemeClr val="dk1"/>
+    </dgm:txFillClrLst>
+    <dgm:txEffectClrLst/>
+  </dgm:styleLbl>
+  <dgm:styleLbl name="solidBgAcc1">
+    <dgm:fillClrLst meth="repeat">
+      <a:schemeClr val="lt1"/>
+    </dgm:fillClrLst>
+    <dgm:linClrLst meth="repeat">
+      <a:schemeClr val="accent1"/>
+    </dgm:linClrLst>
+    <dgm:effectClrLst/>
+    <dgm:txLinClrLst/>
+    <dgm:txFillClrLst meth="repeat">
+      <a:schemeClr val="dk1"/>
+    </dgm:txFillClrLst>
+    <dgm:txEffectClrLst/>
+  </dgm:styleLbl>
+  <dgm:styleLbl name="fgAccFollowNode1">
+    <dgm:fillClrLst meth="repeat">
+      <a:schemeClr val="accent1">
+        <a:alpha val="90000"/>
+        <a:tint val="40000"/>
+      </a:schemeClr>
+    </dgm:fillClrLst>
+    <dgm:linClrLst meth="repeat">
+      <a:schemeClr val="accent1">
+        <a:alpha val="90000"/>
+        <a:tint val="40000"/>
+      </a:schemeClr>
+    </dgm:linClrLst>
+    <dgm:effectClrLst/>
+    <dgm:txLinClrLst/>
+    <dgm:txFillClrLst meth="repeat">
+      <a:schemeClr val="dk1"/>
+    </dgm:txFillClrLst>
+    <dgm:txEffectClrLst/>
+  </dgm:styleLbl>
+  <dgm:styleLbl name="alignAccFollowNode1">
+    <dgm:fillClrLst meth="repeat">
+      <a:schemeClr val="accent1">
+        <a:alpha val="90000"/>
+        <a:tint val="40000"/>
+      </a:schemeClr>
+    </dgm:fillClrLst>
+    <dgm:linClrLst meth="repeat">
+      <a:schemeClr val="accent1">
+        <a:alpha val="90000"/>
+        <a:tint val="40000"/>
+      </a:schemeClr>
+    </dgm:linClrLst>
+    <dgm:effectClrLst/>
+    <dgm:txLinClrLst/>
+    <dgm:txFillClrLst meth="repeat">
+      <a:schemeClr val="dk1"/>
+    </dgm:txFillClrLst>
+    <dgm:txEffectClrLst/>
+  </dgm:styleLbl>
+  <dgm:styleLbl name="bgAccFollowNode1">
+    <dgm:fillClrLst meth="repeat">
+      <a:schemeClr val="accent1">
+        <a:alpha val="90000"/>
+        <a:tint val="40000"/>
+      </a:schemeClr>
+    </dgm:fillClrLst>
+    <dgm:linClrLst meth="repeat">
+      <a:schemeClr val="accent1">
+        <a:alpha val="90000"/>
+        <a:tint val="40000"/>
+      </a:schemeClr>
+    </dgm:linClrLst>
+    <dgm:effectClrLst/>
+    <dgm:txLinClrLst/>
+    <dgm:txFillClrLst meth="repeat">
+      <a:schemeClr val="dk1"/>
+    </dgm:txFillClrLst>
+    <dgm:txEffectClrLst/>
+  </dgm:styleLbl>
+  <dgm:styleLbl name="fgAcc0">
+    <dgm:fillClrLst meth="repeat">
+      <a:schemeClr val="lt1">
+        <a:alpha val="90000"/>
+      </a:schemeClr>
+    </dgm:fillClrLst>
+    <dgm:linClrLst meth="repeat">
+      <a:schemeClr val="accent1"/>
+    </dgm:linClrLst>
+    <dgm:effectClrLst/>
+    <dgm:txLinClrLst/>
+    <dgm:txFillClrLst meth="repeat">
+      <a:schemeClr val="dk1"/>
+    </dgm:txFillClrLst>
+    <dgm:txEffectClrLst/>
+  </dgm:styleLbl>
+  <dgm:styleLbl name="fgAcc2">
+    <dgm:fillClrLst meth="repeat">
+      <a:schemeClr val="lt1">
+        <a:alpha val="90000"/>
+      </a:schemeClr>
+    </dgm:fillClrLst>
+    <dgm:linClrLst meth="repeat">
+      <a:schemeClr val="accent1"/>
+    </dgm:linClrLst>
+    <dgm:effectClrLst/>
+    <dgm:txLinClrLst/>
+    <dgm:txFillClrLst meth="repeat">
+      <a:schemeClr val="dk1"/>
+    </dgm:txFillClrLst>
+    <dgm:txEffectClrLst/>
+  </dgm:styleLbl>
+  <dgm:styleLbl name="fgAcc3">
+    <dgm:fillClrLst meth="repeat">
+      <a:schemeClr val="lt1">
+        <a:alpha val="90000"/>
+      </a:schemeClr>
+    </dgm:fillClrLst>
+    <dgm:linClrLst meth="repeat">
+      <a:schemeClr val="accent1"/>
+    </dgm:linClrLst>
+    <dgm:effectClrLst/>
+    <dgm:txLinClrLst/>
+    <dgm:txFillClrLst meth="repeat">
+      <a:schemeClr val="dk1"/>
+    </dgm:txFillClrLst>
+    <dgm:txEffectClrLst/>
+  </dgm:styleLbl>
+  <dgm:styleLbl name="fgAcc4">
+    <dgm:fillClrLst meth="repeat">
+      <a:schemeClr val="lt1">
+        <a:alpha val="90000"/>
+      </a:schemeClr>
+    </dgm:fillClrLst>
+    <dgm:linClrLst meth="repeat">
+      <a:schemeClr val="accent1"/>
+    </dgm:linClrLst>
+    <dgm:effectClrLst/>
+    <dgm:txLinClrLst/>
+    <dgm:txFillClrLst meth="repeat">
+      <a:schemeClr val="dk1"/>
+    </dgm:txFillClrLst>
+    <dgm:txEffectClrLst/>
+  </dgm:styleLbl>
+  <dgm:styleLbl name="bgShp">
+    <dgm:fillClrLst meth="repeat">
+      <a:schemeClr val="accent1">
+        <a:tint val="40000"/>
+      </a:schemeClr>
+    </dgm:fillClrLst>
+    <dgm:linClrLst meth="repeat">
+      <a:schemeClr val="accent1"/>
+    </dgm:linClrLst>
+    <dgm:effectClrLst/>
+    <dgm:txLinClrLst/>
+    <dgm:txFillClrLst meth="repeat">
+      <a:schemeClr val="dk1"/>
+    </dgm:txFillClrLst>
+    <dgm:txEffectClrLst/>
+  </dgm:styleLbl>
+  <dgm:styleLbl name="dkBgShp">
+    <dgm:fillClrLst meth="repeat">
+      <a:schemeClr val="accent1">
+        <a:shade val="80000"/>
+      </a:schemeClr>
+    </dgm:fillClrLst>
+    <dgm:linClrLst meth="repeat">
+      <a:schemeClr val="accent1"/>
+    </dgm:linClrLst>
+    <dgm:effectClrLst/>
+    <dgm:txLinClrLst/>
+    <dgm:txFillClrLst meth="repeat">
+      <a:schemeClr val="lt1"/>
+    </dgm:txFillClrLst>
+    <dgm:txEffectClrLst/>
+  </dgm:styleLbl>
+  <dgm:styleLbl name="trBgShp">
+    <dgm:fillClrLst meth="repeat">
+      <a:schemeClr val="accent1">
+        <a:tint val="50000"/>
+        <a:alpha val="40000"/>
+      </a:schemeClr>
+    </dgm:fillClrLst>
+    <dgm:linClrLst meth="repeat">
+      <a:schemeClr val="accent1"/>
+    </dgm:linClrLst>
+    <dgm:effectClrLst/>
+    <dgm:txLinClrLst/>
+    <dgm:txFillClrLst meth="repeat">
+      <a:schemeClr val="lt1"/>
+    </dgm:txFillClrLst>
+    <dgm:txEffectClrLst/>
+  </dgm:styleLbl>
+  <dgm:styleLbl name="fgShp">
+    <dgm:fillClrLst meth="repeat">
+      <a:schemeClr val="accent1">
+        <a:tint val="60000"/>
+      </a:schemeClr>
+    </dgm:fillClrLst>
+    <dgm:linClrLst meth="repeat">
+      <a:schemeClr val="lt1"/>
+    </dgm:linClrLst>
+    <dgm:effectClrLst/>
+    <dgm:txLinClrLst/>
+    <dgm:txFillClrLst meth="repeat">
+      <a:schemeClr val="dk1"/>
+    </dgm:txFillClrLst>
+    <dgm:txEffectClrLst/>
+  </dgm:styleLbl>
+  <dgm:styleLbl name="revTx">
+    <dgm:fillClrLst meth="repeat">
+      <a:schemeClr val="lt1">
+        <a:alpha val="0"/>
+      </a:schemeClr>
+    </dgm:fillClrLst>
+    <dgm:linClrLst meth="repeat">
+      <a:schemeClr val="dk1">
+        <a:alpha val="0"/>
+      </a:schemeClr>
+    </dgm:linClrLst>
+    <dgm:effectClrLst/>
+    <dgm:txLinClrLst/>
+    <dgm:txFillClrLst meth="repeat">
+      <a:schemeClr val="tx1"/>
+    </dgm:txFillClrLst>
+    <dgm:txEffectClrLst/>
+  </dgm:styleLbl>
+</dgm:colorsDef>
+</file>
+
+<file path=ppt/diagrams/data1.xml><?xml version="1.0" encoding="utf-8"?>
+<dgm:dataModel xmlns:dgm="http://schemas.openxmlformats.org/drawingml/2006/diagram" xmlns:a="http://schemas.openxmlformats.org/drawingml/2006/main">
+  <dgm:ptLst>
+    <dgm:pt modelId="{C001BE44-3771-4FAA-927A-653E80047286}" type="doc">
+      <dgm:prSet loTypeId="urn:microsoft.com/office/officeart/2008/layout/HalfCircleOrganizationChart" loCatId="hierarchy" qsTypeId="urn:microsoft.com/office/officeart/2005/8/quickstyle/simple1" qsCatId="simple" csTypeId="urn:microsoft.com/office/officeart/2005/8/colors/accent1_2" csCatId="accent1" phldr="1"/>
+      <dgm:spPr/>
+      <dgm:t>
+        <a:bodyPr/>
+        <a:lstStyle/>
+        <a:p>
+          <a:endParaRPr lang="en-US"/>
+        </a:p>
+      </dgm:t>
+    </dgm:pt>
+    <dgm:pt modelId="{AD5C7D6B-2E4B-4D60-B096-D3158268F5E2}">
+      <dgm:prSet phldrT="[Text]"/>
+      <dgm:spPr/>
+      <dgm:t>
+        <a:bodyPr/>
+        <a:lstStyle/>
+        <a:p>
+          <a:r>
+            <a:rPr lang="en-US" dirty="0" smtClean="0"/>
+            <a:t>ialsa-2018-amsterdam</a:t>
+          </a:r>
+          <a:endParaRPr lang="en-US" dirty="0"/>
+        </a:p>
+      </dgm:t>
+    </dgm:pt>
+    <dgm:pt modelId="{597872BD-0854-4438-9CA1-47C037D7A7A3}" type="parTrans" cxnId="{570D1457-42D9-4D7F-A7AF-928EC82BF3A8}">
+      <dgm:prSet/>
+      <dgm:spPr/>
+      <dgm:t>
+        <a:bodyPr/>
+        <a:lstStyle/>
+        <a:p>
+          <a:endParaRPr lang="en-US"/>
+        </a:p>
+      </dgm:t>
+    </dgm:pt>
+    <dgm:pt modelId="{D804AD61-F635-4380-BF6E-376B680FE32A}" type="sibTrans" cxnId="{570D1457-42D9-4D7F-A7AF-928EC82BF3A8}">
+      <dgm:prSet/>
+      <dgm:spPr/>
+      <dgm:t>
+        <a:bodyPr/>
+        <a:lstStyle/>
+        <a:p>
+          <a:endParaRPr lang="en-US"/>
+        </a:p>
+      </dgm:t>
+    </dgm:pt>
+    <dgm:pt modelId="{16DB77D2-97E9-4C3A-A84D-1D64ACDAD8D9}" type="asst">
+      <dgm:prSet phldrT="[Text]"/>
+      <dgm:spPr/>
+      <dgm:t>
+        <a:bodyPr/>
+        <a:lstStyle/>
+        <a:p>
+          <a:r>
+            <a:rPr lang="en-US" dirty="0" err="1" smtClean="0"/>
+            <a:t>fgsf</a:t>
+          </a:r>
+          <a:endParaRPr lang="en-US" dirty="0"/>
+        </a:p>
+      </dgm:t>
+    </dgm:pt>
+    <dgm:pt modelId="{B8C63EA6-E27E-47DF-804C-732DEBCACA2A}" type="parTrans" cxnId="{9F224AC3-BFBC-4499-B4F3-C76E67A70231}">
+      <dgm:prSet/>
+      <dgm:spPr/>
+      <dgm:t>
+        <a:bodyPr/>
+        <a:lstStyle/>
+        <a:p>
+          <a:endParaRPr lang="en-US"/>
+        </a:p>
+      </dgm:t>
+    </dgm:pt>
+    <dgm:pt modelId="{A9B2B381-1E01-48C2-8228-352399F03B9D}" type="sibTrans" cxnId="{9F224AC3-BFBC-4499-B4F3-C76E67A70231}">
+      <dgm:prSet/>
+      <dgm:spPr/>
+      <dgm:t>
+        <a:bodyPr/>
+        <a:lstStyle/>
+        <a:p>
+          <a:endParaRPr lang="en-US"/>
+        </a:p>
+      </dgm:t>
+    </dgm:pt>
+    <dgm:pt modelId="{35E3B79F-C3F5-4F13-BA2D-DAB579C11418}">
+      <dgm:prSet phldrT="[Text]" phldr="1"/>
+      <dgm:spPr/>
+      <dgm:t>
+        <a:bodyPr/>
+        <a:lstStyle/>
+        <a:p>
+          <a:endParaRPr lang="en-US" dirty="0"/>
+        </a:p>
+      </dgm:t>
+    </dgm:pt>
+    <dgm:pt modelId="{9B0545A2-0FBF-4490-B14C-FE14C282C219}" type="parTrans" cxnId="{501CEB1E-F8F5-4C27-88C0-9C3FF09548DA}">
+      <dgm:prSet/>
+      <dgm:spPr/>
+      <dgm:t>
+        <a:bodyPr/>
+        <a:lstStyle/>
+        <a:p>
+          <a:endParaRPr lang="en-US"/>
+        </a:p>
+      </dgm:t>
+    </dgm:pt>
+    <dgm:pt modelId="{BC8F0323-673B-408D-AE58-12F4CE0AD331}" type="sibTrans" cxnId="{501CEB1E-F8F5-4C27-88C0-9C3FF09548DA}">
+      <dgm:prSet/>
+      <dgm:spPr/>
+      <dgm:t>
+        <a:bodyPr/>
+        <a:lstStyle/>
+        <a:p>
+          <a:endParaRPr lang="en-US"/>
+        </a:p>
+      </dgm:t>
+    </dgm:pt>
+    <dgm:pt modelId="{77DA2A2B-50F8-49C8-9EAE-CB0A83457EE0}">
+      <dgm:prSet phldrT="[Text]" phldr="1"/>
+      <dgm:spPr/>
+      <dgm:t>
+        <a:bodyPr/>
+        <a:lstStyle/>
+        <a:p>
+          <a:endParaRPr lang="en-US"/>
+        </a:p>
+      </dgm:t>
+    </dgm:pt>
+    <dgm:pt modelId="{0647673D-7E39-45B9-8E3B-5EF741D7EF12}" type="parTrans" cxnId="{BAD12A80-E043-43D4-B6C8-83AA9499AC1C}">
+      <dgm:prSet/>
+      <dgm:spPr/>
+      <dgm:t>
+        <a:bodyPr/>
+        <a:lstStyle/>
+        <a:p>
+          <a:endParaRPr lang="en-US"/>
+        </a:p>
+      </dgm:t>
+    </dgm:pt>
+    <dgm:pt modelId="{1E023413-84DA-46C6-B859-7A9D7123337F}" type="sibTrans" cxnId="{BAD12A80-E043-43D4-B6C8-83AA9499AC1C}">
+      <dgm:prSet/>
+      <dgm:spPr/>
+      <dgm:t>
+        <a:bodyPr/>
+        <a:lstStyle/>
+        <a:p>
+          <a:endParaRPr lang="en-US"/>
+        </a:p>
+      </dgm:t>
+    </dgm:pt>
+    <dgm:pt modelId="{45E9082D-C130-4AE5-BD9F-5A20195EF09D}">
+      <dgm:prSet phldrT="[Text]" phldr="1"/>
+      <dgm:spPr/>
+      <dgm:t>
+        <a:bodyPr/>
+        <a:lstStyle/>
+        <a:p>
+          <a:endParaRPr lang="en-US"/>
+        </a:p>
+      </dgm:t>
+    </dgm:pt>
+    <dgm:pt modelId="{75B26C8B-3E23-4C4C-A571-B01108A77848}" type="parTrans" cxnId="{E639F48C-F33E-4A47-AEE0-25CFD7C40457}">
+      <dgm:prSet/>
+      <dgm:spPr/>
+      <dgm:t>
+        <a:bodyPr/>
+        <a:lstStyle/>
+        <a:p>
+          <a:endParaRPr lang="en-US"/>
+        </a:p>
+      </dgm:t>
+    </dgm:pt>
+    <dgm:pt modelId="{AEECA4EB-7072-46F2-B9E3-ADFB9016C642}" type="sibTrans" cxnId="{E639F48C-F33E-4A47-AEE0-25CFD7C40457}">
+      <dgm:prSet/>
+      <dgm:spPr/>
+      <dgm:t>
+        <a:bodyPr/>
+        <a:lstStyle/>
+        <a:p>
+          <a:endParaRPr lang="en-US"/>
+        </a:p>
+      </dgm:t>
+    </dgm:pt>
+    <dgm:pt modelId="{C6D26376-AA0C-4BDD-94F6-635B746BE4AD}" type="pres">
+      <dgm:prSet presAssocID="{C001BE44-3771-4FAA-927A-653E80047286}" presName="Name0" presStyleCnt="0">
+        <dgm:presLayoutVars>
+          <dgm:orgChart val="1"/>
+          <dgm:chPref val="1"/>
+          <dgm:dir/>
+          <dgm:animOne val="branch"/>
+          <dgm:animLvl val="lvl"/>
+          <dgm:resizeHandles/>
+        </dgm:presLayoutVars>
+      </dgm:prSet>
+      <dgm:spPr/>
+      <dgm:t>
+        <a:bodyPr/>
+        <a:lstStyle/>
+        <a:p>
+          <a:endParaRPr lang="en-US"/>
+        </a:p>
+      </dgm:t>
+    </dgm:pt>
+    <dgm:pt modelId="{1FD540FC-0C83-416A-AF0E-11E36364B422}" type="pres">
+      <dgm:prSet presAssocID="{AD5C7D6B-2E4B-4D60-B096-D3158268F5E2}" presName="hierRoot1" presStyleCnt="0">
+        <dgm:presLayoutVars>
+          <dgm:hierBranch val="init"/>
+        </dgm:presLayoutVars>
+      </dgm:prSet>
+      <dgm:spPr/>
+    </dgm:pt>
+    <dgm:pt modelId="{D381E382-E902-4F72-91E4-D9C779AD62FC}" type="pres">
+      <dgm:prSet presAssocID="{AD5C7D6B-2E4B-4D60-B096-D3158268F5E2}" presName="rootComposite1" presStyleCnt="0"/>
+      <dgm:spPr/>
+    </dgm:pt>
+    <dgm:pt modelId="{55DEF528-604E-4DCB-ABC5-83B67C0B7E0C}" type="pres">
+      <dgm:prSet presAssocID="{AD5C7D6B-2E4B-4D60-B096-D3158268F5E2}" presName="rootText1" presStyleLbl="alignAcc1" presStyleIdx="0" presStyleCnt="0">
+        <dgm:presLayoutVars>
+          <dgm:chPref val="3"/>
+        </dgm:presLayoutVars>
+      </dgm:prSet>
+      <dgm:spPr/>
+      <dgm:t>
+        <a:bodyPr/>
+        <a:lstStyle/>
+        <a:p>
+          <a:endParaRPr lang="en-US"/>
+        </a:p>
+      </dgm:t>
+    </dgm:pt>
+    <dgm:pt modelId="{634F9EE6-1F9C-41AF-A1BA-1488FDA78527}" type="pres">
+      <dgm:prSet presAssocID="{AD5C7D6B-2E4B-4D60-B096-D3158268F5E2}" presName="topArc1" presStyleLbl="parChTrans1D1" presStyleIdx="0" presStyleCnt="10"/>
+      <dgm:spPr/>
+    </dgm:pt>
+    <dgm:pt modelId="{698B7C3F-CEDF-49C1-8B08-F17D4BE439F3}" type="pres">
+      <dgm:prSet presAssocID="{AD5C7D6B-2E4B-4D60-B096-D3158268F5E2}" presName="bottomArc1" presStyleLbl="parChTrans1D1" presStyleIdx="1" presStyleCnt="10"/>
+      <dgm:spPr/>
+    </dgm:pt>
+    <dgm:pt modelId="{09DA99E2-6A94-4176-8D1D-F55A68FA02C0}" type="pres">
+      <dgm:prSet presAssocID="{AD5C7D6B-2E4B-4D60-B096-D3158268F5E2}" presName="topConnNode1" presStyleLbl="node1" presStyleIdx="0" presStyleCnt="0"/>
+      <dgm:spPr/>
+      <dgm:t>
+        <a:bodyPr/>
+        <a:lstStyle/>
+        <a:p>
+          <a:endParaRPr lang="en-US"/>
+        </a:p>
+      </dgm:t>
+    </dgm:pt>
+    <dgm:pt modelId="{A2133C58-4F99-4D3B-9484-4759FBACEAC6}" type="pres">
+      <dgm:prSet presAssocID="{AD5C7D6B-2E4B-4D60-B096-D3158268F5E2}" presName="hierChild2" presStyleCnt="0"/>
+      <dgm:spPr/>
+    </dgm:pt>
+    <dgm:pt modelId="{00561C24-69C0-46E2-9667-369A410D0500}" type="pres">
+      <dgm:prSet presAssocID="{9B0545A2-0FBF-4490-B14C-FE14C282C219}" presName="Name28" presStyleLbl="parChTrans1D2" presStyleIdx="0" presStyleCnt="4"/>
+      <dgm:spPr/>
+      <dgm:t>
+        <a:bodyPr/>
+        <a:lstStyle/>
+        <a:p>
+          <a:endParaRPr lang="en-US"/>
+        </a:p>
+      </dgm:t>
+    </dgm:pt>
+    <dgm:pt modelId="{0E382A08-B7F8-4A8D-AFF7-14A602968D81}" type="pres">
+      <dgm:prSet presAssocID="{35E3B79F-C3F5-4F13-BA2D-DAB579C11418}" presName="hierRoot2" presStyleCnt="0">
+        <dgm:presLayoutVars>
+          <dgm:hierBranch val="init"/>
+        </dgm:presLayoutVars>
+      </dgm:prSet>
+      <dgm:spPr/>
+    </dgm:pt>
+    <dgm:pt modelId="{C1220D4C-E495-4A09-9AD4-FCBF1A01977B}" type="pres">
+      <dgm:prSet presAssocID="{35E3B79F-C3F5-4F13-BA2D-DAB579C11418}" presName="rootComposite2" presStyleCnt="0"/>
+      <dgm:spPr/>
+    </dgm:pt>
+    <dgm:pt modelId="{3EF6198A-54B1-4FA6-B7D1-8E28FEC1814F}" type="pres">
+      <dgm:prSet presAssocID="{35E3B79F-C3F5-4F13-BA2D-DAB579C11418}" presName="rootText2" presStyleLbl="alignAcc1" presStyleIdx="0" presStyleCnt="0">
+        <dgm:presLayoutVars>
+          <dgm:chPref val="3"/>
+        </dgm:presLayoutVars>
+      </dgm:prSet>
+      <dgm:spPr/>
+      <dgm:t>
+        <a:bodyPr/>
+        <a:lstStyle/>
+        <a:p>
+          <a:endParaRPr lang="en-US"/>
+        </a:p>
+      </dgm:t>
+    </dgm:pt>
+    <dgm:pt modelId="{490FB7EB-D5C0-48FD-B25E-3D0367C41AAF}" type="pres">
+      <dgm:prSet presAssocID="{35E3B79F-C3F5-4F13-BA2D-DAB579C11418}" presName="topArc2" presStyleLbl="parChTrans1D1" presStyleIdx="2" presStyleCnt="10"/>
+      <dgm:spPr/>
+    </dgm:pt>
+    <dgm:pt modelId="{530F0640-17B3-43DB-81C0-A9CB317BFD75}" type="pres">
+      <dgm:prSet presAssocID="{35E3B79F-C3F5-4F13-BA2D-DAB579C11418}" presName="bottomArc2" presStyleLbl="parChTrans1D1" presStyleIdx="3" presStyleCnt="10"/>
+      <dgm:spPr/>
+    </dgm:pt>
+    <dgm:pt modelId="{D423886C-5979-406B-9FC6-AF68FC266E72}" type="pres">
+      <dgm:prSet presAssocID="{35E3B79F-C3F5-4F13-BA2D-DAB579C11418}" presName="topConnNode2" presStyleLbl="node2" presStyleIdx="0" presStyleCnt="0"/>
+      <dgm:spPr/>
+      <dgm:t>
+        <a:bodyPr/>
+        <a:lstStyle/>
+        <a:p>
+          <a:endParaRPr lang="en-US"/>
+        </a:p>
+      </dgm:t>
+    </dgm:pt>
+    <dgm:pt modelId="{A210B558-9785-4045-85CF-BE53DA27A14E}" type="pres">
+      <dgm:prSet presAssocID="{35E3B79F-C3F5-4F13-BA2D-DAB579C11418}" presName="hierChild4" presStyleCnt="0"/>
+      <dgm:spPr/>
+    </dgm:pt>
+    <dgm:pt modelId="{8CF501DC-950B-4345-9271-D6F9066DE219}" type="pres">
+      <dgm:prSet presAssocID="{35E3B79F-C3F5-4F13-BA2D-DAB579C11418}" presName="hierChild5" presStyleCnt="0"/>
+      <dgm:spPr/>
+    </dgm:pt>
+    <dgm:pt modelId="{E2AE9254-680C-4285-86B3-3D006C984DF3}" type="pres">
+      <dgm:prSet presAssocID="{0647673D-7E39-45B9-8E3B-5EF741D7EF12}" presName="Name28" presStyleLbl="parChTrans1D2" presStyleIdx="1" presStyleCnt="4"/>
+      <dgm:spPr/>
+      <dgm:t>
+        <a:bodyPr/>
+        <a:lstStyle/>
+        <a:p>
+          <a:endParaRPr lang="en-US"/>
+        </a:p>
+      </dgm:t>
+    </dgm:pt>
+    <dgm:pt modelId="{0A515526-FB89-43B7-86CB-CC5137F56DD1}" type="pres">
+      <dgm:prSet presAssocID="{77DA2A2B-50F8-49C8-9EAE-CB0A83457EE0}" presName="hierRoot2" presStyleCnt="0">
+        <dgm:presLayoutVars>
+          <dgm:hierBranch val="init"/>
+        </dgm:presLayoutVars>
+      </dgm:prSet>
+      <dgm:spPr/>
+    </dgm:pt>
+    <dgm:pt modelId="{96ED1AD3-2933-47FF-BD2E-D8EF8BADFE7C}" type="pres">
+      <dgm:prSet presAssocID="{77DA2A2B-50F8-49C8-9EAE-CB0A83457EE0}" presName="rootComposite2" presStyleCnt="0"/>
+      <dgm:spPr/>
+    </dgm:pt>
+    <dgm:pt modelId="{2357367D-21C5-46FF-BFF1-DC16887A5DF9}" type="pres">
+      <dgm:prSet presAssocID="{77DA2A2B-50F8-49C8-9EAE-CB0A83457EE0}" presName="rootText2" presStyleLbl="alignAcc1" presStyleIdx="0" presStyleCnt="0">
+        <dgm:presLayoutVars>
+          <dgm:chPref val="3"/>
+        </dgm:presLayoutVars>
+      </dgm:prSet>
+      <dgm:spPr/>
+      <dgm:t>
+        <a:bodyPr/>
+        <a:lstStyle/>
+        <a:p>
+          <a:endParaRPr lang="en-US"/>
+        </a:p>
+      </dgm:t>
+    </dgm:pt>
+    <dgm:pt modelId="{792D4FBD-5309-4538-96EA-3EBFCD84A045}" type="pres">
+      <dgm:prSet presAssocID="{77DA2A2B-50F8-49C8-9EAE-CB0A83457EE0}" presName="topArc2" presStyleLbl="parChTrans1D1" presStyleIdx="4" presStyleCnt="10"/>
+      <dgm:spPr/>
+    </dgm:pt>
+    <dgm:pt modelId="{2289FCDB-C7B4-4AB3-A174-756D2380D0CE}" type="pres">
+      <dgm:prSet presAssocID="{77DA2A2B-50F8-49C8-9EAE-CB0A83457EE0}" presName="bottomArc2" presStyleLbl="parChTrans1D1" presStyleIdx="5" presStyleCnt="10"/>
+      <dgm:spPr/>
+    </dgm:pt>
+    <dgm:pt modelId="{7A465836-246B-42E9-90B2-B922D83E1AEC}" type="pres">
+      <dgm:prSet presAssocID="{77DA2A2B-50F8-49C8-9EAE-CB0A83457EE0}" presName="topConnNode2" presStyleLbl="node2" presStyleIdx="0" presStyleCnt="0"/>
+      <dgm:spPr/>
+      <dgm:t>
+        <a:bodyPr/>
+        <a:lstStyle/>
+        <a:p>
+          <a:endParaRPr lang="en-US"/>
+        </a:p>
+      </dgm:t>
+    </dgm:pt>
+    <dgm:pt modelId="{A683194C-49DF-4E82-A87B-27F14353C5F6}" type="pres">
+      <dgm:prSet presAssocID="{77DA2A2B-50F8-49C8-9EAE-CB0A83457EE0}" presName="hierChild4" presStyleCnt="0"/>
+      <dgm:spPr/>
+    </dgm:pt>
+    <dgm:pt modelId="{E8FC964A-D033-4CE7-B121-A2BAF98565E2}" type="pres">
+      <dgm:prSet presAssocID="{77DA2A2B-50F8-49C8-9EAE-CB0A83457EE0}" presName="hierChild5" presStyleCnt="0"/>
+      <dgm:spPr/>
+    </dgm:pt>
+    <dgm:pt modelId="{87A956EF-1359-41E0-95B3-1E6ACDDDF3AE}" type="pres">
+      <dgm:prSet presAssocID="{75B26C8B-3E23-4C4C-A571-B01108A77848}" presName="Name28" presStyleLbl="parChTrans1D2" presStyleIdx="2" presStyleCnt="4"/>
+      <dgm:spPr/>
+      <dgm:t>
+        <a:bodyPr/>
+        <a:lstStyle/>
+        <a:p>
+          <a:endParaRPr lang="en-US"/>
+        </a:p>
+      </dgm:t>
+    </dgm:pt>
+    <dgm:pt modelId="{B924C724-2AA8-4254-9A8A-DEEC20E64A91}" type="pres">
+      <dgm:prSet presAssocID="{45E9082D-C130-4AE5-BD9F-5A20195EF09D}" presName="hierRoot2" presStyleCnt="0">
+        <dgm:presLayoutVars>
+          <dgm:hierBranch val="init"/>
+        </dgm:presLayoutVars>
+      </dgm:prSet>
+      <dgm:spPr/>
+    </dgm:pt>
+    <dgm:pt modelId="{363E5348-4416-4CFF-9563-CCE53DC1C97C}" type="pres">
+      <dgm:prSet presAssocID="{45E9082D-C130-4AE5-BD9F-5A20195EF09D}" presName="rootComposite2" presStyleCnt="0"/>
+      <dgm:spPr/>
+    </dgm:pt>
+    <dgm:pt modelId="{90D08A1F-818F-4A2B-958F-01AB1BFB00A6}" type="pres">
+      <dgm:prSet presAssocID="{45E9082D-C130-4AE5-BD9F-5A20195EF09D}" presName="rootText2" presStyleLbl="alignAcc1" presStyleIdx="0" presStyleCnt="0">
+        <dgm:presLayoutVars>
+          <dgm:chPref val="3"/>
+        </dgm:presLayoutVars>
+      </dgm:prSet>
+      <dgm:spPr/>
+      <dgm:t>
+        <a:bodyPr/>
+        <a:lstStyle/>
+        <a:p>
+          <a:endParaRPr lang="en-US"/>
+        </a:p>
+      </dgm:t>
+    </dgm:pt>
+    <dgm:pt modelId="{0EF9AF94-B90B-47CA-BAB5-E2BAAAF01A39}" type="pres">
+      <dgm:prSet presAssocID="{45E9082D-C130-4AE5-BD9F-5A20195EF09D}" presName="topArc2" presStyleLbl="parChTrans1D1" presStyleIdx="6" presStyleCnt="10"/>
+      <dgm:spPr/>
+    </dgm:pt>
+    <dgm:pt modelId="{87535C09-0D6A-46F5-AA71-5254E717E4D5}" type="pres">
+      <dgm:prSet presAssocID="{45E9082D-C130-4AE5-BD9F-5A20195EF09D}" presName="bottomArc2" presStyleLbl="parChTrans1D1" presStyleIdx="7" presStyleCnt="10"/>
+      <dgm:spPr/>
+    </dgm:pt>
+    <dgm:pt modelId="{CB708DBA-0CA6-46CA-A291-89AB08C29634}" type="pres">
+      <dgm:prSet presAssocID="{45E9082D-C130-4AE5-BD9F-5A20195EF09D}" presName="topConnNode2" presStyleLbl="node2" presStyleIdx="0" presStyleCnt="0"/>
+      <dgm:spPr/>
+      <dgm:t>
+        <a:bodyPr/>
+        <a:lstStyle/>
+        <a:p>
+          <a:endParaRPr lang="en-US"/>
+        </a:p>
+      </dgm:t>
+    </dgm:pt>
+    <dgm:pt modelId="{A0D9783B-0674-4CA4-AA22-47D1895A2469}" type="pres">
+      <dgm:prSet presAssocID="{45E9082D-C130-4AE5-BD9F-5A20195EF09D}" presName="hierChild4" presStyleCnt="0"/>
+      <dgm:spPr/>
+    </dgm:pt>
+    <dgm:pt modelId="{5D64B5B4-634D-4606-B454-6334D8F2F870}" type="pres">
+      <dgm:prSet presAssocID="{45E9082D-C130-4AE5-BD9F-5A20195EF09D}" presName="hierChild5" presStyleCnt="0"/>
+      <dgm:spPr/>
+    </dgm:pt>
+    <dgm:pt modelId="{839D06A0-09B6-415B-8F4E-CA225BB18CBF}" type="pres">
+      <dgm:prSet presAssocID="{AD5C7D6B-2E4B-4D60-B096-D3158268F5E2}" presName="hierChild3" presStyleCnt="0"/>
+      <dgm:spPr/>
+    </dgm:pt>
+    <dgm:pt modelId="{9A9FD03C-075D-4FC5-B1A0-20A04BDB1173}" type="pres">
+      <dgm:prSet presAssocID="{B8C63EA6-E27E-47DF-804C-732DEBCACA2A}" presName="Name101" presStyleLbl="parChTrans1D2" presStyleIdx="3" presStyleCnt="4"/>
+      <dgm:spPr/>
+      <dgm:t>
+        <a:bodyPr/>
+        <a:lstStyle/>
+        <a:p>
+          <a:endParaRPr lang="en-US"/>
+        </a:p>
+      </dgm:t>
+    </dgm:pt>
+    <dgm:pt modelId="{B9FC2677-306B-432D-BD03-0FFDE40277D1}" type="pres">
+      <dgm:prSet presAssocID="{16DB77D2-97E9-4C3A-A84D-1D64ACDAD8D9}" presName="hierRoot3" presStyleCnt="0">
+        <dgm:presLayoutVars>
+          <dgm:hierBranch val="init"/>
+        </dgm:presLayoutVars>
+      </dgm:prSet>
+      <dgm:spPr/>
+    </dgm:pt>
+    <dgm:pt modelId="{DD425C77-AD44-4E9D-9917-9BBE4F911D3B}" type="pres">
+      <dgm:prSet presAssocID="{16DB77D2-97E9-4C3A-A84D-1D64ACDAD8D9}" presName="rootComposite3" presStyleCnt="0"/>
+      <dgm:spPr/>
+    </dgm:pt>
+    <dgm:pt modelId="{9BDAA6CA-8E3C-468C-B0D9-D08B75336B2F}" type="pres">
+      <dgm:prSet presAssocID="{16DB77D2-97E9-4C3A-A84D-1D64ACDAD8D9}" presName="rootText3" presStyleLbl="alignAcc1" presStyleIdx="0" presStyleCnt="0">
+        <dgm:presLayoutVars>
+          <dgm:chPref val="3"/>
+        </dgm:presLayoutVars>
+      </dgm:prSet>
+      <dgm:spPr/>
+      <dgm:t>
+        <a:bodyPr/>
+        <a:lstStyle/>
+        <a:p>
+          <a:endParaRPr lang="en-US"/>
+        </a:p>
+      </dgm:t>
+    </dgm:pt>
+    <dgm:pt modelId="{5815C7D5-C784-459F-B808-5042CB8D3274}" type="pres">
+      <dgm:prSet presAssocID="{16DB77D2-97E9-4C3A-A84D-1D64ACDAD8D9}" presName="topArc3" presStyleLbl="parChTrans1D1" presStyleIdx="8" presStyleCnt="10"/>
+      <dgm:spPr/>
+    </dgm:pt>
+    <dgm:pt modelId="{E42D4D34-7AB2-4155-BEAE-1841169CCC94}" type="pres">
+      <dgm:prSet presAssocID="{16DB77D2-97E9-4C3A-A84D-1D64ACDAD8D9}" presName="bottomArc3" presStyleLbl="parChTrans1D1" presStyleIdx="9" presStyleCnt="10"/>
+      <dgm:spPr/>
+    </dgm:pt>
+    <dgm:pt modelId="{DB63DEA8-9CB3-41F0-9C19-1E8E93D1691C}" type="pres">
+      <dgm:prSet presAssocID="{16DB77D2-97E9-4C3A-A84D-1D64ACDAD8D9}" presName="topConnNode3" presStyleLbl="asst1" presStyleIdx="0" presStyleCnt="0"/>
+      <dgm:spPr/>
+      <dgm:t>
+        <a:bodyPr/>
+        <a:lstStyle/>
+        <a:p>
+          <a:endParaRPr lang="en-US"/>
+        </a:p>
+      </dgm:t>
+    </dgm:pt>
+    <dgm:pt modelId="{2486AF58-56F9-4133-9375-1E0E83D63F3C}" type="pres">
+      <dgm:prSet presAssocID="{16DB77D2-97E9-4C3A-A84D-1D64ACDAD8D9}" presName="hierChild6" presStyleCnt="0"/>
+      <dgm:spPr/>
+    </dgm:pt>
+    <dgm:pt modelId="{4696EE5D-D361-45E7-B54B-19687C663866}" type="pres">
+      <dgm:prSet presAssocID="{16DB77D2-97E9-4C3A-A84D-1D64ACDAD8D9}" presName="hierChild7" presStyleCnt="0"/>
+      <dgm:spPr/>
+    </dgm:pt>
+  </dgm:ptLst>
+  <dgm:cxnLst>
+    <dgm:cxn modelId="{BAD12A80-E043-43D4-B6C8-83AA9499AC1C}" srcId="{AD5C7D6B-2E4B-4D60-B096-D3158268F5E2}" destId="{77DA2A2B-50F8-49C8-9EAE-CB0A83457EE0}" srcOrd="1" destOrd="0" parTransId="{0647673D-7E39-45B9-8E3B-5EF741D7EF12}" sibTransId="{1E023413-84DA-46C6-B859-7A9D7123337F}"/>
+    <dgm:cxn modelId="{B3A3AEB4-3DC3-427A-B076-3890601638EA}" type="presOf" srcId="{35E3B79F-C3F5-4F13-BA2D-DAB579C11418}" destId="{3EF6198A-54B1-4FA6-B7D1-8E28FEC1814F}" srcOrd="0" destOrd="0" presId="urn:microsoft.com/office/officeart/2008/layout/HalfCircleOrganizationChart"/>
+    <dgm:cxn modelId="{E639F48C-F33E-4A47-AEE0-25CFD7C40457}" srcId="{AD5C7D6B-2E4B-4D60-B096-D3158268F5E2}" destId="{45E9082D-C130-4AE5-BD9F-5A20195EF09D}" srcOrd="2" destOrd="0" parTransId="{75B26C8B-3E23-4C4C-A571-B01108A77848}" sibTransId="{AEECA4EB-7072-46F2-B9E3-ADFB9016C642}"/>
+    <dgm:cxn modelId="{0DA8AE8E-FD8C-4A7B-9229-B6822411EAA6}" type="presOf" srcId="{C001BE44-3771-4FAA-927A-653E80047286}" destId="{C6D26376-AA0C-4BDD-94F6-635B746BE4AD}" srcOrd="0" destOrd="0" presId="urn:microsoft.com/office/officeart/2008/layout/HalfCircleOrganizationChart"/>
+    <dgm:cxn modelId="{8890F0B9-FCA3-437A-9C25-7C919522F433}" type="presOf" srcId="{45E9082D-C130-4AE5-BD9F-5A20195EF09D}" destId="{CB708DBA-0CA6-46CA-A291-89AB08C29634}" srcOrd="1" destOrd="0" presId="urn:microsoft.com/office/officeart/2008/layout/HalfCircleOrganizationChart"/>
+    <dgm:cxn modelId="{501CEB1E-F8F5-4C27-88C0-9C3FF09548DA}" srcId="{AD5C7D6B-2E4B-4D60-B096-D3158268F5E2}" destId="{35E3B79F-C3F5-4F13-BA2D-DAB579C11418}" srcOrd="0" destOrd="0" parTransId="{9B0545A2-0FBF-4490-B14C-FE14C282C219}" sibTransId="{BC8F0323-673B-408D-AE58-12F4CE0AD331}"/>
+    <dgm:cxn modelId="{24F1B626-AC0E-415F-8DD9-AA61A231FFD3}" type="presOf" srcId="{AD5C7D6B-2E4B-4D60-B096-D3158268F5E2}" destId="{09DA99E2-6A94-4176-8D1D-F55A68FA02C0}" srcOrd="1" destOrd="0" presId="urn:microsoft.com/office/officeart/2008/layout/HalfCircleOrganizationChart"/>
+    <dgm:cxn modelId="{7B662A98-E021-405A-8B65-43D32F29C53F}" type="presOf" srcId="{45E9082D-C130-4AE5-BD9F-5A20195EF09D}" destId="{90D08A1F-818F-4A2B-958F-01AB1BFB00A6}" srcOrd="0" destOrd="0" presId="urn:microsoft.com/office/officeart/2008/layout/HalfCircleOrganizationChart"/>
+    <dgm:cxn modelId="{9F303636-248C-407F-8765-754C4D2B8C76}" type="presOf" srcId="{16DB77D2-97E9-4C3A-A84D-1D64ACDAD8D9}" destId="{DB63DEA8-9CB3-41F0-9C19-1E8E93D1691C}" srcOrd="1" destOrd="0" presId="urn:microsoft.com/office/officeart/2008/layout/HalfCircleOrganizationChart"/>
+    <dgm:cxn modelId="{7E7B2A82-DA7D-4B8F-9BDE-233397DD6083}" type="presOf" srcId="{AD5C7D6B-2E4B-4D60-B096-D3158268F5E2}" destId="{55DEF528-604E-4DCB-ABC5-83B67C0B7E0C}" srcOrd="0" destOrd="0" presId="urn:microsoft.com/office/officeart/2008/layout/HalfCircleOrganizationChart"/>
+    <dgm:cxn modelId="{00D96F06-AF40-4081-AD96-F37E98BFEEEE}" type="presOf" srcId="{0647673D-7E39-45B9-8E3B-5EF741D7EF12}" destId="{E2AE9254-680C-4285-86B3-3D006C984DF3}" srcOrd="0" destOrd="0" presId="urn:microsoft.com/office/officeart/2008/layout/HalfCircleOrganizationChart"/>
+    <dgm:cxn modelId="{C27ED577-3A67-4C87-933E-51905F42A4A1}" type="presOf" srcId="{B8C63EA6-E27E-47DF-804C-732DEBCACA2A}" destId="{9A9FD03C-075D-4FC5-B1A0-20A04BDB1173}" srcOrd="0" destOrd="0" presId="urn:microsoft.com/office/officeart/2008/layout/HalfCircleOrganizationChart"/>
+    <dgm:cxn modelId="{59F91CF1-A825-4736-BC24-DA00B1D3E99D}" type="presOf" srcId="{77DA2A2B-50F8-49C8-9EAE-CB0A83457EE0}" destId="{2357367D-21C5-46FF-BFF1-DC16887A5DF9}" srcOrd="0" destOrd="0" presId="urn:microsoft.com/office/officeart/2008/layout/HalfCircleOrganizationChart"/>
+    <dgm:cxn modelId="{DE59C82C-A211-4D63-982A-9DA08D51ACD0}" type="presOf" srcId="{9B0545A2-0FBF-4490-B14C-FE14C282C219}" destId="{00561C24-69C0-46E2-9667-369A410D0500}" srcOrd="0" destOrd="0" presId="urn:microsoft.com/office/officeart/2008/layout/HalfCircleOrganizationChart"/>
+    <dgm:cxn modelId="{5532C664-FD03-44A9-AA92-45FAF14E08C7}" type="presOf" srcId="{75B26C8B-3E23-4C4C-A571-B01108A77848}" destId="{87A956EF-1359-41E0-95B3-1E6ACDDDF3AE}" srcOrd="0" destOrd="0" presId="urn:microsoft.com/office/officeart/2008/layout/HalfCircleOrganizationChart"/>
+    <dgm:cxn modelId="{9F224AC3-BFBC-4499-B4F3-C76E67A70231}" srcId="{AD5C7D6B-2E4B-4D60-B096-D3158268F5E2}" destId="{16DB77D2-97E9-4C3A-A84D-1D64ACDAD8D9}" srcOrd="3" destOrd="0" parTransId="{B8C63EA6-E27E-47DF-804C-732DEBCACA2A}" sibTransId="{A9B2B381-1E01-48C2-8228-352399F03B9D}"/>
+    <dgm:cxn modelId="{D169C0B0-AD22-43B0-8841-DB4C50014910}" type="presOf" srcId="{77DA2A2B-50F8-49C8-9EAE-CB0A83457EE0}" destId="{7A465836-246B-42E9-90B2-B922D83E1AEC}" srcOrd="1" destOrd="0" presId="urn:microsoft.com/office/officeart/2008/layout/HalfCircleOrganizationChart"/>
+    <dgm:cxn modelId="{570D1457-42D9-4D7F-A7AF-928EC82BF3A8}" srcId="{C001BE44-3771-4FAA-927A-653E80047286}" destId="{AD5C7D6B-2E4B-4D60-B096-D3158268F5E2}" srcOrd="0" destOrd="0" parTransId="{597872BD-0854-4438-9CA1-47C037D7A7A3}" sibTransId="{D804AD61-F635-4380-BF6E-376B680FE32A}"/>
+    <dgm:cxn modelId="{11FB0ED6-B551-44C2-B244-F8297D635C88}" type="presOf" srcId="{16DB77D2-97E9-4C3A-A84D-1D64ACDAD8D9}" destId="{9BDAA6CA-8E3C-468C-B0D9-D08B75336B2F}" srcOrd="0" destOrd="0" presId="urn:microsoft.com/office/officeart/2008/layout/HalfCircleOrganizationChart"/>
+    <dgm:cxn modelId="{4F35E4DE-FE67-4F59-9E00-7EC6476D3BAB}" type="presOf" srcId="{35E3B79F-C3F5-4F13-BA2D-DAB579C11418}" destId="{D423886C-5979-406B-9FC6-AF68FC266E72}" srcOrd="1" destOrd="0" presId="urn:microsoft.com/office/officeart/2008/layout/HalfCircleOrganizationChart"/>
+    <dgm:cxn modelId="{4D48CAE7-4C7E-40B4-BCEE-FF0B32AC9350}" type="presParOf" srcId="{C6D26376-AA0C-4BDD-94F6-635B746BE4AD}" destId="{1FD540FC-0C83-416A-AF0E-11E36364B422}" srcOrd="0" destOrd="0" presId="urn:microsoft.com/office/officeart/2008/layout/HalfCircleOrganizationChart"/>
+    <dgm:cxn modelId="{A9D6CBEC-6C45-49BF-95D8-4BEEF1283D11}" type="presParOf" srcId="{1FD540FC-0C83-416A-AF0E-11E36364B422}" destId="{D381E382-E902-4F72-91E4-D9C779AD62FC}" srcOrd="0" destOrd="0" presId="urn:microsoft.com/office/officeart/2008/layout/HalfCircleOrganizationChart"/>
+    <dgm:cxn modelId="{B367F8BD-2F21-48CF-A3F2-B4C04F6F3D55}" type="presParOf" srcId="{D381E382-E902-4F72-91E4-D9C779AD62FC}" destId="{55DEF528-604E-4DCB-ABC5-83B67C0B7E0C}" srcOrd="0" destOrd="0" presId="urn:microsoft.com/office/officeart/2008/layout/HalfCircleOrganizationChart"/>
+    <dgm:cxn modelId="{7AB0F6B3-79BC-4F9D-AC88-BF74A396ADCA}" type="presParOf" srcId="{D381E382-E902-4F72-91E4-D9C779AD62FC}" destId="{634F9EE6-1F9C-41AF-A1BA-1488FDA78527}" srcOrd="1" destOrd="0" presId="urn:microsoft.com/office/officeart/2008/layout/HalfCircleOrganizationChart"/>
+    <dgm:cxn modelId="{C2170D29-D100-4DE3-B736-8CBBC9CADB6A}" type="presParOf" srcId="{D381E382-E902-4F72-91E4-D9C779AD62FC}" destId="{698B7C3F-CEDF-49C1-8B08-F17D4BE439F3}" srcOrd="2" destOrd="0" presId="urn:microsoft.com/office/officeart/2008/layout/HalfCircleOrganizationChart"/>
+    <dgm:cxn modelId="{EA8BDB16-B769-475F-8A4C-B0B875A2064B}" type="presParOf" srcId="{D381E382-E902-4F72-91E4-D9C779AD62FC}" destId="{09DA99E2-6A94-4176-8D1D-F55A68FA02C0}" srcOrd="3" destOrd="0" presId="urn:microsoft.com/office/officeart/2008/layout/HalfCircleOrganizationChart"/>
+    <dgm:cxn modelId="{5E6D6158-A201-4F3F-B0DF-07AD7BCEA920}" type="presParOf" srcId="{1FD540FC-0C83-416A-AF0E-11E36364B422}" destId="{A2133C58-4F99-4D3B-9484-4759FBACEAC6}" srcOrd="1" destOrd="0" presId="urn:microsoft.com/office/officeart/2008/layout/HalfCircleOrganizationChart"/>
+    <dgm:cxn modelId="{67264DA6-C75F-4908-A9BF-2E9F024A07E9}" type="presParOf" srcId="{A2133C58-4F99-4D3B-9484-4759FBACEAC6}" destId="{00561C24-69C0-46E2-9667-369A410D0500}" srcOrd="0" destOrd="0" presId="urn:microsoft.com/office/officeart/2008/layout/HalfCircleOrganizationChart"/>
+    <dgm:cxn modelId="{D04FE87F-1BDD-47BB-85B7-2B576D27572F}" type="presParOf" srcId="{A2133C58-4F99-4D3B-9484-4759FBACEAC6}" destId="{0E382A08-B7F8-4A8D-AFF7-14A602968D81}" srcOrd="1" destOrd="0" presId="urn:microsoft.com/office/officeart/2008/layout/HalfCircleOrganizationChart"/>
+    <dgm:cxn modelId="{BC8BB469-ADDD-4CF6-9FCE-B29C169EDBFF}" type="presParOf" srcId="{0E382A08-B7F8-4A8D-AFF7-14A602968D81}" destId="{C1220D4C-E495-4A09-9AD4-FCBF1A01977B}" srcOrd="0" destOrd="0" presId="urn:microsoft.com/office/officeart/2008/layout/HalfCircleOrganizationChart"/>
+    <dgm:cxn modelId="{D5F93CCE-D61E-4857-8CCD-49350DF2776C}" type="presParOf" srcId="{C1220D4C-E495-4A09-9AD4-FCBF1A01977B}" destId="{3EF6198A-54B1-4FA6-B7D1-8E28FEC1814F}" srcOrd="0" destOrd="0" presId="urn:microsoft.com/office/officeart/2008/layout/HalfCircleOrganizationChart"/>
+    <dgm:cxn modelId="{5B476667-11ED-485C-8C20-A912090D8AA7}" type="presParOf" srcId="{C1220D4C-E495-4A09-9AD4-FCBF1A01977B}" destId="{490FB7EB-D5C0-48FD-B25E-3D0367C41AAF}" srcOrd="1" destOrd="0" presId="urn:microsoft.com/office/officeart/2008/layout/HalfCircleOrganizationChart"/>
+    <dgm:cxn modelId="{8A316493-DD47-4326-9153-6A7F1B6FC3F4}" type="presParOf" srcId="{C1220D4C-E495-4A09-9AD4-FCBF1A01977B}" destId="{530F0640-17B3-43DB-81C0-A9CB317BFD75}" srcOrd="2" destOrd="0" presId="urn:microsoft.com/office/officeart/2008/layout/HalfCircleOrganizationChart"/>
+    <dgm:cxn modelId="{154A0984-8295-4F34-96B2-BE788F79A89E}" type="presParOf" srcId="{C1220D4C-E495-4A09-9AD4-FCBF1A01977B}" destId="{D423886C-5979-406B-9FC6-AF68FC266E72}" srcOrd="3" destOrd="0" presId="urn:microsoft.com/office/officeart/2008/layout/HalfCircleOrganizationChart"/>
+    <dgm:cxn modelId="{25CE9429-EBEA-4978-92E2-EDC4EB2C2C00}" type="presParOf" srcId="{0E382A08-B7F8-4A8D-AFF7-14A602968D81}" destId="{A210B558-9785-4045-85CF-BE53DA27A14E}" srcOrd="1" destOrd="0" presId="urn:microsoft.com/office/officeart/2008/layout/HalfCircleOrganizationChart"/>
+    <dgm:cxn modelId="{3F5D0781-3394-4FD6-BE9A-8AECD137B665}" type="presParOf" srcId="{0E382A08-B7F8-4A8D-AFF7-14A602968D81}" destId="{8CF501DC-950B-4345-9271-D6F9066DE219}" srcOrd="2" destOrd="0" presId="urn:microsoft.com/office/officeart/2008/layout/HalfCircleOrganizationChart"/>
+    <dgm:cxn modelId="{50867EEF-6092-481F-9701-84A3491D89F2}" type="presParOf" srcId="{A2133C58-4F99-4D3B-9484-4759FBACEAC6}" destId="{E2AE9254-680C-4285-86B3-3D006C984DF3}" srcOrd="2" destOrd="0" presId="urn:microsoft.com/office/officeart/2008/layout/HalfCircleOrganizationChart"/>
+    <dgm:cxn modelId="{7AFFBD80-E220-420C-BE2F-9ACE6676071A}" type="presParOf" srcId="{A2133C58-4F99-4D3B-9484-4759FBACEAC6}" destId="{0A515526-FB89-43B7-86CB-CC5137F56DD1}" srcOrd="3" destOrd="0" presId="urn:microsoft.com/office/officeart/2008/layout/HalfCircleOrganizationChart"/>
+    <dgm:cxn modelId="{C454A365-D0D6-4104-9390-3AF821FEB55A}" type="presParOf" srcId="{0A515526-FB89-43B7-86CB-CC5137F56DD1}" destId="{96ED1AD3-2933-47FF-BD2E-D8EF8BADFE7C}" srcOrd="0" destOrd="0" presId="urn:microsoft.com/office/officeart/2008/layout/HalfCircleOrganizationChart"/>
+    <dgm:cxn modelId="{66CD08A3-A7E6-4644-8AC2-8900BA2DE0BD}" type="presParOf" srcId="{96ED1AD3-2933-47FF-BD2E-D8EF8BADFE7C}" destId="{2357367D-21C5-46FF-BFF1-DC16887A5DF9}" srcOrd="0" destOrd="0" presId="urn:microsoft.com/office/officeart/2008/layout/HalfCircleOrganizationChart"/>
+    <dgm:cxn modelId="{A16D801B-21F7-4343-B847-7F3F7C38B76A}" type="presParOf" srcId="{96ED1AD3-2933-47FF-BD2E-D8EF8BADFE7C}" destId="{792D4FBD-5309-4538-96EA-3EBFCD84A045}" srcOrd="1" destOrd="0" presId="urn:microsoft.com/office/officeart/2008/layout/HalfCircleOrganizationChart"/>
+    <dgm:cxn modelId="{C0151899-DA6E-4740-8B3E-B3CD26C2756E}" type="presParOf" srcId="{96ED1AD3-2933-47FF-BD2E-D8EF8BADFE7C}" destId="{2289FCDB-C7B4-4AB3-A174-756D2380D0CE}" srcOrd="2" destOrd="0" presId="urn:microsoft.com/office/officeart/2008/layout/HalfCircleOrganizationChart"/>
+    <dgm:cxn modelId="{11C0CE84-F025-45EB-971C-707A50538B2F}" type="presParOf" srcId="{96ED1AD3-2933-47FF-BD2E-D8EF8BADFE7C}" destId="{7A465836-246B-42E9-90B2-B922D83E1AEC}" srcOrd="3" destOrd="0" presId="urn:microsoft.com/office/officeart/2008/layout/HalfCircleOrganizationChart"/>
+    <dgm:cxn modelId="{DC826A2B-971C-46C3-81DC-02B39470F50C}" type="presParOf" srcId="{0A515526-FB89-43B7-86CB-CC5137F56DD1}" destId="{A683194C-49DF-4E82-A87B-27F14353C5F6}" srcOrd="1" destOrd="0" presId="urn:microsoft.com/office/officeart/2008/layout/HalfCircleOrganizationChart"/>
+    <dgm:cxn modelId="{E8FC507D-5701-4618-B3ED-3BEE84DB58DD}" type="presParOf" srcId="{0A515526-FB89-43B7-86CB-CC5137F56DD1}" destId="{E8FC964A-D033-4CE7-B121-A2BAF98565E2}" srcOrd="2" destOrd="0" presId="urn:microsoft.com/office/officeart/2008/layout/HalfCircleOrganizationChart"/>
+    <dgm:cxn modelId="{04E2C40E-CC4C-4255-8474-F8B2D2FF08D6}" type="presParOf" srcId="{A2133C58-4F99-4D3B-9484-4759FBACEAC6}" destId="{87A956EF-1359-41E0-95B3-1E6ACDDDF3AE}" srcOrd="4" destOrd="0" presId="urn:microsoft.com/office/officeart/2008/layout/HalfCircleOrganizationChart"/>
+    <dgm:cxn modelId="{65B7115B-E460-444B-8198-9C779D53FC3E}" type="presParOf" srcId="{A2133C58-4F99-4D3B-9484-4759FBACEAC6}" destId="{B924C724-2AA8-4254-9A8A-DEEC20E64A91}" srcOrd="5" destOrd="0" presId="urn:microsoft.com/office/officeart/2008/layout/HalfCircleOrganizationChart"/>
+    <dgm:cxn modelId="{09FE3A6A-3F5D-4E31-B0F2-6DA8701DCB98}" type="presParOf" srcId="{B924C724-2AA8-4254-9A8A-DEEC20E64A91}" destId="{363E5348-4416-4CFF-9563-CCE53DC1C97C}" srcOrd="0" destOrd="0" presId="urn:microsoft.com/office/officeart/2008/layout/HalfCircleOrganizationChart"/>
+    <dgm:cxn modelId="{A23EA21C-770F-49C0-85B8-096C8E3DD56B}" type="presParOf" srcId="{363E5348-4416-4CFF-9563-CCE53DC1C97C}" destId="{90D08A1F-818F-4A2B-958F-01AB1BFB00A6}" srcOrd="0" destOrd="0" presId="urn:microsoft.com/office/officeart/2008/layout/HalfCircleOrganizationChart"/>
+    <dgm:cxn modelId="{1214978E-C9F4-48F4-809D-FCA8462A214A}" type="presParOf" srcId="{363E5348-4416-4CFF-9563-CCE53DC1C97C}" destId="{0EF9AF94-B90B-47CA-BAB5-E2BAAAF01A39}" srcOrd="1" destOrd="0" presId="urn:microsoft.com/office/officeart/2008/layout/HalfCircleOrganizationChart"/>
+    <dgm:cxn modelId="{A438C8DB-5F25-413C-A20A-5268306AF0A5}" type="presParOf" srcId="{363E5348-4416-4CFF-9563-CCE53DC1C97C}" destId="{87535C09-0D6A-46F5-AA71-5254E717E4D5}" srcOrd="2" destOrd="0" presId="urn:microsoft.com/office/officeart/2008/layout/HalfCircleOrganizationChart"/>
+    <dgm:cxn modelId="{C1A8E1C5-0257-413E-838C-044ABFD0E1E2}" type="presParOf" srcId="{363E5348-4416-4CFF-9563-CCE53DC1C97C}" destId="{CB708DBA-0CA6-46CA-A291-89AB08C29634}" srcOrd="3" destOrd="0" presId="urn:microsoft.com/office/officeart/2008/layout/HalfCircleOrganizationChart"/>
+    <dgm:cxn modelId="{10236750-09E3-4755-8512-7C02024A408B}" type="presParOf" srcId="{B924C724-2AA8-4254-9A8A-DEEC20E64A91}" destId="{A0D9783B-0674-4CA4-AA22-47D1895A2469}" srcOrd="1" destOrd="0" presId="urn:microsoft.com/office/officeart/2008/layout/HalfCircleOrganizationChart"/>
+    <dgm:cxn modelId="{3B398065-08FC-4B53-9B4C-B6510D99C800}" type="presParOf" srcId="{B924C724-2AA8-4254-9A8A-DEEC20E64A91}" destId="{5D64B5B4-634D-4606-B454-6334D8F2F870}" srcOrd="2" destOrd="0" presId="urn:microsoft.com/office/officeart/2008/layout/HalfCircleOrganizationChart"/>
+    <dgm:cxn modelId="{EEF38CD3-222D-4781-9B60-5F8033F4DBB1}" type="presParOf" srcId="{1FD540FC-0C83-416A-AF0E-11E36364B422}" destId="{839D06A0-09B6-415B-8F4E-CA225BB18CBF}" srcOrd="2" destOrd="0" presId="urn:microsoft.com/office/officeart/2008/layout/HalfCircleOrganizationChart"/>
+    <dgm:cxn modelId="{FB34D3D4-7112-4AE3-A24D-4784629C0289}" type="presParOf" srcId="{839D06A0-09B6-415B-8F4E-CA225BB18CBF}" destId="{9A9FD03C-075D-4FC5-B1A0-20A04BDB1173}" srcOrd="0" destOrd="0" presId="urn:microsoft.com/office/officeart/2008/layout/HalfCircleOrganizationChart"/>
+    <dgm:cxn modelId="{3B6DC273-6C8A-431B-AA37-CB532670BB79}" type="presParOf" srcId="{839D06A0-09B6-415B-8F4E-CA225BB18CBF}" destId="{B9FC2677-306B-432D-BD03-0FFDE40277D1}" srcOrd="1" destOrd="0" presId="urn:microsoft.com/office/officeart/2008/layout/HalfCircleOrganizationChart"/>
+    <dgm:cxn modelId="{010143F2-716F-4F0E-9132-D3280B0B6349}" type="presParOf" srcId="{B9FC2677-306B-432D-BD03-0FFDE40277D1}" destId="{DD425C77-AD44-4E9D-9917-9BBE4F911D3B}" srcOrd="0" destOrd="0" presId="urn:microsoft.com/office/officeart/2008/layout/HalfCircleOrganizationChart"/>
+    <dgm:cxn modelId="{F2D3C6CA-7339-4BC6-B99C-316B18A2E944}" type="presParOf" srcId="{DD425C77-AD44-4E9D-9917-9BBE4F911D3B}" destId="{9BDAA6CA-8E3C-468C-B0D9-D08B75336B2F}" srcOrd="0" destOrd="0" presId="urn:microsoft.com/office/officeart/2008/layout/HalfCircleOrganizationChart"/>
+    <dgm:cxn modelId="{1119C62A-B1A0-4528-8B06-C00A0EFA91D1}" type="presParOf" srcId="{DD425C77-AD44-4E9D-9917-9BBE4F911D3B}" destId="{5815C7D5-C784-459F-B808-5042CB8D3274}" srcOrd="1" destOrd="0" presId="urn:microsoft.com/office/officeart/2008/layout/HalfCircleOrganizationChart"/>
+    <dgm:cxn modelId="{90262BC1-E67F-43CC-A510-75375FCFD499}" type="presParOf" srcId="{DD425C77-AD44-4E9D-9917-9BBE4F911D3B}" destId="{E42D4D34-7AB2-4155-BEAE-1841169CCC94}" srcOrd="2" destOrd="0" presId="urn:microsoft.com/office/officeart/2008/layout/HalfCircleOrganizationChart"/>
+    <dgm:cxn modelId="{943307E7-62C2-4D96-B514-10D8CA43F888}" type="presParOf" srcId="{DD425C77-AD44-4E9D-9917-9BBE4F911D3B}" destId="{DB63DEA8-9CB3-41F0-9C19-1E8E93D1691C}" srcOrd="3" destOrd="0" presId="urn:microsoft.com/office/officeart/2008/layout/HalfCircleOrganizationChart"/>
+    <dgm:cxn modelId="{44297FEF-396F-4511-AC13-E909DDE60116}" type="presParOf" srcId="{B9FC2677-306B-432D-BD03-0FFDE40277D1}" destId="{2486AF58-56F9-4133-9375-1E0E83D63F3C}" srcOrd="1" destOrd="0" presId="urn:microsoft.com/office/officeart/2008/layout/HalfCircleOrganizationChart"/>
+    <dgm:cxn modelId="{51B9CA24-A2D6-4717-9771-FF37D531D1E2}" type="presParOf" srcId="{B9FC2677-306B-432D-BD03-0FFDE40277D1}" destId="{4696EE5D-D361-45E7-B54B-19687C663866}" srcOrd="2" destOrd="0" presId="urn:microsoft.com/office/officeart/2008/layout/HalfCircleOrganizationChart"/>
+  </dgm:cxnLst>
+  <dgm:bg/>
+  <dgm:whole/>
+  <dgm:extLst>
+    <a:ext uri="http://schemas.microsoft.com/office/drawing/2008/diagram">
+      <dsp:dataModelExt xmlns:dsp="http://schemas.microsoft.com/office/drawing/2008/diagram" relId="rId6" minVer="http://schemas.openxmlformats.org/drawingml/2006/diagram"/>
+    </a:ext>
+  </dgm:extLst>
+</dgm:dataModel>
+</file>
+
+<file path=ppt/diagrams/drawing1.xml><?xml version="1.0" encoding="utf-8"?>
+<dsp:drawing xmlns:dgm="http://schemas.openxmlformats.org/drawingml/2006/diagram" xmlns:dsp="http://schemas.microsoft.com/office/drawing/2008/diagram" xmlns:a="http://schemas.openxmlformats.org/drawingml/2006/main">
+  <dsp:spTree>
+    <dsp:nvGrpSpPr>
+      <dsp:cNvPr id="0" name=""/>
+      <dsp:cNvGrpSpPr/>
+    </dsp:nvGrpSpPr>
+    <dsp:grpSpPr/>
+    <dsp:sp modelId="{9A9FD03C-075D-4FC5-B1A0-20A04BDB1173}">
+      <dsp:nvSpPr>
+        <dsp:cNvPr id="0" name=""/>
+        <dsp:cNvSpPr/>
+      </dsp:nvSpPr>
+      <dsp:spPr>
+        <a:xfrm>
+          <a:off x="3077840" y="1616240"/>
+          <a:ext cx="986159" cy="712886"/>
+        </a:xfrm>
+        <a:custGeom>
+          <a:avLst/>
+          <a:gdLst/>
+          <a:ahLst/>
+          <a:cxnLst/>
+          <a:rect l="0" t="0" r="0" b="0"/>
+          <a:pathLst>
+            <a:path>
+              <a:moveTo>
+                <a:pt x="986159" y="0"/>
+              </a:moveTo>
+              <a:lnTo>
+                <a:pt x="986159" y="712886"/>
+              </a:lnTo>
+              <a:lnTo>
+                <a:pt x="0" y="712886"/>
+              </a:lnTo>
+            </a:path>
+          </a:pathLst>
+        </a:custGeom>
+        <a:noFill/>
+        <a:ln w="12700" cap="flat" cmpd="sng" algn="ctr">
+          <a:solidFill>
+            <a:schemeClr val="accent1">
+              <a:shade val="60000"/>
+              <a:hueOff val="0"/>
+              <a:satOff val="0"/>
+              <a:lumOff val="0"/>
+              <a:alphaOff val="0"/>
+            </a:schemeClr>
+          </a:solidFill>
+          <a:prstDash val="solid"/>
+          <a:miter lim="800000"/>
+        </a:ln>
+        <a:effectLst/>
+      </dsp:spPr>
+      <dsp:style>
+        <a:lnRef idx="2">
+          <a:scrgbClr r="0" g="0" b="0"/>
+        </a:lnRef>
+        <a:fillRef idx="0">
+          <a:scrgbClr r="0" g="0" b="0"/>
+        </a:fillRef>
+        <a:effectRef idx="0">
+          <a:scrgbClr r="0" g="0" b="0"/>
+        </a:effectRef>
+        <a:fontRef idx="minor"/>
+      </dsp:style>
+    </dsp:sp>
+    <dsp:sp modelId="{87A956EF-1359-41E0-95B3-1E6ACDDDF3AE}">
+      <dsp:nvSpPr>
+        <dsp:cNvPr id="0" name=""/>
+        <dsp:cNvSpPr/>
+      </dsp:nvSpPr>
+      <dsp:spPr>
+        <a:xfrm>
+          <a:off x="4063999" y="1616240"/>
+          <a:ext cx="2875309" cy="2186185"/>
+        </a:xfrm>
+        <a:custGeom>
+          <a:avLst/>
+          <a:gdLst/>
+          <a:ahLst/>
+          <a:cxnLst/>
+          <a:rect l="0" t="0" r="0" b="0"/>
+          <a:pathLst>
+            <a:path>
+              <a:moveTo>
+                <a:pt x="0" y="0"/>
+              </a:moveTo>
+              <a:lnTo>
+                <a:pt x="0" y="1936675"/>
+              </a:lnTo>
+              <a:lnTo>
+                <a:pt x="2875309" y="1936675"/>
+              </a:lnTo>
+              <a:lnTo>
+                <a:pt x="2875309" y="2186185"/>
+              </a:lnTo>
+            </a:path>
+          </a:pathLst>
+        </a:custGeom>
+        <a:noFill/>
+        <a:ln w="12700" cap="flat" cmpd="sng" algn="ctr">
+          <a:solidFill>
+            <a:schemeClr val="accent1">
+              <a:shade val="60000"/>
+              <a:hueOff val="0"/>
+              <a:satOff val="0"/>
+              <a:lumOff val="0"/>
+              <a:alphaOff val="0"/>
+            </a:schemeClr>
+          </a:solidFill>
+          <a:prstDash val="solid"/>
+          <a:miter lim="800000"/>
+        </a:ln>
+        <a:effectLst/>
+      </dsp:spPr>
+      <dsp:style>
+        <a:lnRef idx="2">
+          <a:scrgbClr r="0" g="0" b="0"/>
+        </a:lnRef>
+        <a:fillRef idx="0">
+          <a:scrgbClr r="0" g="0" b="0"/>
+        </a:fillRef>
+        <a:effectRef idx="0">
+          <a:scrgbClr r="0" g="0" b="0"/>
+        </a:effectRef>
+        <a:fontRef idx="minor"/>
+      </dsp:style>
+    </dsp:sp>
+    <dsp:sp modelId="{E2AE9254-680C-4285-86B3-3D006C984DF3}">
+      <dsp:nvSpPr>
+        <dsp:cNvPr id="0" name=""/>
+        <dsp:cNvSpPr/>
+      </dsp:nvSpPr>
+      <dsp:spPr>
+        <a:xfrm>
+          <a:off x="4018279" y="1616240"/>
+          <a:ext cx="91440" cy="2186185"/>
+        </a:xfrm>
+        <a:custGeom>
+          <a:avLst/>
+          <a:gdLst/>
+          <a:ahLst/>
+          <a:cxnLst/>
+          <a:rect l="0" t="0" r="0" b="0"/>
+          <a:pathLst>
+            <a:path>
+              <a:moveTo>
+                <a:pt x="45720" y="0"/>
+              </a:moveTo>
+              <a:lnTo>
+                <a:pt x="45720" y="2186185"/>
+              </a:lnTo>
+            </a:path>
+          </a:pathLst>
+        </a:custGeom>
+        <a:noFill/>
+        <a:ln w="12700" cap="flat" cmpd="sng" algn="ctr">
+          <a:solidFill>
+            <a:schemeClr val="accent1">
+              <a:shade val="60000"/>
+              <a:hueOff val="0"/>
+              <a:satOff val="0"/>
+              <a:lumOff val="0"/>
+              <a:alphaOff val="0"/>
+            </a:schemeClr>
+          </a:solidFill>
+          <a:prstDash val="solid"/>
+          <a:miter lim="800000"/>
+        </a:ln>
+        <a:effectLst/>
+      </dsp:spPr>
+      <dsp:style>
+        <a:lnRef idx="2">
+          <a:scrgbClr r="0" g="0" b="0"/>
+        </a:lnRef>
+        <a:fillRef idx="0">
+          <a:scrgbClr r="0" g="0" b="0"/>
+        </a:fillRef>
+        <a:effectRef idx="0">
+          <a:scrgbClr r="0" g="0" b="0"/>
+        </a:effectRef>
+        <a:fontRef idx="minor"/>
+      </dsp:style>
+    </dsp:sp>
+    <dsp:sp modelId="{00561C24-69C0-46E2-9667-369A410D0500}">
+      <dsp:nvSpPr>
+        <dsp:cNvPr id="0" name=""/>
+        <dsp:cNvSpPr/>
+      </dsp:nvSpPr>
+      <dsp:spPr>
+        <a:xfrm>
+          <a:off x="1188690" y="1616240"/>
+          <a:ext cx="2875309" cy="2186185"/>
+        </a:xfrm>
+        <a:custGeom>
+          <a:avLst/>
+          <a:gdLst/>
+          <a:ahLst/>
+          <a:cxnLst/>
+          <a:rect l="0" t="0" r="0" b="0"/>
+          <a:pathLst>
+            <a:path>
+              <a:moveTo>
+                <a:pt x="2875309" y="0"/>
+              </a:moveTo>
+              <a:lnTo>
+                <a:pt x="2875309" y="1936675"/>
+              </a:lnTo>
+              <a:lnTo>
+                <a:pt x="0" y="1936675"/>
+              </a:lnTo>
+              <a:lnTo>
+                <a:pt x="0" y="2186185"/>
+              </a:lnTo>
+            </a:path>
+          </a:pathLst>
+        </a:custGeom>
+        <a:noFill/>
+        <a:ln w="12700" cap="flat" cmpd="sng" algn="ctr">
+          <a:solidFill>
+            <a:schemeClr val="accent1">
+              <a:shade val="60000"/>
+              <a:hueOff val="0"/>
+              <a:satOff val="0"/>
+              <a:lumOff val="0"/>
+              <a:alphaOff val="0"/>
+            </a:schemeClr>
+          </a:solidFill>
+          <a:prstDash val="solid"/>
+          <a:miter lim="800000"/>
+        </a:ln>
+        <a:effectLst/>
+      </dsp:spPr>
+      <dsp:style>
+        <a:lnRef idx="2">
+          <a:scrgbClr r="0" g="0" b="0"/>
+        </a:lnRef>
+        <a:fillRef idx="0">
+          <a:scrgbClr r="0" g="0" b="0"/>
+        </a:fillRef>
+        <a:effectRef idx="0">
+          <a:scrgbClr r="0" g="0" b="0"/>
+        </a:effectRef>
+        <a:fontRef idx="minor"/>
+      </dsp:style>
+    </dsp:sp>
+    <dsp:sp modelId="{634F9EE6-1F9C-41AF-A1BA-1488FDA78527}">
+      <dsp:nvSpPr>
+        <dsp:cNvPr id="0" name=""/>
+        <dsp:cNvSpPr/>
+      </dsp:nvSpPr>
+      <dsp:spPr>
+        <a:xfrm>
+          <a:off x="3469927" y="428096"/>
+          <a:ext cx="1188144" cy="1188144"/>
+        </a:xfrm>
+        <a:prstGeom prst="arc">
+          <a:avLst>
+            <a:gd name="adj1" fmla="val 13200000"/>
+            <a:gd name="adj2" fmla="val 19200000"/>
+          </a:avLst>
+        </a:prstGeom>
+        <a:noFill/>
+        <a:ln w="12700" cap="flat" cmpd="sng" algn="ctr">
+          <a:solidFill>
+            <a:schemeClr val="accent1">
+              <a:shade val="60000"/>
+              <a:hueOff val="0"/>
+              <a:satOff val="0"/>
+              <a:lumOff val="0"/>
+              <a:alphaOff val="0"/>
+            </a:schemeClr>
+          </a:solidFill>
+          <a:prstDash val="solid"/>
+          <a:miter lim="800000"/>
+        </a:ln>
+        <a:effectLst/>
+      </dsp:spPr>
+      <dsp:style>
+        <a:lnRef idx="2">
+          <a:scrgbClr r="0" g="0" b="0"/>
+        </a:lnRef>
+        <a:fillRef idx="0">
+          <a:scrgbClr r="0" g="0" b="0"/>
+        </a:fillRef>
+        <a:effectRef idx="0">
+          <a:scrgbClr r="0" g="0" b="0"/>
+        </a:effectRef>
+        <a:fontRef idx="minor"/>
+      </dsp:style>
+    </dsp:sp>
+    <dsp:sp modelId="{698B7C3F-CEDF-49C1-8B08-F17D4BE439F3}">
+      <dsp:nvSpPr>
+        <dsp:cNvPr id="0" name=""/>
+        <dsp:cNvSpPr/>
+      </dsp:nvSpPr>
+      <dsp:spPr>
+        <a:xfrm>
+          <a:off x="3469927" y="428096"/>
+          <a:ext cx="1188144" cy="1188144"/>
+        </a:xfrm>
+        <a:prstGeom prst="arc">
+          <a:avLst>
+            <a:gd name="adj1" fmla="val 2400000"/>
+            <a:gd name="adj2" fmla="val 8400000"/>
+          </a:avLst>
+        </a:prstGeom>
+        <a:noFill/>
+        <a:ln w="12700" cap="flat" cmpd="sng" algn="ctr">
+          <a:solidFill>
+            <a:schemeClr val="accent1">
+              <a:shade val="60000"/>
+              <a:hueOff val="0"/>
+              <a:satOff val="0"/>
+              <a:lumOff val="0"/>
+              <a:alphaOff val="0"/>
+            </a:schemeClr>
+          </a:solidFill>
+          <a:prstDash val="solid"/>
+          <a:miter lim="800000"/>
+        </a:ln>
+        <a:effectLst/>
+      </dsp:spPr>
+      <dsp:style>
+        <a:lnRef idx="2">
+          <a:scrgbClr r="0" g="0" b="0"/>
+        </a:lnRef>
+        <a:fillRef idx="0">
+          <a:scrgbClr r="0" g="0" b="0"/>
+        </a:fillRef>
+        <a:effectRef idx="0">
+          <a:scrgbClr r="0" g="0" b="0"/>
+        </a:effectRef>
+        <a:fontRef idx="minor"/>
+      </dsp:style>
+    </dsp:sp>
+    <dsp:sp modelId="{55DEF528-604E-4DCB-ABC5-83B67C0B7E0C}">
+      <dsp:nvSpPr>
+        <dsp:cNvPr id="0" name=""/>
+        <dsp:cNvSpPr/>
+      </dsp:nvSpPr>
+      <dsp:spPr>
+        <a:xfrm>
+          <a:off x="2875855" y="641962"/>
+          <a:ext cx="2376289" cy="760412"/>
+        </a:xfrm>
+        <a:prstGeom prst="rect">
+          <a:avLst/>
+        </a:prstGeom>
+        <a:noFill/>
+        <a:ln w="12700" cap="flat" cmpd="sng" algn="ctr">
+          <a:noFill/>
+          <a:prstDash val="solid"/>
+          <a:miter lim="800000"/>
+        </a:ln>
+        <a:effectLst/>
+        <a:sp3d/>
+      </dsp:spPr>
+      <dsp:style>
+        <a:lnRef idx="2">
+          <a:scrgbClr r="0" g="0" b="0"/>
+        </a:lnRef>
+        <a:fillRef idx="1">
+          <a:scrgbClr r="0" g="0" b="0"/>
+        </a:fillRef>
+        <a:effectRef idx="0">
+          <a:scrgbClr r="0" g="0" b="0"/>
+        </a:effectRef>
+        <a:fontRef idx="minor"/>
+      </dsp:style>
+      <dsp:txBody>
+        <a:bodyPr spcFirstLastPara="0" vert="horz" wrap="square" lIns="16510" tIns="16510" rIns="16510" bIns="16510" numCol="1" spcCol="1270" anchor="ctr" anchorCtr="0">
+          <a:noAutofit/>
+        </a:bodyPr>
+        <a:lstStyle/>
+        <a:p>
+          <a:pPr lvl="0" algn="ctr" defTabSz="1155700">
+            <a:lnSpc>
+              <a:spcPct val="90000"/>
+            </a:lnSpc>
+            <a:spcBef>
+              <a:spcPct val="0"/>
+            </a:spcBef>
+            <a:spcAft>
+              <a:spcPct val="35000"/>
+            </a:spcAft>
+          </a:pPr>
+          <a:r>
+            <a:rPr lang="en-US" sz="2600" kern="1200" dirty="0" smtClean="0"/>
+            <a:t>ialsa-2018-amsterdam</a:t>
+          </a:r>
+          <a:endParaRPr lang="en-US" sz="2600" kern="1200" dirty="0"/>
+        </a:p>
+      </dsp:txBody>
+      <dsp:txXfrm>
+        <a:off x="2875855" y="641962"/>
+        <a:ext cx="2376289" cy="760412"/>
+      </dsp:txXfrm>
+    </dsp:sp>
+    <dsp:sp modelId="{490FB7EB-D5C0-48FD-B25E-3D0367C41AAF}">
+      <dsp:nvSpPr>
+        <dsp:cNvPr id="0" name=""/>
+        <dsp:cNvSpPr/>
+      </dsp:nvSpPr>
+      <dsp:spPr>
+        <a:xfrm>
+          <a:off x="594617" y="3802426"/>
+          <a:ext cx="1188144" cy="1188144"/>
+        </a:xfrm>
+        <a:prstGeom prst="arc">
+          <a:avLst>
+            <a:gd name="adj1" fmla="val 13200000"/>
+            <a:gd name="adj2" fmla="val 19200000"/>
+          </a:avLst>
+        </a:prstGeom>
+        <a:noFill/>
+        <a:ln w="12700" cap="flat" cmpd="sng" algn="ctr">
+          <a:solidFill>
+            <a:schemeClr val="accent1">
+              <a:shade val="60000"/>
+              <a:hueOff val="0"/>
+              <a:satOff val="0"/>
+              <a:lumOff val="0"/>
+              <a:alphaOff val="0"/>
+            </a:schemeClr>
+          </a:solidFill>
+          <a:prstDash val="solid"/>
+          <a:miter lim="800000"/>
+        </a:ln>
+        <a:effectLst/>
+      </dsp:spPr>
+      <dsp:style>
+        <a:lnRef idx="2">
+          <a:scrgbClr r="0" g="0" b="0"/>
+        </a:lnRef>
+        <a:fillRef idx="0">
+          <a:scrgbClr r="0" g="0" b="0"/>
+        </a:fillRef>
+        <a:effectRef idx="0">
+          <a:scrgbClr r="0" g="0" b="0"/>
+        </a:effectRef>
+        <a:fontRef idx="minor"/>
+      </dsp:style>
+    </dsp:sp>
+    <dsp:sp modelId="{530F0640-17B3-43DB-81C0-A9CB317BFD75}">
+      <dsp:nvSpPr>
+        <dsp:cNvPr id="0" name=""/>
+        <dsp:cNvSpPr/>
+      </dsp:nvSpPr>
+      <dsp:spPr>
+        <a:xfrm>
+          <a:off x="594617" y="3802426"/>
+          <a:ext cx="1188144" cy="1188144"/>
+        </a:xfrm>
+        <a:prstGeom prst="arc">
+          <a:avLst>
+            <a:gd name="adj1" fmla="val 2400000"/>
+            <a:gd name="adj2" fmla="val 8400000"/>
+          </a:avLst>
+        </a:prstGeom>
+        <a:noFill/>
+        <a:ln w="12700" cap="flat" cmpd="sng" algn="ctr">
+          <a:solidFill>
+            <a:schemeClr val="accent1">
+              <a:shade val="60000"/>
+              <a:hueOff val="0"/>
+              <a:satOff val="0"/>
+              <a:lumOff val="0"/>
+              <a:alphaOff val="0"/>
+            </a:schemeClr>
+          </a:solidFill>
+          <a:prstDash val="solid"/>
+          <a:miter lim="800000"/>
+        </a:ln>
+        <a:effectLst/>
+      </dsp:spPr>
+      <dsp:style>
+        <a:lnRef idx="2">
+          <a:scrgbClr r="0" g="0" b="0"/>
+        </a:lnRef>
+        <a:fillRef idx="0">
+          <a:scrgbClr r="0" g="0" b="0"/>
+        </a:fillRef>
+        <a:effectRef idx="0">
+          <a:scrgbClr r="0" g="0" b="0"/>
+        </a:effectRef>
+        <a:fontRef idx="minor"/>
+      </dsp:style>
+    </dsp:sp>
+    <dsp:sp modelId="{3EF6198A-54B1-4FA6-B7D1-8E28FEC1814F}">
+      <dsp:nvSpPr>
+        <dsp:cNvPr id="0" name=""/>
+        <dsp:cNvSpPr/>
+      </dsp:nvSpPr>
+      <dsp:spPr>
+        <a:xfrm>
+          <a:off x="545" y="4016292"/>
+          <a:ext cx="2376289" cy="760412"/>
+        </a:xfrm>
+        <a:prstGeom prst="rect">
+          <a:avLst/>
+        </a:prstGeom>
+        <a:noFill/>
+        <a:ln w="12700" cap="flat" cmpd="sng" algn="ctr">
+          <a:noFill/>
+          <a:prstDash val="solid"/>
+          <a:miter lim="800000"/>
+        </a:ln>
+        <a:effectLst/>
+        <a:sp3d/>
+      </dsp:spPr>
+      <dsp:style>
+        <a:lnRef idx="2">
+          <a:scrgbClr r="0" g="0" b="0"/>
+        </a:lnRef>
+        <a:fillRef idx="1">
+          <a:scrgbClr r="0" g="0" b="0"/>
+        </a:fillRef>
+        <a:effectRef idx="0">
+          <a:scrgbClr r="0" g="0" b="0"/>
+        </a:effectRef>
+        <a:fontRef idx="minor"/>
+      </dsp:style>
+      <dsp:txBody>
+        <a:bodyPr spcFirstLastPara="0" vert="horz" wrap="square" lIns="16510" tIns="16510" rIns="16510" bIns="16510" numCol="1" spcCol="1270" anchor="ctr" anchorCtr="0">
+          <a:noAutofit/>
+        </a:bodyPr>
+        <a:lstStyle/>
+        <a:p>
+          <a:pPr lvl="0" algn="ctr" defTabSz="1155700">
+            <a:lnSpc>
+              <a:spcPct val="90000"/>
+            </a:lnSpc>
+            <a:spcBef>
+              <a:spcPct val="0"/>
+            </a:spcBef>
+            <a:spcAft>
+              <a:spcPct val="35000"/>
+            </a:spcAft>
+          </a:pPr>
+          <a:endParaRPr lang="en-US" sz="2600" kern="1200" dirty="0"/>
+        </a:p>
+      </dsp:txBody>
+      <dsp:txXfrm>
+        <a:off x="545" y="4016292"/>
+        <a:ext cx="2376289" cy="760412"/>
+      </dsp:txXfrm>
+    </dsp:sp>
+    <dsp:sp modelId="{792D4FBD-5309-4538-96EA-3EBFCD84A045}">
+      <dsp:nvSpPr>
+        <dsp:cNvPr id="0" name=""/>
+        <dsp:cNvSpPr/>
+      </dsp:nvSpPr>
+      <dsp:spPr>
+        <a:xfrm>
+          <a:off x="3469927" y="3802426"/>
+          <a:ext cx="1188144" cy="1188144"/>
+        </a:xfrm>
+        <a:prstGeom prst="arc">
+          <a:avLst>
+            <a:gd name="adj1" fmla="val 13200000"/>
+            <a:gd name="adj2" fmla="val 19200000"/>
+          </a:avLst>
+        </a:prstGeom>
+        <a:noFill/>
+        <a:ln w="12700" cap="flat" cmpd="sng" algn="ctr">
+          <a:solidFill>
+            <a:schemeClr val="accent1">
+              <a:shade val="60000"/>
+              <a:hueOff val="0"/>
+              <a:satOff val="0"/>
+              <a:lumOff val="0"/>
+              <a:alphaOff val="0"/>
+            </a:schemeClr>
+          </a:solidFill>
+          <a:prstDash val="solid"/>
+          <a:miter lim="800000"/>
+        </a:ln>
+        <a:effectLst/>
+      </dsp:spPr>
+      <dsp:style>
+        <a:lnRef idx="2">
+          <a:scrgbClr r="0" g="0" b="0"/>
+        </a:lnRef>
+        <a:fillRef idx="0">
+          <a:scrgbClr r="0" g="0" b="0"/>
+        </a:fillRef>
+        <a:effectRef idx="0">
+          <a:scrgbClr r="0" g="0" b="0"/>
+        </a:effectRef>
+        <a:fontRef idx="minor"/>
+      </dsp:style>
+    </dsp:sp>
+    <dsp:sp modelId="{2289FCDB-C7B4-4AB3-A174-756D2380D0CE}">
+      <dsp:nvSpPr>
+        <dsp:cNvPr id="0" name=""/>
+        <dsp:cNvSpPr/>
+      </dsp:nvSpPr>
+      <dsp:spPr>
+        <a:xfrm>
+          <a:off x="3469927" y="3802426"/>
+          <a:ext cx="1188144" cy="1188144"/>
+        </a:xfrm>
+        <a:prstGeom prst="arc">
+          <a:avLst>
+            <a:gd name="adj1" fmla="val 2400000"/>
+            <a:gd name="adj2" fmla="val 8400000"/>
+          </a:avLst>
+        </a:prstGeom>
+        <a:noFill/>
+        <a:ln w="12700" cap="flat" cmpd="sng" algn="ctr">
+          <a:solidFill>
+            <a:schemeClr val="accent1">
+              <a:shade val="60000"/>
+              <a:hueOff val="0"/>
+              <a:satOff val="0"/>
+              <a:lumOff val="0"/>
+              <a:alphaOff val="0"/>
+            </a:schemeClr>
+          </a:solidFill>
+          <a:prstDash val="solid"/>
+          <a:miter lim="800000"/>
+        </a:ln>
+        <a:effectLst/>
+      </dsp:spPr>
+      <dsp:style>
+        <a:lnRef idx="2">
+          <a:scrgbClr r="0" g="0" b="0"/>
+        </a:lnRef>
+        <a:fillRef idx="0">
+          <a:scrgbClr r="0" g="0" b="0"/>
+        </a:fillRef>
+        <a:effectRef idx="0">
+          <a:scrgbClr r="0" g="0" b="0"/>
+        </a:effectRef>
+        <a:fontRef idx="minor"/>
+      </dsp:style>
+    </dsp:sp>
+    <dsp:sp modelId="{2357367D-21C5-46FF-BFF1-DC16887A5DF9}">
+      <dsp:nvSpPr>
+        <dsp:cNvPr id="0" name=""/>
+        <dsp:cNvSpPr/>
+      </dsp:nvSpPr>
+      <dsp:spPr>
+        <a:xfrm>
+          <a:off x="2875855" y="4016292"/>
+          <a:ext cx="2376289" cy="760412"/>
+        </a:xfrm>
+        <a:prstGeom prst="rect">
+          <a:avLst/>
+        </a:prstGeom>
+        <a:noFill/>
+        <a:ln w="12700" cap="flat" cmpd="sng" algn="ctr">
+          <a:noFill/>
+          <a:prstDash val="solid"/>
+          <a:miter lim="800000"/>
+        </a:ln>
+        <a:effectLst/>
+        <a:sp3d/>
+      </dsp:spPr>
+      <dsp:style>
+        <a:lnRef idx="2">
+          <a:scrgbClr r="0" g="0" b="0"/>
+        </a:lnRef>
+        <a:fillRef idx="1">
+          <a:scrgbClr r="0" g="0" b="0"/>
+        </a:fillRef>
+        <a:effectRef idx="0">
+          <a:scrgbClr r="0" g="0" b="0"/>
+        </a:effectRef>
+        <a:fontRef idx="minor"/>
+      </dsp:style>
+      <dsp:txBody>
+        <a:bodyPr spcFirstLastPara="0" vert="horz" wrap="square" lIns="16510" tIns="16510" rIns="16510" bIns="16510" numCol="1" spcCol="1270" anchor="ctr" anchorCtr="0">
+          <a:noAutofit/>
+        </a:bodyPr>
+        <a:lstStyle/>
+        <a:p>
+          <a:pPr lvl="0" algn="ctr" defTabSz="1155700">
+            <a:lnSpc>
+              <a:spcPct val="90000"/>
+            </a:lnSpc>
+            <a:spcBef>
+              <a:spcPct val="0"/>
+            </a:spcBef>
+            <a:spcAft>
+              <a:spcPct val="35000"/>
+            </a:spcAft>
+          </a:pPr>
+          <a:endParaRPr lang="en-US" sz="2600" kern="1200"/>
+        </a:p>
+      </dsp:txBody>
+      <dsp:txXfrm>
+        <a:off x="2875855" y="4016292"/>
+        <a:ext cx="2376289" cy="760412"/>
+      </dsp:txXfrm>
+    </dsp:sp>
+    <dsp:sp modelId="{0EF9AF94-B90B-47CA-BAB5-E2BAAAF01A39}">
+      <dsp:nvSpPr>
+        <dsp:cNvPr id="0" name=""/>
+        <dsp:cNvSpPr/>
+      </dsp:nvSpPr>
+      <dsp:spPr>
+        <a:xfrm>
+          <a:off x="6345237" y="3802426"/>
+          <a:ext cx="1188144" cy="1188144"/>
+        </a:xfrm>
+        <a:prstGeom prst="arc">
+          <a:avLst>
+            <a:gd name="adj1" fmla="val 13200000"/>
+            <a:gd name="adj2" fmla="val 19200000"/>
+          </a:avLst>
+        </a:prstGeom>
+        <a:noFill/>
+        <a:ln w="12700" cap="flat" cmpd="sng" algn="ctr">
+          <a:solidFill>
+            <a:schemeClr val="accent1">
+              <a:shade val="60000"/>
+              <a:hueOff val="0"/>
+              <a:satOff val="0"/>
+              <a:lumOff val="0"/>
+              <a:alphaOff val="0"/>
+            </a:schemeClr>
+          </a:solidFill>
+          <a:prstDash val="solid"/>
+          <a:miter lim="800000"/>
+        </a:ln>
+        <a:effectLst/>
+      </dsp:spPr>
+      <dsp:style>
+        <a:lnRef idx="2">
+          <a:scrgbClr r="0" g="0" b="0"/>
+        </a:lnRef>
+        <a:fillRef idx="0">
+          <a:scrgbClr r="0" g="0" b="0"/>
+        </a:fillRef>
+        <a:effectRef idx="0">
+          <a:scrgbClr r="0" g="0" b="0"/>
+        </a:effectRef>
+        <a:fontRef idx="minor"/>
+      </dsp:style>
+    </dsp:sp>
+    <dsp:sp modelId="{87535C09-0D6A-46F5-AA71-5254E717E4D5}">
+      <dsp:nvSpPr>
+        <dsp:cNvPr id="0" name=""/>
+        <dsp:cNvSpPr/>
+      </dsp:nvSpPr>
+      <dsp:spPr>
+        <a:xfrm>
+          <a:off x="6345237" y="3802426"/>
+          <a:ext cx="1188144" cy="1188144"/>
+        </a:xfrm>
+        <a:prstGeom prst="arc">
+          <a:avLst>
+            <a:gd name="adj1" fmla="val 2400000"/>
+            <a:gd name="adj2" fmla="val 8400000"/>
+          </a:avLst>
+        </a:prstGeom>
+        <a:noFill/>
+        <a:ln w="12700" cap="flat" cmpd="sng" algn="ctr">
+          <a:solidFill>
+            <a:schemeClr val="accent1">
+              <a:shade val="60000"/>
+              <a:hueOff val="0"/>
+              <a:satOff val="0"/>
+              <a:lumOff val="0"/>
+              <a:alphaOff val="0"/>
+            </a:schemeClr>
+          </a:solidFill>
+          <a:prstDash val="solid"/>
+          <a:miter lim="800000"/>
+        </a:ln>
+        <a:effectLst/>
+      </dsp:spPr>
+      <dsp:style>
+        <a:lnRef idx="2">
+          <a:scrgbClr r="0" g="0" b="0"/>
+        </a:lnRef>
+        <a:fillRef idx="0">
+          <a:scrgbClr r="0" g="0" b="0"/>
+        </a:fillRef>
+        <a:effectRef idx="0">
+          <a:scrgbClr r="0" g="0" b="0"/>
+        </a:effectRef>
+        <a:fontRef idx="minor"/>
+      </dsp:style>
+    </dsp:sp>
+    <dsp:sp modelId="{90D08A1F-818F-4A2B-958F-01AB1BFB00A6}">
+      <dsp:nvSpPr>
+        <dsp:cNvPr id="0" name=""/>
+        <dsp:cNvSpPr/>
+      </dsp:nvSpPr>
+      <dsp:spPr>
+        <a:xfrm>
+          <a:off x="5751165" y="4016292"/>
+          <a:ext cx="2376289" cy="760412"/>
+        </a:xfrm>
+        <a:prstGeom prst="rect">
+          <a:avLst/>
+        </a:prstGeom>
+        <a:noFill/>
+        <a:ln w="12700" cap="flat" cmpd="sng" algn="ctr">
+          <a:noFill/>
+          <a:prstDash val="solid"/>
+          <a:miter lim="800000"/>
+        </a:ln>
+        <a:effectLst/>
+        <a:sp3d/>
+      </dsp:spPr>
+      <dsp:style>
+        <a:lnRef idx="2">
+          <a:scrgbClr r="0" g="0" b="0"/>
+        </a:lnRef>
+        <a:fillRef idx="1">
+          <a:scrgbClr r="0" g="0" b="0"/>
+        </a:fillRef>
+        <a:effectRef idx="0">
+          <a:scrgbClr r="0" g="0" b="0"/>
+        </a:effectRef>
+        <a:fontRef idx="minor"/>
+      </dsp:style>
+      <dsp:txBody>
+        <a:bodyPr spcFirstLastPara="0" vert="horz" wrap="square" lIns="16510" tIns="16510" rIns="16510" bIns="16510" numCol="1" spcCol="1270" anchor="ctr" anchorCtr="0">
+          <a:noAutofit/>
+        </a:bodyPr>
+        <a:lstStyle/>
+        <a:p>
+          <a:pPr lvl="0" algn="ctr" defTabSz="1155700">
+            <a:lnSpc>
+              <a:spcPct val="90000"/>
+            </a:lnSpc>
+            <a:spcBef>
+              <a:spcPct val="0"/>
+            </a:spcBef>
+            <a:spcAft>
+              <a:spcPct val="35000"/>
+            </a:spcAft>
+          </a:pPr>
+          <a:endParaRPr lang="en-US" sz="2600" kern="1200"/>
+        </a:p>
+      </dsp:txBody>
+      <dsp:txXfrm>
+        <a:off x="5751165" y="4016292"/>
+        <a:ext cx="2376289" cy="760412"/>
+      </dsp:txXfrm>
+    </dsp:sp>
+    <dsp:sp modelId="{5815C7D5-C784-459F-B808-5042CB8D3274}">
+      <dsp:nvSpPr>
+        <dsp:cNvPr id="0" name=""/>
+        <dsp:cNvSpPr/>
+      </dsp:nvSpPr>
+      <dsp:spPr>
+        <a:xfrm>
+          <a:off x="2032272" y="2115261"/>
+          <a:ext cx="1188144" cy="1188144"/>
+        </a:xfrm>
+        <a:prstGeom prst="arc">
+          <a:avLst>
+            <a:gd name="adj1" fmla="val 13200000"/>
+            <a:gd name="adj2" fmla="val 19200000"/>
+          </a:avLst>
+        </a:prstGeom>
+        <a:noFill/>
+        <a:ln w="12700" cap="flat" cmpd="sng" algn="ctr">
+          <a:solidFill>
+            <a:schemeClr val="accent1">
+              <a:shade val="60000"/>
+              <a:hueOff val="0"/>
+              <a:satOff val="0"/>
+              <a:lumOff val="0"/>
+              <a:alphaOff val="0"/>
+            </a:schemeClr>
+          </a:solidFill>
+          <a:prstDash val="solid"/>
+          <a:miter lim="800000"/>
+        </a:ln>
+        <a:effectLst/>
+      </dsp:spPr>
+      <dsp:style>
+        <a:lnRef idx="2">
+          <a:scrgbClr r="0" g="0" b="0"/>
+        </a:lnRef>
+        <a:fillRef idx="0">
+          <a:scrgbClr r="0" g="0" b="0"/>
+        </a:fillRef>
+        <a:effectRef idx="0">
+          <a:scrgbClr r="0" g="0" b="0"/>
+        </a:effectRef>
+        <a:fontRef idx="minor"/>
+      </dsp:style>
+    </dsp:sp>
+    <dsp:sp modelId="{E42D4D34-7AB2-4155-BEAE-1841169CCC94}">
+      <dsp:nvSpPr>
+        <dsp:cNvPr id="0" name=""/>
+        <dsp:cNvSpPr/>
+      </dsp:nvSpPr>
+      <dsp:spPr>
+        <a:xfrm>
+          <a:off x="2032272" y="2115261"/>
+          <a:ext cx="1188144" cy="1188144"/>
+        </a:xfrm>
+        <a:prstGeom prst="arc">
+          <a:avLst>
+            <a:gd name="adj1" fmla="val 2400000"/>
+            <a:gd name="adj2" fmla="val 8400000"/>
+          </a:avLst>
+        </a:prstGeom>
+        <a:noFill/>
+        <a:ln w="12700" cap="flat" cmpd="sng" algn="ctr">
+          <a:solidFill>
+            <a:schemeClr val="accent1">
+              <a:shade val="60000"/>
+              <a:hueOff val="0"/>
+              <a:satOff val="0"/>
+              <a:lumOff val="0"/>
+              <a:alphaOff val="0"/>
+            </a:schemeClr>
+          </a:solidFill>
+          <a:prstDash val="solid"/>
+          <a:miter lim="800000"/>
+        </a:ln>
+        <a:effectLst/>
+      </dsp:spPr>
+      <dsp:style>
+        <a:lnRef idx="2">
+          <a:scrgbClr r="0" g="0" b="0"/>
+        </a:lnRef>
+        <a:fillRef idx="0">
+          <a:scrgbClr r="0" g="0" b="0"/>
+        </a:fillRef>
+        <a:effectRef idx="0">
+          <a:scrgbClr r="0" g="0" b="0"/>
+        </a:effectRef>
+        <a:fontRef idx="minor"/>
+      </dsp:style>
+    </dsp:sp>
+    <dsp:sp modelId="{9BDAA6CA-8E3C-468C-B0D9-D08B75336B2F}">
+      <dsp:nvSpPr>
+        <dsp:cNvPr id="0" name=""/>
+        <dsp:cNvSpPr/>
+      </dsp:nvSpPr>
+      <dsp:spPr>
+        <a:xfrm>
+          <a:off x="1438200" y="2329127"/>
+          <a:ext cx="2376289" cy="760412"/>
+        </a:xfrm>
+        <a:prstGeom prst="rect">
+          <a:avLst/>
+        </a:prstGeom>
+        <a:noFill/>
+        <a:ln w="12700" cap="flat" cmpd="sng" algn="ctr">
+          <a:noFill/>
+          <a:prstDash val="solid"/>
+          <a:miter lim="800000"/>
+        </a:ln>
+        <a:effectLst/>
+        <a:sp3d/>
+      </dsp:spPr>
+      <dsp:style>
+        <a:lnRef idx="2">
+          <a:scrgbClr r="0" g="0" b="0"/>
+        </a:lnRef>
+        <a:fillRef idx="1">
+          <a:scrgbClr r="0" g="0" b="0"/>
+        </a:fillRef>
+        <a:effectRef idx="0">
+          <a:scrgbClr r="0" g="0" b="0"/>
+        </a:effectRef>
+        <a:fontRef idx="minor"/>
+      </dsp:style>
+      <dsp:txBody>
+        <a:bodyPr spcFirstLastPara="0" vert="horz" wrap="square" lIns="16510" tIns="16510" rIns="16510" bIns="16510" numCol="1" spcCol="1270" anchor="ctr" anchorCtr="0">
+          <a:noAutofit/>
+        </a:bodyPr>
+        <a:lstStyle/>
+        <a:p>
+          <a:pPr lvl="0" algn="ctr" defTabSz="1155700">
+            <a:lnSpc>
+              <a:spcPct val="90000"/>
+            </a:lnSpc>
+            <a:spcBef>
+              <a:spcPct val="0"/>
+            </a:spcBef>
+            <a:spcAft>
+              <a:spcPct val="35000"/>
+            </a:spcAft>
+          </a:pPr>
+          <a:r>
+            <a:rPr lang="en-US" sz="2600" kern="1200" dirty="0" err="1" smtClean="0"/>
+            <a:t>fgsf</a:t>
+          </a:r>
+          <a:endParaRPr lang="en-US" sz="2600" kern="1200" dirty="0"/>
+        </a:p>
+      </dsp:txBody>
+      <dsp:txXfrm>
+        <a:off x="1438200" y="2329127"/>
+        <a:ext cx="2376289" cy="760412"/>
+      </dsp:txXfrm>
+    </dsp:sp>
+  </dsp:spTree>
+</dsp:drawing>
+</file>
+
+<file path=ppt/diagrams/layout1.xml><?xml version="1.0" encoding="utf-8"?>
+<dgm:layoutDef xmlns:dgm="http://schemas.openxmlformats.org/drawingml/2006/diagram" xmlns:a="http://schemas.openxmlformats.org/drawingml/2006/main" uniqueId="urn:microsoft.com/office/officeart/2008/layout/HalfCircleOrganizationChart">
+  <dgm:title val=""/>
+  <dgm:desc val=""/>
+  <dgm:catLst>
+    <dgm:cat type="hierarchy" pri="1500"/>
+  </dgm:catLst>
+  <dgm:sampData>
+    <dgm:dataModel>
+      <dgm:ptLst>
+        <dgm:pt modelId="0" type="doc"/>
+        <dgm:pt modelId="1">
+          <dgm:prSet phldr="1"/>
+        </dgm:pt>
+        <dgm:pt modelId="11" type="asst">
+          <dgm:prSet phldr="1"/>
+        </dgm:pt>
+        <dgm:pt modelId="12">
+          <dgm:prSet phldr="1"/>
+        </dgm:pt>
+        <dgm:pt modelId="13">
+          <dgm:prSet phldr="1"/>
+        </dgm:pt>
+        <dgm:pt modelId="14">
+          <dgm:prSet phldr="1"/>
+        </dgm:pt>
+      </dgm:ptLst>
+      <dgm:cxnLst>
+        <dgm:cxn modelId="2" srcId="0" destId="1" srcOrd="0" destOrd="0"/>
+        <dgm:cxn modelId="15" srcId="1" destId="11" srcOrd="0" destOrd="0"/>
+        <dgm:cxn modelId="16" srcId="1" destId="12" srcOrd="1" destOrd="0"/>
+        <dgm:cxn modelId="17" srcId="1" destId="13" srcOrd="2" destOrd="0"/>
+        <dgm:cxn modelId="18" srcId="1" destId="14" srcOrd="2" destOrd="0"/>
+      </dgm:cxnLst>
+      <dgm:bg/>
+      <dgm:whole/>
+    </dgm:dataModel>
+  </dgm:sampData>
+  <dgm:styleData>
+    <dgm:dataModel>
+      <dgm:ptLst>
+        <dgm:pt modelId="0" type="doc"/>
+        <dgm:pt modelId="1">
+          <dgm:prSet phldr="1"/>
+        </dgm:pt>
+        <dgm:pt modelId="11">
+          <dgm:prSet phldr="1"/>
+        </dgm:pt>
+        <dgm:pt modelId="12">
+          <dgm:prSet phldr="1"/>
+        </dgm:pt>
+      </dgm:ptLst>
+      <dgm:cxnLst>
+        <dgm:cxn modelId="2" srcId="0" destId="1" srcOrd="0" destOrd="0"/>
+        <dgm:cxn modelId="3" srcId="1" destId="11" srcOrd="0" destOrd="0"/>
+        <dgm:cxn modelId="4" srcId="1" destId="12" srcOrd="1" destOrd="0"/>
+      </dgm:cxnLst>
+      <dgm:bg/>
+      <dgm:whole/>
+    </dgm:dataModel>
+  </dgm:styleData>
+  <dgm:clrData>
+    <dgm:dataModel>
+      <dgm:ptLst>
+        <dgm:pt modelId="0" type="doc"/>
+        <dgm:pt modelId="1">
+          <dgm:prSet phldr="1"/>
+        </dgm:pt>
+        <dgm:pt modelId="11" type="asst">
+          <dgm:prSet phldr="1"/>
+        </dgm:pt>
+        <dgm:pt modelId="12">
+          <dgm:prSet phldr="1"/>
+        </dgm:pt>
+        <dgm:pt modelId="13">
+          <dgm:prSet phldr="1"/>
+        </dgm:pt>
+        <dgm:pt modelId="14">
+          <dgm:prSet phldr="1"/>
+        </dgm:pt>
+      </dgm:ptLst>
+      <dgm:cxnLst>
+        <dgm:cxn modelId="2" srcId="0" destId="1" srcOrd="0" destOrd="0"/>
+        <dgm:cxn modelId="15" srcId="1" destId="11" srcOrd="0" destOrd="0"/>
+        <dgm:cxn modelId="16" srcId="1" destId="12" srcOrd="1" destOrd="0"/>
+        <dgm:cxn modelId="17" srcId="1" destId="13" srcOrd="2" destOrd="0"/>
+        <dgm:cxn modelId="18" srcId="1" destId="14" srcOrd="2" destOrd="0"/>
+      </dgm:cxnLst>
+      <dgm:bg/>
+      <dgm:whole/>
+    </dgm:dataModel>
+  </dgm:clrData>
+  <dgm:layoutNode name="Name0">
+    <dgm:varLst>
+      <dgm:orgChart val="1"/>
+      <dgm:chPref val="1"/>
+      <dgm:dir/>
+      <dgm:animOne val="branch"/>
+      <dgm:animLvl val="lvl"/>
+      <dgm:resizeHandles/>
+    </dgm:varLst>
+    <dgm:choose name="Name1">
+      <dgm:if name="Name2" func="var" arg="dir" op="equ" val="norm">
+        <dgm:alg type="hierChild">
+          <dgm:param type="linDir" val="fromL"/>
+        </dgm:alg>
+      </dgm:if>
+      <dgm:else name="Name3">
+        <dgm:alg type="hierChild">
+          <dgm:param type="linDir" val="fromR"/>
+        </dgm:alg>
+      </dgm:else>
+    </dgm:choose>
+    <dgm:shape xmlns:r="http://schemas.openxmlformats.org/officeDocument/2006/relationships" r:blip="">
+      <dgm:adjLst/>
+    </dgm:shape>
+    <dgm:presOf/>
+    <dgm:constrLst>
+      <dgm:constr type="w" for="des" forName="rootComposite1" refType="w" fact="10"/>
+      <dgm:constr type="h" for="des" forName="rootComposite1" refType="w" refFor="des" refForName="rootComposite1" fact="0.5"/>
+      <dgm:constr type="w" for="des" forName="rootComposite2" refType="w" fact="10"/>
+      <dgm:constr type="h" for="des" forName="rootComposite2" refType="w" refFor="des" refForName="rootComposite1" fact="0.5"/>
+      <dgm:constr type="w" for="des" forName="rootComposite3" refType="w" fact="10"/>
+      <dgm:constr type="h" for="des" forName="rootComposite3" refType="w" refFor="des" refForName="rootComposite1" fact="0.5"/>
+      <dgm:constr type="primFontSz" for="des" ptType="node" op="equ"/>
+      <dgm:constr type="sp" for="des" op="equ"/>
+      <dgm:constr type="sp" for="des" forName="hierRoot1" refType="w" refFor="des" refForName="rootComposite1" fact="0.21"/>
+      <dgm:constr type="sp" for="des" forName="hierRoot2" refType="sp" refFor="des" refForName="hierRoot1"/>
+      <dgm:constr type="sp" for="des" forName="hierRoot3" refType="sp" refFor="des" refForName="hierRoot1"/>
+      <dgm:constr type="sibSp" refType="w" refFor="des" refForName="rootComposite1" fact="0.21"/>
+      <dgm:constr type="sibSp" for="des" forName="hierChild2" refType="sibSp"/>
+      <dgm:constr type="sibSp" for="des" forName="hierChild3" refType="sibSp"/>
+      <dgm:constr type="sibSp" for="des" forName="hierChild4" refType="sibSp"/>
+      <dgm:constr type="sibSp" for="des" forName="hierChild5" refType="sibSp"/>
+      <dgm:constr type="sibSp" for="des" forName="hierChild6" refType="sibSp"/>
+      <dgm:constr type="sibSp" for="des" forName="hierChild7" refType="sibSp"/>
+      <dgm:constr type="secSibSp" refType="w" refFor="des" refForName="rootComposite1" fact="0.21"/>
+      <dgm:constr type="secSibSp" for="des" forName="hierChild2" refType="secSibSp"/>
+      <dgm:constr type="secSibSp" for="des" forName="hierChild3" refType="secSibSp"/>
+      <dgm:constr type="secSibSp" for="des" forName="hierChild4" refType="secSibSp"/>
+      <dgm:constr type="secSibSp" for="des" forName="hierChild5" refType="secSibSp"/>
+      <dgm:constr type="secSibSp" for="des" forName="hierChild6" refType="secSibSp"/>
+      <dgm:constr type="secSibSp" for="des" forName="hierChild7" refType="secSibSp"/>
+    </dgm:constrLst>
+    <dgm:forEach name="Name4" axis="ch">
+      <dgm:forEach name="Name5" axis="self" ptType="node">
+        <dgm:layoutNode name="hierRoot1">
+          <dgm:varLst>
+            <dgm:hierBranch val="init"/>
+          </dgm:varLst>
+          <dgm:choose name="Name6">
+            <dgm:if name="Name7" func="var" arg="hierBranch" op="equ" val="l">
+              <dgm:alg type="hierRoot">
+                <dgm:param type="hierAlign" val="tR"/>
+              </dgm:alg>
+              <dgm:constrLst>
+                <dgm:constr type="alignOff" val="0.65"/>
+              </dgm:constrLst>
+            </dgm:if>
+            <dgm:if name="Name8" func="var" arg="hierBranch" op="equ" val="r">
+              <dgm:alg type="hierRoot">
+                <dgm:param type="hierAlign" val="tL"/>
+              </dgm:alg>
+              <dgm:constrLst>
+                <dgm:constr type="alignOff" val="0.65"/>
+              </dgm:constrLst>
+            </dgm:if>
+            <dgm:if name="Name9" func="var" arg="hierBranch" op="equ" val="hang">
+              <dgm:alg type="hierRoot"/>
+              <dgm:constrLst>
+                <dgm:constr type="alignOff" val="0.65"/>
+              </dgm:constrLst>
+            </dgm:if>
+            <dgm:else name="Name10">
+              <dgm:alg type="hierRoot"/>
+              <dgm:constrLst>
+                <dgm:constr type="alignOff"/>
+                <dgm:constr type="bendDist" for="des" ptType="parTrans" refType="sp" fact="0.5"/>
+              </dgm:constrLst>
+            </dgm:else>
+          </dgm:choose>
+          <dgm:shape xmlns:r="http://schemas.openxmlformats.org/officeDocument/2006/relationships" r:blip="">
+            <dgm:adjLst/>
+          </dgm:shape>
+          <dgm:presOf/>
+          <dgm:layoutNode name="rootComposite1">
+            <dgm:alg type="composite"/>
+            <dgm:shape xmlns:r="http://schemas.openxmlformats.org/officeDocument/2006/relationships" r:blip="">
+              <dgm:adjLst/>
+            </dgm:shape>
+            <dgm:presOf axis="self" ptType="node" cnt="1"/>
+            <dgm:choose name="Name11">
+              <dgm:if name="Name12" func="var" arg="hierBranch" op="equ" val="init">
+                <dgm:constrLst>
+                  <dgm:constr type="l" for="ch" forName="rootText1"/>
+                  <dgm:constr type="t" for="ch" forName="rootText1" refType="h" fact="0.18"/>
+                  <dgm:constr type="w" for="ch" forName="rootText1" refType="w"/>
+                  <dgm:constr type="h" for="ch" forName="rootText1" refType="h" fact="0.64"/>
+                  <dgm:constr type="l" for="ch" forName="topArc1" refType="w" fact="0.25"/>
+                  <dgm:constr type="t" for="ch" forName="topArc1"/>
+                  <dgm:constr type="w" for="ch" forName="topArc1" refType="h" refFor="ch" refForName="topArc1"/>
+                  <dgm:constr type="h" for="ch" forName="topArc1" refType="h"/>
+                  <dgm:constr type="l" for="ch" forName="bottomArc1" refType="w" fact="0.25"/>
+                  <dgm:constr type="t" for="ch" forName="bottomArc1"/>
+                  <dgm:constr type="w" for="ch" forName="bottomArc1" refType="h" refFor="ch" refForName="bottomArc1"/>
+                  <dgm:constr type="h" for="ch" forName="bottomArc1" refType="h"/>
+                  <dgm:constr type="ctrX" for="ch" forName="topConnNode1" refType="w" fact="0.5"/>
+                  <dgm:constr type="t" for="ch" forName="topConnNode1"/>
+                  <dgm:constr type="w" for="ch" forName="topConnNode1" refType="h" fact="0.76"/>
+                  <dgm:constr type="b" for="ch" forName="topConnNode1" refType="t" refFor="ch" refForName="rootText1"/>
+                </dgm:constrLst>
+              </dgm:if>
+              <dgm:if name="Name13" func="var" arg="hierBranch" op="equ" val="l">
+                <dgm:constrLst>
+                  <dgm:constr type="l" for="ch" forName="rootText1"/>
+                  <dgm:constr type="t" for="ch" forName="rootText1" refType="h" fact="0.18"/>
+                  <dgm:constr type="w" for="ch" forName="rootText1" refType="w"/>
+                  <dgm:constr type="h" for="ch" forName="rootText1" refType="h" fact="0.64"/>
+                  <dgm:constr type="l" for="ch" forName="topArc1" refType="w" fact="0.25"/>
+                  <dgm:constr type="t" for="ch" forName="topArc1"/>
+                  <dgm:constr type="w" for="ch" forName="topArc1" refType="h" refFor="ch" refForName="topArc1"/>
+                  <dgm:constr type="h" for="ch" forName="topArc1" refType="h"/>
+                  <dgm:constr type="l" for="ch" forName="bottomArc1" refType="w" fact="0.25"/>
+                  <dgm:constr type="t" for="ch" forName="bottomArc1"/>
+                  <dgm:constr type="w" for="ch" forName="bottomArc1" refType="h" refFor="ch" refForName="bottomArc1"/>
+                  <dgm:constr type="h" for="ch" forName="bottomArc1" refType="h"/>
+                  <dgm:constr type="ctrX" for="ch" forName="topConnNode1" refType="w" fact="0.5"/>
+                  <dgm:constr type="t" for="ch" forName="topConnNode1"/>
+                  <dgm:constr type="w" for="ch" forName="topConnNode1" refType="h" fact="0.76"/>
+                  <dgm:constr type="b" for="ch" forName="topConnNode1" refType="t" refFor="ch" refForName="rootText1"/>
+                </dgm:constrLst>
+              </dgm:if>
+              <dgm:if name="Name14" func="var" arg="hierBranch" op="equ" val="r">
+                <dgm:constrLst>
+                  <dgm:constr type="l" for="ch" forName="rootText1"/>
+                  <dgm:constr type="t" for="ch" forName="rootText1" refType="h" fact="0.18"/>
+                  <dgm:constr type="w" for="ch" forName="rootText1" refType="w"/>
+                  <dgm:constr type="h" for="ch" forName="rootText1" refType="h" fact="0.64"/>
+                  <dgm:constr type="l" for="ch" forName="topArc1" refType="w" fact="0.25"/>
+                  <dgm:constr type="t" for="ch" forName="topArc1"/>
+                  <dgm:constr type="w" for="ch" forName="topArc1" refType="h" refFor="ch" refForName="topArc1"/>
+                  <dgm:constr type="h" for="ch" forName="topArc1" refType="h"/>
+                  <dgm:constr type="l" for="ch" forName="bottomArc1" refType="w" fact="0.25"/>
+                  <dgm:constr type="t" for="ch" forName="bottomArc1"/>
+                  <dgm:constr type="w" for="ch" forName="bottomArc1" refType="h" refFor="ch" refForName="bottomArc1"/>
+                  <dgm:constr type="h" for="ch" forName="bottomArc1" refType="h"/>
+                  <dgm:constr type="ctrX" for="ch" forName="topConnNode1" refType="w" fact="0.5"/>
+                  <dgm:constr type="t" for="ch" forName="topConnNode1"/>
+                  <dgm:constr type="w" for="ch" forName="topConnNode1" refType="h" fact="0.76"/>
+                  <dgm:constr type="b" for="ch" forName="topConnNode1" refType="t" refFor="ch" refForName="rootText1"/>
+                </dgm:constrLst>
+              </dgm:if>
+              <dgm:else name="Name15">
+                <dgm:constrLst>
+                  <dgm:constr type="l" for="ch" forName="rootText1"/>
+                  <dgm:constr type="t" for="ch" forName="rootText1" refType="h" fact="0.18"/>
+                  <dgm:constr type="w" for="ch" forName="rootText1" refType="w"/>
+                  <dgm:constr type="h" for="ch" forName="rootText1" refType="h" fact="0.64"/>
+                  <dgm:constr type="l" for="ch" forName="topArc1" refType="w" fact="0.25"/>
+                  <dgm:constr type="t" for="ch" forName="topArc1"/>
+                  <dgm:constr type="w" for="ch" forName="topArc1" refType="h" refFor="ch" refForName="topArc1"/>
+                  <dgm:constr type="h" for="ch" forName="topArc1" refType="h"/>
+                  <dgm:constr type="l" for="ch" forName="bottomArc1" refType="w" fact="0.25"/>
+                  <dgm:constr type="t" for="ch" forName="bottomArc1"/>
+                  <dgm:constr type="w" for="ch" forName="bottomArc1" refType="h" refFor="ch" refForName="bottomArc1"/>
+                  <dgm:constr type="h" for="ch" forName="bottomArc1" refType="h"/>
+                  <dgm:constr type="ctrX" for="ch" forName="topConnNode1" refType="w" fact="0.5"/>
+                  <dgm:constr type="t" for="ch" forName="topConnNode1"/>
+                  <dgm:constr type="w" for="ch" forName="topConnNode1" refType="h" fact="0.76"/>
+                  <dgm:constr type="b" for="ch" forName="topConnNode1" refType="t" refFor="ch" refForName="rootText1"/>
+                </dgm:constrLst>
+              </dgm:else>
+            </dgm:choose>
+            <dgm:layoutNode name="rootText1" styleLbl="alignAcc1">
+              <dgm:varLst>
+                <dgm:chPref val="3"/>
+              </dgm:varLst>
+              <dgm:alg type="tx"/>
+              <dgm:shape xmlns:r="http://schemas.openxmlformats.org/officeDocument/2006/relationships" type="rect" r:blip="" hideGeom="1">
+                <dgm:adjLst/>
+              </dgm:shape>
+              <dgm:presOf axis="self" ptType="node" cnt="1"/>
+              <dgm:constrLst>
+                <dgm:constr type="primFontSz" val="65"/>
+                <dgm:constr type="lMarg" refType="primFontSz" fact="0.05"/>
+                <dgm:constr type="rMarg" refType="primFontSz" fact="0.05"/>
+                <dgm:constr type="tMarg" refType="primFontSz" fact="0.05"/>
+                <dgm:constr type="bMarg" refType="primFontSz" fact="0.05"/>
+              </dgm:constrLst>
+              <dgm:ruleLst>
+                <dgm:rule type="primFontSz" val="5" fact="NaN" max="NaN"/>
+              </dgm:ruleLst>
+            </dgm:layoutNode>
+            <dgm:layoutNode name="topArc1" styleLbl="parChTrans1D1" moveWith="rootText1">
+              <dgm:alg type="sp"/>
+              <dgm:shape xmlns:r="http://schemas.openxmlformats.org/officeDocument/2006/relationships" type="arc" r:blip="" zOrderOff="-2">
+                <dgm:adjLst>
+                  <dgm:adj idx="1" val="-140"/>
+                  <dgm:adj idx="2" val="-40"/>
+                </dgm:adjLst>
+              </dgm:shape>
+              <dgm:presOf/>
+            </dgm:layoutNode>
+            <dgm:layoutNode name="bottomArc1" styleLbl="parChTrans1D1" moveWith="rootText1">
+              <dgm:alg type="sp"/>
+              <dgm:shape xmlns:r="http://schemas.openxmlformats.org/officeDocument/2006/relationships" type="arc" r:blip="" zOrderOff="-2">
+                <dgm:adjLst>
+                  <dgm:adj idx="1" val="40"/>
+                  <dgm:adj idx="2" val="140"/>
+                </dgm:adjLst>
+              </dgm:shape>
+              <dgm:presOf/>
+            </dgm:layoutNode>
+            <dgm:layoutNode name="topConnNode1" moveWith="rootText1">
+              <dgm:alg type="sp"/>
+              <dgm:shape xmlns:r="http://schemas.openxmlformats.org/officeDocument/2006/relationships" type="rect" r:blip="" hideGeom="1">
+                <dgm:adjLst/>
+              </dgm:shape>
+              <dgm:presOf axis="self" ptType="node" cnt="1"/>
+            </dgm:layoutNode>
+          </dgm:layoutNode>
+          <dgm:layoutNode name="hierChild2">
+            <dgm:choose name="Name16">
+              <dgm:if name="Name17" func="var" arg="hierBranch" op="equ" val="l">
+                <dgm:alg type="hierChild">
+                  <dgm:param type="chAlign" val="r"/>
+                  <dgm:param type="linDir" val="fromT"/>
+                </dgm:alg>
+              </dgm:if>
+              <dgm:if name="Name18" func="var" arg="hierBranch" op="equ" val="r">
+                <dgm:alg type="hierChild">
+                  <dgm:param type="chAlign" val="l"/>
+                  <dgm:param type="linDir" val="fromT"/>
+                </dgm:alg>
+              </dgm:if>
+              <dgm:if name="Name19" func="var" arg="hierBranch" op="equ" val="hang">
+                <dgm:choose name="Name20">
+                  <dgm:if name="Name21" func="var" arg="dir" op="equ" val="norm">
+                    <dgm:alg type="hierChild">
+                      <dgm:param type="chAlign" val="l"/>
+                      <dgm:param type="linDir" val="fromL"/>
+                      <dgm:param type="secChAlign" val="t"/>
+                      <dgm:param type="secLinDir" val="fromT"/>
+                    </dgm:alg>
+                  </dgm:if>
+                  <dgm:else name="Name22">
+                    <dgm:alg type="hierChild">
+                      <dgm:param type="chAlign" val="l"/>
+                      <dgm:param type="linDir" val="fromR"/>
+                      <dgm:param type="secChAlign" val="t"/>
+                      <dgm:param type="secLinDir" val="fromT"/>
+                    </dgm:alg>
+                  </dgm:else>
+                </dgm:choose>
+              </dgm:if>
+              <dgm:else name="Name23">
+                <dgm:choose name="Name24">
+                  <dgm:if name="Name25" func="var" arg="dir" op="equ" val="norm">
+                    <dgm:alg type="hierChild"/>
+                  </dgm:if>
+                  <dgm:else name="Name26">
+                    <dgm:alg type="hierChild">
+                      <dgm:param type="linDir" val="fromR"/>
+                    </dgm:alg>
+                  </dgm:else>
+                </dgm:choose>
+              </dgm:else>
+            </dgm:choose>
+            <dgm:shape xmlns:r="http://schemas.openxmlformats.org/officeDocument/2006/relationships" r:blip="">
+              <dgm:adjLst/>
+            </dgm:shape>
+            <dgm:presOf/>
+            <dgm:forEach name="rep2a" axis="ch" ptType="nonAsst">
+              <dgm:forEach name="Name27" axis="precedSib" ptType="parTrans" st="-1" cnt="1">
+                <dgm:layoutNode name="Name28">
+                  <dgm:choose name="Name29">
+                    <dgm:if name="Name30" func="var" arg="hierBranch" op="equ" val="std">
+                      <dgm:choose name="Name31">
+                        <dgm:if name="Name32" axis="self" func="depth" op="lte" val="2">
+                          <dgm:alg type="conn">
+                            <dgm:param type="connRout" val="bend"/>
+                            <dgm:param type="dim" val="1D"/>
+                            <dgm:param type="endSty" val="noArr"/>
+                            <dgm:param type="begPts" val="bCtr"/>
+                            <dgm:param type="endPts" val="tCtr"/>
+                            <dgm:param type="bendPt" val="end"/>
+                            <dgm:param type="srcNode" val="bottomArc1"/>
+                            <dgm:param type="dstNode" val="topArc2"/>
+                          </dgm:alg>
+                        </dgm:if>
+                        <dgm:if name="Name33" axis="par" ptType="asst" func="cnt" op="equ" val="1">
+                          <dgm:alg type="conn">
+                            <dgm:param type="connRout" val="bend"/>
+                            <dgm:param type="dim" val="1D"/>
+                            <dgm:param type="endSty" val="noArr"/>
+                            <dgm:param type="begPts" val="bCtr"/>
+                            <dgm:param type="endPts" val="tCtr"/>
+                            <dgm:param type="bendPt" val="end"/>
+                            <dgm:param type="srcNode" val="bottomArc3"/>
+                            <dgm:param type="dstNode" val="topArc2"/>
+                          </dgm:alg>
+                        </dgm:if>
+                        <dgm:else name="Name34">
+                          <dgm:alg type="conn">
+                            <dgm:param type="connRout" val="bend"/>
+                            <dgm:param type="dim" val="1D"/>
+                            <dgm:param type="endSty" val="noArr"/>
+                            <dgm:param type="begPts" val="bCtr"/>
+                            <dgm:param type="endPts" val="tCtr"/>
+                            <dgm:param type="bendPt" val="end"/>
+                            <dgm:param type="srcNode" val="bottomArc2"/>
+                            <dgm:param type="dstNode" val="topArc2"/>
+                          </dgm:alg>
+                        </dgm:else>
+                      </dgm:choose>
+                    </dgm:if>
+                    <dgm:if name="Name35" func="var" arg="hierBranch" op="equ" val="init">
+                      <dgm:choose name="Name36">
+                        <dgm:if name="Name37" axis="self" func="depth" op="lte" val="2">
+                          <dgm:choose name="Name38">
+                            <dgm:if name="Name39" axis="self" func="depth" op="lte" val="2">
+                              <dgm:alg type="conn">
+                                <dgm:param type="connRout" val="bend"/>
+                                <dgm:param type="dim" val="1D"/>
+                                <dgm:param type="endSty" val="noArr"/>
+                                <dgm:param type="begPts" val="bCtr"/>
+                                <dgm:param type="endPts" val="tCtr"/>
+                                <dgm:param type="bendPt" val="end"/>
+                                <dgm:param type="srcNode" val="bottomArc1"/>
+                                <dgm:param type="dstNode" val="topArc2"/>
+                              </dgm:alg>
+                            </dgm:if>
+                            <dgm:if name="Name40" axis="par" ptType="asst" func="cnt" op="equ" val="1">
+                              <dgm:alg type="conn">
+                                <dgm:param type="connRout" val="bend"/>
+                                <dgm:param type="dim" val="1D"/>
+                                <dgm:param type="endSty" val="noArr"/>
+                                <dgm:param type="begPts" val="bCtr"/>
+                                <dgm:param type="endPts" val="tCtr"/>
+                                <dgm:param type="bendPt" val="end"/>
+                                <dgm:param type="srcNode" val="bottomArc3"/>
+                                <dgm:param type="dstNode" val="topArc2"/>
+                              </dgm:alg>
+                            </dgm:if>
+                            <dgm:else name="Name41">
+                              <dgm:alg type="conn">
+                                <dgm:param type="connRout" val="bend"/>
+                                <dgm:param type="dim" val="1D"/>
+                                <dgm:param type="endSty" val="noArr"/>
+                                <dgm:param type="begPts" val="bCtr"/>
+                                <dgm:param type="endPts" val="tCtr"/>
+                                <dgm:param type="bendPt" val="end"/>
+                                <dgm:param type="srcNode" val="bottomArc2"/>
+                                <dgm:param type="dstNode" val="topArc2"/>
+                              </dgm:alg>
+                            </dgm:else>
+                          </dgm:choose>
+                        </dgm:if>
+                        <dgm:else name="Name42">
+                          <dgm:choose name="Name43">
+                            <dgm:if name="Name44" axis="par des" func="maxDepth" op="lte" val="1">
+                              <dgm:choose name="Name45">
+                                <dgm:if name="Name46" axis="self" func="depth" op="lte" val="2">
+                                  <dgm:alg type="conn">
+                                    <dgm:param type="connRout" val="bend"/>
+                                    <dgm:param type="dim" val="1D"/>
+                                    <dgm:param type="endSty" val="noArr"/>
+                                    <dgm:param type="begPts" val="bCtr"/>
+                                    <dgm:param type="endPts" val="bL bR"/>
+                                    <dgm:param type="srcNode" val="bottomArc1"/>
+                                    <dgm:param type="dstNode" val="topConnNode2"/>
+                                  </dgm:alg>
+                                </dgm:if>
+                                <dgm:if name="Name47" axis="par" ptType="asst" func="cnt" op="equ" val="1">
+                                  <dgm:alg type="conn">
+                                    <dgm:param type="connRout" val="bend"/>
+                                    <dgm:param type="dim" val="1D"/>
+                                    <dgm:param type="endSty" val="noArr"/>
+                                    <dgm:param type="begPts" val="bCtr"/>
+                                    <dgm:param type="endPts" val="bL bR"/>
+                                    <dgm:param type="srcNode" val="bottomArc3"/>
+                                    <dgm:param type="dstNode" val="topConnNode2"/>
+                                  </dgm:alg>
+                                </dgm:if>
+                                <dgm:else name="Name48">
+                                  <dgm:alg type="conn">
+                                    <dgm:param type="connRout" val="bend"/>
+                                    <dgm:param type="dim" val="1D"/>
+                                    <dgm:param type="endSty" val="noArr"/>
+                                    <dgm:param type="begPts" val="bCtr"/>
+                                    <dgm:param type="endPts" val="bL bR"/>
+                                    <dgm:param type="srcNode" val="bottomArc2"/>
+                                    <dgm:param type="dstNode" val="topConnNode2"/>
+                                  </dgm:alg>
+                                </dgm:else>
+                              </dgm:choose>
+                            </dgm:if>
+                            <dgm:else name="Name49">
+                              <dgm:choose name="Name50">
+                                <dgm:if name="Name51" axis="self" func="depth" op="lte" val="2">
+                                  <dgm:alg type="conn">
+                                    <dgm:param type="connRout" val="bend"/>
+                                    <dgm:param type="dim" val="1D"/>
+                                    <dgm:param type="endSty" val="noArr"/>
+                                    <dgm:param type="begPts" val="bCtr"/>
+                                    <dgm:param type="endPts" val="tCtr"/>
+                                    <dgm:param type="bendPt" val="end"/>
+                                    <dgm:param type="srcNode" val="bottomArc1"/>
+                                    <dgm:param type="dstNode" val="topArc2"/>
+                                  </dgm:alg>
+                                </dgm:if>
+                                <dgm:if name="Name52" axis="par" ptType="asst" func="cnt" op="equ" val="1">
+                                  <dgm:alg type="conn">
+                                    <dgm:param type="connRout" val="bend"/>
+                                    <dgm:param type="dim" val="1D"/>
+                                    <dgm:param type="endSty" val="noArr"/>
+                                    <dgm:param type="begPts" val="bCtr"/>
+                                    <dgm:param type="endPts" val="tCtr"/>
+                                    <dgm:param type="bendPt" val="end"/>
+                                    <dgm:param type="srcNode" val="bottomArc3"/>
+                                    <dgm:param type="dstNode" val="topArc2"/>
+                                  </dgm:alg>
+                                </dgm:if>
+                                <dgm:else name="Name53">
+                                  <dgm:alg type="conn">
+                                    <dgm:param type="connRout" val="bend"/>
+                                    <dgm:param type="dim" val="1D"/>
+                                    <dgm:param type="endSty" val="noArr"/>
+                                    <dgm:param type="begPts" val="bCtr"/>
+                                    <dgm:param type="endPts" val="tCtr"/>
+                                    <dgm:param type="bendPt" val="end"/>
+                                    <dgm:param type="srcNode" val="bottomArc2"/>
+                                    <dgm:param type="dstNode" val="topArc2"/>
+                                  </dgm:alg>
+                                </dgm:else>
+                              </dgm:choose>
+                            </dgm:else>
+                          </dgm:choose>
+                        </dgm:else>
+                      </dgm:choose>
+                    </dgm:if>
+                    <dgm:else name="Name54">
+                      <dgm:choose name="Name55">
+                        <dgm:if name="Name56" axis="self" func="depth" op="lte" val="2">
+                          <dgm:alg type="conn">
+                            <dgm:param type="connRout" val="bend"/>
+                            <dgm:param type="dim" val="1D"/>
+                            <dgm:param type="endSty" val="noArr"/>
+                            <dgm:param type="begPts" val="bCtr"/>
+                            <dgm:param type="endPts" val="bL bR"/>
+                            <dgm:param type="srcNode" val="bottomArc1"/>
+                            <dgm:param type="dstNode" val="topConnNode2"/>
+                          </dgm:alg>
+                        </dgm:if>
+                        <dgm:if name="Name57" axis="par" ptType="asst" func="cnt" op="equ" val="1">
+                          <dgm:alg type="conn">
+                            <dgm:param type="connRout" val="bend"/>
+                            <dgm:param type="dim" val="1D"/>
+                            <dgm:param type="endSty" val="noArr"/>
+                            <dgm:param type="begPts" val="bCtr"/>
+                            <dgm:param type="endPts" val="bL bR"/>
+                            <dgm:param type="srcNode" val="bottomArc3"/>
+                            <dgm:param type="dstNode" val="topConnNode2"/>
+                          </dgm:alg>
+                        </dgm:if>
+                        <dgm:else name="Name58">
+                          <dgm:alg type="conn">
+                            <dgm:param type="connRout" val="bend"/>
+                            <dgm:param type="dim" val="1D"/>
+                            <dgm:param type="endSty" val="noArr"/>
+                            <dgm:param type="begPts" val="bCtr"/>
+                            <dgm:param type="endPts" val="bL bR"/>
+                            <dgm:param type="srcNode" val="bottomArc2"/>
+                            <dgm:param type="dstNode" val="topConnNode2"/>
+                          </dgm:alg>
+                        </dgm:else>
+                      </dgm:choose>
+                    </dgm:else>
+                  </dgm:choose>
+                  <dgm:shape xmlns:r="http://schemas.openxmlformats.org/officeDocument/2006/relationships" type="conn" r:blip="" zOrderOff="-99999">
+                    <dgm:adjLst/>
+                  </dgm:shape>
+                  <dgm:presOf axis="self"/>
+                  <dgm:constrLst>
+                    <dgm:constr type="begPad"/>
+                    <dgm:constr type="endPad"/>
+                  </dgm:constrLst>
+                </dgm:layoutNode>
+              </dgm:forEach>
+              <dgm:layoutNode name="hierRoot2">
+                <dgm:varLst>
+                  <dgm:hierBranch val="init"/>
+                </dgm:varLst>
+                <dgm:choose name="Name59">
+                  <dgm:if name="Name60" func="var" arg="hierBranch" op="equ" val="l">
+                    <dgm:alg type="hierRoot">
+                      <dgm:param type="hierAlign" val="tR"/>
+                    </dgm:alg>
+                    <dgm:shape xmlns:r="http://schemas.openxmlformats.org/officeDocument/2006/relationships" r:blip="">
+                      <dgm:adjLst/>
+                    </dgm:shape>
+                    <dgm:presOf/>
+                    <dgm:constrLst>
+                      <dgm:constr type="alignOff" val="0.65"/>
+                    </dgm:constrLst>
+                  </dgm:if>
+                  <dgm:if name="Name61" func="var" arg="hierBranch" op="equ" val="r">
+                    <dgm:alg type="hierRoot">
+                      <dgm:param type="hierAlign" val="tL"/>
+                    </dgm:alg>
+                    <dgm:shape xmlns:r="http://schemas.openxmlformats.org/officeDocument/2006/relationships" r:blip="">
+                      <dgm:adjLst/>
+                    </dgm:shape>
+                    <dgm:presOf/>
+                    <dgm:constrLst>
+                      <dgm:constr type="alignOff" val="0.65"/>
+                    </dgm:constrLst>
+                  </dgm:if>
+                  <dgm:if name="Name62" func="var" arg="hierBranch" op="equ" val="std">
+                    <dgm:alg type="hierRoot"/>
+                    <dgm:shape xmlns:r="http://schemas.openxmlformats.org/officeDocument/2006/relationships" r:blip="">
+                      <dgm:adjLst/>
+                    </dgm:shape>
+                    <dgm:presOf/>
+                    <dgm:constrLst>
+                      <dgm:constr type="alignOff"/>
+                      <dgm:constr type="bendDist" for="des" ptType="parTrans" refType="sp" fact="0.5"/>
+                    </dgm:constrLst>
+                  </dgm:if>
+                  <dgm:if name="Name63" func="var" arg="hierBranch" op="equ" val="init">
+                    <dgm:choose name="Name64">
+                      <dgm:if name="Name65" axis="des" func="maxDepth" op="lte" val="1">
+                        <dgm:alg type="hierRoot">
+                          <dgm:param type="hierAlign" val="tL"/>
+                        </dgm:alg>
+                        <dgm:shape xmlns:r="http://schemas.openxmlformats.org/officeDocument/2006/relationships" r:blip="">
+                          <dgm:adjLst/>
+                        </dgm:shape>
+                        <dgm:presOf/>
+                        <dgm:constrLst>
+                          <dgm:constr type="alignOff" val="0.65"/>
+                        </dgm:constrLst>
+                      </dgm:if>
+                      <dgm:else name="Name66">
+                        <dgm:alg type="hierRoot"/>
+                        <dgm:shape xmlns:r="http://schemas.openxmlformats.org/officeDocument/2006/relationships" r:blip="">
+                          <dgm:adjLst/>
+                        </dgm:shape>
+                        <dgm:presOf/>
+                        <dgm:constrLst>
+                          <dgm:constr type="alignOff"/>
+                          <dgm:constr type="bendDist" for="des" ptType="parTrans" refType="sp" fact="0.5"/>
+                        </dgm:constrLst>
+                      </dgm:else>
+                    </dgm:choose>
+                  </dgm:if>
+                  <dgm:else name="Name67">
+                    <dgm:alg type="hierRoot"/>
+                    <dgm:shape xmlns:r="http://schemas.openxmlformats.org/officeDocument/2006/relationships" r:blip="">
+                      <dgm:adjLst/>
+                    </dgm:shape>
+                    <dgm:presOf/>
+                    <dgm:constrLst>
+                      <dgm:constr type="alignOff" val="0.65"/>
+                    </dgm:constrLst>
+                  </dgm:else>
+                </dgm:choose>
+                <dgm:layoutNode name="rootComposite2">
+                  <dgm:alg type="composite"/>
+                  <dgm:shape xmlns:r="http://schemas.openxmlformats.org/officeDocument/2006/relationships" r:blip="">
+                    <dgm:adjLst/>
+                  </dgm:shape>
+                  <dgm:presOf axis="self" ptType="node" cnt="1"/>
+                  <dgm:choose name="Name68">
+                    <dgm:if name="Name69" func="var" arg="hierBranch" op="equ" val="init">
+                      <dgm:constrLst>
+                        <dgm:constr type="l" for="ch" forName="rootText2"/>
+                        <dgm:constr type="t" for="ch" forName="rootText2" refType="h" fact="0.18"/>
+                        <dgm:constr type="w" for="ch" forName="rootText2" refType="w"/>
+                        <dgm:constr type="h" for="ch" forName="rootText2" refType="h" fact="0.64"/>
+                        <dgm:constr type="l" for="ch" forName="topArc2" refType="w" fact="0.25"/>
+                        <dgm:constr type="t" for="ch" forName="topArc2"/>
+                        <dgm:constr type="w" for="ch" forName="topArc2" refType="h" refFor="ch" refForName="topArc2"/>
+                        <dgm:constr type="h" for="ch" forName="topArc2" refType="h"/>
+                        <dgm:constr type="l" for="ch" forName="bottomArc2" refType="w" fact="0.25"/>
+                        <dgm:constr type="t" for="ch" forName="bottomArc2"/>
+                        <dgm:constr type="w" for="ch" forName="bottomArc2" refType="h" refFor="ch" refForName="bottomArc2"/>
+                        <dgm:constr type="h" for="ch" forName="bottomArc2" refType="h"/>
+                        <dgm:constr type="ctrX" for="ch" forName="topConnNode2" refType="w" fact="0.5"/>
+                        <dgm:constr type="t" for="ch" forName="topConnNode2"/>
+                        <dgm:constr type="w" for="ch" forName="topConnNode2" refType="h" fact="0.76"/>
+                        <dgm:constr type="b" for="ch" forName="topConnNode2" refType="t" refFor="ch" refForName="rootText2"/>
+                      </dgm:constrLst>
+                    </dgm:if>
+                    <dgm:if name="Name70" func="var" arg="hierBranch" op="equ" val="l">
+                      <dgm:constrLst>
+                        <dgm:constr type="l" for="ch" forName="rootText2"/>
+                        <dgm:constr type="t" for="ch" forName="rootText2" refType="h" fact="0.18"/>
+                        <dgm:constr type="w" for="ch" forName="rootText2" refType="w"/>
+                        <dgm:constr type="h" for="ch" forName="rootText2" refType="h" fact="0.64"/>
+                        <dgm:constr type="l" for="ch" forName="topArc2" refType="w" fact="0.25"/>
+                        <dgm:constr type="t" for="ch" forName="topArc2"/>
+                        <dgm:constr type="w" for="ch" forName="topArc2" refType="h" refFor="ch" refForName="topArc2"/>
+                        <dgm:constr type="h" for="ch" forName="topArc2" refType="h"/>
+                        <dgm:constr type="l" for="ch" forName="bottomArc2" refType="w" fact="0.25"/>
+                        <dgm:constr type="t" for="ch" forName="bottomArc2"/>
+                        <dgm:constr type="w" for="ch" forName="bottomArc2" refType="h" refFor="ch" refForName="bottomArc2"/>
+                        <dgm:constr type="h" for="ch" forName="bottomArc2" refType="h"/>
+                        <dgm:constr type="ctrX" for="ch" forName="topConnNode2" refType="w" fact="0.5"/>
+                        <dgm:constr type="t" for="ch" forName="topConnNode2"/>
+                        <dgm:constr type="w" for="ch" forName="topConnNode2" refType="h" fact="0.76"/>
+                        <dgm:constr type="b" for="ch" forName="topConnNode2" refType="t" refFor="ch" refForName="rootText2"/>
+                      </dgm:constrLst>
+                    </dgm:if>
+                    <dgm:if name="Name71" func="var" arg="hierBranch" op="equ" val="r">
+                      <dgm:constrLst>
+                        <dgm:constr type="l" for="ch" forName="rootText2"/>
+                        <dgm:constr type="t" for="ch" forName="rootText2" refType="h" fact="0.18"/>
+                        <dgm:constr type="w" for="ch" forName="rootText2" refType="w"/>
+                        <dgm:constr type="h" for="ch" forName="rootText2" refType="h" fact="0.64"/>
+                        <dgm:constr type="l" for="ch" forName="topArc2" refType="w" fact="0.25"/>
+                        <dgm:constr type="t" for="ch" forName="topArc2"/>
+                        <dgm:constr type="w" for="ch" forName="topArc2" refType="h" refFor="ch" refForName="topArc2"/>
+                        <dgm:constr type="h" for="ch" forName="topArc2" refType="h"/>
+                        <dgm:constr type="l" for="ch" forName="bottomArc2" refType="w" fact="0.25"/>
+                        <dgm:constr type="t" for="ch" forName="bottomArc2"/>
+                        <dgm:constr type="w" for="ch" forName="bottomArc2" refType="h" refFor="ch" refForName="bottomArc2"/>
+                        <dgm:constr type="h" for="ch" forName="bottomArc2" refType="h"/>
+                        <dgm:constr type="ctrX" for="ch" forName="topConnNode2" refType="w" fact="0.5"/>
+                        <dgm:constr type="t" for="ch" forName="topConnNode2"/>
+                        <dgm:constr type="w" for="ch" forName="topConnNode2" refType="h" fact="0.76"/>
+                        <dgm:constr type="b" for="ch" forName="topConnNode2" refType="t" refFor="ch" refForName="rootText2"/>
+                      </dgm:constrLst>
+                    </dgm:if>
+                    <dgm:else name="Name72">
+                      <dgm:constrLst>
+                        <dgm:constr type="l" for="ch" forName="rootText2"/>
+                        <dgm:constr type="t" for="ch" forName="rootText2" refType="h" fact="0.18"/>
+                        <dgm:constr type="w" for="ch" forName="rootText2" refType="w"/>
+                        <dgm:constr type="h" for="ch" forName="rootText2" refType="h" fact="0.64"/>
+                        <dgm:constr type="l" for="ch" forName="topArc2" refType="w" fact="0.25"/>
+                        <dgm:constr type="t" for="ch" forName="topArc2"/>
+                        <dgm:constr type="w" for="ch" forName="topArc2" refType="h" refFor="ch" refForName="topArc2"/>
+                        <dgm:constr type="h" for="ch" forName="topArc2" refType="h"/>
+                        <dgm:constr type="l" for="ch" forName="bottomArc2" refType="w" fact="0.25"/>
+                        <dgm:constr type="t" for="ch" forName="bottomArc2"/>
+                        <dgm:constr type="w" for="ch" forName="bottomArc2" refType="h" refFor="ch" refForName="bottomArc2"/>
+                        <dgm:constr type="h" for="ch" forName="bottomArc2" refType="h"/>
+                        <dgm:constr type="ctrX" for="ch" forName="topConnNode2" refType="w" fact="0.5"/>
+                        <dgm:constr type="t" for="ch" forName="topConnNode2"/>
+                        <dgm:constr type="w" for="ch" forName="topConnNode2" refType="h" fact="0.76"/>
+                        <dgm:constr type="b" for="ch" forName="topConnNode2" refType="t" refFor="ch" refForName="rootText2"/>
+                      </dgm:constrLst>
+                    </dgm:else>
+                  </dgm:choose>
+                  <dgm:layoutNode name="rootText2" styleLbl="alignAcc1">
+                    <dgm:varLst>
+                      <dgm:chPref val="3"/>
+                    </dgm:varLst>
+                    <dgm:alg type="tx"/>
+                    <dgm:shape xmlns:r="http://schemas.openxmlformats.org/officeDocument/2006/relationships" type="rect" r:blip="" hideGeom="1">
+                      <dgm:adjLst/>
+                    </dgm:shape>
+                    <dgm:presOf axis="self" ptType="node" cnt="1"/>
+                    <dgm:constrLst>
+                      <dgm:constr type="primFontSz" val="65"/>
+                      <dgm:constr type="lMarg" refType="primFontSz" fact="0.05"/>
+                      <dgm:constr type="rMarg" refType="primFontSz" fact="0.05"/>
+                      <dgm:constr type="tMarg" refType="primFontSz" fact="0.05"/>
+                      <dgm:constr type="bMarg" refType="primFontSz" fact="0.05"/>
+                    </dgm:constrLst>
+                    <dgm:ruleLst>
+                      <dgm:rule type="primFontSz" val="5" fact="NaN" max="NaN"/>
+                    </dgm:ruleLst>
+                  </dgm:layoutNode>
+                  <dgm:layoutNode name="topArc2" styleLbl="parChTrans1D1" moveWith="rootText2">
+                    <dgm:alg type="sp"/>
+                    <dgm:shape xmlns:r="http://schemas.openxmlformats.org/officeDocument/2006/relationships" type="arc" r:blip="" zOrderOff="-2">
+                      <dgm:adjLst>
+                        <dgm:adj idx="1" val="-140"/>
+                        <dgm:adj idx="2" val="-40"/>
+                      </dgm:adjLst>
+                    </dgm:shape>
+                    <dgm:presOf/>
+                  </dgm:layoutNode>
+                  <dgm:layoutNode name="bottomArc2" styleLbl="parChTrans1D1" moveWith="rootText2">
+                    <dgm:alg type="sp"/>
+                    <dgm:shape xmlns:r="http://schemas.openxmlformats.org/officeDocument/2006/relationships" type="arc" r:blip="" zOrderOff="-2">
+                      <dgm:adjLst>
+                        <dgm:adj idx="1" val="40"/>
+                        <dgm:adj idx="2" val="140"/>
+                      </dgm:adjLst>
+                    </dgm:shape>
+                    <dgm:presOf/>
+                  </dgm:layoutNode>
+                  <dgm:layoutNode name="topConnNode2" moveWith="rootText2">
+                    <dgm:alg type="sp"/>
+                    <dgm:shape xmlns:r="http://schemas.openxmlformats.org/officeDocument/2006/relationships" type="rect" r:blip="" hideGeom="1">
+                      <dgm:adjLst/>
+                    </dgm:shape>
+                    <dgm:presOf axis="self" ptType="node" cnt="1"/>
+                  </dgm:layoutNode>
+                </dgm:layoutNode>
+                <dgm:layoutNode name="hierChild4">
+                  <dgm:choose name="Name73">
+                    <dgm:if name="Name74" func="var" arg="hierBranch" op="equ" val="l">
+                      <dgm:alg type="hierChild">
+                        <dgm:param type="chAlign" val="r"/>
+                        <dgm:param type="linDir" val="fromT"/>
+                      </dgm:alg>
+                    </dgm:if>
+                    <dgm:if name="Name75" func="var" arg="hierBranch" op="equ" val="r">
+                      <dgm:alg type="hierChild">
+                        <dgm:param type="chAlign" val="l"/>
+                        <dgm:param type="linDir" val="fromT"/>
+                      </dgm:alg>
+                    </dgm:if>
+                    <dgm:if name="Name76" func="var" arg="hierBranch" op="equ" val="hang">
+                      <dgm:choose name="Name77">
+                        <dgm:if name="Name78" func="var" arg="dir" op="equ" val="norm">
+                          <dgm:alg type="hierChild">
+                            <dgm:param type="chAlign" val="l"/>
+                            <dgm:param type="linDir" val="fromL"/>
+                            <dgm:param type="secChAlign" val="t"/>
+                            <dgm:param type="secLinDir" val="fromT"/>
+                          </dgm:alg>
+                        </dgm:if>
+                        <dgm:else name="Name79">
+                          <dgm:alg type="hierChild">
+                            <dgm:param type="chAlign" val="l"/>
+                            <dgm:param type="linDir" val="fromR"/>
+                            <dgm:param type="secChAlign" val="t"/>
+                            <dgm:param type="secLinDir" val="fromT"/>
+                          </dgm:alg>
+                        </dgm:else>
+                      </dgm:choose>
+                    </dgm:if>
+                    <dgm:if name="Name80" func="var" arg="hierBranch" op="equ" val="std">
+                      <dgm:choose name="Name81">
+                        <dgm:if name="Name82" func="var" arg="dir" op="equ" val="norm">
+                          <dgm:alg type="hierChild"/>
+                        </dgm:if>
+                        <dgm:else name="Name83">
+                          <dgm:alg type="hierChild">
+                            <dgm:param type="linDir" val="fromR"/>
+                          </dgm:alg>
+                        </dgm:else>
+                      </dgm:choose>
+                    </dgm:if>
+                    <dgm:if name="Name84" func="var" arg="hierBranch" op="equ" val="init">
+                      <dgm:choose name="Name85">
+                        <dgm:if name="Name86" axis="des" func="maxDepth" op="lte" val="1">
+                          <dgm:alg type="hierChild">
+                            <dgm:param type="chAlign" val="l"/>
+                            <dgm:param type="linDir" val="fromT"/>
+                          </dgm:alg>
+                        </dgm:if>
+                        <dgm:else name="Name87">
+                          <dgm:choose name="Name88">
+                            <dgm:if name="Name89" func="var" arg="dir" op="equ" val="norm">
+                              <dgm:alg type="hierChild"/>
+                            </dgm:if>
+                            <dgm:else name="Name90">
+                              <dgm:alg type="hierChild">
+                                <dgm:param type="linDir" val="fromR"/>
+                              </dgm:alg>
+                            </dgm:else>
+                          </dgm:choose>
+                        </dgm:else>
+                      </dgm:choose>
+                    </dgm:if>
+                    <dgm:else name="Name91"/>
+                  </dgm:choose>
+                  <dgm:shape xmlns:r="http://schemas.openxmlformats.org/officeDocument/2006/relationships" r:blip="">
+                    <dgm:adjLst/>
+                  </dgm:shape>
+                  <dgm:presOf/>
+                  <dgm:forEach name="Name92" ref="rep2a"/>
+                </dgm:layoutNode>
+                <dgm:layoutNode name="hierChild5">
+                  <dgm:choose name="Name93">
+                    <dgm:if name="Name94" func="var" arg="dir" op="equ" val="norm">
+                      <dgm:alg type="hierChild">
+                        <dgm:param type="chAlign" val="l"/>
+                        <dgm:param type="linDir" val="fromL"/>
+                        <dgm:param type="secChAlign" val="t"/>
+                        <dgm:param type="secLinDir" val="fromT"/>
+                      </dgm:alg>
+                    </dgm:if>
+                    <dgm:else name="Name95">
+                      <dgm:alg type="hierChild">
+                        <dgm:param type="chAlign" val="l"/>
+                        <dgm:param type="linDir" val="fromR"/>
+                        <dgm:param type="secChAlign" val="t"/>
+                        <dgm:param type="secLinDir" val="fromT"/>
+                      </dgm:alg>
+                    </dgm:else>
+                  </dgm:choose>
+                  <dgm:shape xmlns:r="http://schemas.openxmlformats.org/officeDocument/2006/relationships" r:blip="">
+                    <dgm:adjLst/>
+                  </dgm:shape>
+                  <dgm:presOf/>
+                  <dgm:forEach name="Name96" ref="rep2b"/>
+                </dgm:layoutNode>
+              </dgm:layoutNode>
+            </dgm:forEach>
+          </dgm:layoutNode>
+          <dgm:layoutNode name="hierChild3">
+            <dgm:choose name="Name97">
+              <dgm:if name="Name98" func="var" arg="dir" op="equ" val="norm">
+                <dgm:alg type="hierChild">
+                  <dgm:param type="chAlign" val="l"/>
+                  <dgm:param type="linDir" val="fromL"/>
+                  <dgm:param type="secChAlign" val="t"/>
+                  <dgm:param type="secLinDir" val="fromT"/>
+                </dgm:alg>
+              </dgm:if>
+              <dgm:else name="Name99">
+                <dgm:alg type="hierChild">
+                  <dgm:param type="chAlign" val="l"/>
+                  <dgm:param type="linDir" val="fromR"/>
+                  <dgm:param type="secChAlign" val="t"/>
+                  <dgm:param type="secLinDir" val="fromT"/>
+                </dgm:alg>
+              </dgm:else>
+            </dgm:choose>
+            <dgm:shape xmlns:r="http://schemas.openxmlformats.org/officeDocument/2006/relationships" r:blip="">
+              <dgm:adjLst/>
+            </dgm:shape>
+            <dgm:presOf/>
+            <dgm:forEach name="rep2b" axis="ch" ptType="asst">
+              <dgm:forEach name="Name100" axis="precedSib" ptType="parTrans" st="-1" cnt="1">
+                <dgm:layoutNode name="Name101">
+                  <dgm:choose name="Name102">
+                    <dgm:if name="Name103" axis="self" func="depth" op="lte" val="2">
+                      <dgm:alg type="conn">
+                        <dgm:param type="connRout" val="bend"/>
+                        <dgm:param type="dim" val="1D"/>
+                        <dgm:param type="endSty" val="noArr"/>
+                        <dgm:param type="begPts" val="bCtr"/>
+                        <dgm:param type="endPts" val="bL bR"/>
+                        <dgm:param type="srcNode" val="bottomArc1"/>
+                        <dgm:param type="dstNode" val="topConnNode3"/>
+                      </dgm:alg>
+                    </dgm:if>
+                    <dgm:if name="Name104" axis="par" ptType="asst" func="cnt" op="equ" val="1">
+                      <dgm:alg type="conn">
+                        <dgm:param type="connRout" val="bend"/>
+                        <dgm:param type="dim" val="1D"/>
+                        <dgm:param type="endSty" val="noArr"/>
+                        <dgm:param type="begPts" val="bCtr"/>
+                        <dgm:param type="endPts" val="bL bR"/>
+                        <dgm:param type="srcNode" val="bottomArc3"/>
+                        <dgm:param type="dstNode" val="topConnNode3"/>
+                      </dgm:alg>
+                    </dgm:if>
+                    <dgm:else name="Name105">
+                      <dgm:alg type="conn">
+                        <dgm:param type="connRout" val="bend"/>
+                        <dgm:param type="dim" val="1D"/>
+                        <dgm:param type="endSty" val="noArr"/>
+                        <dgm:param type="begPts" val="bCtr"/>
+                        <dgm:param type="endPts" val="bL bR"/>
+                        <dgm:param type="srcNode" val="bottomArc2"/>
+                        <dgm:param type="dstNode" val="topConnNode3"/>
+                      </dgm:alg>
+                    </dgm:else>
+                  </dgm:choose>
+                  <dgm:shape xmlns:r="http://schemas.openxmlformats.org/officeDocument/2006/relationships" type="conn" r:blip="" zOrderOff="-99999">
+                    <dgm:adjLst/>
+                  </dgm:shape>
+                  <dgm:presOf axis="self"/>
+                  <dgm:constrLst>
+                    <dgm:constr type="begPad"/>
+                    <dgm:constr type="endPad"/>
+                  </dgm:constrLst>
+                </dgm:layoutNode>
+              </dgm:forEach>
+              <dgm:layoutNode name="hierRoot3">
+                <dgm:varLst>
+                  <dgm:hierBranch val="init"/>
+                </dgm:varLst>
+                <dgm:choose name="Name106">
+                  <dgm:if name="Name107" func="var" arg="hierBranch" op="equ" val="l">
+                    <dgm:alg type="hierRoot">
+                      <dgm:param type="hierAlign" val="tR"/>
+                    </dgm:alg>
+                    <dgm:shape xmlns:r="http://schemas.openxmlformats.org/officeDocument/2006/relationships" r:blip="">
+                      <dgm:adjLst/>
+                    </dgm:shape>
+                    <dgm:presOf/>
+                    <dgm:constrLst>
+                      <dgm:constr type="alignOff" val="0.65"/>
+                    </dgm:constrLst>
+                  </dgm:if>
+                  <dgm:if name="Name108" func="var" arg="hierBranch" op="equ" val="r">
+                    <dgm:alg type="hierRoot">
+                      <dgm:param type="hierAlign" val="tL"/>
+                    </dgm:alg>
+                    <dgm:shape xmlns:r="http://schemas.openxmlformats.org/officeDocument/2006/relationships" r:blip="">
+                      <dgm:adjLst/>
+                    </dgm:shape>
+                    <dgm:presOf/>
+                    <dgm:constrLst>
+                      <dgm:constr type="alignOff" val="0.65"/>
+                    </dgm:constrLst>
+                  </dgm:if>
+                  <dgm:if name="Name109" func="var" arg="hierBranch" op="equ" val="hang">
+                    <dgm:alg type="hierRoot"/>
+                    <dgm:shape xmlns:r="http://schemas.openxmlformats.org/officeDocument/2006/relationships" r:blip="">
+                      <dgm:adjLst/>
+                    </dgm:shape>
+                    <dgm:presOf/>
+                    <dgm:constrLst>
+                      <dgm:constr type="alignOff" val="0.65"/>
+                    </dgm:constrLst>
+                  </dgm:if>
+                  <dgm:if name="Name110" func="var" arg="hierBranch" op="equ" val="std">
+                    <dgm:alg type="hierRoot"/>
+                    <dgm:shape xmlns:r="http://schemas.openxmlformats.org/officeDocument/2006/relationships" r:blip="">
+                      <dgm:adjLst/>
+                    </dgm:shape>
+                    <dgm:presOf/>
+                    <dgm:constrLst>
+                      <dgm:constr type="alignOff"/>
+                      <dgm:constr type="bendDist" for="des" ptType="parTrans" refType="sp" fact="0.5"/>
+                    </dgm:constrLst>
+                  </dgm:if>
+                  <dgm:if name="Name111" func="var" arg="hierBranch" op="equ" val="init">
+                    <dgm:choose name="Name112">
+                      <dgm:if name="Name113" axis="des" func="maxDepth" op="lte" val="1">
+                        <dgm:alg type="hierRoot">
+                          <dgm:param type="hierAlign" val="tL"/>
+                        </dgm:alg>
+                        <dgm:shape xmlns:r="http://schemas.openxmlformats.org/officeDocument/2006/relationships" r:blip="">
+                          <dgm:adjLst/>
+                        </dgm:shape>
+                        <dgm:presOf/>
+                        <dgm:constrLst>
+                          <dgm:constr type="alignOff" val="0.65"/>
+                        </dgm:constrLst>
+                      </dgm:if>
+                      <dgm:else name="Name114">
+                        <dgm:alg type="hierRoot"/>
+                        <dgm:shape xmlns:r="http://schemas.openxmlformats.org/officeDocument/2006/relationships" r:blip="">
+                          <dgm:adjLst/>
+                        </dgm:shape>
+                        <dgm:presOf/>
+                        <dgm:constrLst>
+                          <dgm:constr type="alignOff"/>
+                          <dgm:constr type="bendDist" for="des" ptType="parTrans" refType="sp" fact="0.5"/>
+                        </dgm:constrLst>
+                      </dgm:else>
+                    </dgm:choose>
+                  </dgm:if>
+                  <dgm:else name="Name115"/>
+                </dgm:choose>
+                <dgm:layoutNode name="rootComposite3">
+                  <dgm:alg type="composite"/>
+                  <dgm:shape xmlns:r="http://schemas.openxmlformats.org/officeDocument/2006/relationships" r:blip="">
+                    <dgm:adjLst/>
+                  </dgm:shape>
+                  <dgm:presOf axis="self" ptType="node" cnt="1"/>
+                  <dgm:choose name="Name116">
+                    <dgm:if name="Name117" func="var" arg="hierBranch" op="equ" val="init">
+                      <dgm:constrLst>
+                        <dgm:constr type="l" for="ch" forName="rootText3"/>
+                        <dgm:constr type="t" for="ch" forName="rootText3" refType="h" fact="0.18"/>
+                        <dgm:constr type="w" for="ch" forName="rootText3" refType="w"/>
+                        <dgm:constr type="h" for="ch" forName="rootText3" refType="h" fact="0.64"/>
+                        <dgm:constr type="l" for="ch" forName="topArc3" refType="w" fact="0.25"/>
+                        <dgm:constr type="t" for="ch" forName="topArc3"/>
+                        <dgm:constr type="w" for="ch" forName="topArc3" refType="h" refFor="ch" refForName="topArc3"/>
+                        <dgm:constr type="h" for="ch" forName="topArc3" refType="h"/>
+                        <dgm:constr type="l" for="ch" forName="bottomArc3" refType="w" fact="0.25"/>
+                        <dgm:constr type="t" for="ch" forName="bottomArc3"/>
+                        <dgm:constr type="w" for="ch" forName="bottomArc3" refType="h" refFor="ch" refForName="bottomArc3"/>
+                        <dgm:constr type="h" for="ch" forName="bottomArc3" refType="h"/>
+                        <dgm:constr type="ctrX" for="ch" forName="topConnNode3" refType="w" fact="0.5"/>
+                        <dgm:constr type="t" for="ch" forName="topConnNode3"/>
+                        <dgm:constr type="w" for="ch" forName="topConnNode3" refType="h" fact="0.76"/>
+                        <dgm:constr type="b" for="ch" forName="topConnNode3" refType="t" refFor="ch" refForName="rootText3"/>
+                      </dgm:constrLst>
+                    </dgm:if>
+                    <dgm:if name="Name118" func="var" arg="hierBranch" op="equ" val="l">
+                      <dgm:constrLst>
+                        <dgm:constr type="l" for="ch" forName="rootText3"/>
+                        <dgm:constr type="t" for="ch" forName="rootText3" refType="h" fact="0.18"/>
+                        <dgm:constr type="w" for="ch" forName="rootText3" refType="w"/>
+                        <dgm:constr type="h" for="ch" forName="rootText3" refType="h" fact="0.64"/>
+                        <dgm:constr type="l" for="ch" forName="topArc3" refType="w" fact="0.25"/>
+                        <dgm:constr type="t" for="ch" forName="topArc3"/>
+                        <dgm:constr type="w" for="ch" forName="topArc3" refType="h" refFor="ch" refForName="topArc3"/>
+                        <dgm:constr type="h" for="ch" forName="topArc3" refType="h"/>
+                        <dgm:constr type="l" for="ch" forName="bottomArc3" refType="w" fact="0.25"/>
+                        <dgm:constr type="t" for="ch" forName="bottomArc3"/>
+                        <dgm:constr type="w" for="ch" forName="bottomArc3" refType="h" refFor="ch" refForName="bottomArc3"/>
+                        <dgm:constr type="h" for="ch" forName="bottomArc3" refType="h"/>
+                        <dgm:constr type="ctrX" for="ch" forName="topConnNode3" refType="w" fact="0.5"/>
+                        <dgm:constr type="t" for="ch" forName="topConnNode3"/>
+                        <dgm:constr type="w" for="ch" forName="topConnNode3" refType="h" fact="0.76"/>
+                        <dgm:constr type="b" for="ch" forName="topConnNode3" refType="t" refFor="ch" refForName="rootText3"/>
+                      </dgm:constrLst>
+                    </dgm:if>
+                    <dgm:if name="Name119" func="var" arg="hierBranch" op="equ" val="r">
+                      <dgm:constrLst>
+                        <dgm:constr type="l" for="ch" forName="rootText3"/>
+                        <dgm:constr type="t" for="ch" forName="rootText3" refType="h" fact="0.18"/>
+                        <dgm:constr type="w" for="ch" forName="rootText3" refType="w"/>
+                        <dgm:constr type="h" for="ch" forName="rootText3" refType="h" fact="0.64"/>
+                        <dgm:constr type="l" for="ch" forName="topArc3" refType="w" fact="0.25"/>
+                        <dgm:constr type="t" for="ch" forName="topArc3"/>
+                        <dgm:constr type="w" for="ch" forName="topArc3" refType="h" refFor="ch" refForName="topArc3"/>
+                        <dgm:constr type="h" for="ch" forName="topArc3" refType="h"/>
+                        <dgm:constr type="l" for="ch" forName="bottomArc3" refType="w" fact="0.25"/>
+                        <dgm:constr type="t" for="ch" forName="bottomArc3"/>
+                        <dgm:constr type="w" for="ch" forName="bottomArc3" refType="h" refFor="ch" refForName="bottomArc3"/>
+                        <dgm:constr type="h" for="ch" forName="bottomArc3" refType="h"/>
+                        <dgm:constr type="ctrX" for="ch" forName="topConnNode3" refType="w" fact="0.5"/>
+                        <dgm:constr type="t" for="ch" forName="topConnNode3"/>
+                        <dgm:constr type="w" for="ch" forName="topConnNode3" refType="h" fact="0.76"/>
+                        <dgm:constr type="b" for="ch" forName="topConnNode3" refType="t" refFor="ch" refForName="rootText3"/>
+                      </dgm:constrLst>
+                    </dgm:if>
+                    <dgm:else name="Name120">
+                      <dgm:constrLst>
+                        <dgm:constr type="l" for="ch" forName="rootText3"/>
+                        <dgm:constr type="t" for="ch" forName="rootText3" refType="h" fact="0.18"/>
+                        <dgm:constr type="w" for="ch" forName="rootText3" refType="w"/>
+                        <dgm:constr type="h" for="ch" forName="rootText3" refType="h" fact="0.64"/>
+                        <dgm:constr type="l" for="ch" forName="topArc3" refType="w" fact="0.25"/>
+                        <dgm:constr type="t" for="ch" forName="topArc3"/>
+                        <dgm:constr type="w" for="ch" forName="topArc3" refType="h" refFor="ch" refForName="topArc3"/>
+                        <dgm:constr type="h" for="ch" forName="topArc3" refType="h"/>
+                        <dgm:constr type="l" for="ch" forName="bottomArc3" refType="w" fact="0.25"/>
+                        <dgm:constr type="t" for="ch" forName="bottomArc3"/>
+                        <dgm:constr type="w" for="ch" forName="bottomArc3" refType="h" refFor="ch" refForName="bottomArc3"/>
+                        <dgm:constr type="h" for="ch" forName="bottomArc3" refType="h"/>
+                        <dgm:constr type="ctrX" for="ch" forName="topConnNode3" refType="w" fact="0.5"/>
+                        <dgm:constr type="t" for="ch" forName="topConnNode3"/>
+                        <dgm:constr type="w" for="ch" forName="topConnNode3" refType="h" fact="0.76"/>
+                        <dgm:constr type="b" for="ch" forName="topConnNode3" refType="t" refFor="ch" refForName="rootText3"/>
+                      </dgm:constrLst>
+                    </dgm:else>
+                  </dgm:choose>
+                  <dgm:layoutNode name="rootText3" styleLbl="alignAcc1">
+                    <dgm:varLst>
+                      <dgm:chPref val="3"/>
+                    </dgm:varLst>
+                    <dgm:alg type="tx"/>
+                    <dgm:shape xmlns:r="http://schemas.openxmlformats.org/officeDocument/2006/relationships" type="rect" r:blip="" hideGeom="1">
+                      <dgm:adjLst/>
+                    </dgm:shape>
+                    <dgm:presOf axis="self" ptType="node" cnt="1"/>
+                    <dgm:constrLst>
+                      <dgm:constr type="primFontSz" val="65"/>
+                      <dgm:constr type="lMarg" refType="primFontSz" fact="0.05"/>
+                      <dgm:constr type="rMarg" refType="primFontSz" fact="0.05"/>
+                      <dgm:constr type="tMarg" refType="primFontSz" fact="0.05"/>
+                      <dgm:constr type="bMarg" refType="primFontSz" fact="0.05"/>
+                    </dgm:constrLst>
+                    <dgm:ruleLst>
+                      <dgm:rule type="primFontSz" val="5" fact="NaN" max="NaN"/>
+                    </dgm:ruleLst>
+                  </dgm:layoutNode>
+                  <dgm:layoutNode name="topArc3" styleLbl="parChTrans1D1" moveWith="rootText3">
+                    <dgm:alg type="sp"/>
+                    <dgm:shape xmlns:r="http://schemas.openxmlformats.org/officeDocument/2006/relationships" type="arc" r:blip="" zOrderOff="-2">
+                      <dgm:adjLst>
+                        <dgm:adj idx="1" val="-140"/>
+                        <dgm:adj idx="2" val="-40"/>
+                      </dgm:adjLst>
+                    </dgm:shape>
+                    <dgm:presOf/>
+                  </dgm:layoutNode>
+                  <dgm:layoutNode name="bottomArc3" styleLbl="parChTrans1D1" moveWith="rootText3">
+                    <dgm:alg type="sp"/>
+                    <dgm:shape xmlns:r="http://schemas.openxmlformats.org/officeDocument/2006/relationships" type="arc" r:blip="" zOrderOff="-2">
+                      <dgm:adjLst>
+                        <dgm:adj idx="1" val="40"/>
+                        <dgm:adj idx="2" val="140"/>
+                      </dgm:adjLst>
+                    </dgm:shape>
+                    <dgm:presOf/>
+                  </dgm:layoutNode>
+                  <dgm:layoutNode name="topConnNode3" moveWith="rootText3">
+                    <dgm:alg type="sp"/>
+                    <dgm:shape xmlns:r="http://schemas.openxmlformats.org/officeDocument/2006/relationships" type="rect" r:blip="" hideGeom="1">
+                      <dgm:adjLst/>
+                    </dgm:shape>
+                    <dgm:presOf axis="self" ptType="node" cnt="1"/>
+                  </dgm:layoutNode>
+                </dgm:layoutNode>
+                <dgm:layoutNode name="hierChild6">
+                  <dgm:choose name="Name121">
+                    <dgm:if name="Name122" func="var" arg="hierBranch" op="equ" val="l">
+                      <dgm:alg type="hierChild">
+                        <dgm:param type="chAlign" val="r"/>
+                        <dgm:param type="linDir" val="fromT"/>
+                      </dgm:alg>
+                    </dgm:if>
+                    <dgm:if name="Name123" func="var" arg="hierBranch" op="equ" val="r">
+                      <dgm:alg type="hierChild">
+                        <dgm:param type="chAlign" val="l"/>
+                        <dgm:param type="linDir" val="fromT"/>
+                      </dgm:alg>
+                    </dgm:if>
+                    <dgm:if name="Name124" func="var" arg="hierBranch" op="equ" val="hang">
+                      <dgm:choose name="Name125">
+                        <dgm:if name="Name126" func="var" arg="dir" op="equ" val="norm">
+                          <dgm:alg type="hierChild">
+                            <dgm:param type="chAlign" val="l"/>
+                            <dgm:param type="linDir" val="fromL"/>
+                            <dgm:param type="secChAlign" val="t"/>
+                            <dgm:param type="secLinDir" val="fromT"/>
+                          </dgm:alg>
+                        </dgm:if>
+                        <dgm:else name="Name127">
+                          <dgm:alg type="hierChild">
+                            <dgm:param type="chAlign" val="l"/>
+                            <dgm:param type="linDir" val="fromR"/>
+                            <dgm:param type="secChAlign" val="t"/>
+                            <dgm:param type="secLinDir" val="fromT"/>
+                          </dgm:alg>
+                        </dgm:else>
+                      </dgm:choose>
+                    </dgm:if>
+                    <dgm:if name="Name128" func="var" arg="hierBranch" op="equ" val="std">
+                      <dgm:choose name="Name129">
+                        <dgm:if name="Name130" func="var" arg="dir" op="equ" val="norm">
+                          <dgm:alg type="hierChild"/>
+                        </dgm:if>
+                        <dgm:else name="Name131">
+                          <dgm:alg type="hierChild">
+                            <dgm:param type="linDir" val="fromR"/>
+                          </dgm:alg>
+                        </dgm:else>
+                      </dgm:choose>
+                    </dgm:if>
+                    <dgm:if name="Name132" func="var" arg="hierBranch" op="equ" val="init">
+                      <dgm:choose name="Name133">
+                        <dgm:if name="Name134" axis="des" func="maxDepth" op="lte" val="1">
+                          <dgm:alg type="hierChild">
+                            <dgm:param type="chAlign" val="l"/>
+                            <dgm:param type="linDir" val="fromT"/>
+                          </dgm:alg>
+                        </dgm:if>
+                        <dgm:else name="Name135">
+                          <dgm:alg type="hierChild"/>
+                        </dgm:else>
+                      </dgm:choose>
+                    </dgm:if>
+                    <dgm:else name="Name136"/>
+                  </dgm:choose>
+                  <dgm:shape xmlns:r="http://schemas.openxmlformats.org/officeDocument/2006/relationships" r:blip="">
+                    <dgm:adjLst/>
+                  </dgm:shape>
+                  <dgm:presOf/>
+                  <dgm:forEach name="Name137" ref="rep2a"/>
+                </dgm:layoutNode>
+                <dgm:layoutNode name="hierChild7">
+                  <dgm:choose name="Name138">
+                    <dgm:if name="Name139" func="var" arg="dir" op="equ" val="norm">
+                      <dgm:alg type="hierChild">
+                        <dgm:param type="chAlign" val="l"/>
+                        <dgm:param type="linDir" val="fromL"/>
+                        <dgm:param type="secChAlign" val="t"/>
+                        <dgm:param type="secLinDir" val="fromT"/>
+                      </dgm:alg>
+                    </dgm:if>
+                    <dgm:else name="Name140">
+                      <dgm:alg type="hierChild">
+                        <dgm:param type="chAlign" val="l"/>
+                        <dgm:param type="linDir" val="fromR"/>
+                        <dgm:param type="secChAlign" val="t"/>
+                        <dgm:param type="secLinDir" val="fromT"/>
+                      </dgm:alg>
+                    </dgm:else>
+                  </dgm:choose>
+                  <dgm:shape xmlns:r="http://schemas.openxmlformats.org/officeDocument/2006/relationships" r:blip="">
+                    <dgm:adjLst/>
+                  </dgm:shape>
+                  <dgm:presOf/>
+                  <dgm:forEach name="Name141" ref="rep2b"/>
+                </dgm:layoutNode>
+              </dgm:layoutNode>
+            </dgm:forEach>
+          </dgm:layoutNode>
+        </dgm:layoutNode>
+      </dgm:forEach>
+    </dgm:forEach>
+  </dgm:layoutNode>
+</dgm:layoutDef>
+</file>
+
+<file path=ppt/diagrams/quickStyle1.xml><?xml version="1.0" encoding="utf-8"?>
+<dgm:styleDef xmlns:dgm="http://schemas.openxmlformats.org/drawingml/2006/diagram" xmlns:a="http://schemas.openxmlformats.org/drawingml/2006/main" uniqueId="urn:microsoft.com/office/officeart/2005/8/quickstyle/simple1">
+  <dgm:title val=""/>
+  <dgm:desc val=""/>
+  <dgm:catLst>
+    <dgm:cat type="simple" pri="10100"/>
+  </dgm:catLst>
+  <dgm:scene3d>
+    <a:camera prst="orthographicFront"/>
+    <a:lightRig rig="threePt" dir="t"/>
+  </dgm:scene3d>
+  <dgm:styleLbl name="node0">
+    <dgm:scene3d>
+      <a:camera prst="orthographicFront"/>
+      <a:lightRig rig="threePt" dir="t"/>
+    </dgm:scene3d>
+    <dgm:sp3d/>
+    <dgm:txPr/>
+    <dgm:style>
+      <a:lnRef idx="2">
+        <a:scrgbClr r="0" g="0" b="0"/>
+      </a:lnRef>
+      <a:fillRef idx="1">
+        <a:scrgbClr r="0" g="0" b="0"/>
+      </a:fillRef>
+      <a:effectRef idx="0">
+        <a:scrgbClr r="0" g="0" b="0"/>
+      </a:effectRef>
+      <a:fontRef idx="minor">
+        <a:schemeClr val="lt1"/>
+      </a:fontRef>
+    </dgm:style>
+  </dgm:styleLbl>
+  <dgm:styleLbl name="lnNode1">
+    <dgm:scene3d>
+      <a:camera prst="orthographicFront"/>
+      <a:lightRig rig="threePt" dir="t"/>
+    </dgm:scene3d>
+    <dgm:sp3d/>
+    <dgm:txPr/>
+    <dgm:style>
+      <a:lnRef idx="2">
+        <a:scrgbClr r="0" g="0" b="0"/>
+      </a:lnRef>
+      <a:fillRef idx="1">
+        <a:scrgbClr r="0" g="0" b="0"/>
+      </a:fillRef>
+      <a:effectRef idx="0">
+        <a:scrgbClr r="0" g="0" b="0"/>
+      </a:effectRef>
+      <a:fontRef idx="minor">
+        <a:schemeClr val="lt1"/>
+      </a:fontRef>
+    </dgm:style>
+  </dgm:styleLbl>
+  <dgm:styleLbl name="vennNode1">
+    <dgm:scene3d>
+      <a:camera prst="orthographicFront"/>
+      <a:lightRig rig="threePt" dir="t"/>
+    </dgm:scene3d>
+    <dgm:sp3d/>
+    <dgm:txPr/>
+    <dgm:style>
+      <a:lnRef idx="2">
+        <a:scrgbClr r="0" g="0" b="0"/>
+      </a:lnRef>
+      <a:fillRef idx="1">
+        <a:scrgbClr r="0" g="0" b="0"/>
+      </a:fillRef>
+      <a:effectRef idx="0">
+        <a:scrgbClr r="0" g="0" b="0"/>
+      </a:effectRef>
+      <a:fontRef idx="minor">
+        <a:schemeClr val="tx1"/>
+      </a:fontRef>
+    </dgm:style>
+  </dgm:styleLbl>
+  <dgm:styleLbl name="alignNode1">
+    <dgm:scene3d>
+      <a:camera prst="orthographicFront"/>
+      <a:lightRig rig="threePt" dir="t"/>
+    </dgm:scene3d>
+    <dgm:sp3d/>
+    <dgm:txPr/>
+    <dgm:style>
+      <a:lnRef idx="2">
+        <a:scrgbClr r="0" g="0" b="0"/>
+      </a:lnRef>
+      <a:fillRef idx="1">
+        <a:scrgbClr r="0" g="0" b="0"/>
+      </a:fillRef>
+      <a:effectRef idx="0">
+        <a:scrgbClr r="0" g="0" b="0"/>
+      </a:effectRef>
+      <a:fontRef idx="minor">
+        <a:schemeClr val="lt1"/>
+      </a:fontRef>
+    </dgm:style>
+  </dgm:styleLbl>
+  <dgm:styleLbl name="node1">
+    <dgm:scene3d>
+      <a:camera prst="orthographicFront"/>
+      <a:lightRig rig="threePt" dir="t"/>
+    </dgm:scene3d>
+    <dgm:sp3d/>
+    <dgm:txPr/>
+    <dgm:style>
+      <a:lnRef idx="2">
+        <a:scrgbClr r="0" g="0" b="0"/>
+      </a:lnRef>
+      <a:fillRef idx="1">
+        <a:scrgbClr r="0" g="0" b="0"/>
+      </a:fillRef>
+      <a:effectRef idx="0">
+        <a:scrgbClr r="0" g="0" b="0"/>
+      </a:effectRef>
+      <a:fontRef idx="minor">
+        <a:schemeClr val="lt1"/>
+      </a:fontRef>
+    </dgm:style>
+  </dgm:styleLbl>
+  <dgm:styleLbl name="node2">
+    <dgm:scene3d>
+      <a:camera prst="orthographicFront"/>
+      <a:lightRig rig="threePt" dir="t"/>
+    </dgm:scene3d>
+    <dgm:sp3d/>
+    <dgm:txPr/>
+    <dgm:style>
+      <a:lnRef idx="2">
+        <a:scrgbClr r="0" g="0" b="0"/>
+      </a:lnRef>
+      <a:fillRef idx="1">
+        <a:scrgbClr r="0" g="0" b="0"/>
+      </a:fillRef>
+      <a:effectRef idx="0">
+        <a:scrgbClr r="0" g="0" b="0"/>
+      </a:effectRef>
+      <a:fontRef idx="minor">
+        <a:schemeClr val="lt1"/>
+      </a:fontRef>
+    </dgm:style>
+  </dgm:styleLbl>
+  <dgm:styleLbl name="node3">
+    <dgm:scene3d>
+      <a:camera prst="orthographicFront"/>
+      <a:lightRig rig="threePt" dir="t"/>
+    </dgm:scene3d>
+    <dgm:sp3d/>
+    <dgm:txPr/>
+    <dgm:style>
+      <a:lnRef idx="2">
+        <a:scrgbClr r="0" g="0" b="0"/>
+      </a:lnRef>
+      <a:fillRef idx="1">
+        <a:scrgbClr r="0" g="0" b="0"/>
+      </a:fillRef>
+      <a:effectRef idx="0">
+        <a:scrgbClr r="0" g="0" b="0"/>
+      </a:effectRef>
+      <a:fontRef idx="minor">
+        <a:schemeClr val="lt1"/>
+      </a:fontRef>
+    </dgm:style>
+  </dgm:styleLbl>
+  <dgm:styleLbl name="node4">
+    <dgm:scene3d>
+      <a:camera prst="orthographicFront"/>
+      <a:lightRig rig="threePt" dir="t"/>
+    </dgm:scene3d>
+    <dgm:sp3d/>
+    <dgm:txPr/>
+    <dgm:style>
+      <a:lnRef idx="2">
+        <a:scrgbClr r="0" g="0" b="0"/>
+      </a:lnRef>
+      <a:fillRef idx="1">
+        <a:scrgbClr r="0" g="0" b="0"/>
+      </a:fillRef>
+      <a:effectRef idx="0">
+        <a:scrgbClr r="0" g="0" b="0"/>
+      </a:effectRef>
+      <a:fontRef idx="minor">
+        <a:schemeClr val="lt1"/>
+      </a:fontRef>
+    </dgm:style>
+  </dgm:styleLbl>
+  <dgm:styleLbl name="fgImgPlace1">
+    <dgm:scene3d>
+      <a:camera prst="orthographicFront"/>
+      <a:lightRig rig="threePt" dir="t"/>
+    </dgm:scene3d>
+    <dgm:sp3d/>
+    <dgm:txPr/>
+    <dgm:style>
+      <a:lnRef idx="2">
+        <a:scrgbClr r="0" g="0" b="0"/>
+      </a:lnRef>
+      <a:fillRef idx="1">
+        <a:scrgbClr r="0" g="0" b="0"/>
+      </a:fillRef>
+      <a:effectRef idx="0">
+        <a:scrgbClr r="0" g="0" b="0"/>
+      </a:effectRef>
+      <a:fontRef idx="minor"/>
+    </dgm:style>
+  </dgm:styleLbl>
+  <dgm:styleLbl name="alignImgPlace1">
+    <dgm:scene3d>
+      <a:camera prst="orthographicFront"/>
+      <a:lightRig rig="threePt" dir="t"/>
+    </dgm:scene3d>
+    <dgm:sp3d/>
+    <dgm:txPr/>
+    <dgm:style>
+      <a:lnRef idx="2">
+        <a:scrgbClr r="0" g="0" b="0"/>
+      </a:lnRef>
+      <a:fillRef idx="1">
+        <a:scrgbClr r="0" g="0" b="0"/>
+      </a:fillRef>
+      <a:effectRef idx="0">
+        <a:scrgbClr r="0" g="0" b="0"/>
+      </a:effectRef>
+      <a:fontRef idx="minor"/>
+    </dgm:style>
+  </dgm:styleLbl>
+  <dgm:styleLbl name="bgImgPlace1">
+    <dgm:scene3d>
+      <a:camera prst="orthographicFront"/>
+      <a:lightRig rig="threePt" dir="t"/>
+    </dgm:scene3d>
+    <dgm:sp3d/>
+    <dgm:txPr/>
+    <dgm:style>
+      <a:lnRef idx="2">
+        <a:scrgbClr r="0" g="0" b="0"/>
+      </a:lnRef>
+      <a:fillRef idx="1">
+        <a:scrgbClr r="0" g="0" b="0"/>
+      </a:fillRef>
+      <a:effectRef idx="0">
+        <a:scrgbClr r="0" g="0" b="0"/>
+      </a:effectRef>
+      <a:fontRef idx="minor"/>
+    </dgm:style>
+  </dgm:styleLbl>
+  <dgm:styleLbl name="sibTrans2D1">
+    <dgm:scene3d>
+      <a:camera prst="orthographicFront"/>
+      <a:lightRig rig="threePt" dir="t"/>
+    </dgm:scene3d>
+    <dgm:sp3d/>
+    <dgm:txPr/>
+    <dgm:style>
+      <a:lnRef idx="0">
+        <a:scrgbClr r="0" g="0" b="0"/>
+      </a:lnRef>
+      <a:fillRef idx="1">
+        <a:scrgbClr r="0" g="0" b="0"/>
+      </a:fillRef>
+      <a:effectRef idx="0">
+        <a:scrgbClr r="0" g="0" b="0"/>
+      </a:effectRef>
+      <a:fontRef idx="minor">
+        <a:schemeClr val="lt1"/>
+      </a:fontRef>
+    </dgm:style>
+  </dgm:styleLbl>
+  <dgm:styleLbl name="fgSibTrans2D1">
+    <dgm:scene3d>
+      <a:camera prst="orthographicFront"/>
+      <a:lightRig rig="threePt" dir="t"/>
+    </dgm:scene3d>
+    <dgm:sp3d/>
+    <dgm:txPr/>
+    <dgm:style>
+      <a:lnRef idx="0">
+        <a:scrgbClr r="0" g="0" b="0"/>
+      </a:lnRef>
+      <a:fillRef idx="1">
+        <a:scrgbClr r="0" g="0" b="0"/>
+      </a:fillRef>
+      <a:effectRef idx="0">
+        <a:scrgbClr r="0" g="0" b="0"/>
+      </a:effectRef>
+      <a:fontRef idx="minor">
+        <a:schemeClr val="lt1"/>
+      </a:fontRef>
+    </dgm:style>
+  </dgm:styleLbl>
+  <dgm:styleLbl name="bgSibTrans2D1">
+    <dgm:scene3d>
+      <a:camera prst="orthographicFront"/>
+      <a:lightRig rig="threePt" dir="t"/>
+    </dgm:scene3d>
+    <dgm:sp3d/>
+    <dgm:txPr/>
+    <dgm:style>
+      <a:lnRef idx="0">
+        <a:scrgbClr r="0" g="0" b="0"/>
+      </a:lnRef>
+      <a:fillRef idx="1">
+        <a:scrgbClr r="0" g="0" b="0"/>
+      </a:fillRef>
+      <a:effectRef idx="0">
+        <a:scrgbClr r="0" g="0" b="0"/>
+      </a:effectRef>
+      <a:fontRef idx="minor">
+        <a:schemeClr val="lt1"/>
+      </a:fontRef>
+    </dgm:style>
+  </dgm:styleLbl>
+  <dgm:styleLbl name="sibTrans1D1">
+    <dgm:scene3d>
+      <a:camera prst="orthographicFront"/>
+      <a:lightRig rig="threePt" dir="t"/>
+    </dgm:scene3d>
+    <dgm:sp3d/>
+    <dgm:txPr/>
+    <dgm:style>
+      <a:lnRef idx="1">
+        <a:scrgbClr r="0" g="0" b="0"/>
+      </a:lnRef>
+      <a:fillRef idx="0">
+        <a:scrgbClr r="0" g="0" b="0"/>
+      </a:fillRef>
+      <a:effectRef idx="0">
+        <a:scrgbClr r="0" g="0" b="0"/>
+      </a:effectRef>
+      <a:fontRef idx="minor"/>
+    </dgm:style>
+  </dgm:styleLbl>
+  <dgm:styleLbl name="callout">
+    <dgm:scene3d>
+      <a:camera prst="orthographicFront"/>
+      <a:lightRig rig="threePt" dir="t"/>
+    </dgm:scene3d>
+    <dgm:sp3d/>
+    <dgm:txPr/>
+    <dgm:style>
+      <a:lnRef idx="2">
+        <a:scrgbClr r="0" g="0" b="0"/>
+      </a:lnRef>
+      <a:fillRef idx="1">
+        <a:scrgbClr r="0" g="0" b="0"/>
+      </a:fillRef>
+      <a:effectRef idx="0">
+        <a:scrgbClr r="0" g="0" b="0"/>
+      </a:effectRef>
+      <a:fontRef idx="minor"/>
+    </dgm:style>
+  </dgm:styleLbl>
+  <dgm:styleLbl name="asst0">
+    <dgm:scene3d>
+      <a:camera prst="orthographicFront"/>
+      <a:lightRig rig="threePt" dir="t"/>
+    </dgm:scene3d>
+    <dgm:sp3d/>
+    <dgm:txPr/>
+    <dgm:style>
+      <a:lnRef idx="2">
+        <a:scrgbClr r="0" g="0" b="0"/>
+      </a:lnRef>
+      <a:fillRef idx="1">
+        <a:scrgbClr r="0" g="0" b="0"/>
+      </a:fillRef>
+      <a:effectRef idx="0">
+        <a:scrgbClr r="0" g="0" b="0"/>
+      </a:effectRef>
+      <a:fontRef idx="minor">
+        <a:schemeClr val="lt1"/>
+      </a:fontRef>
+    </dgm:style>
+  </dgm:styleLbl>
+  <dgm:styleLbl name="asst1">
+    <dgm:scene3d>
+      <a:camera prst="orthographicFront"/>
+      <a:lightRig rig="threePt" dir="t"/>
+    </dgm:scene3d>
+    <dgm:sp3d/>
+    <dgm:txPr/>
+    <dgm:style>
+      <a:lnRef idx="2">
+        <a:scrgbClr r="0" g="0" b="0"/>
+      </a:lnRef>
+      <a:fillRef idx="1">
+        <a:scrgbClr r="0" g="0" b="0"/>
+      </a:fillRef>
+      <a:effectRef idx="0">
+        <a:scrgbClr r="0" g="0" b="0"/>
+      </a:effectRef>
+      <a:fontRef idx="minor">
+        <a:schemeClr val="lt1"/>
+      </a:fontRef>
+    </dgm:style>
+  </dgm:styleLbl>
+  <dgm:styleLbl name="asst2">
+    <dgm:scene3d>
+      <a:camera prst="orthographicFront"/>
+      <a:lightRig rig="threePt" dir="t"/>
+    </dgm:scene3d>
+    <dgm:sp3d/>
+    <dgm:txPr/>
+    <dgm:style>
+      <a:lnRef idx="2">
+        <a:scrgbClr r="0" g="0" b="0"/>
+      </a:lnRef>
+      <a:fillRef idx="1">
+        <a:scrgbClr r="0" g="0" b="0"/>
+      </a:fillRef>
+      <a:effectRef idx="0">
+        <a:scrgbClr r="0" g="0" b="0"/>
+      </a:effectRef>
+      <a:fontRef idx="minor">
+        <a:schemeClr val="lt1"/>
+      </a:fontRef>
+    </dgm:style>
+  </dgm:styleLbl>
+  <dgm:styleLbl name="asst3">
+    <dgm:scene3d>
+      <a:camera prst="orthographicFront"/>
+      <a:lightRig rig="threePt" dir="t"/>
+    </dgm:scene3d>
+    <dgm:sp3d/>
+    <dgm:txPr/>
+    <dgm:style>
+      <a:lnRef idx="2">
+        <a:scrgbClr r="0" g="0" b="0"/>
+      </a:lnRef>
+      <a:fillRef idx="1">
+        <a:scrgbClr r="0" g="0" b="0"/>
+      </a:fillRef>
+      <a:effectRef idx="0">
+        <a:scrgbClr r="0" g="0" b="0"/>
+      </a:effectRef>
+      <a:fontRef idx="minor">
+        <a:schemeClr val="lt1"/>
+      </a:fontRef>
+    </dgm:style>
+  </dgm:styleLbl>
+  <dgm:styleLbl name="asst4">
+    <dgm:scene3d>
+      <a:camera prst="orthographicFront"/>
+      <a:lightRig rig="threePt" dir="t"/>
+    </dgm:scene3d>
+    <dgm:sp3d/>
+    <dgm:txPr/>
+    <dgm:style>
+      <a:lnRef idx="2">
+        <a:scrgbClr r="0" g="0" b="0"/>
+      </a:lnRef>
+      <a:fillRef idx="1">
+        <a:scrgbClr r="0" g="0" b="0"/>
+      </a:fillRef>
+      <a:effectRef idx="0">
+        <a:scrgbClr r="0" g="0" b="0"/>
+      </a:effectRef>
+      <a:fontRef idx="minor">
+        <a:schemeClr val="lt1"/>
+      </a:fontRef>
+    </dgm:style>
+  </dgm:styleLbl>
+  <dgm:styleLbl name="parChTrans2D1">
+    <dgm:scene3d>
+      <a:camera prst="orthographicFront"/>
+      <a:lightRig rig="threePt" dir="t"/>
+    </dgm:scene3d>
+    <dgm:sp3d/>
+    <dgm:txPr/>
+    <dgm:style>
+      <a:lnRef idx="2">
+        <a:scrgbClr r="0" g="0" b="0"/>
+      </a:lnRef>
+      <a:fillRef idx="1">
+        <a:scrgbClr r="0" g="0" b="0"/>
+      </a:fillRef>
+      <a:effectRef idx="0">
+        <a:scrgbClr r="0" g="0" b="0"/>
+      </a:effectRef>
+      <a:fontRef idx="minor">
+        <a:schemeClr val="lt1"/>
+      </a:fontRef>
+    </dgm:style>
+  </dgm:styleLbl>
+  <dgm:styleLbl name="parChTrans2D2">
+    <dgm:scene3d>
+      <a:camera prst="orthographicFront"/>
+      <a:lightRig rig="threePt" dir="t"/>
+    </dgm:scene3d>
+    <dgm:sp3d/>
+    <dgm:txPr/>
+    <dgm:style>
+      <a:lnRef idx="2">
+        <a:scrgbClr r="0" g="0" b="0"/>
+      </a:lnRef>
+      <a:fillRef idx="1">
+        <a:scrgbClr r="0" g="0" b="0"/>
+      </a:fillRef>
+      <a:effectRef idx="0">
+        <a:scrgbClr r="0" g="0" b="0"/>
+      </a:effectRef>
+      <a:fontRef idx="minor">
+        <a:schemeClr val="lt1"/>
+      </a:fontRef>
+    </dgm:style>
+  </dgm:styleLbl>
+  <dgm:styleLbl name="parChTrans2D3">
+    <dgm:scene3d>
+      <a:camera prst="orthographicFront"/>
+      <a:lightRig rig="threePt" dir="t"/>
+    </dgm:scene3d>
+    <dgm:sp3d/>
+    <dgm:txPr/>
+    <dgm:style>
+      <a:lnRef idx="2">
+        <a:scrgbClr r="0" g="0" b="0"/>
+      </a:lnRef>
+      <a:fillRef idx="1">
+        <a:scrgbClr r="0" g="0" b="0"/>
+      </a:fillRef>
+      <a:effectRef idx="0">
+        <a:scrgbClr r="0" g="0" b="0"/>
+      </a:effectRef>
+      <a:fontRef idx="minor">
+        <a:schemeClr val="lt1"/>
+      </a:fontRef>
+    </dgm:style>
+  </dgm:styleLbl>
+  <dgm:styleLbl name="parChTrans2D4">
+    <dgm:scene3d>
+      <a:camera prst="orthographicFront"/>
+      <a:lightRig rig="threePt" dir="t"/>
+    </dgm:scene3d>
+    <dgm:sp3d/>
+    <dgm:txPr/>
+    <dgm:style>
+      <a:lnRef idx="2">
+        <a:scrgbClr r="0" g="0" b="0"/>
+      </a:lnRef>
+      <a:fillRef idx="1">
+        <a:scrgbClr r="0" g="0" b="0"/>
+      </a:fillRef>
+      <a:effectRef idx="0">
+        <a:scrgbClr r="0" g="0" b="0"/>
+      </a:effectRef>
+      <a:fontRef idx="minor">
+        <a:schemeClr val="lt1"/>
+      </a:fontRef>
+    </dgm:style>
+  </dgm:styleLbl>
+  <dgm:styleLbl name="parChTrans1D1">
+    <dgm:scene3d>
+      <a:camera prst="orthographicFront"/>
+      <a:lightRig rig="threePt" dir="t"/>
+    </dgm:scene3d>
+    <dgm:sp3d/>
+    <dgm:txPr/>
+    <dgm:style>
+      <a:lnRef idx="2">
+        <a:scrgbClr r="0" g="0" b="0"/>
+      </a:lnRef>
+      <a:fillRef idx="0">
+        <a:scrgbClr r="0" g="0" b="0"/>
+      </a:fillRef>
+      <a:effectRef idx="0">
+        <a:scrgbClr r="0" g="0" b="0"/>
+      </a:effectRef>
+      <a:fontRef idx="minor"/>
+    </dgm:style>
+  </dgm:styleLbl>
+  <dgm:styleLbl name="parChTrans1D2">
+    <dgm:scene3d>
+      <a:camera prst="orthographicFront"/>
+      <a:lightRig rig="threePt" dir="t"/>
+    </dgm:scene3d>
+    <dgm:sp3d/>
+    <dgm:txPr/>
+    <dgm:style>
+      <a:lnRef idx="2">
+        <a:scrgbClr r="0" g="0" b="0"/>
+      </a:lnRef>
+      <a:fillRef idx="0">
+        <a:scrgbClr r="0" g="0" b="0"/>
+      </a:fillRef>
+      <a:effectRef idx="0">
+        <a:scrgbClr r="0" g="0" b="0"/>
+      </a:effectRef>
+      <a:fontRef idx="minor"/>
+    </dgm:style>
+  </dgm:styleLbl>
+  <dgm:styleLbl name="parChTrans1D3">
+    <dgm:scene3d>
+      <a:camera prst="orthographicFront"/>
+      <a:lightRig rig="threePt" dir="t"/>
+    </dgm:scene3d>
+    <dgm:sp3d/>
+    <dgm:txPr/>
+    <dgm:style>
+      <a:lnRef idx="2">
+        <a:scrgbClr r="0" g="0" b="0"/>
+      </a:lnRef>
+      <a:fillRef idx="0">
+        <a:scrgbClr r="0" g="0" b="0"/>
+      </a:fillRef>
+      <a:effectRef idx="0">
+        <a:scrgbClr r="0" g="0" b="0"/>
+      </a:effectRef>
+      <a:fontRef idx="minor"/>
+    </dgm:style>
+  </dgm:styleLbl>
+  <dgm:styleLbl name="parChTrans1D4">
+    <dgm:scene3d>
+      <a:camera prst="orthographicFront"/>
+      <a:lightRig rig="threePt" dir="t"/>
+    </dgm:scene3d>
+    <dgm:sp3d/>
+    <dgm:txPr/>
+    <dgm:style>
+      <a:lnRef idx="2">
+        <a:scrgbClr r="0" g="0" b="0"/>
+      </a:lnRef>
+      <a:fillRef idx="0">
+        <a:scrgbClr r="0" g="0" b="0"/>
+      </a:fillRef>
+      <a:effectRef idx="0">
+        <a:scrgbClr r="0" g="0" b="0"/>
+      </a:effectRef>
+      <a:fontRef idx="minor"/>
+    </dgm:style>
+  </dgm:styleLbl>
+  <dgm:styleLbl name="fgAcc1">
+    <dgm:scene3d>
+      <a:camera prst="orthographicFront"/>
+      <a:lightRig rig="threePt" dir="t"/>
+    </dgm:scene3d>
+    <dgm:sp3d/>
+    <dgm:txPr/>
+    <dgm:style>
+      <a:lnRef idx="2">
+        <a:scrgbClr r="0" g="0" b="0"/>
+      </a:lnRef>
+      <a:fillRef idx="1">
+        <a:scrgbClr r="0" g="0" b="0"/>
+      </a:fillRef>
+      <a:effectRef idx="0">
+        <a:scrgbClr r="0" g="0" b="0"/>
+      </a:effectRef>
+      <a:fontRef idx="minor"/>
+    </dgm:style>
+  </dgm:styleLbl>
+  <dgm:styleLbl name="conFgAcc1">
+    <dgm:scene3d>
+      <a:camera prst="orthographicFront"/>
+      <a:lightRig rig="threePt" dir="t"/>
+    </dgm:scene3d>
+    <dgm:sp3d/>
+    <dgm:txPr/>
+    <dgm:style>
+      <a:lnRef idx="2">
+        <a:scrgbClr r="0" g="0" b="0"/>
+      </a:lnRef>
+      <a:fillRef idx="1">
+        <a:scrgbClr r="0" g="0" b="0"/>
+      </a:fillRef>
+      <a:effectRef idx="0">
+        <a:scrgbClr r="0" g="0" b="0"/>
+      </a:effectRef>
+      <a:fontRef idx="minor"/>
+    </dgm:style>
+  </dgm:styleLbl>
+  <dgm:styleLbl name="alignAcc1">
+    <dgm:scene3d>
+      <a:camera prst="orthographicFront"/>
+      <a:lightRig rig="threePt" dir="t"/>
+    </dgm:scene3d>
+    <dgm:sp3d/>
+    <dgm:txPr/>
+    <dgm:style>
+      <a:lnRef idx="2">
+        <a:scrgbClr r="0" g="0" b="0"/>
+      </a:lnRef>
+      <a:fillRef idx="1">
+        <a:scrgbClr r="0" g="0" b="0"/>
+      </a:fillRef>
+      <a:effectRef idx="0">
+        <a:scrgbClr r="0" g="0" b="0"/>
+      </a:effectRef>
+      <a:fontRef idx="minor"/>
+    </dgm:style>
+  </dgm:styleLbl>
+  <dgm:styleLbl name="trAlignAcc1">
+    <dgm:scene3d>
+      <a:camera prst="orthographicFront"/>
+      <a:lightRig rig="threePt" dir="t"/>
+    </dgm:scene3d>
+    <dgm:sp3d/>
+    <dgm:txPr/>
+    <dgm:style>
+      <a:lnRef idx="1">
+        <a:scrgbClr r="0" g="0" b="0"/>
+      </a:lnRef>
+      <a:fillRef idx="1">
+        <a:scrgbClr r="0" g="0" b="0"/>
+      </a:fillRef>
+      <a:effectRef idx="0">
+        <a:scrgbClr r="0" g="0" b="0"/>
+      </a:effectRef>
+      <a:fontRef idx="minor"/>
+    </dgm:style>
+  </dgm:styleLbl>
+  <dgm:styleLbl name="bgAcc1">
+    <dgm:scene3d>
+      <a:camera prst="orthographicFront"/>
+      <a:lightRig rig="threePt" dir="t"/>
+    </dgm:scene3d>
+    <dgm:sp3d/>
+    <dgm:txPr/>
+    <dgm:style>
+      <a:lnRef idx="2">
+        <a:scrgbClr r="0" g="0" b="0"/>
+      </a:lnRef>
+      <a:fillRef idx="1">
+        <a:scrgbClr r="0" g="0" b="0"/>
+      </a:fillRef>
+      <a:effectRef idx="0">
+        <a:scrgbClr r="0" g="0" b="0"/>
+      </a:effectRef>
+      <a:fontRef idx="minor"/>
+    </dgm:style>
+  </dgm:styleLbl>
+  <dgm:styleLbl name="solidFgAcc1">
+    <dgm:scene3d>
+      <a:camera prst="orthographicFront"/>
+      <a:lightRig rig="threePt" dir="t"/>
+    </dgm:scene3d>
+    <dgm:sp3d/>
+    <dgm:txPr/>
+    <dgm:style>
+      <a:lnRef idx="2">
+        <a:scrgbClr r="0" g="0" b="0"/>
+      </a:lnRef>
+      <a:fillRef idx="1">
+        <a:scrgbClr r="0" g="0" b="0"/>
+      </a:fillRef>
+      <a:effectRef idx="0">
+        <a:scrgbClr r="0" g="0" b="0"/>
+      </a:effectRef>
+      <a:fontRef idx="minor"/>
+    </dgm:style>
+  </dgm:styleLbl>
+  <dgm:styleLbl name="solidAlignAcc1">
+    <dgm:scene3d>
+      <a:camera prst="orthographicFront"/>
+      <a:lightRig rig="threePt" dir="t"/>
+    </dgm:scene3d>
+    <dgm:sp3d/>
+    <dgm:txPr/>
+    <dgm:style>
+      <a:lnRef idx="2">
+        <a:scrgbClr r="0" g="0" b="0"/>
+      </a:lnRef>
+      <a:fillRef idx="1">
+        <a:scrgbClr r="0" g="0" b="0"/>
+      </a:fillRef>
+      <a:effectRef idx="0">
+        <a:scrgbClr r="0" g="0" b="0"/>
+      </a:effectRef>
+      <a:fontRef idx="minor"/>
+    </dgm:style>
+  </dgm:styleLbl>
+  <dgm:styleLbl name="solidBgAcc1">
+    <dgm:scene3d>
+      <a:camera prst="orthographicFront"/>
+      <a:lightRig rig="threePt" dir="t"/>
+    </dgm:scene3d>
+    <dgm:sp3d/>
+    <dgm:txPr/>
+    <dgm:style>
+      <a:lnRef idx="2">
+        <a:scrgbClr r="0" g="0" b="0"/>
+      </a:lnRef>
+      <a:fillRef idx="1">
+        <a:scrgbClr r="0" g="0" b="0"/>
+      </a:fillRef>
+      <a:effectRef idx="0">
+        <a:scrgbClr r="0" g="0" b="0"/>
+      </a:effectRef>
+      <a:fontRef idx="minor"/>
+    </dgm:style>
+  </dgm:styleLbl>
+  <dgm:styleLbl name="fgAccFollowNode1">
+    <dgm:scene3d>
+      <a:camera prst="orthographicFront"/>
+      <a:lightRig rig="threePt" dir="t"/>
+    </dgm:scene3d>
+    <dgm:sp3d/>
+    <dgm:txPr/>
+    <dgm:style>
+      <a:lnRef idx="2">
+        <a:scrgbClr r="0" g="0" b="0"/>
+      </a:lnRef>
+      <a:fillRef idx="1">
+        <a:scrgbClr r="0" g="0" b="0"/>
+      </a:fillRef>
+      <a:effectRef idx="0">
+        <a:scrgbClr r="0" g="0" b="0"/>
+      </a:effectRef>
+      <a:fontRef idx="minor"/>
+    </dgm:style>
+  </dgm:styleLbl>
+  <dgm:styleLbl name="alignAccFollowNode1">
+    <dgm:scene3d>
+      <a:camera prst="orthographicFront"/>
+      <a:lightRig rig="threePt" dir="t"/>
+    </dgm:scene3d>
+    <dgm:sp3d/>
+    <dgm:txPr/>
+    <dgm:style>
+      <a:lnRef idx="2">
+        <a:scrgbClr r="0" g="0" b="0"/>
+      </a:lnRef>
+      <a:fillRef idx="1">
+        <a:scrgbClr r="0" g="0" b="0"/>
+      </a:fillRef>
+      <a:effectRef idx="0">
+        <a:scrgbClr r="0" g="0" b="0"/>
+      </a:effectRef>
+      <a:fontRef idx="minor"/>
+    </dgm:style>
+  </dgm:styleLbl>
+  <dgm:styleLbl name="bgAccFollowNode1">
+    <dgm:scene3d>
+      <a:camera prst="orthographicFront"/>
+      <a:lightRig rig="threePt" dir="t"/>
+    </dgm:scene3d>
+    <dgm:sp3d/>
+    <dgm:txPr/>
+    <dgm:style>
+      <a:lnRef idx="2">
+        <a:scrgbClr r="0" g="0" b="0"/>
+      </a:lnRef>
+      <a:fillRef idx="1">
+        <a:scrgbClr r="0" g="0" b="0"/>
+      </a:fillRef>
+      <a:effectRef idx="0">
+        <a:scrgbClr r="0" g="0" b="0"/>
+      </a:effectRef>
+      <a:fontRef idx="minor"/>
+    </dgm:style>
+  </dgm:styleLbl>
+  <dgm:styleLbl name="fgAcc0">
+    <dgm:scene3d>
+      <a:camera prst="orthographicFront"/>
+      <a:lightRig rig="threePt" dir="t"/>
+    </dgm:scene3d>
+    <dgm:sp3d/>
+    <dgm:txPr/>
+    <dgm:style>
+      <a:lnRef idx="2">
+        <a:scrgbClr r="0" g="0" b="0"/>
+      </a:lnRef>
+      <a:fillRef idx="1">
+        <a:scrgbClr r="0" g="0" b="0"/>
+      </a:fillRef>
+      <a:effectRef idx="0">
+        <a:scrgbClr r="0" g="0" b="0"/>
+      </a:effectRef>
+      <a:fontRef idx="minor"/>
+    </dgm:style>
+  </dgm:styleLbl>
+  <dgm:styleLbl name="fgAcc2">
+    <dgm:scene3d>
+      <a:camera prst="orthographicFront"/>
+      <a:lightRig rig="threePt" dir="t"/>
+    </dgm:scene3d>
+    <dgm:sp3d/>
+    <dgm:txPr/>
+    <dgm:style>
+      <a:lnRef idx="2">
+        <a:scrgbClr r="0" g="0" b="0"/>
+      </a:lnRef>
+      <a:fillRef idx="1">
+        <a:scrgbClr r="0" g="0" b="0"/>
+      </a:fillRef>
+      <a:effectRef idx="0">
+        <a:scrgbClr r="0" g="0" b="0"/>
+      </a:effectRef>
+      <a:fontRef idx="minor"/>
+    </dgm:style>
+  </dgm:styleLbl>
+  <dgm:styleLbl name="fgAcc3">
+    <dgm:scene3d>
+      <a:camera prst="orthographicFront"/>
+      <a:lightRig rig="threePt" dir="t"/>
+    </dgm:scene3d>
+    <dgm:sp3d/>
+    <dgm:txPr/>
+    <dgm:style>
+      <a:lnRef idx="2">
+        <a:scrgbClr r="0" g="0" b="0"/>
+      </a:lnRef>
+      <a:fillRef idx="1">
+        <a:scrgbClr r="0" g="0" b="0"/>
+      </a:fillRef>
+      <a:effectRef idx="0">
+        <a:scrgbClr r="0" g="0" b="0"/>
+      </a:effectRef>
+      <a:fontRef idx="minor"/>
+    </dgm:style>
+  </dgm:styleLbl>
+  <dgm:styleLbl name="fgAcc4">
+    <dgm:scene3d>
+      <a:camera prst="orthographicFront"/>
+      <a:lightRig rig="threePt" dir="t"/>
+    </dgm:scene3d>
+    <dgm:sp3d/>
+    <dgm:txPr/>
+    <dgm:style>
+      <a:lnRef idx="2">
+        <a:scrgbClr r="0" g="0" b="0"/>
+      </a:lnRef>
+      <a:fillRef idx="1">
+        <a:scrgbClr r="0" g="0" b="0"/>
+      </a:fillRef>
+      <a:effectRef idx="0">
+        <a:scrgbClr r="0" g="0" b="0"/>
+      </a:effectRef>
+      <a:fontRef idx="minor"/>
+    </dgm:style>
+  </dgm:styleLbl>
+  <dgm:styleLbl name="bgShp">
+    <dgm:scene3d>
+      <a:camera prst="orthographicFront"/>
+      <a:lightRig rig="threePt" dir="t"/>
+    </dgm:scene3d>
+    <dgm:sp3d/>
+    <dgm:txPr/>
+    <dgm:style>
+      <a:lnRef idx="0">
+        <a:scrgbClr r="0" g="0" b="0"/>
+      </a:lnRef>
+      <a:fillRef idx="1">
+        <a:scrgbClr r="0" g="0" b="0"/>
+      </a:fillRef>
+      <a:effectRef idx="0">
+        <a:scrgbClr r="0" g="0" b="0"/>
+      </a:effectRef>
+      <a:fontRef idx="minor"/>
+    </dgm:style>
+  </dgm:styleLbl>
+  <dgm:styleLbl name="dkBgShp">
+    <dgm:scene3d>
+      <a:camera prst="orthographicFront"/>
+      <a:lightRig rig="threePt" dir="t"/>
+    </dgm:scene3d>
+    <dgm:sp3d/>
+    <dgm:txPr/>
+    <dgm:style>
+      <a:lnRef idx="0">
+        <a:scrgbClr r="0" g="0" b="0"/>
+      </a:lnRef>
+      <a:fillRef idx="1">
+        <a:scrgbClr r="0" g="0" b="0"/>
+      </a:fillRef>
+      <a:effectRef idx="0">
+        <a:scrgbClr r="0" g="0" b="0"/>
+      </a:effectRef>
+      <a:fontRef idx="minor"/>
+    </dgm:style>
+  </dgm:styleLbl>
+  <dgm:styleLbl name="trBgShp">
+    <dgm:scene3d>
+      <a:camera prst="orthographicFront"/>
+      <a:lightRig rig="threePt" dir="t"/>
+    </dgm:scene3d>
+    <dgm:sp3d/>
+    <dgm:txPr/>
+    <dgm:style>
+      <a:lnRef idx="0">
+        <a:scrgbClr r="0" g="0" b="0"/>
+      </a:lnRef>
+      <a:fillRef idx="1">
+        <a:scrgbClr r="0" g="0" b="0"/>
+      </a:fillRef>
+      <a:effectRef idx="0">
+        <a:scrgbClr r="0" g="0" b="0"/>
+      </a:effectRef>
+      <a:fontRef idx="minor"/>
+    </dgm:style>
+  </dgm:styleLbl>
+  <dgm:styleLbl name="fgShp">
+    <dgm:scene3d>
+      <a:camera prst="orthographicFront"/>
+      <a:lightRig rig="threePt" dir="t"/>
+    </dgm:scene3d>
+    <dgm:sp3d/>
+    <dgm:txPr/>
+    <dgm:style>
+      <a:lnRef idx="2">
+        <a:scrgbClr r="0" g="0" b="0"/>
+      </a:lnRef>
+      <a:fillRef idx="1">
+        <a:scrgbClr r="0" g="0" b="0"/>
+      </a:fillRef>
+      <a:effectRef idx="0">
+        <a:scrgbClr r="0" g="0" b="0"/>
+      </a:effectRef>
+      <a:fontRef idx="minor"/>
+    </dgm:style>
+  </dgm:styleLbl>
+  <dgm:styleLbl name="revTx">
+    <dgm:scene3d>
+      <a:camera prst="orthographicFront"/>
+      <a:lightRig rig="threePt" dir="t"/>
+    </dgm:scene3d>
+    <dgm:sp3d/>
+    <dgm:txPr/>
+    <dgm:style>
+      <a:lnRef idx="0">
+        <a:scrgbClr r="0" g="0" b="0"/>
+      </a:lnRef>
+      <a:fillRef idx="0">
+        <a:scrgbClr r="0" g="0" b="0"/>
+      </a:fillRef>
+      <a:effectRef idx="0">
+        <a:scrgbClr r="0" g="0" b="0"/>
+      </a:effectRef>
+      <a:fontRef idx="minor"/>
+    </dgm:style>
+  </dgm:styleLbl>
+</dgm:styleDef>
 </file>
 
 <file path=ppt/slideLayouts/slideLayout1.xml><?xml version="1.0" encoding="utf-8"?>
@@ -248,7 +4950,7 @@
           <a:p>
             <a:fld id="{C921C1EE-CA7B-434D-94EA-DB504A39658D}" type="datetimeFigureOut">
               <a:rPr lang="en-US" smtClean="0"/>
-              <a:t>2017-12-28</a:t>
+              <a:t>2018-01-06</a:t>
             </a:fld>
             <a:endParaRPr lang="en-US"/>
           </a:p>
@@ -418,7 +5120,7 @@
           <a:p>
             <a:fld id="{C921C1EE-CA7B-434D-94EA-DB504A39658D}" type="datetimeFigureOut">
               <a:rPr lang="en-US" smtClean="0"/>
-              <a:t>2017-12-28</a:t>
+              <a:t>2018-01-06</a:t>
             </a:fld>
             <a:endParaRPr lang="en-US"/>
           </a:p>
@@ -598,7 +5300,7 @@
           <a:p>
             <a:fld id="{C921C1EE-CA7B-434D-94EA-DB504A39658D}" type="datetimeFigureOut">
               <a:rPr lang="en-US" smtClean="0"/>
-              <a:t>2017-12-28</a:t>
+              <a:t>2018-01-06</a:t>
             </a:fld>
             <a:endParaRPr lang="en-US"/>
           </a:p>
@@ -768,7 +5470,7 @@
           <a:p>
             <a:fld id="{C921C1EE-CA7B-434D-94EA-DB504A39658D}" type="datetimeFigureOut">
               <a:rPr lang="en-US" smtClean="0"/>
-              <a:t>2017-12-28</a:t>
+              <a:t>2018-01-06</a:t>
             </a:fld>
             <a:endParaRPr lang="en-US"/>
           </a:p>
@@ -1014,7 +5716,7 @@
           <a:p>
             <a:fld id="{C921C1EE-CA7B-434D-94EA-DB504A39658D}" type="datetimeFigureOut">
               <a:rPr lang="en-US" smtClean="0"/>
-              <a:t>2017-12-28</a:t>
+              <a:t>2018-01-06</a:t>
             </a:fld>
             <a:endParaRPr lang="en-US"/>
           </a:p>
@@ -1246,7 +5948,7 @@
           <a:p>
             <a:fld id="{C921C1EE-CA7B-434D-94EA-DB504A39658D}" type="datetimeFigureOut">
               <a:rPr lang="en-US" smtClean="0"/>
-              <a:t>2017-12-28</a:t>
+              <a:t>2018-01-06</a:t>
             </a:fld>
             <a:endParaRPr lang="en-US"/>
           </a:p>
@@ -1613,7 +6315,7 @@
           <a:p>
             <a:fld id="{C921C1EE-CA7B-434D-94EA-DB504A39658D}" type="datetimeFigureOut">
               <a:rPr lang="en-US" smtClean="0"/>
-              <a:t>2017-12-28</a:t>
+              <a:t>2018-01-06</a:t>
             </a:fld>
             <a:endParaRPr lang="en-US"/>
           </a:p>
@@ -1731,7 +6433,7 @@
           <a:p>
             <a:fld id="{C921C1EE-CA7B-434D-94EA-DB504A39658D}" type="datetimeFigureOut">
               <a:rPr lang="en-US" smtClean="0"/>
-              <a:t>2017-12-28</a:t>
+              <a:t>2018-01-06</a:t>
             </a:fld>
             <a:endParaRPr lang="en-US"/>
           </a:p>
@@ -1826,7 +6528,7 @@
           <a:p>
             <a:fld id="{C921C1EE-CA7B-434D-94EA-DB504A39658D}" type="datetimeFigureOut">
               <a:rPr lang="en-US" smtClean="0"/>
-              <a:t>2017-12-28</a:t>
+              <a:t>2018-01-06</a:t>
             </a:fld>
             <a:endParaRPr lang="en-US"/>
           </a:p>
@@ -2103,7 +6805,7 @@
           <a:p>
             <a:fld id="{C921C1EE-CA7B-434D-94EA-DB504A39658D}" type="datetimeFigureOut">
               <a:rPr lang="en-US" smtClean="0"/>
-              <a:t>2017-12-28</a:t>
+              <a:t>2018-01-06</a:t>
             </a:fld>
             <a:endParaRPr lang="en-US"/>
           </a:p>
@@ -2356,7 +7058,7 @@
           <a:p>
             <a:fld id="{C921C1EE-CA7B-434D-94EA-DB504A39658D}" type="datetimeFigureOut">
               <a:rPr lang="en-US" smtClean="0"/>
-              <a:t>2017-12-28</a:t>
+              <a:t>2018-01-06</a:t>
             </a:fld>
             <a:endParaRPr lang="en-US"/>
           </a:p>
@@ -2569,7 +7271,7 @@
           <a:p>
             <a:fld id="{C921C1EE-CA7B-434D-94EA-DB504A39658D}" type="datetimeFigureOut">
               <a:rPr lang="en-US" smtClean="0"/>
-              <a:t>2017-12-28</a:t>
+              <a:t>2018-01-06</a:t>
             </a:fld>
             <a:endParaRPr lang="en-US"/>
           </a:p>
@@ -5431,11 +10133,7 @@
               <a:pPr algn="ctr"/>
               <a:r>
                 <a:rPr lang="en-US" dirty="0" smtClean="0"/>
-                <a:t>MMSE: </a:t>
-              </a:r>
-              <a:r>
-                <a:rPr lang="en-US" dirty="0" smtClean="0"/>
-                <a:t>27-30</a:t>
+                <a:t>MMSE: 27-30</a:t>
               </a:r>
               <a:endParaRPr lang="en-US" dirty="0"/>
             </a:p>
@@ -5558,11 +10256,7 @@
           <a:p>
             <a:r>
               <a:rPr lang="en-US" sz="2000" dirty="0" smtClean="0"/>
-              <a:t>Sub-models </a:t>
-            </a:r>
-            <a:r>
-              <a:rPr lang="en-US" sz="2000" dirty="0" smtClean="0"/>
-              <a:t>are defined by covariates on transitions</a:t>
+              <a:t>Sub-models are defined by covariates on transitions</a:t>
             </a:r>
             <a:endParaRPr lang="en-US" sz="2000" dirty="0"/>
           </a:p>
@@ -5721,13 +10415,7 @@
               <a:rPr lang="en-US" dirty="0" smtClean="0">
                 <a:latin typeface="Consolas" panose="020B0609020204030204" pitchFamily="49" charset="0"/>
               </a:rPr>
-              <a:t> + </a:t>
-            </a:r>
-            <a:r>
-              <a:rPr lang="en-US" dirty="0" smtClean="0">
-                <a:latin typeface="Consolas" panose="020B0609020204030204" pitchFamily="49" charset="0"/>
-              </a:rPr>
-              <a:t>gait</a:t>
+              <a:t> + gait</a:t>
             </a:r>
             <a:endParaRPr lang="en-US" dirty="0">
               <a:latin typeface="Consolas" panose="020B0609020204030204" pitchFamily="49" charset="0"/>
@@ -6736,7 +11424,6 @@
                   <a:rPr lang="en-US" sz="1400" dirty="0" smtClean="0"/>
                   <a:t>Moderate </a:t>
                 </a:r>
-                <a:endParaRPr lang="en-US" sz="1400" dirty="0" smtClean="0"/>
               </a:p>
               <a:p>
                 <a:pPr algn="r"/>
@@ -8047,6 +12734,1521 @@
 </p:sld>
 </file>
 
+<file path=ppt/slides/slide7.xml><?xml version="1.0" encoding="utf-8"?>
+<p:sld xmlns:a="http://schemas.openxmlformats.org/drawingml/2006/main" xmlns:r="http://schemas.openxmlformats.org/officeDocument/2006/relationships" xmlns:p="http://schemas.openxmlformats.org/presentationml/2006/main">
+  <p:cSld>
+    <p:spTree>
+      <p:nvGrpSpPr>
+        <p:cNvPr id="1" name=""/>
+        <p:cNvGrpSpPr/>
+        <p:nvPr/>
+      </p:nvGrpSpPr>
+      <p:grpSpPr>
+        <a:xfrm>
+          <a:off x="0" y="0"/>
+          <a:ext cx="0" cy="0"/>
+          <a:chOff x="0" y="0"/>
+          <a:chExt cx="0" cy="0"/>
+        </a:xfrm>
+      </p:grpSpPr>
+      <p:sp>
+        <p:nvSpPr>
+          <p:cNvPr id="2" name="Title 1"/>
+          <p:cNvSpPr>
+            <a:spLocks noGrp="1"/>
+          </p:cNvSpPr>
+          <p:nvPr>
+            <p:ph type="title"/>
+          </p:nvPr>
+        </p:nvSpPr>
+        <p:spPr>
+          <a:xfrm>
+            <a:off x="0" y="2809067"/>
+            <a:ext cx="12192000" cy="1325563"/>
+          </a:xfrm>
+        </p:spPr>
+        <p:txBody>
+          <a:bodyPr>
+            <a:noAutofit/>
+          </a:bodyPr>
+          <a:lstStyle/>
+          <a:p>
+            <a:pPr algn="ctr"/>
+            <a:r>
+              <a:rPr lang="en-US" sz="9600" dirty="0" smtClean="0"/>
+              <a:t>Project Plan</a:t>
+            </a:r>
+            <a:endParaRPr lang="en-US" sz="9600" dirty="0"/>
+          </a:p>
+        </p:txBody>
+      </p:sp>
+    </p:spTree>
+    <p:extLst>
+      <p:ext uri="{BB962C8B-B14F-4D97-AF65-F5344CB8AC3E}">
+        <p14:creationId xmlns:p14="http://schemas.microsoft.com/office/powerpoint/2010/main" val="978168322"/>
+      </p:ext>
+    </p:extLst>
+  </p:cSld>
+  <p:clrMapOvr>
+    <a:masterClrMapping/>
+  </p:clrMapOvr>
+</p:sld>
+</file>
+
+<file path=ppt/slides/slide8.xml><?xml version="1.0" encoding="utf-8"?>
+<p:sld xmlns:a="http://schemas.openxmlformats.org/drawingml/2006/main" xmlns:r="http://schemas.openxmlformats.org/officeDocument/2006/relationships" xmlns:p="http://schemas.openxmlformats.org/presentationml/2006/main">
+  <p:cSld>
+    <p:spTree>
+      <p:nvGrpSpPr>
+        <p:cNvPr id="1" name=""/>
+        <p:cNvGrpSpPr/>
+        <p:nvPr/>
+      </p:nvGrpSpPr>
+      <p:grpSpPr>
+        <a:xfrm>
+          <a:off x="0" y="0"/>
+          <a:ext cx="0" cy="0"/>
+          <a:chOff x="0" y="0"/>
+          <a:chExt cx="0" cy="0"/>
+        </a:xfrm>
+      </p:grpSpPr>
+      <p:graphicFrame>
+        <p:nvGraphicFramePr>
+          <p:cNvPr id="5" name="Diagram 4"/>
+          <p:cNvGraphicFramePr/>
+          <p:nvPr>
+            <p:extLst>
+              <p:ext uri="{D42A27DB-BD31-4B8C-83A1-F6EECF244321}">
+                <p14:modId xmlns:p14="http://schemas.microsoft.com/office/powerpoint/2010/main" val="1644190402"/>
+              </p:ext>
+            </p:extLst>
+          </p:nvPr>
+        </p:nvGraphicFramePr>
+        <p:xfrm>
+          <a:off x="2032000" y="719666"/>
+          <a:ext cx="8128000" cy="5418667"/>
+        </p:xfrm>
+        <a:graphic>
+          <a:graphicData uri="http://schemas.openxmlformats.org/drawingml/2006/diagram">
+            <dgm:relIds xmlns:dgm="http://schemas.openxmlformats.org/drawingml/2006/diagram" xmlns:r="http://schemas.openxmlformats.org/officeDocument/2006/relationships" r:dm="rId2" r:lo="rId3" r:qs="rId4" r:cs="rId5"/>
+          </a:graphicData>
+        </a:graphic>
+      </p:graphicFrame>
+    </p:spTree>
+    <p:extLst>
+      <p:ext uri="{BB962C8B-B14F-4D97-AF65-F5344CB8AC3E}">
+        <p14:creationId xmlns:p14="http://schemas.microsoft.com/office/powerpoint/2010/main" val="3932862794"/>
+      </p:ext>
+    </p:extLst>
+  </p:cSld>
+  <p:clrMapOvr>
+    <a:masterClrMapping/>
+  </p:clrMapOvr>
+</p:sld>
+</file>
+
+<file path=ppt/slides/slide9.xml><?xml version="1.0" encoding="utf-8"?>
+<p:sld xmlns:a="http://schemas.openxmlformats.org/drawingml/2006/main" xmlns:r="http://schemas.openxmlformats.org/officeDocument/2006/relationships" xmlns:p="http://schemas.openxmlformats.org/presentationml/2006/main">
+  <p:cSld>
+    <p:spTree>
+      <p:nvGrpSpPr>
+        <p:cNvPr id="1" name=""/>
+        <p:cNvGrpSpPr/>
+        <p:nvPr/>
+      </p:nvGrpSpPr>
+      <p:grpSpPr>
+        <a:xfrm>
+          <a:off x="0" y="0"/>
+          <a:ext cx="0" cy="0"/>
+          <a:chOff x="0" y="0"/>
+          <a:chExt cx="0" cy="0"/>
+        </a:xfrm>
+      </p:grpSpPr>
+      <p:grpSp>
+        <p:nvGrpSpPr>
+          <p:cNvPr id="2" name="Group 1"/>
+          <p:cNvGrpSpPr/>
+          <p:nvPr/>
+        </p:nvGrpSpPr>
+        <p:grpSpPr>
+          <a:xfrm>
+            <a:off x="1263756" y="1837301"/>
+            <a:ext cx="9815806" cy="1297717"/>
+            <a:chOff x="1449209" y="1957369"/>
+            <a:chExt cx="9547228" cy="1297717"/>
+          </a:xfrm>
+        </p:grpSpPr>
+        <p:sp>
+          <p:nvSpPr>
+            <p:cNvPr id="51" name="Rounded Rectangle 50"/>
+            <p:cNvSpPr/>
+            <p:nvPr/>
+          </p:nvSpPr>
+          <p:spPr>
+            <a:xfrm>
+              <a:off x="1475070" y="2028183"/>
+              <a:ext cx="9521367" cy="1156091"/>
+            </a:xfrm>
+            <a:prstGeom prst="roundRect">
+              <a:avLst/>
+            </a:prstGeom>
+            <a:solidFill>
+              <a:schemeClr val="dk1">
+                <a:alpha val="10000"/>
+              </a:schemeClr>
+            </a:solidFill>
+            <a:ln>
+              <a:noFill/>
+            </a:ln>
+          </p:spPr>
+          <p:style>
+            <a:lnRef idx="0">
+              <a:scrgbClr r="0" g="0" b="0"/>
+            </a:lnRef>
+            <a:fillRef idx="0">
+              <a:scrgbClr r="0" g="0" b="0"/>
+            </a:fillRef>
+            <a:effectRef idx="0">
+              <a:scrgbClr r="0" g="0" b="0"/>
+            </a:effectRef>
+            <a:fontRef idx="minor">
+              <a:schemeClr val="lt1"/>
+            </a:fontRef>
+          </p:style>
+          <p:txBody>
+            <a:bodyPr rtlCol="0" anchor="ctr"/>
+            <a:lstStyle/>
+            <a:p>
+              <a:pPr algn="ctr"/>
+              <a:endParaRPr lang="en-US"/>
+            </a:p>
+          </p:txBody>
+        </p:sp>
+        <p:sp>
+          <p:nvSpPr>
+            <p:cNvPr id="53" name="TextBox 52"/>
+            <p:cNvSpPr txBox="1"/>
+            <p:nvPr/>
+          </p:nvSpPr>
+          <p:spPr>
+            <a:xfrm rot="16200000" flipH="1">
+              <a:off x="1054802" y="2351776"/>
+              <a:ext cx="1297717" cy="508904"/>
+            </a:xfrm>
+            <a:prstGeom prst="rect">
+              <a:avLst/>
+            </a:prstGeom>
+            <a:noFill/>
+          </p:spPr>
+          <p:txBody>
+            <a:bodyPr wrap="square" rtlCol="0">
+              <a:spAutoFit/>
+            </a:bodyPr>
+            <a:lstStyle/>
+            <a:p>
+              <a:pPr algn="ctr"/>
+              <a:r>
+                <a:rPr lang="en-US" sz="1400" dirty="0" smtClean="0">
+                  <a:solidFill>
+                    <a:schemeClr val="bg1">
+                      <a:lumMod val="75000"/>
+                    </a:schemeClr>
+                  </a:solidFill>
+                </a:rPr>
+                <a:t>PRODUCED</a:t>
+              </a:r>
+            </a:p>
+            <a:p>
+              <a:pPr algn="ctr"/>
+              <a:r>
+                <a:rPr lang="en-US" sz="1400" dirty="0" smtClean="0">
+                  <a:solidFill>
+                    <a:schemeClr val="bg1">
+                      <a:lumMod val="75000"/>
+                    </a:schemeClr>
+                  </a:solidFill>
+                </a:rPr>
+                <a:t>COMPONETNS</a:t>
+              </a:r>
+              <a:endParaRPr lang="en-US" sz="1400" dirty="0">
+                <a:solidFill>
+                  <a:schemeClr val="bg1">
+                    <a:lumMod val="75000"/>
+                  </a:schemeClr>
+                </a:solidFill>
+              </a:endParaRPr>
+            </a:p>
+          </p:txBody>
+        </p:sp>
+      </p:grpSp>
+      <p:sp>
+        <p:nvSpPr>
+          <p:cNvPr id="33" name="TextBox 32"/>
+          <p:cNvSpPr txBox="1"/>
+          <p:nvPr/>
+        </p:nvSpPr>
+        <p:spPr>
+          <a:xfrm>
+            <a:off x="8755149" y="737618"/>
+            <a:ext cx="1071127" cy="369332"/>
+          </a:xfrm>
+          <a:prstGeom prst="rect">
+            <a:avLst/>
+          </a:prstGeom>
+          <a:noFill/>
+        </p:spPr>
+        <p:txBody>
+          <a:bodyPr wrap="none" rtlCol="0">
+            <a:spAutoFit/>
+          </a:bodyPr>
+          <a:lstStyle/>
+          <a:p>
+            <a:r>
+              <a:rPr lang="en-US" i="1" dirty="0" smtClean="0">
+                <a:latin typeface="Consolas" panose="020B0609020204030204" pitchFamily="49" charset="0"/>
+              </a:rPr>
+              <a:t>modeler</a:t>
+            </a:r>
+            <a:endParaRPr lang="en-US" i="1" dirty="0">
+              <a:latin typeface="Consolas" panose="020B0609020204030204" pitchFamily="49" charset="0"/>
+            </a:endParaRPr>
+          </a:p>
+        </p:txBody>
+      </p:sp>
+      <p:grpSp>
+        <p:nvGrpSpPr>
+          <p:cNvPr id="6" name="Group 5"/>
+          <p:cNvGrpSpPr/>
+          <p:nvPr/>
+        </p:nvGrpSpPr>
+        <p:grpSpPr>
+          <a:xfrm>
+            <a:off x="2441325" y="1176716"/>
+            <a:ext cx="690574" cy="768343"/>
+            <a:chOff x="1151004" y="1379912"/>
+            <a:chExt cx="690574" cy="768343"/>
+          </a:xfrm>
+        </p:grpSpPr>
+        <p:sp>
+          <p:nvSpPr>
+            <p:cNvPr id="4" name="Can 3"/>
+            <p:cNvSpPr/>
+            <p:nvPr/>
+          </p:nvSpPr>
+          <p:spPr>
+            <a:xfrm>
+              <a:off x="1330037" y="1379912"/>
+              <a:ext cx="332509" cy="473826"/>
+            </a:xfrm>
+            <a:prstGeom prst="can">
+              <a:avLst/>
+            </a:prstGeom>
+            <a:noFill/>
+            <a:ln w="9525" cap="flat" cmpd="sng" algn="ctr">
+              <a:solidFill>
+                <a:schemeClr val="dk1"/>
+              </a:solidFill>
+              <a:prstDash val="solid"/>
+              <a:round/>
+              <a:headEnd type="none" w="med" len="med"/>
+              <a:tailEnd type="none" w="med" len="med"/>
+            </a:ln>
+          </p:spPr>
+          <p:style>
+            <a:lnRef idx="0">
+              <a:scrgbClr r="0" g="0" b="0"/>
+            </a:lnRef>
+            <a:fillRef idx="0">
+              <a:scrgbClr r="0" g="0" b="0"/>
+            </a:fillRef>
+            <a:effectRef idx="0">
+              <a:scrgbClr r="0" g="0" b="0"/>
+            </a:effectRef>
+            <a:fontRef idx="minor">
+              <a:schemeClr val="dk1"/>
+            </a:fontRef>
+          </p:style>
+          <p:txBody>
+            <a:bodyPr rtlCol="0" anchor="ctr"/>
+            <a:lstStyle/>
+            <a:p>
+              <a:pPr algn="ctr"/>
+              <a:endParaRPr lang="en-US"/>
+            </a:p>
+          </p:txBody>
+        </p:sp>
+        <p:sp>
+          <p:nvSpPr>
+            <p:cNvPr id="5" name="TextBox 4"/>
+            <p:cNvSpPr txBox="1"/>
+            <p:nvPr/>
+          </p:nvSpPr>
+          <p:spPr>
+            <a:xfrm>
+              <a:off x="1151004" y="1778923"/>
+              <a:ext cx="690574" cy="369332"/>
+            </a:xfrm>
+            <a:prstGeom prst="rect">
+              <a:avLst/>
+            </a:prstGeom>
+            <a:noFill/>
+          </p:spPr>
+          <p:txBody>
+            <a:bodyPr wrap="none" rtlCol="0">
+              <a:spAutoFit/>
+            </a:bodyPr>
+            <a:lstStyle/>
+            <a:p>
+              <a:r>
+                <a:rPr lang="en-US" dirty="0" smtClean="0"/>
+                <a:t>dto-0</a:t>
+              </a:r>
+              <a:endParaRPr lang="en-US" dirty="0"/>
+            </a:p>
+          </p:txBody>
+        </p:sp>
+      </p:grpSp>
+      <p:grpSp>
+        <p:nvGrpSpPr>
+          <p:cNvPr id="7" name="Group 6"/>
+          <p:cNvGrpSpPr/>
+          <p:nvPr/>
+        </p:nvGrpSpPr>
+        <p:grpSpPr>
+          <a:xfrm>
+            <a:off x="4270124" y="1176716"/>
+            <a:ext cx="690574" cy="768343"/>
+            <a:chOff x="1151004" y="1379912"/>
+            <a:chExt cx="690574" cy="768343"/>
+          </a:xfrm>
+        </p:grpSpPr>
+        <p:sp>
+          <p:nvSpPr>
+            <p:cNvPr id="8" name="Can 7"/>
+            <p:cNvSpPr/>
+            <p:nvPr/>
+          </p:nvSpPr>
+          <p:spPr>
+            <a:xfrm>
+              <a:off x="1330037" y="1379912"/>
+              <a:ext cx="332509" cy="473826"/>
+            </a:xfrm>
+            <a:prstGeom prst="can">
+              <a:avLst/>
+            </a:prstGeom>
+            <a:noFill/>
+            <a:ln w="9525" cap="flat" cmpd="sng" algn="ctr">
+              <a:solidFill>
+                <a:schemeClr val="dk1"/>
+              </a:solidFill>
+              <a:prstDash val="solid"/>
+              <a:round/>
+              <a:headEnd type="none" w="med" len="med"/>
+              <a:tailEnd type="none" w="med" len="med"/>
+            </a:ln>
+          </p:spPr>
+          <p:style>
+            <a:lnRef idx="0">
+              <a:scrgbClr r="0" g="0" b="0"/>
+            </a:lnRef>
+            <a:fillRef idx="0">
+              <a:scrgbClr r="0" g="0" b="0"/>
+            </a:fillRef>
+            <a:effectRef idx="0">
+              <a:scrgbClr r="0" g="0" b="0"/>
+            </a:effectRef>
+            <a:fontRef idx="minor">
+              <a:schemeClr val="dk1"/>
+            </a:fontRef>
+          </p:style>
+          <p:txBody>
+            <a:bodyPr rtlCol="0" anchor="ctr"/>
+            <a:lstStyle/>
+            <a:p>
+              <a:pPr algn="ctr"/>
+              <a:endParaRPr lang="en-US"/>
+            </a:p>
+          </p:txBody>
+        </p:sp>
+        <p:sp>
+          <p:nvSpPr>
+            <p:cNvPr id="9" name="TextBox 8"/>
+            <p:cNvSpPr txBox="1"/>
+            <p:nvPr/>
+          </p:nvSpPr>
+          <p:spPr>
+            <a:xfrm>
+              <a:off x="1151004" y="1778923"/>
+              <a:ext cx="690574" cy="369332"/>
+            </a:xfrm>
+            <a:prstGeom prst="rect">
+              <a:avLst/>
+            </a:prstGeom>
+            <a:noFill/>
+          </p:spPr>
+          <p:txBody>
+            <a:bodyPr wrap="none" rtlCol="0">
+              <a:spAutoFit/>
+            </a:bodyPr>
+            <a:lstStyle/>
+            <a:p>
+              <a:r>
+                <a:rPr lang="en-US" dirty="0" smtClean="0"/>
+                <a:t>dto-1</a:t>
+              </a:r>
+              <a:endParaRPr lang="en-US" dirty="0"/>
+            </a:p>
+          </p:txBody>
+        </p:sp>
+      </p:grpSp>
+      <p:cxnSp>
+        <p:nvCxnSpPr>
+          <p:cNvPr id="10" name="Straight Arrow Connector 9"/>
+          <p:cNvCxnSpPr/>
+          <p:nvPr/>
+        </p:nvCxnSpPr>
+        <p:spPr>
+          <a:xfrm>
+            <a:off x="3204826" y="1413629"/>
+            <a:ext cx="980231" cy="0"/>
+          </a:xfrm>
+          <a:prstGeom prst="straightConnector1">
+            <a:avLst/>
+          </a:prstGeom>
+          <a:ln>
+            <a:tailEnd type="triangle"/>
+          </a:ln>
+        </p:spPr>
+        <p:style>
+          <a:lnRef idx="2">
+            <a:schemeClr val="dk1"/>
+          </a:lnRef>
+          <a:fillRef idx="0">
+            <a:schemeClr val="dk1"/>
+          </a:fillRef>
+          <a:effectRef idx="1">
+            <a:schemeClr val="dk1"/>
+          </a:effectRef>
+          <a:fontRef idx="minor">
+            <a:schemeClr val="tx1"/>
+          </a:fontRef>
+        </p:style>
+      </p:cxnSp>
+      <p:sp>
+        <p:nvSpPr>
+          <p:cNvPr id="12" name="TextBox 11"/>
+          <p:cNvSpPr txBox="1"/>
+          <p:nvPr/>
+        </p:nvSpPr>
+        <p:spPr>
+          <a:xfrm>
+            <a:off x="1429623" y="737618"/>
+            <a:ext cx="1071127" cy="369332"/>
+          </a:xfrm>
+          <a:prstGeom prst="rect">
+            <a:avLst/>
+          </a:prstGeom>
+          <a:noFill/>
+        </p:spPr>
+        <p:txBody>
+          <a:bodyPr wrap="none" rtlCol="0">
+            <a:spAutoFit/>
+          </a:bodyPr>
+          <a:lstStyle/>
+          <a:p>
+            <a:r>
+              <a:rPr lang="en-US" i="1" dirty="0" smtClean="0">
+                <a:latin typeface="Consolas" panose="020B0609020204030204" pitchFamily="49" charset="0"/>
+              </a:rPr>
+              <a:t>greeter</a:t>
+            </a:r>
+            <a:endParaRPr lang="en-US" i="1" dirty="0">
+              <a:latin typeface="Consolas" panose="020B0609020204030204" pitchFamily="49" charset="0"/>
+            </a:endParaRPr>
+          </a:p>
+        </p:txBody>
+      </p:sp>
+      <p:sp>
+        <p:nvSpPr>
+          <p:cNvPr id="20" name="TextBox 19"/>
+          <p:cNvSpPr txBox="1"/>
+          <p:nvPr/>
+        </p:nvSpPr>
+        <p:spPr>
+          <a:xfrm>
+            <a:off x="3286014" y="737618"/>
+            <a:ext cx="817853" cy="369332"/>
+          </a:xfrm>
+          <a:prstGeom prst="rect">
+            <a:avLst/>
+          </a:prstGeom>
+          <a:noFill/>
+        </p:spPr>
+        <p:txBody>
+          <a:bodyPr wrap="none" rtlCol="0">
+            <a:spAutoFit/>
+          </a:bodyPr>
+          <a:lstStyle/>
+          <a:p>
+            <a:r>
+              <a:rPr lang="en-US" i="1" dirty="0" smtClean="0">
+                <a:latin typeface="Consolas" panose="020B0609020204030204" pitchFamily="49" charset="0"/>
+              </a:rPr>
+              <a:t>tuner</a:t>
+            </a:r>
+            <a:endParaRPr lang="en-US" i="1" dirty="0">
+              <a:latin typeface="Consolas" panose="020B0609020204030204" pitchFamily="49" charset="0"/>
+            </a:endParaRPr>
+          </a:p>
+        </p:txBody>
+      </p:sp>
+      <p:grpSp>
+        <p:nvGrpSpPr>
+          <p:cNvPr id="21" name="Group 20"/>
+          <p:cNvGrpSpPr/>
+          <p:nvPr/>
+        </p:nvGrpSpPr>
+        <p:grpSpPr>
+          <a:xfrm>
+            <a:off x="6098923" y="1176716"/>
+            <a:ext cx="690574" cy="768343"/>
+            <a:chOff x="1151004" y="1379912"/>
+            <a:chExt cx="690574" cy="768343"/>
+          </a:xfrm>
+        </p:grpSpPr>
+        <p:sp>
+          <p:nvSpPr>
+            <p:cNvPr id="22" name="Can 21"/>
+            <p:cNvSpPr/>
+            <p:nvPr/>
+          </p:nvSpPr>
+          <p:spPr>
+            <a:xfrm>
+              <a:off x="1330037" y="1379912"/>
+              <a:ext cx="332509" cy="473826"/>
+            </a:xfrm>
+            <a:prstGeom prst="can">
+              <a:avLst/>
+            </a:prstGeom>
+            <a:noFill/>
+            <a:ln w="9525" cap="flat" cmpd="sng" algn="ctr">
+              <a:solidFill>
+                <a:schemeClr val="dk1"/>
+              </a:solidFill>
+              <a:prstDash val="solid"/>
+              <a:round/>
+              <a:headEnd type="none" w="med" len="med"/>
+              <a:tailEnd type="none" w="med" len="med"/>
+            </a:ln>
+          </p:spPr>
+          <p:style>
+            <a:lnRef idx="0">
+              <a:scrgbClr r="0" g="0" b="0"/>
+            </a:lnRef>
+            <a:fillRef idx="0">
+              <a:scrgbClr r="0" g="0" b="0"/>
+            </a:fillRef>
+            <a:effectRef idx="0">
+              <a:scrgbClr r="0" g="0" b="0"/>
+            </a:effectRef>
+            <a:fontRef idx="minor">
+              <a:schemeClr val="dk1"/>
+            </a:fontRef>
+          </p:style>
+          <p:txBody>
+            <a:bodyPr rtlCol="0" anchor="ctr"/>
+            <a:lstStyle/>
+            <a:p>
+              <a:pPr algn="ctr"/>
+              <a:endParaRPr lang="en-US"/>
+            </a:p>
+          </p:txBody>
+        </p:sp>
+        <p:sp>
+          <p:nvSpPr>
+            <p:cNvPr id="23" name="TextBox 22"/>
+            <p:cNvSpPr txBox="1"/>
+            <p:nvPr/>
+          </p:nvSpPr>
+          <p:spPr>
+            <a:xfrm>
+              <a:off x="1151004" y="1778923"/>
+              <a:ext cx="690574" cy="369332"/>
+            </a:xfrm>
+            <a:prstGeom prst="rect">
+              <a:avLst/>
+            </a:prstGeom>
+            <a:noFill/>
+          </p:spPr>
+          <p:txBody>
+            <a:bodyPr wrap="none" rtlCol="0">
+              <a:spAutoFit/>
+            </a:bodyPr>
+            <a:lstStyle/>
+            <a:p>
+              <a:r>
+                <a:rPr lang="en-US" dirty="0" smtClean="0"/>
+                <a:t>dto-2</a:t>
+              </a:r>
+              <a:endParaRPr lang="en-US" dirty="0"/>
+            </a:p>
+          </p:txBody>
+        </p:sp>
+      </p:grpSp>
+      <p:cxnSp>
+        <p:nvCxnSpPr>
+          <p:cNvPr id="24" name="Straight Arrow Connector 23"/>
+          <p:cNvCxnSpPr/>
+          <p:nvPr/>
+        </p:nvCxnSpPr>
+        <p:spPr>
+          <a:xfrm>
+            <a:off x="4960698" y="1413629"/>
+            <a:ext cx="980231" cy="0"/>
+          </a:xfrm>
+          <a:prstGeom prst="straightConnector1">
+            <a:avLst/>
+          </a:prstGeom>
+          <a:ln>
+            <a:tailEnd type="triangle"/>
+          </a:ln>
+        </p:spPr>
+        <p:style>
+          <a:lnRef idx="2">
+            <a:schemeClr val="dk1"/>
+          </a:lnRef>
+          <a:fillRef idx="0">
+            <a:schemeClr val="dk1"/>
+          </a:fillRef>
+          <a:effectRef idx="1">
+            <a:schemeClr val="dk1"/>
+          </a:effectRef>
+          <a:fontRef idx="minor">
+            <a:schemeClr val="tx1"/>
+          </a:fontRef>
+        </p:style>
+      </p:cxnSp>
+      <p:grpSp>
+        <p:nvGrpSpPr>
+          <p:cNvPr id="25" name="Group 24"/>
+          <p:cNvGrpSpPr/>
+          <p:nvPr/>
+        </p:nvGrpSpPr>
+        <p:grpSpPr>
+          <a:xfrm>
+            <a:off x="7927723" y="1176716"/>
+            <a:ext cx="690574" cy="768343"/>
+            <a:chOff x="1151004" y="1379912"/>
+            <a:chExt cx="690574" cy="768343"/>
+          </a:xfrm>
+        </p:grpSpPr>
+        <p:sp>
+          <p:nvSpPr>
+            <p:cNvPr id="26" name="Can 25"/>
+            <p:cNvSpPr/>
+            <p:nvPr/>
+          </p:nvSpPr>
+          <p:spPr>
+            <a:xfrm>
+              <a:off x="1330037" y="1379912"/>
+              <a:ext cx="332509" cy="473826"/>
+            </a:xfrm>
+            <a:prstGeom prst="can">
+              <a:avLst/>
+            </a:prstGeom>
+            <a:noFill/>
+            <a:ln w="9525" cap="flat" cmpd="sng" algn="ctr">
+              <a:solidFill>
+                <a:schemeClr val="dk1"/>
+              </a:solidFill>
+              <a:prstDash val="solid"/>
+              <a:round/>
+              <a:headEnd type="none" w="med" len="med"/>
+              <a:tailEnd type="none" w="med" len="med"/>
+            </a:ln>
+          </p:spPr>
+          <p:style>
+            <a:lnRef idx="0">
+              <a:scrgbClr r="0" g="0" b="0"/>
+            </a:lnRef>
+            <a:fillRef idx="0">
+              <a:scrgbClr r="0" g="0" b="0"/>
+            </a:fillRef>
+            <a:effectRef idx="0">
+              <a:scrgbClr r="0" g="0" b="0"/>
+            </a:effectRef>
+            <a:fontRef idx="minor">
+              <a:schemeClr val="dk1"/>
+            </a:fontRef>
+          </p:style>
+          <p:txBody>
+            <a:bodyPr rtlCol="0" anchor="ctr"/>
+            <a:lstStyle/>
+            <a:p>
+              <a:pPr algn="ctr"/>
+              <a:endParaRPr lang="en-US"/>
+            </a:p>
+          </p:txBody>
+        </p:sp>
+        <p:sp>
+          <p:nvSpPr>
+            <p:cNvPr id="27" name="TextBox 26"/>
+            <p:cNvSpPr txBox="1"/>
+            <p:nvPr/>
+          </p:nvSpPr>
+          <p:spPr>
+            <a:xfrm>
+              <a:off x="1151004" y="1778923"/>
+              <a:ext cx="690574" cy="369332"/>
+            </a:xfrm>
+            <a:prstGeom prst="rect">
+              <a:avLst/>
+            </a:prstGeom>
+            <a:noFill/>
+          </p:spPr>
+          <p:txBody>
+            <a:bodyPr wrap="none" rtlCol="0">
+              <a:spAutoFit/>
+            </a:bodyPr>
+            <a:lstStyle/>
+            <a:p>
+              <a:r>
+                <a:rPr lang="en-US" dirty="0" smtClean="0"/>
+                <a:t>dto-3</a:t>
+              </a:r>
+              <a:endParaRPr lang="en-US" dirty="0"/>
+            </a:p>
+          </p:txBody>
+        </p:sp>
+      </p:grpSp>
+      <p:cxnSp>
+        <p:nvCxnSpPr>
+          <p:cNvPr id="28" name="Straight Arrow Connector 27"/>
+          <p:cNvCxnSpPr/>
+          <p:nvPr/>
+        </p:nvCxnSpPr>
+        <p:spPr>
+          <a:xfrm>
+            <a:off x="6872105" y="1413629"/>
+            <a:ext cx="980231" cy="0"/>
+          </a:xfrm>
+          <a:prstGeom prst="straightConnector1">
+            <a:avLst/>
+          </a:prstGeom>
+          <a:ln>
+            <a:tailEnd type="triangle"/>
+          </a:ln>
+        </p:spPr>
+        <p:style>
+          <a:lnRef idx="2">
+            <a:schemeClr val="dk1"/>
+          </a:lnRef>
+          <a:fillRef idx="0">
+            <a:schemeClr val="dk1"/>
+          </a:fillRef>
+          <a:effectRef idx="1">
+            <a:schemeClr val="dk1"/>
+          </a:effectRef>
+          <a:fontRef idx="minor">
+            <a:schemeClr val="tx1"/>
+          </a:fontRef>
+        </p:style>
+      </p:cxnSp>
+      <p:sp>
+        <p:nvSpPr>
+          <p:cNvPr id="29" name="TextBox 28"/>
+          <p:cNvSpPr txBox="1"/>
+          <p:nvPr/>
+        </p:nvSpPr>
+        <p:spPr>
+          <a:xfrm>
+            <a:off x="4781008" y="737618"/>
+            <a:ext cx="1071127" cy="369332"/>
+          </a:xfrm>
+          <a:prstGeom prst="rect">
+            <a:avLst/>
+          </a:prstGeom>
+          <a:noFill/>
+        </p:spPr>
+        <p:txBody>
+          <a:bodyPr wrap="none" rtlCol="0">
+            <a:spAutoFit/>
+          </a:bodyPr>
+          <a:lstStyle/>
+          <a:p>
+            <a:r>
+              <a:rPr lang="en-US" i="1" dirty="0" smtClean="0">
+                <a:latin typeface="Consolas" panose="020B0609020204030204" pitchFamily="49" charset="0"/>
+              </a:rPr>
+              <a:t>encoder</a:t>
+            </a:r>
+            <a:endParaRPr lang="en-US" i="1" dirty="0">
+              <a:latin typeface="Consolas" panose="020B0609020204030204" pitchFamily="49" charset="0"/>
+            </a:endParaRPr>
+          </a:p>
+        </p:txBody>
+      </p:sp>
+      <p:sp>
+        <p:nvSpPr>
+          <p:cNvPr id="30" name="TextBox 29"/>
+          <p:cNvSpPr txBox="1"/>
+          <p:nvPr/>
+        </p:nvSpPr>
+        <p:spPr>
+          <a:xfrm>
+            <a:off x="6610465" y="737618"/>
+            <a:ext cx="1324402" cy="369332"/>
+          </a:xfrm>
+          <a:prstGeom prst="rect">
+            <a:avLst/>
+          </a:prstGeom>
+          <a:noFill/>
+        </p:spPr>
+        <p:txBody>
+          <a:bodyPr wrap="none" rtlCol="0">
+            <a:spAutoFit/>
+          </a:bodyPr>
+          <a:lstStyle/>
+          <a:p>
+            <a:r>
+              <a:rPr lang="en-US" i="1" dirty="0" smtClean="0">
+                <a:latin typeface="Consolas" panose="020B0609020204030204" pitchFamily="49" charset="0"/>
+              </a:rPr>
+              <a:t>validator</a:t>
+            </a:r>
+            <a:endParaRPr lang="en-US" i="1" dirty="0">
+              <a:latin typeface="Consolas" panose="020B0609020204030204" pitchFamily="49" charset="0"/>
+            </a:endParaRPr>
+          </a:p>
+        </p:txBody>
+      </p:sp>
+      <p:sp>
+        <p:nvSpPr>
+          <p:cNvPr id="38" name="TextBox 37"/>
+          <p:cNvSpPr txBox="1"/>
+          <p:nvPr/>
+        </p:nvSpPr>
+        <p:spPr>
+          <a:xfrm>
+            <a:off x="8990562" y="1028908"/>
+            <a:ext cx="461986" cy="769441"/>
+          </a:xfrm>
+          <a:prstGeom prst="rect">
+            <a:avLst/>
+          </a:prstGeom>
+          <a:noFill/>
+        </p:spPr>
+        <p:txBody>
+          <a:bodyPr wrap="none" rtlCol="0">
+            <a:spAutoFit/>
+          </a:bodyPr>
+          <a:lstStyle/>
+          <a:p>
+            <a:r>
+              <a:rPr lang="el-GR" sz="4400" dirty="0" smtClean="0"/>
+              <a:t>Ξ</a:t>
+            </a:r>
+            <a:endParaRPr lang="en-US" sz="4400" dirty="0"/>
+          </a:p>
+        </p:txBody>
+      </p:sp>
+      <p:grpSp>
+        <p:nvGrpSpPr>
+          <p:cNvPr id="39" name="Group 38"/>
+          <p:cNvGrpSpPr/>
+          <p:nvPr/>
+        </p:nvGrpSpPr>
+        <p:grpSpPr>
+          <a:xfrm>
+            <a:off x="9898526" y="1176716"/>
+            <a:ext cx="396262" cy="768343"/>
+            <a:chOff x="1300638" y="1379912"/>
+            <a:chExt cx="396262" cy="768343"/>
+          </a:xfrm>
+        </p:grpSpPr>
+        <p:sp>
+          <p:nvSpPr>
+            <p:cNvPr id="40" name="Can 39"/>
+            <p:cNvSpPr/>
+            <p:nvPr/>
+          </p:nvSpPr>
+          <p:spPr>
+            <a:xfrm>
+              <a:off x="1330037" y="1379912"/>
+              <a:ext cx="332509" cy="473826"/>
+            </a:xfrm>
+            <a:prstGeom prst="can">
+              <a:avLst/>
+            </a:prstGeom>
+            <a:noFill/>
+            <a:ln w="9525" cap="flat" cmpd="sng" algn="ctr">
+              <a:solidFill>
+                <a:schemeClr val="dk1"/>
+              </a:solidFill>
+              <a:prstDash val="solid"/>
+              <a:round/>
+              <a:headEnd type="none" w="med" len="med"/>
+              <a:tailEnd type="none" w="med" len="med"/>
+            </a:ln>
+          </p:spPr>
+          <p:style>
+            <a:lnRef idx="0">
+              <a:scrgbClr r="0" g="0" b="0"/>
+            </a:lnRef>
+            <a:fillRef idx="0">
+              <a:scrgbClr r="0" g="0" b="0"/>
+            </a:fillRef>
+            <a:effectRef idx="0">
+              <a:scrgbClr r="0" g="0" b="0"/>
+            </a:effectRef>
+            <a:fontRef idx="minor">
+              <a:schemeClr val="dk1"/>
+            </a:fontRef>
+          </p:style>
+          <p:txBody>
+            <a:bodyPr rtlCol="0" anchor="ctr"/>
+            <a:lstStyle/>
+            <a:p>
+              <a:pPr algn="ctr"/>
+              <a:endParaRPr lang="en-US"/>
+            </a:p>
+          </p:txBody>
+        </p:sp>
+        <p:sp>
+          <p:nvSpPr>
+            <p:cNvPr id="41" name="TextBox 40"/>
+            <p:cNvSpPr txBox="1"/>
+            <p:nvPr/>
+          </p:nvSpPr>
+          <p:spPr>
+            <a:xfrm>
+              <a:off x="1300638" y="1778923"/>
+              <a:ext cx="396262" cy="369332"/>
+            </a:xfrm>
+            <a:prstGeom prst="rect">
+              <a:avLst/>
+            </a:prstGeom>
+            <a:noFill/>
+          </p:spPr>
+          <p:txBody>
+            <a:bodyPr wrap="none" rtlCol="0">
+              <a:spAutoFit/>
+            </a:bodyPr>
+            <a:lstStyle/>
+            <a:p>
+              <a:r>
+                <a:rPr lang="en-US" dirty="0" smtClean="0"/>
+                <a:t>ds</a:t>
+              </a:r>
+              <a:endParaRPr lang="en-US" dirty="0"/>
+            </a:p>
+          </p:txBody>
+        </p:sp>
+      </p:grpSp>
+      <p:sp>
+        <p:nvSpPr>
+          <p:cNvPr id="42" name="TextBox 41"/>
+          <p:cNvSpPr txBox="1"/>
+          <p:nvPr/>
+        </p:nvSpPr>
+        <p:spPr>
+          <a:xfrm>
+            <a:off x="10519279" y="1206395"/>
+            <a:ext cx="300082" cy="369332"/>
+          </a:xfrm>
+          <a:prstGeom prst="rect">
+            <a:avLst/>
+          </a:prstGeom>
+          <a:noFill/>
+        </p:spPr>
+        <p:txBody>
+          <a:bodyPr wrap="none" rtlCol="0">
+            <a:spAutoFit/>
+          </a:bodyPr>
+          <a:lstStyle/>
+          <a:p>
+            <a:r>
+              <a:rPr lang="en-US" dirty="0" smtClean="0"/>
+              <a:t>+</a:t>
+            </a:r>
+            <a:endParaRPr lang="en-US" dirty="0"/>
+          </a:p>
+        </p:txBody>
+      </p:sp>
+      <p:grpSp>
+        <p:nvGrpSpPr>
+          <p:cNvPr id="52" name="Group 51"/>
+          <p:cNvGrpSpPr/>
+          <p:nvPr/>
+        </p:nvGrpSpPr>
+        <p:grpSpPr>
+          <a:xfrm>
+            <a:off x="2186286" y="1895709"/>
+            <a:ext cx="8893275" cy="1200329"/>
+            <a:chOff x="920904" y="2200501"/>
+            <a:chExt cx="8893275" cy="1200329"/>
+          </a:xfrm>
+        </p:grpSpPr>
+        <p:sp>
+          <p:nvSpPr>
+            <p:cNvPr id="34" name="TextBox 33"/>
+            <p:cNvSpPr txBox="1"/>
+            <p:nvPr/>
+          </p:nvSpPr>
+          <p:spPr>
+            <a:xfrm>
+              <a:off x="920904" y="2200501"/>
+              <a:ext cx="1200650" cy="923330"/>
+            </a:xfrm>
+            <a:prstGeom prst="rect">
+              <a:avLst/>
+            </a:prstGeom>
+            <a:noFill/>
+          </p:spPr>
+          <p:txBody>
+            <a:bodyPr wrap="none" rtlCol="0">
+              <a:spAutoFit/>
+            </a:bodyPr>
+            <a:lstStyle/>
+            <a:p>
+              <a:pPr marL="285750" indent="-285750">
+                <a:buFont typeface="Wingdings" panose="05000000000000000000" pitchFamily="2" charset="2"/>
+                <a:buChar char="§"/>
+              </a:pPr>
+              <a:r>
+                <a:rPr lang="en-US" dirty="0" smtClean="0"/>
+                <a:t>raw</a:t>
+              </a:r>
+            </a:p>
+            <a:p>
+              <a:pPr marL="285750" indent="-285750">
+                <a:buFont typeface="Wingdings" panose="05000000000000000000" pitchFamily="2" charset="2"/>
+                <a:buChar char="§"/>
+              </a:pPr>
+              <a:r>
+                <a:rPr lang="en-US" dirty="0" smtClean="0"/>
+                <a:t>meta</a:t>
+              </a:r>
+            </a:p>
+            <a:p>
+              <a:pPr marL="285750" indent="-285750">
+                <a:buFont typeface="Wingdings" panose="05000000000000000000" pitchFamily="2" charset="2"/>
+                <a:buChar char="§"/>
+              </a:pPr>
+              <a:r>
+                <a:rPr lang="en-US" dirty="0" smtClean="0"/>
+                <a:t>greeted</a:t>
+              </a:r>
+              <a:endParaRPr lang="en-US" dirty="0"/>
+            </a:p>
+          </p:txBody>
+        </p:sp>
+        <p:sp>
+          <p:nvSpPr>
+            <p:cNvPr id="35" name="TextBox 34"/>
+            <p:cNvSpPr txBox="1"/>
+            <p:nvPr/>
+          </p:nvSpPr>
+          <p:spPr>
+            <a:xfrm>
+              <a:off x="2723690" y="2200501"/>
+              <a:ext cx="1031051" cy="369332"/>
+            </a:xfrm>
+            <a:prstGeom prst="rect">
+              <a:avLst/>
+            </a:prstGeom>
+            <a:noFill/>
+          </p:spPr>
+          <p:txBody>
+            <a:bodyPr wrap="none" rtlCol="0">
+              <a:spAutoFit/>
+            </a:bodyPr>
+            <a:lstStyle/>
+            <a:p>
+              <a:pPr marL="285750" indent="-285750">
+                <a:buFont typeface="Wingdings" panose="05000000000000000000" pitchFamily="2" charset="2"/>
+                <a:buChar char="§"/>
+              </a:pPr>
+              <a:r>
+                <a:rPr lang="en-US" dirty="0" smtClean="0"/>
+                <a:t>tuned</a:t>
+              </a:r>
+              <a:endParaRPr lang="en-US" dirty="0"/>
+            </a:p>
+          </p:txBody>
+        </p:sp>
+        <p:sp>
+          <p:nvSpPr>
+            <p:cNvPr id="36" name="TextBox 35"/>
+            <p:cNvSpPr txBox="1"/>
+            <p:nvPr/>
+          </p:nvSpPr>
+          <p:spPr>
+            <a:xfrm>
+              <a:off x="4562577" y="2200501"/>
+              <a:ext cx="1956561" cy="1200329"/>
+            </a:xfrm>
+            <a:prstGeom prst="rect">
+              <a:avLst/>
+            </a:prstGeom>
+            <a:noFill/>
+          </p:spPr>
+          <p:txBody>
+            <a:bodyPr wrap="none" rtlCol="0">
+              <a:spAutoFit/>
+            </a:bodyPr>
+            <a:lstStyle/>
+            <a:p>
+              <a:pPr marL="285750" indent="-285750">
+                <a:buFont typeface="Courier New" panose="02070309020205020404" pitchFamily="49" charset="0"/>
+                <a:buChar char="o"/>
+              </a:pPr>
+              <a:r>
+                <a:rPr lang="en-US" dirty="0" smtClean="0"/>
+                <a:t>encoded</a:t>
+              </a:r>
+            </a:p>
+            <a:p>
+              <a:pPr marL="742950" lvl="1" indent="-285750">
+                <a:buFont typeface="Wingdings" panose="05000000000000000000" pitchFamily="2" charset="2"/>
+                <a:buChar char="§"/>
+              </a:pPr>
+              <a:r>
+                <a:rPr lang="en-US" dirty="0" smtClean="0"/>
+                <a:t>missing</a:t>
+              </a:r>
+            </a:p>
+            <a:p>
+              <a:pPr marL="742950" lvl="1" indent="-285750">
+                <a:buFont typeface="Wingdings" panose="05000000000000000000" pitchFamily="2" charset="2"/>
+                <a:buChar char="§"/>
+              </a:pPr>
+              <a:r>
+                <a:rPr lang="en-US" dirty="0" smtClean="0"/>
+                <a:t>multistate</a:t>
+              </a:r>
+            </a:p>
+            <a:p>
+              <a:pPr marL="742950" lvl="1" indent="-285750">
+                <a:buFont typeface="Wingdings" panose="05000000000000000000" pitchFamily="2" charset="2"/>
+                <a:buChar char="§"/>
+              </a:pPr>
+              <a:r>
+                <a:rPr lang="en-US" dirty="0" smtClean="0"/>
+                <a:t>corrected</a:t>
+              </a:r>
+              <a:endParaRPr lang="en-US" dirty="0"/>
+            </a:p>
+          </p:txBody>
+        </p:sp>
+        <p:sp>
+          <p:nvSpPr>
+            <p:cNvPr id="37" name="TextBox 36"/>
+            <p:cNvSpPr txBox="1"/>
+            <p:nvPr/>
+          </p:nvSpPr>
+          <p:spPr>
+            <a:xfrm>
+              <a:off x="6394498" y="2200501"/>
+              <a:ext cx="912237" cy="369332"/>
+            </a:xfrm>
+            <a:prstGeom prst="rect">
+              <a:avLst/>
+            </a:prstGeom>
+            <a:noFill/>
+          </p:spPr>
+          <p:txBody>
+            <a:bodyPr wrap="none" rtlCol="0">
+              <a:spAutoFit/>
+            </a:bodyPr>
+            <a:lstStyle/>
+            <a:p>
+              <a:pPr marL="285750" indent="-285750">
+                <a:buFont typeface="Wingdings" panose="05000000000000000000" pitchFamily="2" charset="2"/>
+                <a:buChar char="§"/>
+              </a:pPr>
+              <a:r>
+                <a:rPr lang="en-US" dirty="0" smtClean="0"/>
+                <a:t>valid</a:t>
+              </a:r>
+              <a:endParaRPr lang="en-US" dirty="0"/>
+            </a:p>
+          </p:txBody>
+        </p:sp>
+        <p:sp>
+          <p:nvSpPr>
+            <p:cNvPr id="43" name="TextBox 42"/>
+            <p:cNvSpPr txBox="1"/>
+            <p:nvPr/>
+          </p:nvSpPr>
+          <p:spPr>
+            <a:xfrm>
+              <a:off x="8342173" y="2200501"/>
+              <a:ext cx="1472006" cy="369332"/>
+            </a:xfrm>
+            <a:prstGeom prst="rect">
+              <a:avLst/>
+            </a:prstGeom>
+            <a:noFill/>
+          </p:spPr>
+          <p:txBody>
+            <a:bodyPr wrap="none" rtlCol="0">
+              <a:spAutoFit/>
+            </a:bodyPr>
+            <a:lstStyle/>
+            <a:p>
+              <a:pPr marL="285750" indent="-285750">
+                <a:buFont typeface="Wingdings" panose="05000000000000000000" pitchFamily="2" charset="2"/>
+                <a:buChar char="§"/>
+              </a:pPr>
+              <a:r>
+                <a:rPr lang="en-US" dirty="0" smtClean="0"/>
+                <a:t>estimation</a:t>
+              </a:r>
+              <a:endParaRPr lang="en-US" dirty="0"/>
+            </a:p>
+          </p:txBody>
+        </p:sp>
+      </p:grpSp>
+      <p:grpSp>
+        <p:nvGrpSpPr>
+          <p:cNvPr id="48" name="Group 47"/>
+          <p:cNvGrpSpPr/>
+          <p:nvPr/>
+        </p:nvGrpSpPr>
+        <p:grpSpPr>
+          <a:xfrm>
+            <a:off x="178200" y="913896"/>
+            <a:ext cx="1194075" cy="1072726"/>
+            <a:chOff x="902234" y="339034"/>
+            <a:chExt cx="1188113" cy="559422"/>
+          </a:xfrm>
+        </p:grpSpPr>
+        <p:sp>
+          <p:nvSpPr>
+            <p:cNvPr id="17" name="Cloud 16"/>
+            <p:cNvSpPr/>
+            <p:nvPr/>
+          </p:nvSpPr>
+          <p:spPr>
+            <a:xfrm>
+              <a:off x="902234" y="339034"/>
+              <a:ext cx="1188113" cy="532015"/>
+            </a:xfrm>
+            <a:prstGeom prst="cloud">
+              <a:avLst/>
+            </a:prstGeom>
+            <a:noFill/>
+            <a:ln w="9525" cap="flat" cmpd="sng" algn="ctr">
+              <a:solidFill>
+                <a:schemeClr val="dk1"/>
+              </a:solidFill>
+              <a:prstDash val="solid"/>
+              <a:round/>
+              <a:headEnd type="none" w="med" len="med"/>
+              <a:tailEnd type="none" w="med" len="med"/>
+            </a:ln>
+          </p:spPr>
+          <p:style>
+            <a:lnRef idx="0">
+              <a:scrgbClr r="0" g="0" b="0"/>
+            </a:lnRef>
+            <a:fillRef idx="0">
+              <a:scrgbClr r="0" g="0" b="0"/>
+            </a:fillRef>
+            <a:effectRef idx="0">
+              <a:scrgbClr r="0" g="0" b="0"/>
+            </a:effectRef>
+            <a:fontRef idx="minor">
+              <a:schemeClr val="dk1"/>
+            </a:fontRef>
+          </p:style>
+          <p:txBody>
+            <a:bodyPr rtlCol="0" anchor="ctr"/>
+            <a:lstStyle/>
+            <a:p>
+              <a:pPr algn="ctr"/>
+              <a:endParaRPr lang="en-US" sz="1400" dirty="0"/>
+            </a:p>
+          </p:txBody>
+        </p:sp>
+        <p:sp>
+          <p:nvSpPr>
+            <p:cNvPr id="47" name="TextBox 46"/>
+            <p:cNvSpPr txBox="1"/>
+            <p:nvPr/>
+          </p:nvSpPr>
+          <p:spPr>
+            <a:xfrm flipH="1">
+              <a:off x="1172053" y="400893"/>
+              <a:ext cx="760462" cy="497563"/>
+            </a:xfrm>
+            <a:prstGeom prst="rect">
+              <a:avLst/>
+            </a:prstGeom>
+            <a:noFill/>
+          </p:spPr>
+          <p:txBody>
+            <a:bodyPr wrap="square" rtlCol="0">
+              <a:spAutoFit/>
+            </a:bodyPr>
+            <a:lstStyle/>
+            <a:p>
+              <a:r>
+                <a:rPr lang="en-US" sz="1400" dirty="0" smtClean="0"/>
+                <a:t>IALSA</a:t>
+              </a:r>
+            </a:p>
+            <a:p>
+              <a:r>
+                <a:rPr lang="en-US" sz="1400" dirty="0" smtClean="0"/>
+                <a:t>Study</a:t>
+              </a:r>
+            </a:p>
+            <a:p>
+              <a:r>
+                <a:rPr lang="en-US" sz="1400" dirty="0" smtClean="0"/>
+                <a:t>Curator</a:t>
+              </a:r>
+              <a:endParaRPr lang="en-US" sz="1400" dirty="0"/>
+            </a:p>
+            <a:p>
+              <a:endParaRPr lang="en-US" sz="1400" dirty="0"/>
+            </a:p>
+          </p:txBody>
+        </p:sp>
+      </p:grpSp>
+      <p:sp>
+        <p:nvSpPr>
+          <p:cNvPr id="49" name="TextBox 48"/>
+          <p:cNvSpPr txBox="1"/>
+          <p:nvPr/>
+        </p:nvSpPr>
+        <p:spPr>
+          <a:xfrm>
+            <a:off x="11030791" y="1197426"/>
+            <a:ext cx="886781" cy="369332"/>
+          </a:xfrm>
+          <a:prstGeom prst="rect">
+            <a:avLst/>
+          </a:prstGeom>
+          <a:noFill/>
+        </p:spPr>
+        <p:txBody>
+          <a:bodyPr wrap="none" rtlCol="0">
+            <a:spAutoFit/>
+          </a:bodyPr>
+          <a:lstStyle/>
+          <a:p>
+            <a:r>
+              <a:rPr lang="en-US" dirty="0" smtClean="0"/>
+              <a:t>MODEL</a:t>
+            </a:r>
+            <a:endParaRPr lang="en-US" dirty="0"/>
+          </a:p>
+        </p:txBody>
+      </p:sp>
+      <p:cxnSp>
+        <p:nvCxnSpPr>
+          <p:cNvPr id="44" name="Straight Arrow Connector 43"/>
+          <p:cNvCxnSpPr/>
+          <p:nvPr/>
+        </p:nvCxnSpPr>
+        <p:spPr>
+          <a:xfrm>
+            <a:off x="1475070" y="1413629"/>
+            <a:ext cx="980231" cy="0"/>
+          </a:xfrm>
+          <a:prstGeom prst="straightConnector1">
+            <a:avLst/>
+          </a:prstGeom>
+          <a:ln>
+            <a:tailEnd type="triangle"/>
+          </a:ln>
+        </p:spPr>
+        <p:style>
+          <a:lnRef idx="2">
+            <a:schemeClr val="dk1"/>
+          </a:lnRef>
+          <a:fillRef idx="0">
+            <a:schemeClr val="dk1"/>
+          </a:fillRef>
+          <a:effectRef idx="1">
+            <a:schemeClr val="dk1"/>
+          </a:effectRef>
+          <a:fontRef idx="minor">
+            <a:schemeClr val="tx1"/>
+          </a:fontRef>
+        </p:style>
+      </p:cxnSp>
+      <p:sp>
+        <p:nvSpPr>
+          <p:cNvPr id="3" name="Rectangle 2"/>
+          <p:cNvSpPr/>
+          <p:nvPr/>
+        </p:nvSpPr>
+        <p:spPr>
+          <a:xfrm>
+            <a:off x="0" y="683492"/>
+            <a:ext cx="12192000" cy="2530763"/>
+          </a:xfrm>
+          <a:prstGeom prst="rect">
+            <a:avLst/>
+          </a:prstGeom>
+          <a:noFill/>
+          <a:ln w="9525" cap="flat" cmpd="sng" algn="ctr">
+            <a:solidFill>
+              <a:schemeClr val="dk1"/>
+            </a:solidFill>
+            <a:prstDash val="solid"/>
+            <a:round/>
+            <a:headEnd type="none" w="med" len="med"/>
+            <a:tailEnd type="none" w="med" len="med"/>
+          </a:ln>
+        </p:spPr>
+        <p:style>
+          <a:lnRef idx="0">
+            <a:scrgbClr r="0" g="0" b="0"/>
+          </a:lnRef>
+          <a:fillRef idx="0">
+            <a:scrgbClr r="0" g="0" b="0"/>
+          </a:fillRef>
+          <a:effectRef idx="0">
+            <a:scrgbClr r="0" g="0" b="0"/>
+          </a:effectRef>
+          <a:fontRef idx="minor">
+            <a:schemeClr val="dk1"/>
+          </a:fontRef>
+        </p:style>
+        <p:txBody>
+          <a:bodyPr rtlCol="0" anchor="ctr"/>
+          <a:lstStyle/>
+          <a:p>
+            <a:pPr algn="ctr"/>
+            <a:endParaRPr lang="en-US"/>
+          </a:p>
+        </p:txBody>
+      </p:sp>
+    </p:spTree>
+    <p:extLst>
+      <p:ext uri="{BB962C8B-B14F-4D97-AF65-F5344CB8AC3E}">
+        <p14:creationId xmlns:p14="http://schemas.microsoft.com/office/powerpoint/2010/main" val="969674372"/>
+      </p:ext>
+    </p:extLst>
+  </p:cSld>
+  <p:clrMapOvr>
+    <a:masterClrMapping/>
+  </p:clrMapOvr>
+  <p:timing>
+    <p:tnLst>
+      <p:par>
+        <p:cTn id="1" dur="indefinite" restart="never" nodeType="tmRoot"/>
+      </p:par>
+    </p:tnLst>
+  </p:timing>
+</p:sld>
+</file>
+
 <file path=ppt/theme/theme1.xml><?xml version="1.0" encoding="utf-8"?>
 <a:theme xmlns:a="http://schemas.openxmlformats.org/drawingml/2006/main" name="Office Theme">
   <a:themeElements>
